--- a/figs/pna-block-diagram.pptx
+++ b/figs/pna-block-diagram.pptx
@@ -115,8 +115,7 @@
 <file path=ppt/revisionInfo.xml><?xml version="1.0" encoding="utf-8"?>
 <p1510:revInfo xmlns:a="http://schemas.openxmlformats.org/drawingml/2006/main" xmlns:r="http://schemas.openxmlformats.org/officeDocument/2006/relationships" xmlns:p1510="http://schemas.microsoft.com/office/powerpoint/2015/10/main">
   <p1510:revLst>
-    <p1510:client id="{AB275EFB-7DC9-4E6C-884D-530FD05132B0}" v="19" dt="2020-11-13T02:40:44.173"/>
-    <p1510:client id="{FA5602D7-A0D3-4013-A653-8499FBA519D5}" v="1" dt="2020-11-13T03:06:00.859"/>
+    <p1510:client id="{4F0530BD-8DBC-4E4A-AD8B-324142F9DCDB}" v="5" dt="2020-11-22T04:19:39.261"/>
   </p1510:revLst>
 </p1510:revInfo>
 </file>
@@ -702,6 +701,214 @@
             <pc:docMk/>
             <pc:sldMk cId="1091789387" sldId="273"/>
             <ac:cxnSpMk id="181" creationId="{90B81CF6-C291-4A3A-8CFF-4322DFD54B64}"/>
+          </ac:cxnSpMkLst>
+        </pc:cxnChg>
+      </pc:sldChg>
+    </pc:docChg>
+  </pc:docChgLst>
+  <pc:docChgLst>
+    <pc:chgData name="Fingerhut, John Andy" userId="6ad675d3-541e-4813-9336-4804cd571dc7" providerId="ADAL" clId="{4F0530BD-8DBC-4E4A-AD8B-324142F9DCDB}"/>
+    <pc:docChg chg="undo modSld">
+      <pc:chgData name="Fingerhut, John Andy" userId="6ad675d3-541e-4813-9336-4804cd571dc7" providerId="ADAL" clId="{4F0530BD-8DBC-4E4A-AD8B-324142F9DCDB}" dt="2020-11-22T04:20:54.462" v="49" actId="1076"/>
+      <pc:docMkLst>
+        <pc:docMk/>
+      </pc:docMkLst>
+      <pc:sldChg chg="addSp delSp modSp">
+        <pc:chgData name="Fingerhut, John Andy" userId="6ad675d3-541e-4813-9336-4804cd571dc7" providerId="ADAL" clId="{4F0530BD-8DBC-4E4A-AD8B-324142F9DCDB}" dt="2020-11-22T04:20:54.462" v="49" actId="1076"/>
+        <pc:sldMkLst>
+          <pc:docMk/>
+          <pc:sldMk cId="1091789387" sldId="273"/>
+        </pc:sldMkLst>
+        <pc:spChg chg="mod">
+          <ac:chgData name="Fingerhut, John Andy" userId="6ad675d3-541e-4813-9336-4804cd571dc7" providerId="ADAL" clId="{4F0530BD-8DBC-4E4A-AD8B-324142F9DCDB}" dt="2020-11-22T04:17:51.475" v="13" actId="1076"/>
+          <ac:spMkLst>
+            <pc:docMk/>
+            <pc:sldMk cId="1091789387" sldId="273"/>
+            <ac:spMk id="110" creationId="{CBF41200-6B39-49A7-85D4-64606C55105F}"/>
+          </ac:spMkLst>
+        </pc:spChg>
+        <pc:spChg chg="mod">
+          <ac:chgData name="Fingerhut, John Andy" userId="6ad675d3-541e-4813-9336-4804cd571dc7" providerId="ADAL" clId="{4F0530BD-8DBC-4E4A-AD8B-324142F9DCDB}" dt="2020-11-22T04:17:51.475" v="13" actId="1076"/>
+          <ac:spMkLst>
+            <pc:docMk/>
+            <pc:sldMk cId="1091789387" sldId="273"/>
+            <ac:spMk id="111" creationId="{8EF40A48-3C9D-4A24-A40E-E4870584BA66}"/>
+          </ac:spMkLst>
+        </pc:spChg>
+        <pc:spChg chg="mod">
+          <ac:chgData name="Fingerhut, John Andy" userId="6ad675d3-541e-4813-9336-4804cd571dc7" providerId="ADAL" clId="{4F0530BD-8DBC-4E4A-AD8B-324142F9DCDB}" dt="2020-11-22T04:17:51.475" v="13" actId="1076"/>
+          <ac:spMkLst>
+            <pc:docMk/>
+            <pc:sldMk cId="1091789387" sldId="273"/>
+            <ac:spMk id="113" creationId="{58FA7448-7B0F-43F4-A246-03BDB307CBC0}"/>
+          </ac:spMkLst>
+        </pc:spChg>
+        <pc:spChg chg="mod">
+          <ac:chgData name="Fingerhut, John Andy" userId="6ad675d3-541e-4813-9336-4804cd571dc7" providerId="ADAL" clId="{4F0530BD-8DBC-4E4A-AD8B-324142F9DCDB}" dt="2020-11-22T04:17:51.475" v="13" actId="1076"/>
+          <ac:spMkLst>
+            <pc:docMk/>
+            <pc:sldMk cId="1091789387" sldId="273"/>
+            <ac:spMk id="114" creationId="{8981AA32-2977-41CF-9174-51C16EB7A3C1}"/>
+          </ac:spMkLst>
+        </pc:spChg>
+        <pc:spChg chg="add del">
+          <ac:chgData name="Fingerhut, John Andy" userId="6ad675d3-541e-4813-9336-4804cd571dc7" providerId="ADAL" clId="{4F0530BD-8DBC-4E4A-AD8B-324142F9DCDB}" dt="2020-11-22T04:19:37.666" v="21"/>
+          <ac:spMkLst>
+            <pc:docMk/>
+            <pc:sldMk cId="1091789387" sldId="273"/>
+            <ac:spMk id="119" creationId="{88E29AD1-43B3-485D-B363-3F6436D907E7}"/>
+          </ac:spMkLst>
+        </pc:spChg>
+        <pc:spChg chg="add mod">
+          <ac:chgData name="Fingerhut, John Andy" userId="6ad675d3-541e-4813-9336-4804cd571dc7" providerId="ADAL" clId="{4F0530BD-8DBC-4E4A-AD8B-324142F9DCDB}" dt="2020-11-22T04:20:54.462" v="49" actId="1076"/>
+          <ac:spMkLst>
+            <pc:docMk/>
+            <pc:sldMk cId="1091789387" sldId="273"/>
+            <ac:spMk id="122" creationId="{AAFB021B-F573-4955-A61C-CA26210E375D}"/>
+          </ac:spMkLst>
+        </pc:spChg>
+        <pc:spChg chg="mod">
+          <ac:chgData name="Fingerhut, John Andy" userId="6ad675d3-541e-4813-9336-4804cd571dc7" providerId="ADAL" clId="{4F0530BD-8DBC-4E4A-AD8B-324142F9DCDB}" dt="2020-11-22T04:17:51.475" v="13" actId="1076"/>
+          <ac:spMkLst>
+            <pc:docMk/>
+            <pc:sldMk cId="1091789387" sldId="273"/>
+            <ac:spMk id="148" creationId="{0E3FF64B-C6A6-4736-9847-96B6371F20AE}"/>
+          </ac:spMkLst>
+        </pc:spChg>
+        <pc:spChg chg="mod">
+          <ac:chgData name="Fingerhut, John Andy" userId="6ad675d3-541e-4813-9336-4804cd571dc7" providerId="ADAL" clId="{4F0530BD-8DBC-4E4A-AD8B-324142F9DCDB}" dt="2020-11-22T04:17:51.475" v="13" actId="1076"/>
+          <ac:spMkLst>
+            <pc:docMk/>
+            <pc:sldMk cId="1091789387" sldId="273"/>
+            <ac:spMk id="200" creationId="{6143778A-3CAF-4C20-AA59-3CC193DB8BCB}"/>
+          </ac:spMkLst>
+        </pc:spChg>
+        <pc:grpChg chg="mod">
+          <ac:chgData name="Fingerhut, John Andy" userId="6ad675d3-541e-4813-9336-4804cd571dc7" providerId="ADAL" clId="{4F0530BD-8DBC-4E4A-AD8B-324142F9DCDB}" dt="2020-11-22T04:17:51.475" v="13" actId="1076"/>
+          <ac:grpSpMkLst>
+            <pc:docMk/>
+            <pc:sldMk cId="1091789387" sldId="273"/>
+            <ac:grpSpMk id="25" creationId="{D3A54630-E9F6-45DD-998F-E5DC0F14A399}"/>
+          </ac:grpSpMkLst>
+        </pc:grpChg>
+        <pc:grpChg chg="mod">
+          <ac:chgData name="Fingerhut, John Andy" userId="6ad675d3-541e-4813-9336-4804cd571dc7" providerId="ADAL" clId="{4F0530BD-8DBC-4E4A-AD8B-324142F9DCDB}" dt="2020-11-22T04:17:51.475" v="13" actId="1076"/>
+          <ac:grpSpMkLst>
+            <pc:docMk/>
+            <pc:sldMk cId="1091789387" sldId="273"/>
+            <ac:grpSpMk id="83" creationId="{1C834900-1FBA-4F79-9BAA-4729CB027B15}"/>
+          </ac:grpSpMkLst>
+        </pc:grpChg>
+        <pc:grpChg chg="mod">
+          <ac:chgData name="Fingerhut, John Andy" userId="6ad675d3-541e-4813-9336-4804cd571dc7" providerId="ADAL" clId="{4F0530BD-8DBC-4E4A-AD8B-324142F9DCDB}" dt="2020-11-22T04:18:39.163" v="17" actId="14100"/>
+          <ac:grpSpMkLst>
+            <pc:docMk/>
+            <pc:sldMk cId="1091789387" sldId="273"/>
+            <ac:grpSpMk id="163" creationId="{8608615B-EB0D-4D19-94C6-BA8F0B161E4B}"/>
+          </ac:grpSpMkLst>
+        </pc:grpChg>
+        <pc:grpChg chg="mod">
+          <ac:chgData name="Fingerhut, John Andy" userId="6ad675d3-541e-4813-9336-4804cd571dc7" providerId="ADAL" clId="{4F0530BD-8DBC-4E4A-AD8B-324142F9DCDB}" dt="2020-11-22T04:17:51.475" v="13" actId="1076"/>
+          <ac:grpSpMkLst>
+            <pc:docMk/>
+            <pc:sldMk cId="1091789387" sldId="273"/>
+            <ac:grpSpMk id="177" creationId="{AAC1F68D-05B8-4B51-8587-059500FE3478}"/>
+          </ac:grpSpMkLst>
+        </pc:grpChg>
+        <pc:cxnChg chg="mod">
+          <ac:chgData name="Fingerhut, John Andy" userId="6ad675d3-541e-4813-9336-4804cd571dc7" providerId="ADAL" clId="{4F0530BD-8DBC-4E4A-AD8B-324142F9DCDB}" dt="2020-11-22T04:18:22.037" v="15" actId="14100"/>
+          <ac:cxnSpMkLst>
+            <pc:docMk/>
+            <pc:sldMk cId="1091789387" sldId="273"/>
+            <ac:cxnSpMk id="80" creationId="{236BE345-2EA6-45DD-85B2-ACD4C19A91F5}"/>
+          </ac:cxnSpMkLst>
+        </pc:cxnChg>
+        <pc:cxnChg chg="add mod">
+          <ac:chgData name="Fingerhut, John Andy" userId="6ad675d3-541e-4813-9336-4804cd571dc7" providerId="ADAL" clId="{4F0530BD-8DBC-4E4A-AD8B-324142F9DCDB}" dt="2020-11-22T04:18:53.447" v="18" actId="692"/>
+          <ac:cxnSpMkLst>
+            <pc:docMk/>
+            <pc:sldMk cId="1091789387" sldId="273"/>
+            <ac:cxnSpMk id="99" creationId="{ADD4493A-5BBC-4D15-B581-A433EADD11C6}"/>
+          </ac:cxnSpMkLst>
+        </pc:cxnChg>
+        <pc:cxnChg chg="mod">
+          <ac:chgData name="Fingerhut, John Andy" userId="6ad675d3-541e-4813-9336-4804cd571dc7" providerId="ADAL" clId="{4F0530BD-8DBC-4E4A-AD8B-324142F9DCDB}" dt="2020-11-22T04:17:51.475" v="13" actId="1076"/>
+          <ac:cxnSpMkLst>
+            <pc:docMk/>
+            <pc:sldMk cId="1091789387" sldId="273"/>
+            <ac:cxnSpMk id="100" creationId="{F4860C18-D645-4EE6-BCDB-79FE3B828918}"/>
+          </ac:cxnSpMkLst>
+        </pc:cxnChg>
+        <pc:cxnChg chg="add mod">
+          <ac:chgData name="Fingerhut, John Andy" userId="6ad675d3-541e-4813-9336-4804cd571dc7" providerId="ADAL" clId="{4F0530BD-8DBC-4E4A-AD8B-324142F9DCDB}" dt="2020-11-22T04:19:12.110" v="19" actId="14100"/>
+          <ac:cxnSpMkLst>
+            <pc:docMk/>
+            <pc:sldMk cId="1091789387" sldId="273"/>
+            <ac:cxnSpMk id="106" creationId="{16B1E8FE-E0AE-4FF6-AC2B-2BC0EAF5B4C8}"/>
+          </ac:cxnSpMkLst>
+        </pc:cxnChg>
+        <pc:cxnChg chg="mod">
+          <ac:chgData name="Fingerhut, John Andy" userId="6ad675d3-541e-4813-9336-4804cd571dc7" providerId="ADAL" clId="{4F0530BD-8DBC-4E4A-AD8B-324142F9DCDB}" dt="2020-11-22T04:17:51.475" v="13" actId="1076"/>
+          <ac:cxnSpMkLst>
+            <pc:docMk/>
+            <pc:sldMk cId="1091789387" sldId="273"/>
+            <ac:cxnSpMk id="112" creationId="{C64DEB71-3093-431E-88AF-4C2BE81668EF}"/>
+          </ac:cxnSpMkLst>
+        </pc:cxnChg>
+        <pc:cxnChg chg="mod">
+          <ac:chgData name="Fingerhut, John Andy" userId="6ad675d3-541e-4813-9336-4804cd571dc7" providerId="ADAL" clId="{4F0530BD-8DBC-4E4A-AD8B-324142F9DCDB}" dt="2020-11-22T04:17:51.475" v="13" actId="1076"/>
+          <ac:cxnSpMkLst>
+            <pc:docMk/>
+            <pc:sldMk cId="1091789387" sldId="273"/>
+            <ac:cxnSpMk id="115" creationId="{368C70F1-7509-412A-8F1A-A518E73EEB07}"/>
+          </ac:cxnSpMkLst>
+        </pc:cxnChg>
+        <pc:cxnChg chg="mod">
+          <ac:chgData name="Fingerhut, John Andy" userId="6ad675d3-541e-4813-9336-4804cd571dc7" providerId="ADAL" clId="{4F0530BD-8DBC-4E4A-AD8B-324142F9DCDB}" dt="2020-11-22T04:17:51.475" v="13" actId="1076"/>
+          <ac:cxnSpMkLst>
+            <pc:docMk/>
+            <pc:sldMk cId="1091789387" sldId="273"/>
+            <ac:cxnSpMk id="116" creationId="{D6EAE7FF-ED18-4376-A74D-07B093B5896D}"/>
+          </ac:cxnSpMkLst>
+        </pc:cxnChg>
+        <pc:cxnChg chg="mod">
+          <ac:chgData name="Fingerhut, John Andy" userId="6ad675d3-541e-4813-9336-4804cd571dc7" providerId="ADAL" clId="{4F0530BD-8DBC-4E4A-AD8B-324142F9DCDB}" dt="2020-11-22T04:17:51.475" v="13" actId="1076"/>
+          <ac:cxnSpMkLst>
+            <pc:docMk/>
+            <pc:sldMk cId="1091789387" sldId="273"/>
+            <ac:cxnSpMk id="117" creationId="{2B8B9C9F-8E4C-4C30-AB47-9A5A956DF566}"/>
+          </ac:cxnSpMkLst>
+        </pc:cxnChg>
+        <pc:cxnChg chg="mod">
+          <ac:chgData name="Fingerhut, John Andy" userId="6ad675d3-541e-4813-9336-4804cd571dc7" providerId="ADAL" clId="{4F0530BD-8DBC-4E4A-AD8B-324142F9DCDB}" dt="2020-11-22T04:17:51.475" v="13" actId="1076"/>
+          <ac:cxnSpMkLst>
+            <pc:docMk/>
+            <pc:sldMk cId="1091789387" sldId="273"/>
+            <ac:cxnSpMk id="118" creationId="{40462665-FCF8-4E8C-943A-0EF224BA3563}"/>
+          </ac:cxnSpMkLst>
+        </pc:cxnChg>
+        <pc:cxnChg chg="mod">
+          <ac:chgData name="Fingerhut, John Andy" userId="6ad675d3-541e-4813-9336-4804cd571dc7" providerId="ADAL" clId="{4F0530BD-8DBC-4E4A-AD8B-324142F9DCDB}" dt="2020-11-22T04:17:51.475" v="13" actId="1076"/>
+          <ac:cxnSpMkLst>
+            <pc:docMk/>
+            <pc:sldMk cId="1091789387" sldId="273"/>
+            <ac:cxnSpMk id="123" creationId="{64C4D15B-D90A-42A1-857E-79AACC8E1ED6}"/>
+          </ac:cxnSpMkLst>
+        </pc:cxnChg>
+        <pc:cxnChg chg="mod">
+          <ac:chgData name="Fingerhut, John Andy" userId="6ad675d3-541e-4813-9336-4804cd571dc7" providerId="ADAL" clId="{4F0530BD-8DBC-4E4A-AD8B-324142F9DCDB}" dt="2020-11-22T04:18:13.381" v="14" actId="14100"/>
+          <ac:cxnSpMkLst>
+            <pc:docMk/>
+            <pc:sldMk cId="1091789387" sldId="273"/>
+            <ac:cxnSpMk id="196" creationId="{C4648FD0-BE39-49B2-A297-6987E7ED42BA}"/>
+          </ac:cxnSpMkLst>
+        </pc:cxnChg>
+        <pc:cxnChg chg="mod">
+          <ac:chgData name="Fingerhut, John Andy" userId="6ad675d3-541e-4813-9336-4804cd571dc7" providerId="ADAL" clId="{4F0530BD-8DBC-4E4A-AD8B-324142F9DCDB}" dt="2020-11-22T04:17:51.475" v="13" actId="1076"/>
+          <ac:cxnSpMkLst>
+            <pc:docMk/>
+            <pc:sldMk cId="1091789387" sldId="273"/>
+            <ac:cxnSpMk id="199" creationId="{9B56D066-03B7-4AA5-AE48-439E5D95D240}"/>
           </ac:cxnSpMkLst>
         </pc:cxnChg>
       </pc:sldChg>
@@ -857,7 +1064,7 @@
           <a:p>
             <a:fld id="{B72825D7-6CAC-4DD9-81D1-F420B7F343C3}" type="datetimeFigureOut">
               <a:rPr lang="en-US" smtClean="0"/>
-              <a:t>11/12/2020</a:t>
+              <a:t>11/21/2020</a:t>
             </a:fld>
             <a:endParaRPr lang="en-US"/>
           </a:p>
@@ -1055,7 +1262,7 @@
           <a:p>
             <a:fld id="{B72825D7-6CAC-4DD9-81D1-F420B7F343C3}" type="datetimeFigureOut">
               <a:rPr lang="en-US" smtClean="0"/>
-              <a:t>11/12/2020</a:t>
+              <a:t>11/21/2020</a:t>
             </a:fld>
             <a:endParaRPr lang="en-US"/>
           </a:p>
@@ -1263,7 +1470,7 @@
           <a:p>
             <a:fld id="{B72825D7-6CAC-4DD9-81D1-F420B7F343C3}" type="datetimeFigureOut">
               <a:rPr lang="en-US" smtClean="0"/>
-              <a:t>11/12/2020</a:t>
+              <a:t>11/21/2020</a:t>
             </a:fld>
             <a:endParaRPr lang="en-US"/>
           </a:p>
@@ -1461,7 +1668,7 @@
           <a:p>
             <a:fld id="{B72825D7-6CAC-4DD9-81D1-F420B7F343C3}" type="datetimeFigureOut">
               <a:rPr lang="en-US" smtClean="0"/>
-              <a:t>11/12/2020</a:t>
+              <a:t>11/21/2020</a:t>
             </a:fld>
             <a:endParaRPr lang="en-US"/>
           </a:p>
@@ -1736,7 +1943,7 @@
           <a:p>
             <a:fld id="{B72825D7-6CAC-4DD9-81D1-F420B7F343C3}" type="datetimeFigureOut">
               <a:rPr lang="en-US" smtClean="0"/>
-              <a:t>11/12/2020</a:t>
+              <a:t>11/21/2020</a:t>
             </a:fld>
             <a:endParaRPr lang="en-US"/>
           </a:p>
@@ -2001,7 +2208,7 @@
           <a:p>
             <a:fld id="{B72825D7-6CAC-4DD9-81D1-F420B7F343C3}" type="datetimeFigureOut">
               <a:rPr lang="en-US" smtClean="0"/>
-              <a:t>11/12/2020</a:t>
+              <a:t>11/21/2020</a:t>
             </a:fld>
             <a:endParaRPr lang="en-US"/>
           </a:p>
@@ -2413,7 +2620,7 @@
           <a:p>
             <a:fld id="{B72825D7-6CAC-4DD9-81D1-F420B7F343C3}" type="datetimeFigureOut">
               <a:rPr lang="en-US" smtClean="0"/>
-              <a:t>11/12/2020</a:t>
+              <a:t>11/21/2020</a:t>
             </a:fld>
             <a:endParaRPr lang="en-US"/>
           </a:p>
@@ -2554,7 +2761,7 @@
           <a:p>
             <a:fld id="{B72825D7-6CAC-4DD9-81D1-F420B7F343C3}" type="datetimeFigureOut">
               <a:rPr lang="en-US" smtClean="0"/>
-              <a:t>11/12/2020</a:t>
+              <a:t>11/21/2020</a:t>
             </a:fld>
             <a:endParaRPr lang="en-US"/>
           </a:p>
@@ -2667,7 +2874,7 @@
           <a:p>
             <a:fld id="{B72825D7-6CAC-4DD9-81D1-F420B7F343C3}" type="datetimeFigureOut">
               <a:rPr lang="en-US" smtClean="0"/>
-              <a:t>11/12/2020</a:t>
+              <a:t>11/21/2020</a:t>
             </a:fld>
             <a:endParaRPr lang="en-US"/>
           </a:p>
@@ -2978,7 +3185,7 @@
           <a:p>
             <a:fld id="{B72825D7-6CAC-4DD9-81D1-F420B7F343C3}" type="datetimeFigureOut">
               <a:rPr lang="en-US" smtClean="0"/>
-              <a:t>11/12/2020</a:t>
+              <a:t>11/21/2020</a:t>
             </a:fld>
             <a:endParaRPr lang="en-US"/>
           </a:p>
@@ -3266,7 +3473,7 @@
           <a:p>
             <a:fld id="{B72825D7-6CAC-4DD9-81D1-F420B7F343C3}" type="datetimeFigureOut">
               <a:rPr lang="en-US" smtClean="0"/>
-              <a:t>11/12/2020</a:t>
+              <a:t>11/21/2020</a:t>
             </a:fld>
             <a:endParaRPr lang="en-US"/>
           </a:p>
@@ -3507,7 +3714,7 @@
           <a:p>
             <a:fld id="{B72825D7-6CAC-4DD9-81D1-F420B7F343C3}" type="datetimeFigureOut">
               <a:rPr lang="en-US" smtClean="0"/>
-              <a:t>11/12/2020</a:t>
+              <a:t>11/21/2020</a:t>
             </a:fld>
             <a:endParaRPr lang="en-US"/>
           </a:p>
@@ -3938,7 +4145,7 @@
         </p:nvSpPr>
         <p:spPr>
           <a:xfrm rot="16200000">
-            <a:off x="8943956" y="3937957"/>
+            <a:off x="8767177" y="3937957"/>
             <a:ext cx="2276178" cy="392105"/>
           </a:xfrm>
           <a:prstGeom prst="rect">
@@ -3994,7 +4201,7 @@
         </p:nvGrpSpPr>
         <p:grpSpPr>
           <a:xfrm rot="16200000">
-            <a:off x="5978999" y="2927995"/>
+            <a:off x="5802220" y="2927995"/>
             <a:ext cx="1676833" cy="1661997"/>
             <a:chOff x="6523829" y="1695985"/>
             <a:chExt cx="1676833" cy="1661997"/>
@@ -5714,12 +5921,12 @@
         </p:nvCxnSpPr>
         <p:spPr>
           <a:xfrm flipH="1">
-            <a:off x="5136366" y="4202678"/>
-            <a:ext cx="2512048" cy="692733"/>
+            <a:off x="5109450" y="4202678"/>
+            <a:ext cx="2362185" cy="713269"/>
           </a:xfrm>
           <a:prstGeom prst="bentConnector3">
             <a:avLst>
-              <a:gd name="adj1" fmla="val -16496"/>
+              <a:gd name="adj1" fmla="val -17543"/>
             </a:avLst>
           </a:prstGeom>
           <a:ln>
@@ -5755,7 +5962,7 @@
         </p:nvGrpSpPr>
         <p:grpSpPr>
           <a:xfrm rot="10800000">
-            <a:off x="7933098" y="2996747"/>
+            <a:off x="7756319" y="2996747"/>
             <a:ext cx="1036865" cy="660688"/>
             <a:chOff x="7162255" y="2438057"/>
             <a:chExt cx="1036865" cy="660688"/>
@@ -6421,7 +6628,7 @@
         </p:nvCxnSpPr>
         <p:spPr>
           <a:xfrm flipV="1">
-            <a:off x="7641726" y="3345998"/>
+            <a:off x="7464947" y="3345998"/>
             <a:ext cx="323076" cy="8859"/>
           </a:xfrm>
           <a:prstGeom prst="bentConnector3">
@@ -6585,7 +6792,7 @@
         <p:spPr>
           <a:xfrm>
             <a:off x="5414189" y="3326298"/>
-            <a:ext cx="572229" cy="12700"/>
+            <a:ext cx="395450" cy="12700"/>
           </a:xfrm>
           <a:prstGeom prst="bentConnector3">
             <a:avLst>
@@ -7096,12 +7303,12 @@
         </p:nvCxnSpPr>
         <p:spPr>
           <a:xfrm rot="10800000">
-            <a:off x="5995528" y="4150013"/>
+            <a:off x="5818749" y="4150013"/>
             <a:ext cx="3153055" cy="793647"/>
           </a:xfrm>
           <a:prstGeom prst="bentConnector3">
             <a:avLst>
-              <a:gd name="adj1" fmla="val 117413"/>
+              <a:gd name="adj1" fmla="val 112217"/>
             </a:avLst>
           </a:prstGeom>
           <a:ln>
@@ -7140,7 +7347,7 @@
         </p:nvCxnSpPr>
         <p:spPr>
           <a:xfrm flipV="1">
-            <a:off x="10278098" y="4129140"/>
+            <a:off x="10101319" y="4129140"/>
             <a:ext cx="311385" cy="4870"/>
           </a:xfrm>
           <a:prstGeom prst="straightConnector1">
@@ -7180,7 +7387,7 @@
         </p:nvSpPr>
         <p:spPr>
           <a:xfrm rot="16200000">
-            <a:off x="9635974" y="3945025"/>
+            <a:off x="9459195" y="3945025"/>
             <a:ext cx="2276179" cy="368228"/>
           </a:xfrm>
           <a:prstGeom prst="rect">
@@ -7238,7 +7445,7 @@
         </p:nvSpPr>
         <p:spPr>
           <a:xfrm>
-            <a:off x="8868924" y="2113631"/>
+            <a:off x="8692145" y="2113631"/>
             <a:ext cx="2089254" cy="224589"/>
           </a:xfrm>
           <a:prstGeom prst="rect">
@@ -7290,7 +7497,7 @@
         </p:nvSpPr>
         <p:spPr>
           <a:xfrm>
-            <a:off x="8868924" y="2348203"/>
+            <a:off x="8692145" y="2348203"/>
             <a:ext cx="2089254" cy="240643"/>
           </a:xfrm>
           <a:prstGeom prst="rect">
@@ -7391,7 +7598,7 @@
         </p:nvSpPr>
         <p:spPr>
           <a:xfrm rot="16200000">
-            <a:off x="8934338" y="4829463"/>
+            <a:off x="8757559" y="4829463"/>
             <a:ext cx="656879" cy="228392"/>
           </a:xfrm>
           <a:prstGeom prst="triangle">
@@ -7445,7 +7652,7 @@
         </p:nvSpPr>
         <p:spPr>
           <a:xfrm rot="16200000">
-            <a:off x="8934338" y="3218231"/>
+            <a:off x="8757559" y="3218231"/>
             <a:ext cx="656879" cy="228392"/>
           </a:xfrm>
           <a:prstGeom prst="triangle">
@@ -7501,7 +7708,7 @@
         </p:nvCxnSpPr>
         <p:spPr>
           <a:xfrm rot="5400000" flipV="1">
-            <a:off x="9169856" y="3726372"/>
+            <a:off x="8993077" y="3726372"/>
             <a:ext cx="715787" cy="301552"/>
           </a:xfrm>
           <a:prstGeom prst="bentConnector3">
@@ -7544,7 +7751,7 @@
         </p:nvCxnSpPr>
         <p:spPr>
           <a:xfrm rot="16200000" flipH="1" flipV="1">
-            <a:off x="9249064" y="4344340"/>
+            <a:off x="9072285" y="4344340"/>
             <a:ext cx="554346" cy="298527"/>
           </a:xfrm>
           <a:prstGeom prst="bentConnector3">
@@ -7587,7 +7794,7 @@
         </p:nvCxnSpPr>
         <p:spPr>
           <a:xfrm rot="10800000">
-            <a:off x="9381355" y="5095376"/>
+            <a:off x="9204576" y="5095376"/>
             <a:ext cx="494377" cy="1"/>
           </a:xfrm>
           <a:prstGeom prst="straightConnector1">
@@ -7628,7 +7835,7 @@
         </p:nvCxnSpPr>
         <p:spPr>
           <a:xfrm rot="10800000" flipH="1">
-            <a:off x="9381355" y="3180321"/>
+            <a:off x="9204576" y="3180321"/>
             <a:ext cx="487249" cy="0"/>
           </a:xfrm>
           <a:prstGeom prst="straightConnector1">
@@ -7671,7 +7878,7 @@
         </p:nvCxnSpPr>
         <p:spPr>
           <a:xfrm>
-            <a:off x="8969964" y="3328996"/>
+            <a:off x="8793185" y="3328996"/>
             <a:ext cx="178618" cy="3431"/>
           </a:xfrm>
           <a:prstGeom prst="straightConnector1">
@@ -7710,7 +7917,7 @@
         </p:nvGrpSpPr>
         <p:grpSpPr>
           <a:xfrm>
-            <a:off x="5782914" y="2733762"/>
+            <a:off x="5606135" y="2733762"/>
             <a:ext cx="2092231" cy="410729"/>
             <a:chOff x="5782914" y="2733762"/>
             <a:chExt cx="2092231" cy="410729"/>
@@ -7853,7 +8060,7 @@
         </p:nvGrpSpPr>
         <p:grpSpPr>
           <a:xfrm flipV="1">
-            <a:off x="5780613" y="4343679"/>
+            <a:off x="5603834" y="4343679"/>
             <a:ext cx="2092231" cy="410729"/>
             <a:chOff x="5782914" y="2733762"/>
             <a:chExt cx="2092231" cy="410729"/>
@@ -7982,6 +8189,135 @@
           </p:style>
         </p:cxnSp>
       </p:grpSp>
+      <p:cxnSp>
+        <p:nvCxnSpPr>
+          <p:cNvPr id="99" name="Connector: Elbow 98">
+            <a:extLst>
+              <a:ext uri="{FF2B5EF4-FFF2-40B4-BE49-F238E27FC236}">
+                <a16:creationId xmlns:a16="http://schemas.microsoft.com/office/drawing/2014/main" id="{ADD4493A-5BBC-4D15-B581-A433EADD11C6}"/>
+              </a:ext>
+            </a:extLst>
+          </p:cNvPr>
+          <p:cNvCxnSpPr>
+            <a:cxnSpLocks/>
+          </p:cNvCxnSpPr>
+          <p:nvPr/>
+        </p:nvCxnSpPr>
+        <p:spPr>
+          <a:xfrm>
+            <a:off x="3685686" y="3429000"/>
+            <a:ext cx="935132" cy="302094"/>
+          </a:xfrm>
+          <a:prstGeom prst="bentConnector3">
+            <a:avLst>
+              <a:gd name="adj1" fmla="val 18424"/>
+            </a:avLst>
+          </a:prstGeom>
+          <a:ln>
+            <a:tailEnd type="none"/>
+          </a:ln>
+        </p:spPr>
+        <p:style>
+          <a:lnRef idx="1">
+            <a:schemeClr val="accent1"/>
+          </a:lnRef>
+          <a:fillRef idx="0">
+            <a:schemeClr val="accent1"/>
+          </a:fillRef>
+          <a:effectRef idx="0">
+            <a:schemeClr val="accent1"/>
+          </a:effectRef>
+          <a:fontRef idx="minor">
+            <a:schemeClr val="tx1"/>
+          </a:fontRef>
+        </p:style>
+      </p:cxnSp>
+      <p:cxnSp>
+        <p:nvCxnSpPr>
+          <p:cNvPr id="106" name="Connector: Elbow 105">
+            <a:extLst>
+              <a:ext uri="{FF2B5EF4-FFF2-40B4-BE49-F238E27FC236}">
+                <a16:creationId xmlns:a16="http://schemas.microsoft.com/office/drawing/2014/main" id="{16B1E8FE-E0AE-4FF6-AC2B-2BC0EAF5B4C8}"/>
+              </a:ext>
+            </a:extLst>
+          </p:cNvPr>
+          <p:cNvCxnSpPr>
+            <a:cxnSpLocks/>
+          </p:cNvCxnSpPr>
+          <p:nvPr/>
+        </p:nvCxnSpPr>
+        <p:spPr>
+          <a:xfrm flipV="1">
+            <a:off x="4444039" y="3429000"/>
+            <a:ext cx="1374708" cy="302094"/>
+          </a:xfrm>
+          <a:prstGeom prst="bentConnector3">
+            <a:avLst>
+              <a:gd name="adj1" fmla="val 79619"/>
+            </a:avLst>
+          </a:prstGeom>
+          <a:ln>
+            <a:tailEnd type="triangle"/>
+          </a:ln>
+        </p:spPr>
+        <p:style>
+          <a:lnRef idx="1">
+            <a:schemeClr val="accent1"/>
+          </a:lnRef>
+          <a:fillRef idx="0">
+            <a:schemeClr val="accent1"/>
+          </a:fillRef>
+          <a:effectRef idx="0">
+            <a:schemeClr val="accent1"/>
+          </a:effectRef>
+          <a:fontRef idx="minor">
+            <a:schemeClr val="tx1"/>
+          </a:fontRef>
+        </p:style>
+      </p:cxnSp>
+      <p:sp>
+        <p:nvSpPr>
+          <p:cNvPr id="122" name="TextBox 121">
+            <a:extLst>
+              <a:ext uri="{FF2B5EF4-FFF2-40B4-BE49-F238E27FC236}">
+                <a16:creationId xmlns:a16="http://schemas.microsoft.com/office/drawing/2014/main" id="{AAFB021B-F573-4955-A61C-CA26210E375D}"/>
+              </a:ext>
+            </a:extLst>
+          </p:cNvPr>
+          <p:cNvSpPr txBox="1"/>
+          <p:nvPr/>
+        </p:nvSpPr>
+        <p:spPr>
+          <a:xfrm>
+            <a:off x="4192463" y="3743997"/>
+            <a:ext cx="898003" cy="415498"/>
+          </a:xfrm>
+          <a:prstGeom prst="rect">
+            <a:avLst/>
+          </a:prstGeom>
+          <a:noFill/>
+        </p:spPr>
+        <p:txBody>
+          <a:bodyPr wrap="none" rtlCol="0">
+            <a:spAutoFit/>
+          </a:bodyPr>
+          <a:lstStyle/>
+          <a:p>
+            <a:pPr algn="ctr"/>
+            <a:r>
+              <a:rPr lang="en-US" sz="1050" dirty="0"/>
+              <a:t>User-defined</a:t>
+            </a:r>
+          </a:p>
+          <a:p>
+            <a:pPr algn="ctr"/>
+            <a:r>
+              <a:rPr lang="en-US" sz="1050" dirty="0"/>
+              <a:t>metadata</a:t>
+            </a:r>
+          </a:p>
+        </p:txBody>
+      </p:sp>
     </p:spTree>
     <p:extLst>
       <p:ext uri="{BB962C8B-B14F-4D97-AF65-F5344CB8AC3E}">
@@ -8291,6 +8627,21 @@
 </file>
 
 <file path=customXml/item1.xml><?xml version="1.0" encoding="utf-8"?>
+<p:properties xmlns:p="http://schemas.microsoft.com/office/2006/metadata/properties" xmlns:xsi="http://www.w3.org/2001/XMLSchema-instance" xmlns:pc="http://schemas.microsoft.com/office/infopath/2007/PartnerControls">
+  <documentManagement/>
+</p:properties>
+</file>
+
+<file path=customXml/item2.xml><?xml version="1.0" encoding="utf-8"?>
+<?mso-contentType ?>
+<FormTemplates xmlns="http://schemas.microsoft.com/sharepoint/v3/contenttype/forms">
+  <Display>DocumentLibraryForm</Display>
+  <Edit>DocumentLibraryForm</Edit>
+  <New>DocumentLibraryForm</New>
+</FormTemplates>
+</file>
+
+<file path=customXml/item3.xml><?xml version="1.0" encoding="utf-8"?>
 <ct:contentTypeSchema xmlns:ct="http://schemas.microsoft.com/office/2006/metadata/contentType" xmlns:ma="http://schemas.microsoft.com/office/2006/metadata/properties/metaAttributes" ct:_="" ma:_="" ma:contentTypeName="Document" ma:contentTypeID="0x01010074D2001F796B5842ACB4675D256F8FDC" ma:contentTypeVersion="12" ma:contentTypeDescription="Create a new document." ma:contentTypeScope="" ma:versionID="c85e048fa781f40110e66b592c02dbca">
   <xsd:schema xmlns:xsd="http://www.w3.org/2001/XMLSchema" xmlns:xs="http://www.w3.org/2001/XMLSchema" xmlns:p="http://schemas.microsoft.com/office/2006/metadata/properties" xmlns:ns3="88a3e169-3f2e-4cb2-84e3-0f816f3920de" xmlns:ns4="6d44ab1e-4f7a-423e-9215-d8d8e61f56e6" targetNamespace="http://schemas.microsoft.com/office/2006/metadata/properties" ma:root="true" ma:fieldsID="6538c91a1e992d8cfb9fb30155d82126" ns3:_="" ns4:_="">
     <xsd:import namespace="88a3e169-3f2e-4cb2-84e3-0f816f3920de"/>
@@ -8507,22 +8858,24 @@
 </ct:contentTypeSchema>
 </file>
 
-<file path=customXml/item2.xml><?xml version="1.0" encoding="utf-8"?>
-<?mso-contentType ?>
-<FormTemplates xmlns="http://schemas.microsoft.com/sharepoint/v3/contenttype/forms">
-  <Display>DocumentLibraryForm</Display>
-  <Edit>DocumentLibraryForm</Edit>
-  <New>DocumentLibraryForm</New>
-</FormTemplates>
+<file path=customXml/itemProps1.xml><?xml version="1.0" encoding="utf-8"?>
+<ds:datastoreItem xmlns:ds="http://schemas.openxmlformats.org/officeDocument/2006/customXml" ds:itemID="{05F4B324-A6F8-4FC0-BBBB-05E2337781BA}">
+  <ds:schemaRefs>
+    <ds:schemaRef ds:uri="http://schemas.microsoft.com/office/2006/metadata/properties"/>
+    <ds:schemaRef ds:uri="http://schemas.microsoft.com/office/infopath/2007/PartnerControls"/>
+  </ds:schemaRefs>
+</ds:datastoreItem>
 </file>
 
-<file path=customXml/item3.xml><?xml version="1.0" encoding="utf-8"?>
-<p:properties xmlns:p="http://schemas.microsoft.com/office/2006/metadata/properties" xmlns:xsi="http://www.w3.org/2001/XMLSchema-instance" xmlns:pc="http://schemas.microsoft.com/office/infopath/2007/PartnerControls">
-  <documentManagement/>
-</p:properties>
+<file path=customXml/itemProps2.xml><?xml version="1.0" encoding="utf-8"?>
+<ds:datastoreItem xmlns:ds="http://schemas.openxmlformats.org/officeDocument/2006/customXml" ds:itemID="{7F29137C-F1C0-4930-80A0-A7C0C38F3D82}">
+  <ds:schemaRefs>
+    <ds:schemaRef ds:uri="http://schemas.microsoft.com/sharepoint/v3/contenttype/forms"/>
+  </ds:schemaRefs>
+</ds:datastoreItem>
 </file>
 
-<file path=customXml/itemProps1.xml><?xml version="1.0" encoding="utf-8"?>
+<file path=customXml/itemProps3.xml><?xml version="1.0" encoding="utf-8"?>
 <ds:datastoreItem xmlns:ds="http://schemas.openxmlformats.org/officeDocument/2006/customXml" ds:itemID="{BE4DBC62-83C7-4C26-A85C-6023E4D35A02}">
   <ds:schemaRefs>
     <ds:schemaRef ds:uri="http://schemas.microsoft.com/office/2006/metadata/contentType"/>
@@ -8539,21 +8892,4 @@
     <ds:schemaRef ds:uri="http://schemas.microsoft.com/internal/obd"/>
   </ds:schemaRefs>
 </ds:datastoreItem>
-</file>
-
-<file path=customXml/itemProps2.xml><?xml version="1.0" encoding="utf-8"?>
-<ds:datastoreItem xmlns:ds="http://schemas.openxmlformats.org/officeDocument/2006/customXml" ds:itemID="{7F29137C-F1C0-4930-80A0-A7C0C38F3D82}">
-  <ds:schemaRefs>
-    <ds:schemaRef ds:uri="http://schemas.microsoft.com/sharepoint/v3/contenttype/forms"/>
-  </ds:schemaRefs>
-</ds:datastoreItem>
-</file>
-
-<file path=customXml/itemProps3.xml><?xml version="1.0" encoding="utf-8"?>
-<ds:datastoreItem xmlns:ds="http://schemas.openxmlformats.org/officeDocument/2006/customXml" ds:itemID="{05F4B324-A6F8-4FC0-BBBB-05E2337781BA}">
-  <ds:schemaRefs>
-    <ds:schemaRef ds:uri="http://schemas.microsoft.com/office/2006/metadata/properties"/>
-    <ds:schemaRef ds:uri="http://schemas.microsoft.com/office/infopath/2007/PartnerControls"/>
-  </ds:schemaRefs>
-</ds:datastoreItem>
 </file>
--- a/figs/pna-block-diagram.pptx
+++ b/figs/pna-block-diagram.pptx
@@ -115,7 +115,7 @@
 <file path=ppt/revisionInfo.xml><?xml version="1.0" encoding="utf-8"?>
 <p1510:revInfo xmlns:a="http://schemas.openxmlformats.org/drawingml/2006/main" xmlns:r="http://schemas.openxmlformats.org/officeDocument/2006/relationships" xmlns:p1510="http://schemas.microsoft.com/office/powerpoint/2015/10/main">
   <p1510:revLst>
-    <p1510:client id="{4F0530BD-8DBC-4E4A-AD8B-324142F9DCDB}" v="5" dt="2020-11-22T04:19:39.261"/>
+    <p1510:client id="{4F0530BD-8DBC-4E4A-AD8B-324142F9DCDB}" v="8" dt="2020-11-22T04:39:36.875"/>
   </p1510:revLst>
 </p1510:revInfo>
 </file>
@@ -708,17 +708,33 @@
   </pc:docChgLst>
   <pc:docChgLst>
     <pc:chgData name="Fingerhut, John Andy" userId="6ad675d3-541e-4813-9336-4804cd571dc7" providerId="ADAL" clId="{4F0530BD-8DBC-4E4A-AD8B-324142F9DCDB}"/>
-    <pc:docChg chg="undo modSld">
-      <pc:chgData name="Fingerhut, John Andy" userId="6ad675d3-541e-4813-9336-4804cd571dc7" providerId="ADAL" clId="{4F0530BD-8DBC-4E4A-AD8B-324142F9DCDB}" dt="2020-11-22T04:20:54.462" v="49" actId="1076"/>
+    <pc:docChg chg="undo custSel modSld">
+      <pc:chgData name="Fingerhut, John Andy" userId="6ad675d3-541e-4813-9336-4804cd571dc7" providerId="ADAL" clId="{4F0530BD-8DBC-4E4A-AD8B-324142F9DCDB}" dt="2020-11-22T04:40:14.518" v="93" actId="14100"/>
       <pc:docMkLst>
         <pc:docMk/>
       </pc:docMkLst>
       <pc:sldChg chg="addSp delSp modSp">
-        <pc:chgData name="Fingerhut, John Andy" userId="6ad675d3-541e-4813-9336-4804cd571dc7" providerId="ADAL" clId="{4F0530BD-8DBC-4E4A-AD8B-324142F9DCDB}" dt="2020-11-22T04:20:54.462" v="49" actId="1076"/>
+        <pc:chgData name="Fingerhut, John Andy" userId="6ad675d3-541e-4813-9336-4804cd571dc7" providerId="ADAL" clId="{4F0530BD-8DBC-4E4A-AD8B-324142F9DCDB}" dt="2020-11-22T04:40:14.518" v="93" actId="14100"/>
         <pc:sldMkLst>
           <pc:docMk/>
           <pc:sldMk cId="1091789387" sldId="273"/>
         </pc:sldMkLst>
+        <pc:spChg chg="add mod">
+          <ac:chgData name="Fingerhut, John Andy" userId="6ad675d3-541e-4813-9336-4804cd571dc7" providerId="ADAL" clId="{4F0530BD-8DBC-4E4A-AD8B-324142F9DCDB}" dt="2020-11-22T04:38:32.021" v="73" actId="20577"/>
+          <ac:spMkLst>
+            <pc:docMk/>
+            <pc:sldMk cId="1091789387" sldId="273"/>
+            <ac:spMk id="101" creationId="{5BEE2C53-F970-432C-9EF0-B16395497DDB}"/>
+          </ac:spMkLst>
+        </pc:spChg>
+        <pc:spChg chg="add mod">
+          <ac:chgData name="Fingerhut, John Andy" userId="6ad675d3-541e-4813-9336-4804cd571dc7" providerId="ADAL" clId="{4F0530BD-8DBC-4E4A-AD8B-324142F9DCDB}" dt="2020-11-22T04:40:14.518" v="93" actId="14100"/>
+          <ac:spMkLst>
+            <pc:docMk/>
+            <pc:sldMk cId="1091789387" sldId="273"/>
+            <ac:spMk id="107" creationId="{A6F5D3B7-9CD0-4224-9762-C76C79E1371B}"/>
+          </ac:spMkLst>
+        </pc:spChg>
         <pc:spChg chg="mod">
           <ac:chgData name="Fingerhut, John Andy" userId="6ad675d3-541e-4813-9336-4804cd571dc7" providerId="ADAL" clId="{4F0530BD-8DBC-4E4A-AD8B-324142F9DCDB}" dt="2020-11-22T04:17:51.475" v="13" actId="1076"/>
           <ac:spMkLst>
@@ -776,7 +792,7 @@
           </ac:spMkLst>
         </pc:spChg>
         <pc:spChg chg="mod">
-          <ac:chgData name="Fingerhut, John Andy" userId="6ad675d3-541e-4813-9336-4804cd571dc7" providerId="ADAL" clId="{4F0530BD-8DBC-4E4A-AD8B-324142F9DCDB}" dt="2020-11-22T04:17:51.475" v="13" actId="1076"/>
+          <ac:chgData name="Fingerhut, John Andy" userId="6ad675d3-541e-4813-9336-4804cd571dc7" providerId="ADAL" clId="{4F0530BD-8DBC-4E4A-AD8B-324142F9DCDB}" dt="2020-11-22T04:38:36.499" v="75" actId="20577"/>
           <ac:spMkLst>
             <pc:docMk/>
             <pc:sldMk cId="1091789387" sldId="273"/>
@@ -840,6 +856,14 @@
           </ac:cxnSpMkLst>
         </pc:cxnChg>
         <pc:cxnChg chg="add mod">
+          <ac:chgData name="Fingerhut, John Andy" userId="6ad675d3-541e-4813-9336-4804cd571dc7" providerId="ADAL" clId="{4F0530BD-8DBC-4E4A-AD8B-324142F9DCDB}" dt="2020-11-22T04:39:04.966" v="80" actId="14100"/>
+          <ac:cxnSpMkLst>
+            <pc:docMk/>
+            <pc:sldMk cId="1091789387" sldId="273"/>
+            <ac:cxnSpMk id="102" creationId="{EB96FCB9-19D5-432B-B874-01E971C45BF4}"/>
+          </ac:cxnSpMkLst>
+        </pc:cxnChg>
+        <pc:cxnChg chg="add mod">
           <ac:chgData name="Fingerhut, John Andy" userId="6ad675d3-541e-4813-9336-4804cd571dc7" providerId="ADAL" clId="{4F0530BD-8DBC-4E4A-AD8B-324142F9DCDB}" dt="2020-11-22T04:19:12.110" v="19" actId="14100"/>
           <ac:cxnSpMkLst>
             <pc:docMk/>
@@ -904,7 +928,7 @@
           </ac:cxnSpMkLst>
         </pc:cxnChg>
         <pc:cxnChg chg="mod">
-          <ac:chgData name="Fingerhut, John Andy" userId="6ad675d3-541e-4813-9336-4804cd571dc7" providerId="ADAL" clId="{4F0530BD-8DBC-4E4A-AD8B-324142F9DCDB}" dt="2020-11-22T04:17:51.475" v="13" actId="1076"/>
+          <ac:chgData name="Fingerhut, John Andy" userId="6ad675d3-541e-4813-9336-4804cd571dc7" providerId="ADAL" clId="{4F0530BD-8DBC-4E4A-AD8B-324142F9DCDB}" dt="2020-11-22T04:39:19.462" v="82" actId="14100"/>
           <ac:cxnSpMkLst>
             <pc:docMk/>
             <pc:sldMk cId="1091789387" sldId="273"/>
@@ -7341,14 +7365,14 @@
           </p:cNvPr>
           <p:cNvCxnSpPr>
             <a:cxnSpLocks/>
-            <a:stCxn id="148" idx="2"/>
+            <a:endCxn id="200" idx="0"/>
           </p:cNvCxnSpPr>
           <p:nvPr/>
         </p:nvCxnSpPr>
         <p:spPr>
-          <a:xfrm flipV="1">
-            <a:off x="10101319" y="4129140"/>
-            <a:ext cx="311385" cy="4870"/>
+          <a:xfrm>
+            <a:off x="10101319" y="3502272"/>
+            <a:ext cx="311852" cy="0"/>
           </a:xfrm>
           <a:prstGeom prst="straightConnector1">
             <a:avLst/>
@@ -7387,8 +7411,8 @@
         </p:nvSpPr>
         <p:spPr>
           <a:xfrm rot="16200000">
-            <a:off x="9459195" y="3945025"/>
-            <a:ext cx="2276179" cy="368228"/>
+            <a:off x="10086062" y="3318158"/>
+            <a:ext cx="1022445" cy="368228"/>
           </a:xfrm>
           <a:prstGeom prst="rect">
             <a:avLst/>
@@ -7426,7 +7450,7 @@
                   <a:schemeClr val="tx1"/>
                 </a:solidFill>
               </a:rPr>
-              <a:t>Host</a:t>
+              <a:t>Host 1</a:t>
             </a:r>
           </a:p>
         </p:txBody>
@@ -8314,6 +8338,143 @@
             <a:r>
               <a:rPr lang="en-US" sz="1050" dirty="0"/>
               <a:t>metadata</a:t>
+            </a:r>
+          </a:p>
+        </p:txBody>
+      </p:sp>
+      <p:sp>
+        <p:nvSpPr>
+          <p:cNvPr id="101" name="Rectangle 100">
+            <a:extLst>
+              <a:ext uri="{FF2B5EF4-FFF2-40B4-BE49-F238E27FC236}">
+                <a16:creationId xmlns:a16="http://schemas.microsoft.com/office/drawing/2014/main" id="{5BEE2C53-F970-432C-9EF0-B16395497DDB}"/>
+              </a:ext>
+            </a:extLst>
+          </p:cNvPr>
+          <p:cNvSpPr/>
+          <p:nvPr/>
+        </p:nvSpPr>
+        <p:spPr>
+          <a:xfrm rot="16200000">
+            <a:off x="10086062" y="4578852"/>
+            <a:ext cx="1022445" cy="368228"/>
+          </a:xfrm>
+          <a:prstGeom prst="rect">
+            <a:avLst/>
+          </a:prstGeom>
+          <a:solidFill>
+            <a:schemeClr val="bg2">
+              <a:lumMod val="90000"/>
+            </a:schemeClr>
+          </a:solidFill>
+        </p:spPr>
+        <p:style>
+          <a:lnRef idx="2">
+            <a:schemeClr val="accent1">
+              <a:shade val="50000"/>
+            </a:schemeClr>
+          </a:lnRef>
+          <a:fillRef idx="1">
+            <a:schemeClr val="accent1"/>
+          </a:fillRef>
+          <a:effectRef idx="0">
+            <a:schemeClr val="accent1"/>
+          </a:effectRef>
+          <a:fontRef idx="minor">
+            <a:schemeClr val="lt1"/>
+          </a:fontRef>
+        </p:style>
+        <p:txBody>
+          <a:bodyPr rtlCol="0" anchor="ctr"/>
+          <a:lstStyle/>
+          <a:p>
+            <a:pPr algn="ctr"/>
+            <a:r>
+              <a:rPr lang="en-US" dirty="0">
+                <a:solidFill>
+                  <a:schemeClr val="tx1"/>
+                </a:solidFill>
+              </a:rPr>
+              <a:t>Host N</a:t>
+            </a:r>
+          </a:p>
+        </p:txBody>
+      </p:sp>
+      <p:cxnSp>
+        <p:nvCxnSpPr>
+          <p:cNvPr id="102" name="Straight Arrow Connector 101">
+            <a:extLst>
+              <a:ext uri="{FF2B5EF4-FFF2-40B4-BE49-F238E27FC236}">
+                <a16:creationId xmlns:a16="http://schemas.microsoft.com/office/drawing/2014/main" id="{EB96FCB9-19D5-432B-B874-01E971C45BF4}"/>
+              </a:ext>
+            </a:extLst>
+          </p:cNvPr>
+          <p:cNvCxnSpPr>
+            <a:cxnSpLocks/>
+            <a:endCxn id="101" idx="0"/>
+          </p:cNvCxnSpPr>
+          <p:nvPr/>
+        </p:nvCxnSpPr>
+        <p:spPr>
+          <a:xfrm>
+            <a:off x="10101319" y="4762966"/>
+            <a:ext cx="311852" cy="0"/>
+          </a:xfrm>
+          <a:prstGeom prst="straightConnector1">
+            <a:avLst/>
+          </a:prstGeom>
+          <a:ln>
+            <a:headEnd type="triangle"/>
+            <a:tailEnd type="triangle"/>
+          </a:ln>
+        </p:spPr>
+        <p:style>
+          <a:lnRef idx="1">
+            <a:schemeClr val="accent1"/>
+          </a:lnRef>
+          <a:fillRef idx="0">
+            <a:schemeClr val="accent1"/>
+          </a:fillRef>
+          <a:effectRef idx="0">
+            <a:schemeClr val="accent1"/>
+          </a:effectRef>
+          <a:fontRef idx="minor">
+            <a:schemeClr val="tx1"/>
+          </a:fontRef>
+        </p:style>
+      </p:cxnSp>
+      <p:sp>
+        <p:nvSpPr>
+          <p:cNvPr id="107" name="TextBox 106">
+            <a:extLst>
+              <a:ext uri="{FF2B5EF4-FFF2-40B4-BE49-F238E27FC236}">
+                <a16:creationId xmlns:a16="http://schemas.microsoft.com/office/drawing/2014/main" id="{A6F5D3B7-9CD0-4224-9762-C76C79E1371B}"/>
+              </a:ext>
+            </a:extLst>
+          </p:cNvPr>
+          <p:cNvSpPr txBox="1"/>
+          <p:nvPr/>
+        </p:nvSpPr>
+        <p:spPr>
+          <a:xfrm rot="16200000">
+            <a:off x="10444675" y="4005660"/>
+            <a:ext cx="238248" cy="253916"/>
+          </a:xfrm>
+          <a:prstGeom prst="rect">
+            <a:avLst/>
+          </a:prstGeom>
+          <a:noFill/>
+        </p:spPr>
+        <p:txBody>
+          <a:bodyPr wrap="square" rtlCol="0">
+            <a:spAutoFit/>
+          </a:bodyPr>
+          <a:lstStyle/>
+          <a:p>
+            <a:pPr algn="ctr"/>
+            <a:r>
+              <a:rPr lang="en-US" sz="1050" dirty="0"/>
+              <a:t>…</a:t>
             </a:r>
           </a:p>
         </p:txBody>
@@ -8627,21 +8788,6 @@
 </file>
 
 <file path=customXml/item1.xml><?xml version="1.0" encoding="utf-8"?>
-<p:properties xmlns:p="http://schemas.microsoft.com/office/2006/metadata/properties" xmlns:xsi="http://www.w3.org/2001/XMLSchema-instance" xmlns:pc="http://schemas.microsoft.com/office/infopath/2007/PartnerControls">
-  <documentManagement/>
-</p:properties>
-</file>
-
-<file path=customXml/item2.xml><?xml version="1.0" encoding="utf-8"?>
-<?mso-contentType ?>
-<FormTemplates xmlns="http://schemas.microsoft.com/sharepoint/v3/contenttype/forms">
-  <Display>DocumentLibraryForm</Display>
-  <Edit>DocumentLibraryForm</Edit>
-  <New>DocumentLibraryForm</New>
-</FormTemplates>
-</file>
-
-<file path=customXml/item3.xml><?xml version="1.0" encoding="utf-8"?>
 <ct:contentTypeSchema xmlns:ct="http://schemas.microsoft.com/office/2006/metadata/contentType" xmlns:ma="http://schemas.microsoft.com/office/2006/metadata/properties/metaAttributes" ct:_="" ma:_="" ma:contentTypeName="Document" ma:contentTypeID="0x01010074D2001F796B5842ACB4675D256F8FDC" ma:contentTypeVersion="12" ma:contentTypeDescription="Create a new document." ma:contentTypeScope="" ma:versionID="c85e048fa781f40110e66b592c02dbca">
   <xsd:schema xmlns:xsd="http://www.w3.org/2001/XMLSchema" xmlns:xs="http://www.w3.org/2001/XMLSchema" xmlns:p="http://schemas.microsoft.com/office/2006/metadata/properties" xmlns:ns3="88a3e169-3f2e-4cb2-84e3-0f816f3920de" xmlns:ns4="6d44ab1e-4f7a-423e-9215-d8d8e61f56e6" targetNamespace="http://schemas.microsoft.com/office/2006/metadata/properties" ma:root="true" ma:fieldsID="6538c91a1e992d8cfb9fb30155d82126" ns3:_="" ns4:_="">
     <xsd:import namespace="88a3e169-3f2e-4cb2-84e3-0f816f3920de"/>
@@ -8858,24 +9004,22 @@
 </ct:contentTypeSchema>
 </file>
 
-<file path=customXml/itemProps1.xml><?xml version="1.0" encoding="utf-8"?>
-<ds:datastoreItem xmlns:ds="http://schemas.openxmlformats.org/officeDocument/2006/customXml" ds:itemID="{05F4B324-A6F8-4FC0-BBBB-05E2337781BA}">
-  <ds:schemaRefs>
-    <ds:schemaRef ds:uri="http://schemas.microsoft.com/office/2006/metadata/properties"/>
-    <ds:schemaRef ds:uri="http://schemas.microsoft.com/office/infopath/2007/PartnerControls"/>
-  </ds:schemaRefs>
-</ds:datastoreItem>
+<file path=customXml/item2.xml><?xml version="1.0" encoding="utf-8"?>
+<?mso-contentType ?>
+<FormTemplates xmlns="http://schemas.microsoft.com/sharepoint/v3/contenttype/forms">
+  <Display>DocumentLibraryForm</Display>
+  <Edit>DocumentLibraryForm</Edit>
+  <New>DocumentLibraryForm</New>
+</FormTemplates>
 </file>
 
-<file path=customXml/itemProps2.xml><?xml version="1.0" encoding="utf-8"?>
-<ds:datastoreItem xmlns:ds="http://schemas.openxmlformats.org/officeDocument/2006/customXml" ds:itemID="{7F29137C-F1C0-4930-80A0-A7C0C38F3D82}">
-  <ds:schemaRefs>
-    <ds:schemaRef ds:uri="http://schemas.microsoft.com/sharepoint/v3/contenttype/forms"/>
-  </ds:schemaRefs>
-</ds:datastoreItem>
+<file path=customXml/item3.xml><?xml version="1.0" encoding="utf-8"?>
+<p:properties xmlns:p="http://schemas.microsoft.com/office/2006/metadata/properties" xmlns:xsi="http://www.w3.org/2001/XMLSchema-instance" xmlns:pc="http://schemas.microsoft.com/office/infopath/2007/PartnerControls">
+  <documentManagement/>
+</p:properties>
 </file>
 
-<file path=customXml/itemProps3.xml><?xml version="1.0" encoding="utf-8"?>
+<file path=customXml/itemProps1.xml><?xml version="1.0" encoding="utf-8"?>
 <ds:datastoreItem xmlns:ds="http://schemas.openxmlformats.org/officeDocument/2006/customXml" ds:itemID="{BE4DBC62-83C7-4C26-A85C-6023E4D35A02}">
   <ds:schemaRefs>
     <ds:schemaRef ds:uri="http://schemas.microsoft.com/office/2006/metadata/contentType"/>
@@ -8892,4 +9036,21 @@
     <ds:schemaRef ds:uri="http://schemas.microsoft.com/internal/obd"/>
   </ds:schemaRefs>
 </ds:datastoreItem>
+</file>
+
+<file path=customXml/itemProps2.xml><?xml version="1.0" encoding="utf-8"?>
+<ds:datastoreItem xmlns:ds="http://schemas.openxmlformats.org/officeDocument/2006/customXml" ds:itemID="{7F29137C-F1C0-4930-80A0-A7C0C38F3D82}">
+  <ds:schemaRefs>
+    <ds:schemaRef ds:uri="http://schemas.microsoft.com/sharepoint/v3/contenttype/forms"/>
+  </ds:schemaRefs>
+</ds:datastoreItem>
+</file>
+
+<file path=customXml/itemProps3.xml><?xml version="1.0" encoding="utf-8"?>
+<ds:datastoreItem xmlns:ds="http://schemas.openxmlformats.org/officeDocument/2006/customXml" ds:itemID="{05F4B324-A6F8-4FC0-BBBB-05E2337781BA}">
+  <ds:schemaRefs>
+    <ds:schemaRef ds:uri="http://schemas.microsoft.com/office/2006/metadata/properties"/>
+    <ds:schemaRef ds:uri="http://schemas.microsoft.com/office/infopath/2007/PartnerControls"/>
+  </ds:schemaRefs>
+</ds:datastoreItem>
 </file>
--- a/figs/pna-block-diagram.pptx
+++ b/figs/pna-block-diagram.pptx
@@ -5,9 +5,11 @@
     <p:sldMasterId id="2147483648" r:id="rId4"/>
   </p:sldMasterIdLst>
   <p:sldIdLst>
-    <p:sldId id="273" r:id="rId5"/>
-    <p:sldId id="274" r:id="rId6"/>
-    <p:sldId id="277" r:id="rId7"/>
+    <p:sldId id="278" r:id="rId5"/>
+    <p:sldId id="279" r:id="rId6"/>
+    <p:sldId id="273" r:id="rId7"/>
+    <p:sldId id="274" r:id="rId8"/>
+    <p:sldId id="277" r:id="rId9"/>
   </p:sldIdLst>
   <p:sldSz cx="12192000" cy="6858000"/>
   <p:notesSz cx="6858000" cy="9144000"/>
@@ -117,8 +119,7 @@
 <file path=ppt/revisionInfo.xml><?xml version="1.0" encoding="utf-8"?>
 <p1510:revInfo xmlns:a="http://schemas.openxmlformats.org/drawingml/2006/main" xmlns:r="http://schemas.openxmlformats.org/officeDocument/2006/relationships" xmlns:p1510="http://schemas.microsoft.com/office/powerpoint/2015/10/main">
   <p1510:revLst>
-    <p1510:client id="{A15165CB-6890-425F-B683-DF57E33E36D0}" v="6" dt="2020-12-11T15:57:35.631"/>
-    <p1510:client id="{E88E5469-61BA-48B4-AA0C-79EDA161F32F}" v="21" dt="2020-12-11T04:00:21.369"/>
+    <p1510:client id="{A813B6DA-A865-4F67-82D2-0A7F7E9FE593}" v="4" dt="2021-04-12T14:41:47.592"/>
   </p1510:revLst>
 </p1510:revInfo>
 </file>
@@ -594,6 +595,77 @@
             <ac:cxnSpMk id="199" creationId="{9B56D066-03B7-4AA5-AE48-439E5D95D240}"/>
           </ac:cxnSpMkLst>
         </pc:cxnChg>
+      </pc:sldChg>
+    </pc:docChg>
+  </pc:docChgLst>
+  <pc:docChgLst>
+    <pc:chgData name="Fingerhut, John Andy" userId="6ad675d3-541e-4813-9336-4804cd571dc7" providerId="ADAL" clId="{A813B6DA-A865-4F67-82D2-0A7F7E9FE593}"/>
+    <pc:docChg chg="undo custSel addSld modSld sldOrd">
+      <pc:chgData name="Fingerhut, John Andy" userId="6ad675d3-541e-4813-9336-4804cd571dc7" providerId="ADAL" clId="{A813B6DA-A865-4F67-82D2-0A7F7E9FE593}" dt="2021-04-12T14:43:20.653" v="176" actId="1076"/>
+      <pc:docMkLst>
+        <pc:docMk/>
+      </pc:docMkLst>
+      <pc:sldChg chg="delSp add mod ord">
+        <pc:chgData name="Fingerhut, John Andy" userId="6ad675d3-541e-4813-9336-4804cd571dc7" providerId="ADAL" clId="{A813B6DA-A865-4F67-82D2-0A7F7E9FE593}" dt="2021-04-12T14:39:05.242" v="3"/>
+        <pc:sldMkLst>
+          <pc:docMk/>
+          <pc:sldMk cId="2989677720" sldId="278"/>
+        </pc:sldMkLst>
+        <pc:spChg chg="del">
+          <ac:chgData name="Fingerhut, John Andy" userId="6ad675d3-541e-4813-9336-4804cd571dc7" providerId="ADAL" clId="{A813B6DA-A865-4F67-82D2-0A7F7E9FE593}" dt="2021-04-12T14:39:02.218" v="1" actId="478"/>
+          <ac:spMkLst>
+            <pc:docMk/>
+            <pc:sldMk cId="2989677720" sldId="278"/>
+            <ac:spMk id="99" creationId="{F119881B-0804-466A-A54F-F276C61F4704}"/>
+          </ac:spMkLst>
+        </pc:spChg>
+      </pc:sldChg>
+      <pc:sldChg chg="addSp delSp modSp add mod">
+        <pc:chgData name="Fingerhut, John Andy" userId="6ad675d3-541e-4813-9336-4804cd571dc7" providerId="ADAL" clId="{A813B6DA-A865-4F67-82D2-0A7F7E9FE593}" dt="2021-04-12T14:43:20.653" v="176" actId="1076"/>
+        <pc:sldMkLst>
+          <pc:docMk/>
+          <pc:sldMk cId="1342042581" sldId="279"/>
+        </pc:sldMkLst>
+        <pc:spChg chg="add del">
+          <ac:chgData name="Fingerhut, John Andy" userId="6ad675d3-541e-4813-9336-4804cd571dc7" providerId="ADAL" clId="{A813B6DA-A865-4F67-82D2-0A7F7E9FE593}" dt="2021-04-12T14:40:47.432" v="141" actId="478"/>
+          <ac:spMkLst>
+            <pc:docMk/>
+            <pc:sldMk cId="1342042581" sldId="279"/>
+            <ac:spMk id="2" creationId="{F4695D4D-8D64-4BCF-8A1F-78A1CC82644C}"/>
+          </ac:spMkLst>
+        </pc:spChg>
+        <pc:spChg chg="add mod">
+          <ac:chgData name="Fingerhut, John Andy" userId="6ad675d3-541e-4813-9336-4804cd571dc7" providerId="ADAL" clId="{A813B6DA-A865-4F67-82D2-0A7F7E9FE593}" dt="2021-04-12T14:41:39.088" v="148" actId="692"/>
+          <ac:spMkLst>
+            <pc:docMk/>
+            <pc:sldMk cId="1342042581" sldId="279"/>
+            <ac:spMk id="3" creationId="{1F110F3B-3F70-4867-9070-C4741133EAA1}"/>
+          </ac:spMkLst>
+        </pc:spChg>
+        <pc:spChg chg="add mod">
+          <ac:chgData name="Fingerhut, John Andy" userId="6ad675d3-541e-4813-9336-4804cd571dc7" providerId="ADAL" clId="{A813B6DA-A865-4F67-82D2-0A7F7E9FE593}" dt="2021-04-12T14:43:20.653" v="176" actId="1076"/>
+          <ac:spMkLst>
+            <pc:docMk/>
+            <pc:sldMk cId="1342042581" sldId="279"/>
+            <ac:spMk id="4" creationId="{4C64B54C-5EC7-49EE-A81B-B66204E7F4FD}"/>
+          </ac:spMkLst>
+        </pc:spChg>
+        <pc:spChg chg="add mod">
+          <ac:chgData name="Fingerhut, John Andy" userId="6ad675d3-541e-4813-9336-4804cd571dc7" providerId="ADAL" clId="{A813B6DA-A865-4F67-82D2-0A7F7E9FE593}" dt="2021-04-12T14:42:46.095" v="170" actId="1076"/>
+          <ac:spMkLst>
+            <pc:docMk/>
+            <pc:sldMk cId="1342042581" sldId="279"/>
+            <ac:spMk id="99" creationId="{F31E1F81-C123-4B8C-AFFE-822C841B60A5}"/>
+          </ac:spMkLst>
+        </pc:spChg>
+        <pc:spChg chg="add mod">
+          <ac:chgData name="Fingerhut, John Andy" userId="6ad675d3-541e-4813-9336-4804cd571dc7" providerId="ADAL" clId="{A813B6DA-A865-4F67-82D2-0A7F7E9FE593}" dt="2021-04-12T14:42:37.164" v="168" actId="1076"/>
+          <ac:spMkLst>
+            <pc:docMk/>
+            <pc:sldMk cId="1342042581" sldId="279"/>
+            <ac:spMk id="103" creationId="{E0DD54AB-C641-4913-ADBA-C971891076AE}"/>
+          </ac:spMkLst>
+        </pc:spChg>
       </pc:sldChg>
     </pc:docChg>
   </pc:docChgLst>
@@ -2668,7 +2740,7 @@
           <a:p>
             <a:fld id="{B72825D7-6CAC-4DD9-81D1-F420B7F343C3}" type="datetimeFigureOut">
               <a:rPr lang="en-US" smtClean="0"/>
-              <a:t>12/11/2020</a:t>
+              <a:t>4/12/2021</a:t>
             </a:fld>
             <a:endParaRPr lang="en-US"/>
           </a:p>
@@ -2866,7 +2938,7 @@
           <a:p>
             <a:fld id="{B72825D7-6CAC-4DD9-81D1-F420B7F343C3}" type="datetimeFigureOut">
               <a:rPr lang="en-US" smtClean="0"/>
-              <a:t>12/11/2020</a:t>
+              <a:t>4/12/2021</a:t>
             </a:fld>
             <a:endParaRPr lang="en-US"/>
           </a:p>
@@ -3074,7 +3146,7 @@
           <a:p>
             <a:fld id="{B72825D7-6CAC-4DD9-81D1-F420B7F343C3}" type="datetimeFigureOut">
               <a:rPr lang="en-US" smtClean="0"/>
-              <a:t>12/11/2020</a:t>
+              <a:t>4/12/2021</a:t>
             </a:fld>
             <a:endParaRPr lang="en-US"/>
           </a:p>
@@ -3272,7 +3344,7 @@
           <a:p>
             <a:fld id="{B72825D7-6CAC-4DD9-81D1-F420B7F343C3}" type="datetimeFigureOut">
               <a:rPr lang="en-US" smtClean="0"/>
-              <a:t>12/11/2020</a:t>
+              <a:t>4/12/2021</a:t>
             </a:fld>
             <a:endParaRPr lang="en-US"/>
           </a:p>
@@ -3547,7 +3619,7 @@
           <a:p>
             <a:fld id="{B72825D7-6CAC-4DD9-81D1-F420B7F343C3}" type="datetimeFigureOut">
               <a:rPr lang="en-US" smtClean="0"/>
-              <a:t>12/11/2020</a:t>
+              <a:t>4/12/2021</a:t>
             </a:fld>
             <a:endParaRPr lang="en-US"/>
           </a:p>
@@ -3812,7 +3884,7 @@
           <a:p>
             <a:fld id="{B72825D7-6CAC-4DD9-81D1-F420B7F343C3}" type="datetimeFigureOut">
               <a:rPr lang="en-US" smtClean="0"/>
-              <a:t>12/11/2020</a:t>
+              <a:t>4/12/2021</a:t>
             </a:fld>
             <a:endParaRPr lang="en-US"/>
           </a:p>
@@ -4224,7 +4296,7 @@
           <a:p>
             <a:fld id="{B72825D7-6CAC-4DD9-81D1-F420B7F343C3}" type="datetimeFigureOut">
               <a:rPr lang="en-US" smtClean="0"/>
-              <a:t>12/11/2020</a:t>
+              <a:t>4/12/2021</a:t>
             </a:fld>
             <a:endParaRPr lang="en-US"/>
           </a:p>
@@ -4365,7 +4437,7 @@
           <a:p>
             <a:fld id="{B72825D7-6CAC-4DD9-81D1-F420B7F343C3}" type="datetimeFigureOut">
               <a:rPr lang="en-US" smtClean="0"/>
-              <a:t>12/11/2020</a:t>
+              <a:t>4/12/2021</a:t>
             </a:fld>
             <a:endParaRPr lang="en-US"/>
           </a:p>
@@ -4478,7 +4550,7 @@
           <a:p>
             <a:fld id="{B72825D7-6CAC-4DD9-81D1-F420B7F343C3}" type="datetimeFigureOut">
               <a:rPr lang="en-US" smtClean="0"/>
-              <a:t>12/11/2020</a:t>
+              <a:t>4/12/2021</a:t>
             </a:fld>
             <a:endParaRPr lang="en-US"/>
           </a:p>
@@ -4789,7 +4861,7 @@
           <a:p>
             <a:fld id="{B72825D7-6CAC-4DD9-81D1-F420B7F343C3}" type="datetimeFigureOut">
               <a:rPr lang="en-US" smtClean="0"/>
-              <a:t>12/11/2020</a:t>
+              <a:t>4/12/2021</a:t>
             </a:fld>
             <a:endParaRPr lang="en-US"/>
           </a:p>
@@ -5077,7 +5149,7 @@
           <a:p>
             <a:fld id="{B72825D7-6CAC-4DD9-81D1-F420B7F343C3}" type="datetimeFigureOut">
               <a:rPr lang="en-US" smtClean="0"/>
-              <a:t>12/11/2020</a:t>
+              <a:t>4/12/2021</a:t>
             </a:fld>
             <a:endParaRPr lang="en-US"/>
           </a:p>
@@ -5318,7 +5390,7 @@
           <a:p>
             <a:fld id="{B72825D7-6CAC-4DD9-81D1-F420B7F343C3}" type="datetimeFigureOut">
               <a:rPr lang="en-US" smtClean="0"/>
-              <a:t>12/11/2020</a:t>
+              <a:t>4/12/2021</a:t>
             </a:fld>
             <a:endParaRPr lang="en-US"/>
           </a:p>
@@ -5719,6 +5791,8764 @@
 </file>
 
 <file path=ppt/slides/slide1.xml><?xml version="1.0" encoding="utf-8"?>
+<p:sld xmlns:a="http://schemas.openxmlformats.org/drawingml/2006/main" xmlns:r="http://schemas.openxmlformats.org/officeDocument/2006/relationships" xmlns:p="http://schemas.openxmlformats.org/presentationml/2006/main">
+  <p:cSld>
+    <p:spTree>
+      <p:nvGrpSpPr>
+        <p:cNvPr id="1" name=""/>
+        <p:cNvGrpSpPr/>
+        <p:nvPr/>
+      </p:nvGrpSpPr>
+      <p:grpSpPr>
+        <a:xfrm>
+          <a:off x="0" y="0"/>
+          <a:ext cx="0" cy="0"/>
+          <a:chOff x="0" y="0"/>
+          <a:chExt cx="0" cy="0"/>
+        </a:xfrm>
+      </p:grpSpPr>
+      <p:sp>
+        <p:nvSpPr>
+          <p:cNvPr id="148" name="Rectangle 147">
+            <a:extLst>
+              <a:ext uri="{FF2B5EF4-FFF2-40B4-BE49-F238E27FC236}">
+                <a16:creationId xmlns:a16="http://schemas.microsoft.com/office/drawing/2014/main" id="{0E3FF64B-C6A6-4736-9847-96B6371F20AE}"/>
+              </a:ext>
+            </a:extLst>
+          </p:cNvPr>
+          <p:cNvSpPr/>
+          <p:nvPr/>
+        </p:nvSpPr>
+        <p:spPr>
+          <a:xfrm rot="16200000">
+            <a:off x="8767177" y="3937957"/>
+            <a:ext cx="2276178" cy="392105"/>
+          </a:xfrm>
+          <a:prstGeom prst="rect">
+            <a:avLst/>
+          </a:prstGeom>
+          <a:solidFill>
+            <a:srgbClr val="00B050"/>
+          </a:solidFill>
+        </p:spPr>
+        <p:style>
+          <a:lnRef idx="2">
+            <a:schemeClr val="accent1">
+              <a:shade val="50000"/>
+            </a:schemeClr>
+          </a:lnRef>
+          <a:fillRef idx="1">
+            <a:schemeClr val="accent1"/>
+          </a:fillRef>
+          <a:effectRef idx="0">
+            <a:schemeClr val="accent1"/>
+          </a:effectRef>
+          <a:fontRef idx="minor">
+            <a:schemeClr val="lt1"/>
+          </a:fontRef>
+        </p:style>
+        <p:txBody>
+          <a:bodyPr rtlCol="0" anchor="ctr"/>
+          <a:lstStyle/>
+          <a:p>
+            <a:pPr algn="ctr"/>
+            <a:r>
+              <a:rPr lang="en-US" dirty="0">
+                <a:solidFill>
+                  <a:schemeClr val="bg1"/>
+                </a:solidFill>
+              </a:rPr>
+              <a:t>Message Processing</a:t>
+            </a:r>
+          </a:p>
+        </p:txBody>
+      </p:sp>
+      <p:sp>
+        <p:nvSpPr>
+          <p:cNvPr id="7" name="Rectangle 6">
+            <a:extLst>
+              <a:ext uri="{FF2B5EF4-FFF2-40B4-BE49-F238E27FC236}">
+                <a16:creationId xmlns:a16="http://schemas.microsoft.com/office/drawing/2014/main" id="{9719FC3C-4B0A-4BE8-AD6C-44B06ECD8204}"/>
+              </a:ext>
+            </a:extLst>
+          </p:cNvPr>
+          <p:cNvSpPr/>
+          <p:nvPr/>
+        </p:nvSpPr>
+        <p:spPr>
+          <a:xfrm rot="16200000">
+            <a:off x="5643169" y="2742665"/>
+            <a:ext cx="1621162" cy="2032069"/>
+          </a:xfrm>
+          <a:prstGeom prst="rect">
+            <a:avLst/>
+          </a:prstGeom>
+          <a:solidFill>
+            <a:schemeClr val="accent5">
+              <a:lumMod val="40000"/>
+              <a:lumOff val="60000"/>
+            </a:schemeClr>
+          </a:solidFill>
+        </p:spPr>
+        <p:style>
+          <a:lnRef idx="2">
+            <a:schemeClr val="accent1">
+              <a:shade val="50000"/>
+            </a:schemeClr>
+          </a:lnRef>
+          <a:fillRef idx="1">
+            <a:schemeClr val="accent1"/>
+          </a:fillRef>
+          <a:effectRef idx="0">
+            <a:schemeClr val="accent1"/>
+          </a:effectRef>
+          <a:fontRef idx="minor">
+            <a:schemeClr val="lt1"/>
+          </a:fontRef>
+        </p:style>
+        <p:txBody>
+          <a:bodyPr rtlCol="0" anchor="ctr"/>
+          <a:lstStyle/>
+          <a:p>
+            <a:endParaRPr lang="en-US" dirty="0">
+              <a:solidFill>
+                <a:schemeClr val="tx1"/>
+              </a:solidFill>
+            </a:endParaRPr>
+          </a:p>
+        </p:txBody>
+      </p:sp>
+      <p:sp>
+        <p:nvSpPr>
+          <p:cNvPr id="9" name="Rectangle 8">
+            <a:extLst>
+              <a:ext uri="{FF2B5EF4-FFF2-40B4-BE49-F238E27FC236}">
+                <a16:creationId xmlns:a16="http://schemas.microsoft.com/office/drawing/2014/main" id="{08CD8402-7233-47B1-A1B5-23D2E88AF40D}"/>
+              </a:ext>
+            </a:extLst>
+          </p:cNvPr>
+          <p:cNvSpPr/>
+          <p:nvPr/>
+        </p:nvSpPr>
+        <p:spPr>
+          <a:xfrm rot="16200000">
+            <a:off x="5194979" y="3643815"/>
+            <a:ext cx="1494503" cy="224589"/>
+          </a:xfrm>
+          <a:prstGeom prst="rect">
+            <a:avLst/>
+          </a:prstGeom>
+          <a:solidFill>
+            <a:srgbClr val="00B050"/>
+          </a:solidFill>
+        </p:spPr>
+        <p:style>
+          <a:lnRef idx="2">
+            <a:schemeClr val="accent1">
+              <a:shade val="50000"/>
+            </a:schemeClr>
+          </a:lnRef>
+          <a:fillRef idx="1">
+            <a:schemeClr val="accent1"/>
+          </a:fillRef>
+          <a:effectRef idx="0">
+            <a:schemeClr val="accent1"/>
+          </a:effectRef>
+          <a:fontRef idx="minor">
+            <a:schemeClr val="lt1"/>
+          </a:fontRef>
+        </p:style>
+        <p:txBody>
+          <a:bodyPr rtlCol="0" anchor="ctr"/>
+          <a:lstStyle/>
+          <a:p>
+            <a:pPr algn="ctr"/>
+            <a:r>
+              <a:rPr lang="en-US" dirty="0"/>
+              <a:t>Main Parser</a:t>
+            </a:r>
+          </a:p>
+        </p:txBody>
+      </p:sp>
+      <p:sp>
+        <p:nvSpPr>
+          <p:cNvPr id="10" name="Rectangle 9">
+            <a:extLst>
+              <a:ext uri="{FF2B5EF4-FFF2-40B4-BE49-F238E27FC236}">
+                <a16:creationId xmlns:a16="http://schemas.microsoft.com/office/drawing/2014/main" id="{4DA835D9-811A-4207-86BD-82A8C24C1D85}"/>
+              </a:ext>
+            </a:extLst>
+          </p:cNvPr>
+          <p:cNvSpPr/>
+          <p:nvPr/>
+        </p:nvSpPr>
+        <p:spPr>
+          <a:xfrm rot="16200000">
+            <a:off x="5889559" y="3659420"/>
+            <a:ext cx="1494503" cy="200960"/>
+          </a:xfrm>
+          <a:prstGeom prst="rect">
+            <a:avLst/>
+          </a:prstGeom>
+          <a:solidFill>
+            <a:srgbClr val="00B050"/>
+          </a:solidFill>
+        </p:spPr>
+        <p:style>
+          <a:lnRef idx="2">
+            <a:schemeClr val="accent1">
+              <a:shade val="50000"/>
+            </a:schemeClr>
+          </a:lnRef>
+          <a:fillRef idx="1">
+            <a:schemeClr val="accent1"/>
+          </a:fillRef>
+          <a:effectRef idx="0">
+            <a:schemeClr val="accent1"/>
+          </a:effectRef>
+          <a:fontRef idx="minor">
+            <a:schemeClr val="lt1"/>
+          </a:fontRef>
+        </p:style>
+        <p:txBody>
+          <a:bodyPr rtlCol="0" anchor="ctr"/>
+          <a:lstStyle/>
+          <a:p>
+            <a:pPr algn="ctr"/>
+            <a:r>
+              <a:rPr lang="en-US" dirty="0"/>
+              <a:t>Main control</a:t>
+            </a:r>
+          </a:p>
+        </p:txBody>
+      </p:sp>
+      <p:sp>
+        <p:nvSpPr>
+          <p:cNvPr id="11" name="Rectangle 10">
+            <a:extLst>
+              <a:ext uri="{FF2B5EF4-FFF2-40B4-BE49-F238E27FC236}">
+                <a16:creationId xmlns:a16="http://schemas.microsoft.com/office/drawing/2014/main" id="{C5E0B604-11FA-4D85-8C27-1B6B6D7746A0}"/>
+              </a:ext>
+            </a:extLst>
+          </p:cNvPr>
+          <p:cNvSpPr/>
+          <p:nvPr/>
+        </p:nvSpPr>
+        <p:spPr>
+          <a:xfrm rot="16200000">
+            <a:off x="6245106" y="3642459"/>
+            <a:ext cx="1494503" cy="234880"/>
+          </a:xfrm>
+          <a:prstGeom prst="rect">
+            <a:avLst/>
+          </a:prstGeom>
+          <a:solidFill>
+            <a:srgbClr val="00B050"/>
+          </a:solidFill>
+        </p:spPr>
+        <p:style>
+          <a:lnRef idx="2">
+            <a:schemeClr val="accent1">
+              <a:shade val="50000"/>
+            </a:schemeClr>
+          </a:lnRef>
+          <a:fillRef idx="1">
+            <a:schemeClr val="accent1"/>
+          </a:fillRef>
+          <a:effectRef idx="0">
+            <a:schemeClr val="accent1"/>
+          </a:effectRef>
+          <a:fontRef idx="minor">
+            <a:schemeClr val="lt1"/>
+          </a:fontRef>
+        </p:style>
+        <p:txBody>
+          <a:bodyPr rtlCol="0" anchor="ctr"/>
+          <a:lstStyle/>
+          <a:p>
+            <a:pPr algn="ctr"/>
+            <a:r>
+              <a:rPr lang="en-US" sz="1600" dirty="0"/>
+              <a:t>Main Deparser</a:t>
+            </a:r>
+          </a:p>
+        </p:txBody>
+      </p:sp>
+      <p:sp>
+        <p:nvSpPr>
+          <p:cNvPr id="12" name="TextBox 11">
+            <a:extLst>
+              <a:ext uri="{FF2B5EF4-FFF2-40B4-BE49-F238E27FC236}">
+                <a16:creationId xmlns:a16="http://schemas.microsoft.com/office/drawing/2014/main" id="{A57A30FC-8EBC-4414-9C3F-8F53C01E89DB}"/>
+              </a:ext>
+            </a:extLst>
+          </p:cNvPr>
+          <p:cNvSpPr txBox="1"/>
+          <p:nvPr/>
+        </p:nvSpPr>
+        <p:spPr>
+          <a:xfrm rot="16200000">
+            <a:off x="5145785" y="3191740"/>
+            <a:ext cx="811441" cy="253916"/>
+          </a:xfrm>
+          <a:prstGeom prst="rect">
+            <a:avLst/>
+          </a:prstGeom>
+          <a:noFill/>
+        </p:spPr>
+        <p:txBody>
+          <a:bodyPr wrap="none" rtlCol="0">
+            <a:spAutoFit/>
+          </a:bodyPr>
+          <a:lstStyle/>
+          <a:p>
+            <a:r>
+              <a:rPr lang="en-US" sz="1050" dirty="0"/>
+              <a:t>FROM_NET</a:t>
+            </a:r>
+          </a:p>
+        </p:txBody>
+      </p:sp>
+      <p:sp>
+        <p:nvSpPr>
+          <p:cNvPr id="13" name="TextBox 12">
+            <a:extLst>
+              <a:ext uri="{FF2B5EF4-FFF2-40B4-BE49-F238E27FC236}">
+                <a16:creationId xmlns:a16="http://schemas.microsoft.com/office/drawing/2014/main" id="{1CFDA1D5-F37B-4541-B9D2-E055C8630AC5}"/>
+              </a:ext>
+            </a:extLst>
+          </p:cNvPr>
+          <p:cNvSpPr txBox="1"/>
+          <p:nvPr/>
+        </p:nvSpPr>
+        <p:spPr>
+          <a:xfrm rot="16200000">
+            <a:off x="7031931" y="4071910"/>
+            <a:ext cx="625492" cy="253916"/>
+          </a:xfrm>
+          <a:prstGeom prst="rect">
+            <a:avLst/>
+          </a:prstGeom>
+          <a:noFill/>
+        </p:spPr>
+        <p:txBody>
+          <a:bodyPr wrap="none" rtlCol="0">
+            <a:spAutoFit/>
+          </a:bodyPr>
+          <a:lstStyle/>
+          <a:p>
+            <a:r>
+              <a:rPr lang="en-US" sz="1050" dirty="0"/>
+              <a:t>TO_NET</a:t>
+            </a:r>
+          </a:p>
+        </p:txBody>
+      </p:sp>
+      <p:sp>
+        <p:nvSpPr>
+          <p:cNvPr id="14" name="TextBox 13">
+            <a:extLst>
+              <a:ext uri="{FF2B5EF4-FFF2-40B4-BE49-F238E27FC236}">
+                <a16:creationId xmlns:a16="http://schemas.microsoft.com/office/drawing/2014/main" id="{1334AC9D-6D71-45C5-B180-594CD48DA462}"/>
+              </a:ext>
+            </a:extLst>
+          </p:cNvPr>
+          <p:cNvSpPr txBox="1"/>
+          <p:nvPr/>
+        </p:nvSpPr>
+        <p:spPr>
+          <a:xfrm rot="16200000">
+            <a:off x="5113216" y="4015454"/>
+            <a:ext cx="894797" cy="253916"/>
+          </a:xfrm>
+          <a:prstGeom prst="rect">
+            <a:avLst/>
+          </a:prstGeom>
+          <a:noFill/>
+        </p:spPr>
+        <p:txBody>
+          <a:bodyPr wrap="none" rtlCol="0">
+            <a:spAutoFit/>
+          </a:bodyPr>
+          <a:lstStyle/>
+          <a:p>
+            <a:r>
+              <a:rPr lang="en-US" sz="1050" dirty="0"/>
+              <a:t>FROM_HOST</a:t>
+            </a:r>
+          </a:p>
+        </p:txBody>
+      </p:sp>
+      <p:sp>
+        <p:nvSpPr>
+          <p:cNvPr id="15" name="TextBox 14">
+            <a:extLst>
+              <a:ext uri="{FF2B5EF4-FFF2-40B4-BE49-F238E27FC236}">
+                <a16:creationId xmlns:a16="http://schemas.microsoft.com/office/drawing/2014/main" id="{962C12F2-DD96-4A51-B663-4E2BD4690C21}"/>
+              </a:ext>
+            </a:extLst>
+          </p:cNvPr>
+          <p:cNvSpPr txBox="1"/>
+          <p:nvPr/>
+        </p:nvSpPr>
+        <p:spPr>
+          <a:xfrm rot="16200000">
+            <a:off x="6983565" y="3224089"/>
+            <a:ext cx="708848" cy="253916"/>
+          </a:xfrm>
+          <a:prstGeom prst="rect">
+            <a:avLst/>
+          </a:prstGeom>
+          <a:noFill/>
+        </p:spPr>
+        <p:txBody>
+          <a:bodyPr wrap="none" rtlCol="0">
+            <a:spAutoFit/>
+          </a:bodyPr>
+          <a:lstStyle/>
+          <a:p>
+            <a:r>
+              <a:rPr lang="en-US" sz="1050" dirty="0"/>
+              <a:t>TO_HOST</a:t>
+            </a:r>
+          </a:p>
+        </p:txBody>
+      </p:sp>
+      <p:cxnSp>
+        <p:nvCxnSpPr>
+          <p:cNvPr id="8" name="Straight Arrow Connector 7">
+            <a:extLst>
+              <a:ext uri="{FF2B5EF4-FFF2-40B4-BE49-F238E27FC236}">
+                <a16:creationId xmlns:a16="http://schemas.microsoft.com/office/drawing/2014/main" id="{BB801080-B3EB-43D3-BDB6-AD0E67A57AA2}"/>
+              </a:ext>
+            </a:extLst>
+          </p:cNvPr>
+          <p:cNvCxnSpPr>
+            <a:cxnSpLocks/>
+          </p:cNvCxnSpPr>
+          <p:nvPr/>
+        </p:nvCxnSpPr>
+        <p:spPr>
+          <a:xfrm rot="16200000">
+            <a:off x="5757382" y="4114823"/>
+            <a:ext cx="0" cy="145108"/>
+          </a:xfrm>
+          <a:prstGeom prst="straightConnector1">
+            <a:avLst/>
+          </a:prstGeom>
+          <a:ln>
+            <a:tailEnd type="triangle"/>
+          </a:ln>
+        </p:spPr>
+        <p:style>
+          <a:lnRef idx="1">
+            <a:schemeClr val="accent1"/>
+          </a:lnRef>
+          <a:fillRef idx="0">
+            <a:schemeClr val="accent1"/>
+          </a:fillRef>
+          <a:effectRef idx="0">
+            <a:schemeClr val="accent1"/>
+          </a:effectRef>
+          <a:fontRef idx="minor">
+            <a:schemeClr val="tx1"/>
+          </a:fontRef>
+        </p:style>
+      </p:cxnSp>
+      <p:cxnSp>
+        <p:nvCxnSpPr>
+          <p:cNvPr id="18" name="Straight Arrow Connector 17">
+            <a:extLst>
+              <a:ext uri="{FF2B5EF4-FFF2-40B4-BE49-F238E27FC236}">
+                <a16:creationId xmlns:a16="http://schemas.microsoft.com/office/drawing/2014/main" id="{78AD3BE8-DF3A-4F04-908C-973DFE021940}"/>
+              </a:ext>
+            </a:extLst>
+          </p:cNvPr>
+          <p:cNvCxnSpPr>
+            <a:cxnSpLocks/>
+          </p:cNvCxnSpPr>
+          <p:nvPr/>
+        </p:nvCxnSpPr>
+        <p:spPr>
+          <a:xfrm rot="16200000">
+            <a:off x="6474269" y="3248883"/>
+            <a:ext cx="0" cy="138113"/>
+          </a:xfrm>
+          <a:prstGeom prst="straightConnector1">
+            <a:avLst/>
+          </a:prstGeom>
+          <a:ln>
+            <a:tailEnd type="triangle"/>
+          </a:ln>
+        </p:spPr>
+        <p:style>
+          <a:lnRef idx="1">
+            <a:schemeClr val="accent1"/>
+          </a:lnRef>
+          <a:fillRef idx="0">
+            <a:schemeClr val="accent1"/>
+          </a:fillRef>
+          <a:effectRef idx="0">
+            <a:schemeClr val="accent1"/>
+          </a:effectRef>
+          <a:fontRef idx="minor">
+            <a:schemeClr val="tx1"/>
+          </a:fontRef>
+        </p:style>
+      </p:cxnSp>
+      <p:cxnSp>
+        <p:nvCxnSpPr>
+          <p:cNvPr id="21" name="Straight Arrow Connector 20">
+            <a:extLst>
+              <a:ext uri="{FF2B5EF4-FFF2-40B4-BE49-F238E27FC236}">
+                <a16:creationId xmlns:a16="http://schemas.microsoft.com/office/drawing/2014/main" id="{118C6842-6E5E-4C24-B95F-914E14CD1B9C}"/>
+              </a:ext>
+            </a:extLst>
+          </p:cNvPr>
+          <p:cNvCxnSpPr>
+            <a:cxnSpLocks/>
+          </p:cNvCxnSpPr>
+          <p:nvPr/>
+        </p:nvCxnSpPr>
+        <p:spPr>
+          <a:xfrm rot="16200000">
+            <a:off x="6806104" y="3253673"/>
+            <a:ext cx="0" cy="137627"/>
+          </a:xfrm>
+          <a:prstGeom prst="straightConnector1">
+            <a:avLst/>
+          </a:prstGeom>
+          <a:ln>
+            <a:tailEnd type="triangle"/>
+          </a:ln>
+        </p:spPr>
+        <p:style>
+          <a:lnRef idx="1">
+            <a:schemeClr val="accent1"/>
+          </a:lnRef>
+          <a:fillRef idx="0">
+            <a:schemeClr val="accent1"/>
+          </a:fillRef>
+          <a:effectRef idx="0">
+            <a:schemeClr val="accent1"/>
+          </a:effectRef>
+          <a:fontRef idx="minor">
+            <a:schemeClr val="tx1"/>
+          </a:fontRef>
+        </p:style>
+      </p:cxnSp>
+      <p:cxnSp>
+        <p:nvCxnSpPr>
+          <p:cNvPr id="29" name="Straight Arrow Connector 28">
+            <a:extLst>
+              <a:ext uri="{FF2B5EF4-FFF2-40B4-BE49-F238E27FC236}">
+                <a16:creationId xmlns:a16="http://schemas.microsoft.com/office/drawing/2014/main" id="{6E973354-BD42-4475-A807-8DE90F54F8A4}"/>
+              </a:ext>
+            </a:extLst>
+          </p:cNvPr>
+          <p:cNvCxnSpPr>
+            <a:cxnSpLocks/>
+          </p:cNvCxnSpPr>
+          <p:nvPr/>
+        </p:nvCxnSpPr>
+        <p:spPr>
+          <a:xfrm rot="16200000">
+            <a:off x="5757382" y="3246143"/>
+            <a:ext cx="0" cy="145108"/>
+          </a:xfrm>
+          <a:prstGeom prst="straightConnector1">
+            <a:avLst/>
+          </a:prstGeom>
+          <a:ln>
+            <a:tailEnd type="triangle"/>
+          </a:ln>
+        </p:spPr>
+        <p:style>
+          <a:lnRef idx="1">
+            <a:schemeClr val="accent1"/>
+          </a:lnRef>
+          <a:fillRef idx="0">
+            <a:schemeClr val="accent1"/>
+          </a:fillRef>
+          <a:effectRef idx="0">
+            <a:schemeClr val="accent1"/>
+          </a:effectRef>
+          <a:fontRef idx="minor">
+            <a:schemeClr val="tx1"/>
+          </a:fontRef>
+        </p:style>
+      </p:cxnSp>
+      <p:cxnSp>
+        <p:nvCxnSpPr>
+          <p:cNvPr id="30" name="Straight Arrow Connector 29">
+            <a:extLst>
+              <a:ext uri="{FF2B5EF4-FFF2-40B4-BE49-F238E27FC236}">
+                <a16:creationId xmlns:a16="http://schemas.microsoft.com/office/drawing/2014/main" id="{D4BD033C-95E1-41B3-B6D8-C9EAC2E4C393}"/>
+              </a:ext>
+            </a:extLst>
+          </p:cNvPr>
+          <p:cNvCxnSpPr>
+            <a:cxnSpLocks/>
+          </p:cNvCxnSpPr>
+          <p:nvPr/>
+        </p:nvCxnSpPr>
+        <p:spPr>
+          <a:xfrm rot="16200000">
+            <a:off x="7182351" y="4118613"/>
+            <a:ext cx="0" cy="145108"/>
+          </a:xfrm>
+          <a:prstGeom prst="straightConnector1">
+            <a:avLst/>
+          </a:prstGeom>
+          <a:ln>
+            <a:tailEnd type="triangle"/>
+          </a:ln>
+        </p:spPr>
+        <p:style>
+          <a:lnRef idx="1">
+            <a:schemeClr val="accent1"/>
+          </a:lnRef>
+          <a:fillRef idx="0">
+            <a:schemeClr val="accent1"/>
+          </a:fillRef>
+          <a:effectRef idx="0">
+            <a:schemeClr val="accent1"/>
+          </a:effectRef>
+          <a:fontRef idx="minor">
+            <a:schemeClr val="tx1"/>
+          </a:fontRef>
+        </p:style>
+      </p:cxnSp>
+      <p:cxnSp>
+        <p:nvCxnSpPr>
+          <p:cNvPr id="31" name="Straight Arrow Connector 30">
+            <a:extLst>
+              <a:ext uri="{FF2B5EF4-FFF2-40B4-BE49-F238E27FC236}">
+                <a16:creationId xmlns:a16="http://schemas.microsoft.com/office/drawing/2014/main" id="{3B2C21DB-6C35-4435-AF14-F51CB6679761}"/>
+              </a:ext>
+            </a:extLst>
+          </p:cNvPr>
+          <p:cNvCxnSpPr>
+            <a:cxnSpLocks/>
+          </p:cNvCxnSpPr>
+          <p:nvPr/>
+        </p:nvCxnSpPr>
+        <p:spPr>
+          <a:xfrm rot="16200000">
+            <a:off x="7182351" y="3249933"/>
+            <a:ext cx="0" cy="145108"/>
+          </a:xfrm>
+          <a:prstGeom prst="straightConnector1">
+            <a:avLst/>
+          </a:prstGeom>
+          <a:ln>
+            <a:tailEnd type="triangle"/>
+          </a:ln>
+        </p:spPr>
+        <p:style>
+          <a:lnRef idx="1">
+            <a:schemeClr val="accent1"/>
+          </a:lnRef>
+          <a:fillRef idx="0">
+            <a:schemeClr val="accent1"/>
+          </a:fillRef>
+          <a:effectRef idx="0">
+            <a:schemeClr val="accent1"/>
+          </a:effectRef>
+          <a:fontRef idx="minor">
+            <a:schemeClr val="tx1"/>
+          </a:fontRef>
+        </p:style>
+      </p:cxnSp>
+      <p:cxnSp>
+        <p:nvCxnSpPr>
+          <p:cNvPr id="32" name="Straight Arrow Connector 31">
+            <a:extLst>
+              <a:ext uri="{FF2B5EF4-FFF2-40B4-BE49-F238E27FC236}">
+                <a16:creationId xmlns:a16="http://schemas.microsoft.com/office/drawing/2014/main" id="{92046405-9500-4397-B377-F93955C0070E}"/>
+              </a:ext>
+            </a:extLst>
+          </p:cNvPr>
+          <p:cNvCxnSpPr>
+            <a:cxnSpLocks/>
+          </p:cNvCxnSpPr>
+          <p:nvPr/>
+        </p:nvCxnSpPr>
+        <p:spPr>
+          <a:xfrm rot="16200000">
+            <a:off x="6470771" y="4118613"/>
+            <a:ext cx="0" cy="145108"/>
+          </a:xfrm>
+          <a:prstGeom prst="straightConnector1">
+            <a:avLst/>
+          </a:prstGeom>
+          <a:ln>
+            <a:tailEnd type="triangle"/>
+          </a:ln>
+        </p:spPr>
+        <p:style>
+          <a:lnRef idx="1">
+            <a:schemeClr val="accent1"/>
+          </a:lnRef>
+          <a:fillRef idx="0">
+            <a:schemeClr val="accent1"/>
+          </a:fillRef>
+          <a:effectRef idx="0">
+            <a:schemeClr val="accent1"/>
+          </a:effectRef>
+          <a:fontRef idx="minor">
+            <a:schemeClr val="tx1"/>
+          </a:fontRef>
+        </p:style>
+      </p:cxnSp>
+      <p:cxnSp>
+        <p:nvCxnSpPr>
+          <p:cNvPr id="33" name="Straight Arrow Connector 32">
+            <a:extLst>
+              <a:ext uri="{FF2B5EF4-FFF2-40B4-BE49-F238E27FC236}">
+                <a16:creationId xmlns:a16="http://schemas.microsoft.com/office/drawing/2014/main" id="{E38A593F-0DEE-408E-8DF2-68583A1E725F}"/>
+              </a:ext>
+            </a:extLst>
+          </p:cNvPr>
+          <p:cNvCxnSpPr>
+            <a:cxnSpLocks/>
+          </p:cNvCxnSpPr>
+          <p:nvPr/>
+        </p:nvCxnSpPr>
+        <p:spPr>
+          <a:xfrm rot="16200000">
+            <a:off x="6809844" y="4118613"/>
+            <a:ext cx="0" cy="145108"/>
+          </a:xfrm>
+          <a:prstGeom prst="straightConnector1">
+            <a:avLst/>
+          </a:prstGeom>
+          <a:ln>
+            <a:tailEnd type="triangle"/>
+          </a:ln>
+        </p:spPr>
+        <p:style>
+          <a:lnRef idx="1">
+            <a:schemeClr val="accent1"/>
+          </a:lnRef>
+          <a:fillRef idx="0">
+            <a:schemeClr val="accent1"/>
+          </a:fillRef>
+          <a:effectRef idx="0">
+            <a:schemeClr val="accent1"/>
+          </a:effectRef>
+          <a:fontRef idx="minor">
+            <a:schemeClr val="tx1"/>
+          </a:fontRef>
+        </p:style>
+      </p:cxnSp>
+      <p:grpSp>
+        <p:nvGrpSpPr>
+          <p:cNvPr id="78" name="Group 77">
+            <a:extLst>
+              <a:ext uri="{FF2B5EF4-FFF2-40B4-BE49-F238E27FC236}">
+                <a16:creationId xmlns:a16="http://schemas.microsoft.com/office/drawing/2014/main" id="{45FA8724-A465-47A6-9A0E-9F107AF39809}"/>
+              </a:ext>
+            </a:extLst>
+          </p:cNvPr>
+          <p:cNvGrpSpPr/>
+          <p:nvPr/>
+        </p:nvGrpSpPr>
+        <p:grpSpPr>
+          <a:xfrm>
+            <a:off x="4083063" y="4598203"/>
+            <a:ext cx="1036865" cy="660688"/>
+            <a:chOff x="7162255" y="2438057"/>
+            <a:chExt cx="1036865" cy="660688"/>
+          </a:xfrm>
+          <a:solidFill>
+            <a:schemeClr val="accent4">
+              <a:lumMod val="40000"/>
+              <a:lumOff val="60000"/>
+            </a:schemeClr>
+          </a:solidFill>
+        </p:grpSpPr>
+        <p:grpSp>
+          <p:nvGrpSpPr>
+            <p:cNvPr id="65" name="Group 64">
+              <a:extLst>
+                <a:ext uri="{FF2B5EF4-FFF2-40B4-BE49-F238E27FC236}">
+                  <a16:creationId xmlns:a16="http://schemas.microsoft.com/office/drawing/2014/main" id="{4DF3C48E-C2EF-4D20-AFB2-DB281529E8F3}"/>
+                </a:ext>
+              </a:extLst>
+            </p:cNvPr>
+            <p:cNvGrpSpPr/>
+            <p:nvPr/>
+          </p:nvGrpSpPr>
+          <p:grpSpPr>
+            <a:xfrm>
+              <a:off x="7523231" y="2438058"/>
+              <a:ext cx="675889" cy="228392"/>
+              <a:chOff x="7523231" y="2438058"/>
+              <a:chExt cx="675889" cy="228392"/>
+            </a:xfrm>
+            <a:grpFill/>
+          </p:grpSpPr>
+          <p:sp>
+            <p:nvSpPr>
+              <p:cNvPr id="57" name="Rectangle 56">
+                <a:extLst>
+                  <a:ext uri="{FF2B5EF4-FFF2-40B4-BE49-F238E27FC236}">
+                    <a16:creationId xmlns:a16="http://schemas.microsoft.com/office/drawing/2014/main" id="{789E4118-41DC-4868-9B6A-C447AD851B5D}"/>
+                  </a:ext>
+                </a:extLst>
+              </p:cNvPr>
+              <p:cNvSpPr/>
+              <p:nvPr/>
+            </p:nvSpPr>
+            <p:spPr>
+              <a:xfrm>
+                <a:off x="7523231" y="2438058"/>
+                <a:ext cx="176780" cy="224589"/>
+              </a:xfrm>
+              <a:prstGeom prst="rect">
+                <a:avLst/>
+              </a:prstGeom>
+              <a:grpFill/>
+            </p:spPr>
+            <p:style>
+              <a:lnRef idx="2">
+                <a:schemeClr val="accent1">
+                  <a:shade val="50000"/>
+                </a:schemeClr>
+              </a:lnRef>
+              <a:fillRef idx="1">
+                <a:schemeClr val="accent1"/>
+              </a:fillRef>
+              <a:effectRef idx="0">
+                <a:schemeClr val="accent1"/>
+              </a:effectRef>
+              <a:fontRef idx="minor">
+                <a:schemeClr val="lt1"/>
+              </a:fontRef>
+            </p:style>
+            <p:txBody>
+              <a:bodyPr rtlCol="0" anchor="ctr"/>
+              <a:lstStyle/>
+              <a:p>
+                <a:pPr algn="ctr"/>
+                <a:endParaRPr lang="en-US" dirty="0"/>
+              </a:p>
+            </p:txBody>
+          </p:sp>
+          <p:sp>
+            <p:nvSpPr>
+              <p:cNvPr id="60" name="Rectangle 59">
+                <a:extLst>
+                  <a:ext uri="{FF2B5EF4-FFF2-40B4-BE49-F238E27FC236}">
+                    <a16:creationId xmlns:a16="http://schemas.microsoft.com/office/drawing/2014/main" id="{190398E5-521F-4063-99FE-BE1264D443E1}"/>
+                  </a:ext>
+                </a:extLst>
+              </p:cNvPr>
+              <p:cNvSpPr/>
+              <p:nvPr/>
+            </p:nvSpPr>
+            <p:spPr>
+              <a:xfrm>
+                <a:off x="7700011" y="2438058"/>
+                <a:ext cx="176780" cy="224589"/>
+              </a:xfrm>
+              <a:prstGeom prst="rect">
+                <a:avLst/>
+              </a:prstGeom>
+              <a:grpFill/>
+            </p:spPr>
+            <p:style>
+              <a:lnRef idx="2">
+                <a:schemeClr val="accent1">
+                  <a:shade val="50000"/>
+                </a:schemeClr>
+              </a:lnRef>
+              <a:fillRef idx="1">
+                <a:schemeClr val="accent1"/>
+              </a:fillRef>
+              <a:effectRef idx="0">
+                <a:schemeClr val="accent1"/>
+              </a:effectRef>
+              <a:fontRef idx="minor">
+                <a:schemeClr val="lt1"/>
+              </a:fontRef>
+            </p:style>
+            <p:txBody>
+              <a:bodyPr rtlCol="0" anchor="ctr"/>
+              <a:lstStyle/>
+              <a:p>
+                <a:pPr algn="ctr"/>
+                <a:endParaRPr lang="en-US" dirty="0"/>
+              </a:p>
+            </p:txBody>
+          </p:sp>
+          <p:sp>
+            <p:nvSpPr>
+              <p:cNvPr id="61" name="Rectangle 60">
+                <a:extLst>
+                  <a:ext uri="{FF2B5EF4-FFF2-40B4-BE49-F238E27FC236}">
+                    <a16:creationId xmlns:a16="http://schemas.microsoft.com/office/drawing/2014/main" id="{BECBDE68-91F2-47E4-AC15-78AF217D7254}"/>
+                  </a:ext>
+                </a:extLst>
+              </p:cNvPr>
+              <p:cNvSpPr/>
+              <p:nvPr/>
+            </p:nvSpPr>
+            <p:spPr>
+              <a:xfrm>
+                <a:off x="7876791" y="2438058"/>
+                <a:ext cx="176780" cy="224589"/>
+              </a:xfrm>
+              <a:prstGeom prst="rect">
+                <a:avLst/>
+              </a:prstGeom>
+              <a:grpFill/>
+            </p:spPr>
+            <p:style>
+              <a:lnRef idx="2">
+                <a:schemeClr val="accent1">
+                  <a:shade val="50000"/>
+                </a:schemeClr>
+              </a:lnRef>
+              <a:fillRef idx="1">
+                <a:schemeClr val="accent1"/>
+              </a:fillRef>
+              <a:effectRef idx="0">
+                <a:schemeClr val="accent1"/>
+              </a:effectRef>
+              <a:fontRef idx="minor">
+                <a:schemeClr val="lt1"/>
+              </a:fontRef>
+            </p:style>
+            <p:txBody>
+              <a:bodyPr rtlCol="0" anchor="ctr"/>
+              <a:lstStyle/>
+              <a:p>
+                <a:pPr algn="ctr"/>
+                <a:endParaRPr lang="en-US" dirty="0"/>
+              </a:p>
+            </p:txBody>
+          </p:sp>
+          <p:cxnSp>
+            <p:nvCxnSpPr>
+              <p:cNvPr id="63" name="Straight Connector 62">
+                <a:extLst>
+                  <a:ext uri="{FF2B5EF4-FFF2-40B4-BE49-F238E27FC236}">
+                    <a16:creationId xmlns:a16="http://schemas.microsoft.com/office/drawing/2014/main" id="{06F1B34D-78E2-4CD7-A79E-D052F378D7AC}"/>
+                  </a:ext>
+                </a:extLst>
+              </p:cNvPr>
+              <p:cNvCxnSpPr>
+                <a:stCxn id="61" idx="0"/>
+              </p:cNvCxnSpPr>
+              <p:nvPr/>
+            </p:nvCxnSpPr>
+            <p:spPr>
+              <a:xfrm>
+                <a:off x="7965181" y="2438058"/>
+                <a:ext cx="233939" cy="0"/>
+              </a:xfrm>
+              <a:prstGeom prst="line">
+                <a:avLst/>
+              </a:prstGeom>
+              <a:grpFill/>
+              <a:ln>
+                <a:solidFill>
+                  <a:schemeClr val="tx1"/>
+                </a:solidFill>
+              </a:ln>
+            </p:spPr>
+            <p:style>
+              <a:lnRef idx="1">
+                <a:schemeClr val="accent1"/>
+              </a:lnRef>
+              <a:fillRef idx="0">
+                <a:schemeClr val="accent1"/>
+              </a:fillRef>
+              <a:effectRef idx="0">
+                <a:schemeClr val="accent1"/>
+              </a:effectRef>
+              <a:fontRef idx="minor">
+                <a:schemeClr val="tx1"/>
+              </a:fontRef>
+            </p:style>
+          </p:cxnSp>
+          <p:cxnSp>
+            <p:nvCxnSpPr>
+              <p:cNvPr id="64" name="Straight Connector 63">
+                <a:extLst>
+                  <a:ext uri="{FF2B5EF4-FFF2-40B4-BE49-F238E27FC236}">
+                    <a16:creationId xmlns:a16="http://schemas.microsoft.com/office/drawing/2014/main" id="{B0897452-91E2-44F6-BA39-CC080CF0F7D7}"/>
+                  </a:ext>
+                </a:extLst>
+              </p:cNvPr>
+              <p:cNvCxnSpPr/>
+              <p:nvPr/>
+            </p:nvCxnSpPr>
+            <p:spPr>
+              <a:xfrm>
+                <a:off x="7965180" y="2666450"/>
+                <a:ext cx="233939" cy="0"/>
+              </a:xfrm>
+              <a:prstGeom prst="line">
+                <a:avLst/>
+              </a:prstGeom>
+              <a:grpFill/>
+              <a:ln>
+                <a:solidFill>
+                  <a:schemeClr val="tx1"/>
+                </a:solidFill>
+              </a:ln>
+            </p:spPr>
+            <p:style>
+              <a:lnRef idx="1">
+                <a:schemeClr val="accent1"/>
+              </a:lnRef>
+              <a:fillRef idx="0">
+                <a:schemeClr val="accent1"/>
+              </a:fillRef>
+              <a:effectRef idx="0">
+                <a:schemeClr val="accent1"/>
+              </a:effectRef>
+              <a:fontRef idx="minor">
+                <a:schemeClr val="tx1"/>
+              </a:fontRef>
+            </p:style>
+          </p:cxnSp>
+        </p:grpSp>
+        <p:grpSp>
+          <p:nvGrpSpPr>
+            <p:cNvPr id="66" name="Group 65">
+              <a:extLst>
+                <a:ext uri="{FF2B5EF4-FFF2-40B4-BE49-F238E27FC236}">
+                  <a16:creationId xmlns:a16="http://schemas.microsoft.com/office/drawing/2014/main" id="{B9FDB37A-305A-4275-ACA9-DB35B7949DC1}"/>
+                </a:ext>
+              </a:extLst>
+            </p:cNvPr>
+            <p:cNvGrpSpPr/>
+            <p:nvPr/>
+          </p:nvGrpSpPr>
+          <p:grpSpPr>
+            <a:xfrm>
+              <a:off x="7523230" y="2870353"/>
+              <a:ext cx="675889" cy="228392"/>
+              <a:chOff x="7523231" y="2438058"/>
+              <a:chExt cx="675889" cy="228392"/>
+            </a:xfrm>
+            <a:grpFill/>
+          </p:grpSpPr>
+          <p:sp>
+            <p:nvSpPr>
+              <p:cNvPr id="67" name="Rectangle 66">
+                <a:extLst>
+                  <a:ext uri="{FF2B5EF4-FFF2-40B4-BE49-F238E27FC236}">
+                    <a16:creationId xmlns:a16="http://schemas.microsoft.com/office/drawing/2014/main" id="{521E671A-4AB0-45E2-927C-7EB4F296105C}"/>
+                  </a:ext>
+                </a:extLst>
+              </p:cNvPr>
+              <p:cNvSpPr/>
+              <p:nvPr/>
+            </p:nvSpPr>
+            <p:spPr>
+              <a:xfrm>
+                <a:off x="7523231" y="2438058"/>
+                <a:ext cx="176780" cy="224589"/>
+              </a:xfrm>
+              <a:prstGeom prst="rect">
+                <a:avLst/>
+              </a:prstGeom>
+              <a:grpFill/>
+            </p:spPr>
+            <p:style>
+              <a:lnRef idx="2">
+                <a:schemeClr val="accent1">
+                  <a:shade val="50000"/>
+                </a:schemeClr>
+              </a:lnRef>
+              <a:fillRef idx="1">
+                <a:schemeClr val="accent1"/>
+              </a:fillRef>
+              <a:effectRef idx="0">
+                <a:schemeClr val="accent1"/>
+              </a:effectRef>
+              <a:fontRef idx="minor">
+                <a:schemeClr val="lt1"/>
+              </a:fontRef>
+            </p:style>
+            <p:txBody>
+              <a:bodyPr rtlCol="0" anchor="ctr"/>
+              <a:lstStyle/>
+              <a:p>
+                <a:pPr algn="ctr"/>
+                <a:endParaRPr lang="en-US" dirty="0"/>
+              </a:p>
+            </p:txBody>
+          </p:sp>
+          <p:sp>
+            <p:nvSpPr>
+              <p:cNvPr id="68" name="Rectangle 67">
+                <a:extLst>
+                  <a:ext uri="{FF2B5EF4-FFF2-40B4-BE49-F238E27FC236}">
+                    <a16:creationId xmlns:a16="http://schemas.microsoft.com/office/drawing/2014/main" id="{F80FA354-CDAD-4F92-82D2-BB7E29F7234F}"/>
+                  </a:ext>
+                </a:extLst>
+              </p:cNvPr>
+              <p:cNvSpPr/>
+              <p:nvPr/>
+            </p:nvSpPr>
+            <p:spPr>
+              <a:xfrm>
+                <a:off x="7700011" y="2438058"/>
+                <a:ext cx="176780" cy="224589"/>
+              </a:xfrm>
+              <a:prstGeom prst="rect">
+                <a:avLst/>
+              </a:prstGeom>
+              <a:grpFill/>
+            </p:spPr>
+            <p:style>
+              <a:lnRef idx="2">
+                <a:schemeClr val="accent1">
+                  <a:shade val="50000"/>
+                </a:schemeClr>
+              </a:lnRef>
+              <a:fillRef idx="1">
+                <a:schemeClr val="accent1"/>
+              </a:fillRef>
+              <a:effectRef idx="0">
+                <a:schemeClr val="accent1"/>
+              </a:effectRef>
+              <a:fontRef idx="minor">
+                <a:schemeClr val="lt1"/>
+              </a:fontRef>
+            </p:style>
+            <p:txBody>
+              <a:bodyPr rtlCol="0" anchor="ctr"/>
+              <a:lstStyle/>
+              <a:p>
+                <a:pPr algn="ctr"/>
+                <a:endParaRPr lang="en-US" dirty="0"/>
+              </a:p>
+            </p:txBody>
+          </p:sp>
+          <p:sp>
+            <p:nvSpPr>
+              <p:cNvPr id="69" name="Rectangle 68">
+                <a:extLst>
+                  <a:ext uri="{FF2B5EF4-FFF2-40B4-BE49-F238E27FC236}">
+                    <a16:creationId xmlns:a16="http://schemas.microsoft.com/office/drawing/2014/main" id="{E2DA1646-60A8-4B65-A623-9C5669963125}"/>
+                  </a:ext>
+                </a:extLst>
+              </p:cNvPr>
+              <p:cNvSpPr/>
+              <p:nvPr/>
+            </p:nvSpPr>
+            <p:spPr>
+              <a:xfrm>
+                <a:off x="7876791" y="2438058"/>
+                <a:ext cx="176780" cy="224589"/>
+              </a:xfrm>
+              <a:prstGeom prst="rect">
+                <a:avLst/>
+              </a:prstGeom>
+              <a:grpFill/>
+            </p:spPr>
+            <p:style>
+              <a:lnRef idx="2">
+                <a:schemeClr val="accent1">
+                  <a:shade val="50000"/>
+                </a:schemeClr>
+              </a:lnRef>
+              <a:fillRef idx="1">
+                <a:schemeClr val="accent1"/>
+              </a:fillRef>
+              <a:effectRef idx="0">
+                <a:schemeClr val="accent1"/>
+              </a:effectRef>
+              <a:fontRef idx="minor">
+                <a:schemeClr val="lt1"/>
+              </a:fontRef>
+            </p:style>
+            <p:txBody>
+              <a:bodyPr rtlCol="0" anchor="ctr"/>
+              <a:lstStyle/>
+              <a:p>
+                <a:pPr algn="ctr"/>
+                <a:endParaRPr lang="en-US" dirty="0"/>
+              </a:p>
+            </p:txBody>
+          </p:sp>
+          <p:cxnSp>
+            <p:nvCxnSpPr>
+              <p:cNvPr id="70" name="Straight Connector 69">
+                <a:extLst>
+                  <a:ext uri="{FF2B5EF4-FFF2-40B4-BE49-F238E27FC236}">
+                    <a16:creationId xmlns:a16="http://schemas.microsoft.com/office/drawing/2014/main" id="{5AAC09B2-0041-43CD-ABEB-047275A88945}"/>
+                  </a:ext>
+                </a:extLst>
+              </p:cNvPr>
+              <p:cNvCxnSpPr>
+                <a:stCxn id="69" idx="0"/>
+              </p:cNvCxnSpPr>
+              <p:nvPr/>
+            </p:nvCxnSpPr>
+            <p:spPr>
+              <a:xfrm>
+                <a:off x="7965181" y="2438058"/>
+                <a:ext cx="233939" cy="0"/>
+              </a:xfrm>
+              <a:prstGeom prst="line">
+                <a:avLst/>
+              </a:prstGeom>
+              <a:grpFill/>
+              <a:ln>
+                <a:solidFill>
+                  <a:schemeClr val="tx1"/>
+                </a:solidFill>
+              </a:ln>
+            </p:spPr>
+            <p:style>
+              <a:lnRef idx="1">
+                <a:schemeClr val="accent1"/>
+              </a:lnRef>
+              <a:fillRef idx="0">
+                <a:schemeClr val="accent1"/>
+              </a:fillRef>
+              <a:effectRef idx="0">
+                <a:schemeClr val="accent1"/>
+              </a:effectRef>
+              <a:fontRef idx="minor">
+                <a:schemeClr val="tx1"/>
+              </a:fontRef>
+            </p:style>
+          </p:cxnSp>
+          <p:cxnSp>
+            <p:nvCxnSpPr>
+              <p:cNvPr id="71" name="Straight Connector 70">
+                <a:extLst>
+                  <a:ext uri="{FF2B5EF4-FFF2-40B4-BE49-F238E27FC236}">
+                    <a16:creationId xmlns:a16="http://schemas.microsoft.com/office/drawing/2014/main" id="{675BAC5A-ABFE-45F5-B96B-39E7A4A2E9FF}"/>
+                  </a:ext>
+                </a:extLst>
+              </p:cNvPr>
+              <p:cNvCxnSpPr/>
+              <p:nvPr/>
+            </p:nvCxnSpPr>
+            <p:spPr>
+              <a:xfrm>
+                <a:off x="7965180" y="2666450"/>
+                <a:ext cx="233939" cy="0"/>
+              </a:xfrm>
+              <a:prstGeom prst="line">
+                <a:avLst/>
+              </a:prstGeom>
+              <a:grpFill/>
+              <a:ln>
+                <a:solidFill>
+                  <a:schemeClr val="tx1"/>
+                </a:solidFill>
+              </a:ln>
+            </p:spPr>
+            <p:style>
+              <a:lnRef idx="1">
+                <a:schemeClr val="accent1"/>
+              </a:lnRef>
+              <a:fillRef idx="0">
+                <a:schemeClr val="accent1"/>
+              </a:fillRef>
+              <a:effectRef idx="0">
+                <a:schemeClr val="accent1"/>
+              </a:effectRef>
+              <a:fontRef idx="minor">
+                <a:schemeClr val="tx1"/>
+              </a:fontRef>
+            </p:style>
+          </p:cxnSp>
+        </p:grpSp>
+        <p:sp>
+          <p:nvSpPr>
+            <p:cNvPr id="72" name="Isosceles Triangle 71">
+              <a:extLst>
+                <a:ext uri="{FF2B5EF4-FFF2-40B4-BE49-F238E27FC236}">
+                  <a16:creationId xmlns:a16="http://schemas.microsoft.com/office/drawing/2014/main" id="{E4EB1CBB-A1A6-4A7E-B150-7170D3DEB315}"/>
+                </a:ext>
+              </a:extLst>
+            </p:cNvPr>
+            <p:cNvSpPr/>
+            <p:nvPr/>
+          </p:nvSpPr>
+          <p:spPr>
+            <a:xfrm rot="16200000">
+              <a:off x="6948011" y="2652301"/>
+              <a:ext cx="656879" cy="228392"/>
+            </a:xfrm>
+            <a:prstGeom prst="triangle">
+              <a:avLst>
+                <a:gd name="adj" fmla="val 50000"/>
+              </a:avLst>
+            </a:prstGeom>
+            <a:grpFill/>
+          </p:spPr>
+          <p:style>
+            <a:lnRef idx="2">
+              <a:schemeClr val="accent1">
+                <a:shade val="50000"/>
+              </a:schemeClr>
+            </a:lnRef>
+            <a:fillRef idx="1">
+              <a:schemeClr val="accent1"/>
+            </a:fillRef>
+            <a:effectRef idx="0">
+              <a:schemeClr val="accent1"/>
+            </a:effectRef>
+            <a:fontRef idx="minor">
+              <a:schemeClr val="lt1"/>
+            </a:fontRef>
+          </p:style>
+          <p:txBody>
+            <a:bodyPr rtlCol="0" anchor="ctr"/>
+            <a:lstStyle/>
+            <a:p>
+              <a:pPr algn="ctr"/>
+              <a:endParaRPr lang="en-US" dirty="0"/>
+            </a:p>
+          </p:txBody>
+        </p:sp>
+        <p:cxnSp>
+          <p:nvCxnSpPr>
+            <p:cNvPr id="74" name="Straight Connector 73">
+              <a:extLst>
+                <a:ext uri="{FF2B5EF4-FFF2-40B4-BE49-F238E27FC236}">
+                  <a16:creationId xmlns:a16="http://schemas.microsoft.com/office/drawing/2014/main" id="{F9729964-2882-4AE9-AFD2-1FA623551E12}"/>
+                </a:ext>
+              </a:extLst>
+            </p:cNvPr>
+            <p:cNvCxnSpPr>
+              <a:stCxn id="57" idx="1"/>
+            </p:cNvCxnSpPr>
+            <p:nvPr/>
+          </p:nvCxnSpPr>
+          <p:spPr>
+            <a:xfrm flipH="1" flipV="1">
+              <a:off x="7390647" y="2550352"/>
+              <a:ext cx="132584" cy="1"/>
+            </a:xfrm>
+            <a:prstGeom prst="line">
+              <a:avLst/>
+            </a:prstGeom>
+            <a:grpFill/>
+            <a:ln>
+              <a:solidFill>
+                <a:schemeClr val="tx1"/>
+              </a:solidFill>
+            </a:ln>
+          </p:spPr>
+          <p:style>
+            <a:lnRef idx="1">
+              <a:schemeClr val="accent1"/>
+            </a:lnRef>
+            <a:fillRef idx="0">
+              <a:schemeClr val="accent1"/>
+            </a:fillRef>
+            <a:effectRef idx="0">
+              <a:schemeClr val="accent1"/>
+            </a:effectRef>
+            <a:fontRef idx="minor">
+              <a:schemeClr val="tx1"/>
+            </a:fontRef>
+          </p:style>
+        </p:cxnSp>
+        <p:cxnSp>
+          <p:nvCxnSpPr>
+            <p:cNvPr id="75" name="Straight Connector 74">
+              <a:extLst>
+                <a:ext uri="{FF2B5EF4-FFF2-40B4-BE49-F238E27FC236}">
+                  <a16:creationId xmlns:a16="http://schemas.microsoft.com/office/drawing/2014/main" id="{FF3752F6-B834-45F7-9B97-364258E51903}"/>
+                </a:ext>
+              </a:extLst>
+            </p:cNvPr>
+            <p:cNvCxnSpPr>
+              <a:cxnSpLocks/>
+              <a:stCxn id="67" idx="1"/>
+            </p:cNvCxnSpPr>
+            <p:nvPr/>
+          </p:nvCxnSpPr>
+          <p:spPr>
+            <a:xfrm flipH="1" flipV="1">
+              <a:off x="7390647" y="2982647"/>
+              <a:ext cx="132583" cy="1"/>
+            </a:xfrm>
+            <a:prstGeom prst="line">
+              <a:avLst/>
+            </a:prstGeom>
+            <a:grpFill/>
+            <a:ln>
+              <a:solidFill>
+                <a:schemeClr val="tx1"/>
+              </a:solidFill>
+            </a:ln>
+          </p:spPr>
+          <p:style>
+            <a:lnRef idx="1">
+              <a:schemeClr val="accent1"/>
+            </a:lnRef>
+            <a:fillRef idx="0">
+              <a:schemeClr val="accent1"/>
+            </a:fillRef>
+            <a:effectRef idx="0">
+              <a:schemeClr val="accent1"/>
+            </a:effectRef>
+            <a:fontRef idx="minor">
+              <a:schemeClr val="tx1"/>
+            </a:fontRef>
+          </p:style>
+        </p:cxnSp>
+      </p:grpSp>
+      <p:cxnSp>
+        <p:nvCxnSpPr>
+          <p:cNvPr id="80" name="Connector: Elbow 79">
+            <a:extLst>
+              <a:ext uri="{FF2B5EF4-FFF2-40B4-BE49-F238E27FC236}">
+                <a16:creationId xmlns:a16="http://schemas.microsoft.com/office/drawing/2014/main" id="{236BE345-2EA6-45DD-85B2-ACD4C19A91F5}"/>
+              </a:ext>
+            </a:extLst>
+          </p:cNvPr>
+          <p:cNvCxnSpPr>
+            <a:cxnSpLocks/>
+            <a:stCxn id="13" idx="2"/>
+          </p:cNvCxnSpPr>
+          <p:nvPr/>
+        </p:nvCxnSpPr>
+        <p:spPr>
+          <a:xfrm flipH="1">
+            <a:off x="5119926" y="4198868"/>
+            <a:ext cx="2351709" cy="943925"/>
+          </a:xfrm>
+          <a:prstGeom prst="bentConnector3">
+            <a:avLst>
+              <a:gd name="adj1" fmla="val -11465"/>
+            </a:avLst>
+          </a:prstGeom>
+          <a:ln>
+            <a:tailEnd type="triangle"/>
+          </a:ln>
+        </p:spPr>
+        <p:style>
+          <a:lnRef idx="1">
+            <a:schemeClr val="accent1"/>
+          </a:lnRef>
+          <a:fillRef idx="0">
+            <a:schemeClr val="accent1"/>
+          </a:fillRef>
+          <a:effectRef idx="0">
+            <a:schemeClr val="accent1"/>
+          </a:effectRef>
+          <a:fontRef idx="minor">
+            <a:schemeClr val="tx1"/>
+          </a:fontRef>
+        </p:style>
+      </p:cxnSp>
+      <p:grpSp>
+        <p:nvGrpSpPr>
+          <p:cNvPr id="83" name="Group 82">
+            <a:extLst>
+              <a:ext uri="{FF2B5EF4-FFF2-40B4-BE49-F238E27FC236}">
+                <a16:creationId xmlns:a16="http://schemas.microsoft.com/office/drawing/2014/main" id="{1C834900-1FBA-4F79-9BAA-4729CB027B15}"/>
+              </a:ext>
+            </a:extLst>
+          </p:cNvPr>
+          <p:cNvGrpSpPr/>
+          <p:nvPr/>
+        </p:nvGrpSpPr>
+        <p:grpSpPr>
+          <a:xfrm rot="10800000">
+            <a:off x="7756319" y="2996747"/>
+            <a:ext cx="1036865" cy="660688"/>
+            <a:chOff x="7162255" y="2438057"/>
+            <a:chExt cx="1036865" cy="660688"/>
+          </a:xfrm>
+          <a:solidFill>
+            <a:schemeClr val="accent4">
+              <a:lumMod val="40000"/>
+              <a:lumOff val="60000"/>
+            </a:schemeClr>
+          </a:solidFill>
+        </p:grpSpPr>
+        <p:grpSp>
+          <p:nvGrpSpPr>
+            <p:cNvPr id="84" name="Group 83">
+              <a:extLst>
+                <a:ext uri="{FF2B5EF4-FFF2-40B4-BE49-F238E27FC236}">
+                  <a16:creationId xmlns:a16="http://schemas.microsoft.com/office/drawing/2014/main" id="{A234B8E6-B6C8-4BFF-A10F-079EB15198A8}"/>
+                </a:ext>
+              </a:extLst>
+            </p:cNvPr>
+            <p:cNvGrpSpPr/>
+            <p:nvPr/>
+          </p:nvGrpSpPr>
+          <p:grpSpPr>
+            <a:xfrm>
+              <a:off x="7523231" y="2438058"/>
+              <a:ext cx="675889" cy="228392"/>
+              <a:chOff x="7523231" y="2438058"/>
+              <a:chExt cx="675889" cy="228392"/>
+            </a:xfrm>
+            <a:grpFill/>
+          </p:grpSpPr>
+          <p:sp>
+            <p:nvSpPr>
+              <p:cNvPr id="94" name="Rectangle 93">
+                <a:extLst>
+                  <a:ext uri="{FF2B5EF4-FFF2-40B4-BE49-F238E27FC236}">
+                    <a16:creationId xmlns:a16="http://schemas.microsoft.com/office/drawing/2014/main" id="{F13AE22C-8AD7-40F6-9EF8-6B4DE095F8DF}"/>
+                  </a:ext>
+                </a:extLst>
+              </p:cNvPr>
+              <p:cNvSpPr/>
+              <p:nvPr/>
+            </p:nvSpPr>
+            <p:spPr>
+              <a:xfrm>
+                <a:off x="7523231" y="2438058"/>
+                <a:ext cx="176780" cy="224589"/>
+              </a:xfrm>
+              <a:prstGeom prst="rect">
+                <a:avLst/>
+              </a:prstGeom>
+              <a:grpFill/>
+            </p:spPr>
+            <p:style>
+              <a:lnRef idx="2">
+                <a:schemeClr val="accent1">
+                  <a:shade val="50000"/>
+                </a:schemeClr>
+              </a:lnRef>
+              <a:fillRef idx="1">
+                <a:schemeClr val="accent1"/>
+              </a:fillRef>
+              <a:effectRef idx="0">
+                <a:schemeClr val="accent1"/>
+              </a:effectRef>
+              <a:fontRef idx="minor">
+                <a:schemeClr val="lt1"/>
+              </a:fontRef>
+            </p:style>
+            <p:txBody>
+              <a:bodyPr rtlCol="0" anchor="ctr"/>
+              <a:lstStyle/>
+              <a:p>
+                <a:pPr algn="ctr"/>
+                <a:endParaRPr lang="en-US" dirty="0"/>
+              </a:p>
+            </p:txBody>
+          </p:sp>
+          <p:sp>
+            <p:nvSpPr>
+              <p:cNvPr id="95" name="Rectangle 94">
+                <a:extLst>
+                  <a:ext uri="{FF2B5EF4-FFF2-40B4-BE49-F238E27FC236}">
+                    <a16:creationId xmlns:a16="http://schemas.microsoft.com/office/drawing/2014/main" id="{EF785829-C061-4AFB-BDB7-9C39345526BD}"/>
+                  </a:ext>
+                </a:extLst>
+              </p:cNvPr>
+              <p:cNvSpPr/>
+              <p:nvPr/>
+            </p:nvSpPr>
+            <p:spPr>
+              <a:xfrm>
+                <a:off x="7700011" y="2438058"/>
+                <a:ext cx="176780" cy="224589"/>
+              </a:xfrm>
+              <a:prstGeom prst="rect">
+                <a:avLst/>
+              </a:prstGeom>
+              <a:grpFill/>
+            </p:spPr>
+            <p:style>
+              <a:lnRef idx="2">
+                <a:schemeClr val="accent1">
+                  <a:shade val="50000"/>
+                </a:schemeClr>
+              </a:lnRef>
+              <a:fillRef idx="1">
+                <a:schemeClr val="accent1"/>
+              </a:fillRef>
+              <a:effectRef idx="0">
+                <a:schemeClr val="accent1"/>
+              </a:effectRef>
+              <a:fontRef idx="minor">
+                <a:schemeClr val="lt1"/>
+              </a:fontRef>
+            </p:style>
+            <p:txBody>
+              <a:bodyPr rtlCol="0" anchor="ctr"/>
+              <a:lstStyle/>
+              <a:p>
+                <a:pPr algn="ctr"/>
+                <a:endParaRPr lang="en-US" dirty="0"/>
+              </a:p>
+            </p:txBody>
+          </p:sp>
+          <p:sp>
+            <p:nvSpPr>
+              <p:cNvPr id="96" name="Rectangle 95">
+                <a:extLst>
+                  <a:ext uri="{FF2B5EF4-FFF2-40B4-BE49-F238E27FC236}">
+                    <a16:creationId xmlns:a16="http://schemas.microsoft.com/office/drawing/2014/main" id="{A83D7377-E38F-400E-BCB0-83D756291236}"/>
+                  </a:ext>
+                </a:extLst>
+              </p:cNvPr>
+              <p:cNvSpPr/>
+              <p:nvPr/>
+            </p:nvSpPr>
+            <p:spPr>
+              <a:xfrm>
+                <a:off x="7876791" y="2438058"/>
+                <a:ext cx="176780" cy="224589"/>
+              </a:xfrm>
+              <a:prstGeom prst="rect">
+                <a:avLst/>
+              </a:prstGeom>
+              <a:grpFill/>
+            </p:spPr>
+            <p:style>
+              <a:lnRef idx="2">
+                <a:schemeClr val="accent1">
+                  <a:shade val="50000"/>
+                </a:schemeClr>
+              </a:lnRef>
+              <a:fillRef idx="1">
+                <a:schemeClr val="accent1"/>
+              </a:fillRef>
+              <a:effectRef idx="0">
+                <a:schemeClr val="accent1"/>
+              </a:effectRef>
+              <a:fontRef idx="minor">
+                <a:schemeClr val="lt1"/>
+              </a:fontRef>
+            </p:style>
+            <p:txBody>
+              <a:bodyPr rtlCol="0" anchor="ctr"/>
+              <a:lstStyle/>
+              <a:p>
+                <a:pPr algn="ctr"/>
+                <a:endParaRPr lang="en-US" dirty="0"/>
+              </a:p>
+            </p:txBody>
+          </p:sp>
+          <p:cxnSp>
+            <p:nvCxnSpPr>
+              <p:cNvPr id="97" name="Straight Connector 96">
+                <a:extLst>
+                  <a:ext uri="{FF2B5EF4-FFF2-40B4-BE49-F238E27FC236}">
+                    <a16:creationId xmlns:a16="http://schemas.microsoft.com/office/drawing/2014/main" id="{9A9CB8A9-645C-47BF-A98F-F493E5C3BF7C}"/>
+                  </a:ext>
+                </a:extLst>
+              </p:cNvPr>
+              <p:cNvCxnSpPr>
+                <a:stCxn id="96" idx="0"/>
+              </p:cNvCxnSpPr>
+              <p:nvPr/>
+            </p:nvCxnSpPr>
+            <p:spPr>
+              <a:xfrm>
+                <a:off x="7965181" y="2438058"/>
+                <a:ext cx="233939" cy="0"/>
+              </a:xfrm>
+              <a:prstGeom prst="line">
+                <a:avLst/>
+              </a:prstGeom>
+              <a:grpFill/>
+              <a:ln>
+                <a:solidFill>
+                  <a:schemeClr val="tx1"/>
+                </a:solidFill>
+              </a:ln>
+            </p:spPr>
+            <p:style>
+              <a:lnRef idx="1">
+                <a:schemeClr val="accent1"/>
+              </a:lnRef>
+              <a:fillRef idx="0">
+                <a:schemeClr val="accent1"/>
+              </a:fillRef>
+              <a:effectRef idx="0">
+                <a:schemeClr val="accent1"/>
+              </a:effectRef>
+              <a:fontRef idx="minor">
+                <a:schemeClr val="tx1"/>
+              </a:fontRef>
+            </p:style>
+          </p:cxnSp>
+          <p:cxnSp>
+            <p:nvCxnSpPr>
+              <p:cNvPr id="98" name="Straight Connector 97">
+                <a:extLst>
+                  <a:ext uri="{FF2B5EF4-FFF2-40B4-BE49-F238E27FC236}">
+                    <a16:creationId xmlns:a16="http://schemas.microsoft.com/office/drawing/2014/main" id="{12F34EA5-A6AF-4011-A59A-0B5A3CB4CB1E}"/>
+                  </a:ext>
+                </a:extLst>
+              </p:cNvPr>
+              <p:cNvCxnSpPr/>
+              <p:nvPr/>
+            </p:nvCxnSpPr>
+            <p:spPr>
+              <a:xfrm>
+                <a:off x="7965180" y="2666450"/>
+                <a:ext cx="233939" cy="0"/>
+              </a:xfrm>
+              <a:prstGeom prst="line">
+                <a:avLst/>
+              </a:prstGeom>
+              <a:grpFill/>
+              <a:ln>
+                <a:solidFill>
+                  <a:schemeClr val="tx1"/>
+                </a:solidFill>
+              </a:ln>
+            </p:spPr>
+            <p:style>
+              <a:lnRef idx="1">
+                <a:schemeClr val="accent1"/>
+              </a:lnRef>
+              <a:fillRef idx="0">
+                <a:schemeClr val="accent1"/>
+              </a:fillRef>
+              <a:effectRef idx="0">
+                <a:schemeClr val="accent1"/>
+              </a:effectRef>
+              <a:fontRef idx="minor">
+                <a:schemeClr val="tx1"/>
+              </a:fontRef>
+            </p:style>
+          </p:cxnSp>
+        </p:grpSp>
+        <p:grpSp>
+          <p:nvGrpSpPr>
+            <p:cNvPr id="85" name="Group 84">
+              <a:extLst>
+                <a:ext uri="{FF2B5EF4-FFF2-40B4-BE49-F238E27FC236}">
+                  <a16:creationId xmlns:a16="http://schemas.microsoft.com/office/drawing/2014/main" id="{93D2EA44-E572-4314-A407-A19912C2D501}"/>
+                </a:ext>
+              </a:extLst>
+            </p:cNvPr>
+            <p:cNvGrpSpPr/>
+            <p:nvPr/>
+          </p:nvGrpSpPr>
+          <p:grpSpPr>
+            <a:xfrm>
+              <a:off x="7523230" y="2870353"/>
+              <a:ext cx="675889" cy="228392"/>
+              <a:chOff x="7523231" y="2438058"/>
+              <a:chExt cx="675889" cy="228392"/>
+            </a:xfrm>
+            <a:grpFill/>
+          </p:grpSpPr>
+          <p:sp>
+            <p:nvSpPr>
+              <p:cNvPr id="89" name="Rectangle 88">
+                <a:extLst>
+                  <a:ext uri="{FF2B5EF4-FFF2-40B4-BE49-F238E27FC236}">
+                    <a16:creationId xmlns:a16="http://schemas.microsoft.com/office/drawing/2014/main" id="{69FA7F2F-5E1A-4F16-89E2-0CB288EEE1E1}"/>
+                  </a:ext>
+                </a:extLst>
+              </p:cNvPr>
+              <p:cNvSpPr/>
+              <p:nvPr/>
+            </p:nvSpPr>
+            <p:spPr>
+              <a:xfrm>
+                <a:off x="7523231" y="2438058"/>
+                <a:ext cx="176780" cy="224589"/>
+              </a:xfrm>
+              <a:prstGeom prst="rect">
+                <a:avLst/>
+              </a:prstGeom>
+              <a:grpFill/>
+            </p:spPr>
+            <p:style>
+              <a:lnRef idx="2">
+                <a:schemeClr val="accent1">
+                  <a:shade val="50000"/>
+                </a:schemeClr>
+              </a:lnRef>
+              <a:fillRef idx="1">
+                <a:schemeClr val="accent1"/>
+              </a:fillRef>
+              <a:effectRef idx="0">
+                <a:schemeClr val="accent1"/>
+              </a:effectRef>
+              <a:fontRef idx="minor">
+                <a:schemeClr val="lt1"/>
+              </a:fontRef>
+            </p:style>
+            <p:txBody>
+              <a:bodyPr rtlCol="0" anchor="ctr"/>
+              <a:lstStyle/>
+              <a:p>
+                <a:pPr algn="ctr"/>
+                <a:endParaRPr lang="en-US" dirty="0"/>
+              </a:p>
+            </p:txBody>
+          </p:sp>
+          <p:sp>
+            <p:nvSpPr>
+              <p:cNvPr id="90" name="Rectangle 89">
+                <a:extLst>
+                  <a:ext uri="{FF2B5EF4-FFF2-40B4-BE49-F238E27FC236}">
+                    <a16:creationId xmlns:a16="http://schemas.microsoft.com/office/drawing/2014/main" id="{F3B28F9F-E81C-43E0-8F8F-E37C550607A4}"/>
+                  </a:ext>
+                </a:extLst>
+              </p:cNvPr>
+              <p:cNvSpPr/>
+              <p:nvPr/>
+            </p:nvSpPr>
+            <p:spPr>
+              <a:xfrm>
+                <a:off x="7700011" y="2438058"/>
+                <a:ext cx="176780" cy="224589"/>
+              </a:xfrm>
+              <a:prstGeom prst="rect">
+                <a:avLst/>
+              </a:prstGeom>
+              <a:grpFill/>
+            </p:spPr>
+            <p:style>
+              <a:lnRef idx="2">
+                <a:schemeClr val="accent1">
+                  <a:shade val="50000"/>
+                </a:schemeClr>
+              </a:lnRef>
+              <a:fillRef idx="1">
+                <a:schemeClr val="accent1"/>
+              </a:fillRef>
+              <a:effectRef idx="0">
+                <a:schemeClr val="accent1"/>
+              </a:effectRef>
+              <a:fontRef idx="minor">
+                <a:schemeClr val="lt1"/>
+              </a:fontRef>
+            </p:style>
+            <p:txBody>
+              <a:bodyPr rtlCol="0" anchor="ctr"/>
+              <a:lstStyle/>
+              <a:p>
+                <a:pPr algn="ctr"/>
+                <a:endParaRPr lang="en-US" dirty="0"/>
+              </a:p>
+            </p:txBody>
+          </p:sp>
+          <p:sp>
+            <p:nvSpPr>
+              <p:cNvPr id="91" name="Rectangle 90">
+                <a:extLst>
+                  <a:ext uri="{FF2B5EF4-FFF2-40B4-BE49-F238E27FC236}">
+                    <a16:creationId xmlns:a16="http://schemas.microsoft.com/office/drawing/2014/main" id="{0E6D3780-48EF-411D-8EA2-E6D89A649A36}"/>
+                  </a:ext>
+                </a:extLst>
+              </p:cNvPr>
+              <p:cNvSpPr/>
+              <p:nvPr/>
+            </p:nvSpPr>
+            <p:spPr>
+              <a:xfrm>
+                <a:off x="7876791" y="2438058"/>
+                <a:ext cx="176780" cy="224589"/>
+              </a:xfrm>
+              <a:prstGeom prst="rect">
+                <a:avLst/>
+              </a:prstGeom>
+              <a:grpFill/>
+            </p:spPr>
+            <p:style>
+              <a:lnRef idx="2">
+                <a:schemeClr val="accent1">
+                  <a:shade val="50000"/>
+                </a:schemeClr>
+              </a:lnRef>
+              <a:fillRef idx="1">
+                <a:schemeClr val="accent1"/>
+              </a:fillRef>
+              <a:effectRef idx="0">
+                <a:schemeClr val="accent1"/>
+              </a:effectRef>
+              <a:fontRef idx="minor">
+                <a:schemeClr val="lt1"/>
+              </a:fontRef>
+            </p:style>
+            <p:txBody>
+              <a:bodyPr rtlCol="0" anchor="ctr"/>
+              <a:lstStyle/>
+              <a:p>
+                <a:pPr algn="ctr"/>
+                <a:endParaRPr lang="en-US" dirty="0"/>
+              </a:p>
+            </p:txBody>
+          </p:sp>
+          <p:cxnSp>
+            <p:nvCxnSpPr>
+              <p:cNvPr id="92" name="Straight Connector 91">
+                <a:extLst>
+                  <a:ext uri="{FF2B5EF4-FFF2-40B4-BE49-F238E27FC236}">
+                    <a16:creationId xmlns:a16="http://schemas.microsoft.com/office/drawing/2014/main" id="{A0AC4723-CB26-4590-80A1-F7276F18C7C4}"/>
+                  </a:ext>
+                </a:extLst>
+              </p:cNvPr>
+              <p:cNvCxnSpPr>
+                <a:stCxn id="91" idx="0"/>
+              </p:cNvCxnSpPr>
+              <p:nvPr/>
+            </p:nvCxnSpPr>
+            <p:spPr>
+              <a:xfrm>
+                <a:off x="7965181" y="2438058"/>
+                <a:ext cx="233939" cy="0"/>
+              </a:xfrm>
+              <a:prstGeom prst="line">
+                <a:avLst/>
+              </a:prstGeom>
+              <a:grpFill/>
+              <a:ln>
+                <a:solidFill>
+                  <a:schemeClr val="tx1"/>
+                </a:solidFill>
+              </a:ln>
+            </p:spPr>
+            <p:style>
+              <a:lnRef idx="1">
+                <a:schemeClr val="accent1"/>
+              </a:lnRef>
+              <a:fillRef idx="0">
+                <a:schemeClr val="accent1"/>
+              </a:fillRef>
+              <a:effectRef idx="0">
+                <a:schemeClr val="accent1"/>
+              </a:effectRef>
+              <a:fontRef idx="minor">
+                <a:schemeClr val="tx1"/>
+              </a:fontRef>
+            </p:style>
+          </p:cxnSp>
+          <p:cxnSp>
+            <p:nvCxnSpPr>
+              <p:cNvPr id="93" name="Straight Connector 92">
+                <a:extLst>
+                  <a:ext uri="{FF2B5EF4-FFF2-40B4-BE49-F238E27FC236}">
+                    <a16:creationId xmlns:a16="http://schemas.microsoft.com/office/drawing/2014/main" id="{BF6ACD16-9151-4EB9-8D35-BF01BF9499FA}"/>
+                  </a:ext>
+                </a:extLst>
+              </p:cNvPr>
+              <p:cNvCxnSpPr/>
+              <p:nvPr/>
+            </p:nvCxnSpPr>
+            <p:spPr>
+              <a:xfrm>
+                <a:off x="7965180" y="2666450"/>
+                <a:ext cx="233939" cy="0"/>
+              </a:xfrm>
+              <a:prstGeom prst="line">
+                <a:avLst/>
+              </a:prstGeom>
+              <a:grpFill/>
+              <a:ln>
+                <a:solidFill>
+                  <a:schemeClr val="tx1"/>
+                </a:solidFill>
+              </a:ln>
+            </p:spPr>
+            <p:style>
+              <a:lnRef idx="1">
+                <a:schemeClr val="accent1"/>
+              </a:lnRef>
+              <a:fillRef idx="0">
+                <a:schemeClr val="accent1"/>
+              </a:fillRef>
+              <a:effectRef idx="0">
+                <a:schemeClr val="accent1"/>
+              </a:effectRef>
+              <a:fontRef idx="minor">
+                <a:schemeClr val="tx1"/>
+              </a:fontRef>
+            </p:style>
+          </p:cxnSp>
+        </p:grpSp>
+        <p:sp>
+          <p:nvSpPr>
+            <p:cNvPr id="86" name="Isosceles Triangle 85">
+              <a:extLst>
+                <a:ext uri="{FF2B5EF4-FFF2-40B4-BE49-F238E27FC236}">
+                  <a16:creationId xmlns:a16="http://schemas.microsoft.com/office/drawing/2014/main" id="{E0EC7B73-1EFE-47F9-937E-B4ED639FD123}"/>
+                </a:ext>
+              </a:extLst>
+            </p:cNvPr>
+            <p:cNvSpPr/>
+            <p:nvPr/>
+          </p:nvSpPr>
+          <p:spPr>
+            <a:xfrm rot="16200000">
+              <a:off x="6948011" y="2652301"/>
+              <a:ext cx="656879" cy="228392"/>
+            </a:xfrm>
+            <a:prstGeom prst="triangle">
+              <a:avLst>
+                <a:gd name="adj" fmla="val 50000"/>
+              </a:avLst>
+            </a:prstGeom>
+            <a:grpFill/>
+          </p:spPr>
+          <p:style>
+            <a:lnRef idx="2">
+              <a:schemeClr val="accent1">
+                <a:shade val="50000"/>
+              </a:schemeClr>
+            </a:lnRef>
+            <a:fillRef idx="1">
+              <a:schemeClr val="accent1"/>
+            </a:fillRef>
+            <a:effectRef idx="0">
+              <a:schemeClr val="accent1"/>
+            </a:effectRef>
+            <a:fontRef idx="minor">
+              <a:schemeClr val="lt1"/>
+            </a:fontRef>
+          </p:style>
+          <p:txBody>
+            <a:bodyPr rtlCol="0" anchor="ctr"/>
+            <a:lstStyle/>
+            <a:p>
+              <a:pPr algn="ctr"/>
+              <a:endParaRPr lang="en-US"/>
+            </a:p>
+          </p:txBody>
+        </p:sp>
+        <p:cxnSp>
+          <p:nvCxnSpPr>
+            <p:cNvPr id="87" name="Straight Connector 86">
+              <a:extLst>
+                <a:ext uri="{FF2B5EF4-FFF2-40B4-BE49-F238E27FC236}">
+                  <a16:creationId xmlns:a16="http://schemas.microsoft.com/office/drawing/2014/main" id="{B4F37508-E32F-4F43-B165-1554A5AB679E}"/>
+                </a:ext>
+              </a:extLst>
+            </p:cNvPr>
+            <p:cNvCxnSpPr>
+              <a:stCxn id="94" idx="1"/>
+            </p:cNvCxnSpPr>
+            <p:nvPr/>
+          </p:nvCxnSpPr>
+          <p:spPr>
+            <a:xfrm flipH="1" flipV="1">
+              <a:off x="7390647" y="2550352"/>
+              <a:ext cx="132584" cy="1"/>
+            </a:xfrm>
+            <a:prstGeom prst="line">
+              <a:avLst/>
+            </a:prstGeom>
+            <a:grpFill/>
+            <a:ln>
+              <a:solidFill>
+                <a:schemeClr val="tx1"/>
+              </a:solidFill>
+            </a:ln>
+          </p:spPr>
+          <p:style>
+            <a:lnRef idx="1">
+              <a:schemeClr val="accent1"/>
+            </a:lnRef>
+            <a:fillRef idx="0">
+              <a:schemeClr val="accent1"/>
+            </a:fillRef>
+            <a:effectRef idx="0">
+              <a:schemeClr val="accent1"/>
+            </a:effectRef>
+            <a:fontRef idx="minor">
+              <a:schemeClr val="tx1"/>
+            </a:fontRef>
+          </p:style>
+        </p:cxnSp>
+        <p:cxnSp>
+          <p:nvCxnSpPr>
+            <p:cNvPr id="88" name="Straight Connector 87">
+              <a:extLst>
+                <a:ext uri="{FF2B5EF4-FFF2-40B4-BE49-F238E27FC236}">
+                  <a16:creationId xmlns:a16="http://schemas.microsoft.com/office/drawing/2014/main" id="{8EA0C0BF-71AF-491F-8D77-A19CCBAC8916}"/>
+                </a:ext>
+              </a:extLst>
+            </p:cNvPr>
+            <p:cNvCxnSpPr>
+              <a:cxnSpLocks/>
+              <a:stCxn id="89" idx="1"/>
+            </p:cNvCxnSpPr>
+            <p:nvPr/>
+          </p:nvCxnSpPr>
+          <p:spPr>
+            <a:xfrm flipH="1" flipV="1">
+              <a:off x="7390647" y="2982647"/>
+              <a:ext cx="132583" cy="1"/>
+            </a:xfrm>
+            <a:prstGeom prst="line">
+              <a:avLst/>
+            </a:prstGeom>
+            <a:grpFill/>
+            <a:ln>
+              <a:solidFill>
+                <a:schemeClr val="tx1"/>
+              </a:solidFill>
+            </a:ln>
+          </p:spPr>
+          <p:style>
+            <a:lnRef idx="1">
+              <a:schemeClr val="accent1"/>
+            </a:lnRef>
+            <a:fillRef idx="0">
+              <a:schemeClr val="accent1"/>
+            </a:fillRef>
+            <a:effectRef idx="0">
+              <a:schemeClr val="accent1"/>
+            </a:effectRef>
+            <a:fontRef idx="minor">
+              <a:schemeClr val="tx1"/>
+            </a:fontRef>
+          </p:style>
+        </p:cxnSp>
+      </p:grpSp>
+      <p:cxnSp>
+        <p:nvCxnSpPr>
+          <p:cNvPr id="100" name="Connector: Elbow 99">
+            <a:extLst>
+              <a:ext uri="{FF2B5EF4-FFF2-40B4-BE49-F238E27FC236}">
+                <a16:creationId xmlns:a16="http://schemas.microsoft.com/office/drawing/2014/main" id="{F4860C18-D645-4EE6-BCDB-79FE3B828918}"/>
+              </a:ext>
+            </a:extLst>
+          </p:cNvPr>
+          <p:cNvCxnSpPr>
+            <a:cxnSpLocks/>
+          </p:cNvCxnSpPr>
+          <p:nvPr/>
+        </p:nvCxnSpPr>
+        <p:spPr>
+          <a:xfrm flipV="1">
+            <a:off x="7464947" y="3354678"/>
+            <a:ext cx="316688" cy="180"/>
+          </a:xfrm>
+          <a:prstGeom prst="bentConnector3">
+            <a:avLst>
+              <a:gd name="adj1" fmla="val 50000"/>
+            </a:avLst>
+          </a:prstGeom>
+          <a:ln>
+            <a:tailEnd type="triangle"/>
+          </a:ln>
+        </p:spPr>
+        <p:style>
+          <a:lnRef idx="1">
+            <a:schemeClr val="accent1"/>
+          </a:lnRef>
+          <a:fillRef idx="0">
+            <a:schemeClr val="accent1"/>
+          </a:fillRef>
+          <a:effectRef idx="0">
+            <a:schemeClr val="accent1"/>
+          </a:effectRef>
+          <a:fontRef idx="minor">
+            <a:schemeClr val="tx1"/>
+          </a:fontRef>
+        </p:style>
+      </p:cxnSp>
+      <p:sp>
+        <p:nvSpPr>
+          <p:cNvPr id="120" name="Rectangle 119">
+            <a:extLst>
+              <a:ext uri="{FF2B5EF4-FFF2-40B4-BE49-F238E27FC236}">
+                <a16:creationId xmlns:a16="http://schemas.microsoft.com/office/drawing/2014/main" id="{27878CF7-E469-4A06-9E5C-918E6DCCBE40}"/>
+              </a:ext>
+            </a:extLst>
+          </p:cNvPr>
+          <p:cNvSpPr/>
+          <p:nvPr/>
+        </p:nvSpPr>
+        <p:spPr>
+          <a:xfrm>
+            <a:off x="5757847" y="2167447"/>
+            <a:ext cx="1406025" cy="596438"/>
+          </a:xfrm>
+          <a:prstGeom prst="rect">
+            <a:avLst/>
+          </a:prstGeom>
+          <a:solidFill>
+            <a:schemeClr val="accent4">
+              <a:lumMod val="40000"/>
+              <a:lumOff val="60000"/>
+            </a:schemeClr>
+          </a:solidFill>
+        </p:spPr>
+        <p:style>
+          <a:lnRef idx="2">
+            <a:schemeClr val="accent1">
+              <a:shade val="50000"/>
+            </a:schemeClr>
+          </a:lnRef>
+          <a:fillRef idx="1">
+            <a:schemeClr val="accent1"/>
+          </a:fillRef>
+          <a:effectRef idx="0">
+            <a:schemeClr val="accent1"/>
+          </a:effectRef>
+          <a:fontRef idx="minor">
+            <a:schemeClr val="lt1"/>
+          </a:fontRef>
+        </p:style>
+        <p:txBody>
+          <a:bodyPr rtlCol="0" anchor="ctr"/>
+          <a:lstStyle/>
+          <a:p>
+            <a:pPr algn="ctr"/>
+            <a:r>
+              <a:rPr lang="en-US" dirty="0">
+                <a:solidFill>
+                  <a:schemeClr val="tx1"/>
+                </a:solidFill>
+              </a:rPr>
+              <a:t>Net-to-host inline extern</a:t>
+            </a:r>
+          </a:p>
+        </p:txBody>
+      </p:sp>
+      <p:sp>
+        <p:nvSpPr>
+          <p:cNvPr id="121" name="Rectangle 120">
+            <a:extLst>
+              <a:ext uri="{FF2B5EF4-FFF2-40B4-BE49-F238E27FC236}">
+                <a16:creationId xmlns:a16="http://schemas.microsoft.com/office/drawing/2014/main" id="{C5B57169-1275-4E2F-A03B-8F7108AA0A55}"/>
+              </a:ext>
+            </a:extLst>
+          </p:cNvPr>
+          <p:cNvSpPr/>
+          <p:nvPr/>
+        </p:nvSpPr>
+        <p:spPr>
+          <a:xfrm>
+            <a:off x="2335252" y="4589811"/>
+            <a:ext cx="1350435" cy="681362"/>
+          </a:xfrm>
+          <a:prstGeom prst="rect">
+            <a:avLst/>
+          </a:prstGeom>
+          <a:solidFill>
+            <a:schemeClr val="accent4">
+              <a:lumMod val="40000"/>
+              <a:lumOff val="60000"/>
+            </a:schemeClr>
+          </a:solidFill>
+        </p:spPr>
+        <p:style>
+          <a:lnRef idx="2">
+            <a:schemeClr val="accent1">
+              <a:shade val="50000"/>
+            </a:schemeClr>
+          </a:lnRef>
+          <a:fillRef idx="1">
+            <a:schemeClr val="accent1"/>
+          </a:fillRef>
+          <a:effectRef idx="0">
+            <a:schemeClr val="accent1"/>
+          </a:effectRef>
+          <a:fontRef idx="minor">
+            <a:schemeClr val="lt1"/>
+          </a:fontRef>
+        </p:style>
+        <p:txBody>
+          <a:bodyPr rtlCol="0" anchor="ctr"/>
+          <a:lstStyle/>
+          <a:p>
+            <a:pPr algn="ctr"/>
+            <a:r>
+              <a:rPr lang="en-US" dirty="0">
+                <a:solidFill>
+                  <a:schemeClr val="tx1"/>
+                </a:solidFill>
+              </a:rPr>
+              <a:t>Host-to-net inline extern</a:t>
+            </a:r>
+          </a:p>
+        </p:txBody>
+      </p:sp>
+      <p:cxnSp>
+        <p:nvCxnSpPr>
+          <p:cNvPr id="134" name="Connector: Elbow 133">
+            <a:extLst>
+              <a:ext uri="{FF2B5EF4-FFF2-40B4-BE49-F238E27FC236}">
+                <a16:creationId xmlns:a16="http://schemas.microsoft.com/office/drawing/2014/main" id="{6C8D7A4A-4E00-4E2B-A752-9407B9B8DC70}"/>
+              </a:ext>
+            </a:extLst>
+          </p:cNvPr>
+          <p:cNvCxnSpPr>
+            <a:cxnSpLocks/>
+            <a:stCxn id="72" idx="0"/>
+            <a:endCxn id="121" idx="3"/>
+          </p:cNvCxnSpPr>
+          <p:nvPr/>
+        </p:nvCxnSpPr>
+        <p:spPr>
+          <a:xfrm rot="10800000" flipV="1">
+            <a:off x="3685687" y="4926642"/>
+            <a:ext cx="397376" cy="3849"/>
+          </a:xfrm>
+          <a:prstGeom prst="bentConnector3">
+            <a:avLst/>
+          </a:prstGeom>
+          <a:ln>
+            <a:solidFill>
+              <a:schemeClr val="tx1"/>
+            </a:solidFill>
+            <a:tailEnd type="triangle"/>
+          </a:ln>
+        </p:spPr>
+        <p:style>
+          <a:lnRef idx="1">
+            <a:schemeClr val="accent1"/>
+          </a:lnRef>
+          <a:fillRef idx="0">
+            <a:schemeClr val="accent1"/>
+          </a:fillRef>
+          <a:effectRef idx="0">
+            <a:schemeClr val="accent1"/>
+          </a:effectRef>
+          <a:fontRef idx="minor">
+            <a:schemeClr val="tx1"/>
+          </a:fontRef>
+        </p:style>
+      </p:cxnSp>
+      <p:sp>
+        <p:nvSpPr>
+          <p:cNvPr id="138" name="Isosceles Triangle 137">
+            <a:extLst>
+              <a:ext uri="{FF2B5EF4-FFF2-40B4-BE49-F238E27FC236}">
+                <a16:creationId xmlns:a16="http://schemas.microsoft.com/office/drawing/2014/main" id="{69446477-9F3C-4C1B-897E-FE05C5B55386}"/>
+              </a:ext>
+            </a:extLst>
+          </p:cNvPr>
+          <p:cNvSpPr/>
+          <p:nvPr/>
+        </p:nvSpPr>
+        <p:spPr>
+          <a:xfrm rot="5400000">
+            <a:off x="1609843" y="3200422"/>
+            <a:ext cx="656879" cy="228392"/>
+          </a:xfrm>
+          <a:prstGeom prst="triangle">
+            <a:avLst>
+              <a:gd name="adj" fmla="val 50000"/>
+            </a:avLst>
+          </a:prstGeom>
+          <a:solidFill>
+            <a:schemeClr val="accent4">
+              <a:lumMod val="40000"/>
+              <a:lumOff val="60000"/>
+            </a:schemeClr>
+          </a:solidFill>
+        </p:spPr>
+        <p:style>
+          <a:lnRef idx="2">
+            <a:schemeClr val="accent1">
+              <a:shade val="50000"/>
+            </a:schemeClr>
+          </a:lnRef>
+          <a:fillRef idx="1">
+            <a:schemeClr val="accent1"/>
+          </a:fillRef>
+          <a:effectRef idx="0">
+            <a:schemeClr val="accent1"/>
+          </a:effectRef>
+          <a:fontRef idx="minor">
+            <a:schemeClr val="lt1"/>
+          </a:fontRef>
+        </p:style>
+        <p:txBody>
+          <a:bodyPr rtlCol="0" anchor="ctr"/>
+          <a:lstStyle/>
+          <a:p>
+            <a:pPr algn="ctr"/>
+            <a:endParaRPr lang="en-US" dirty="0"/>
+          </a:p>
+        </p:txBody>
+      </p:sp>
+      <p:sp>
+        <p:nvSpPr>
+          <p:cNvPr id="155" name="Isosceles Triangle 154">
+            <a:extLst>
+              <a:ext uri="{FF2B5EF4-FFF2-40B4-BE49-F238E27FC236}">
+                <a16:creationId xmlns:a16="http://schemas.microsoft.com/office/drawing/2014/main" id="{9A9B0175-8F65-42F2-977C-C24007A56A08}"/>
+              </a:ext>
+            </a:extLst>
+          </p:cNvPr>
+          <p:cNvSpPr/>
+          <p:nvPr/>
+        </p:nvSpPr>
+        <p:spPr>
+          <a:xfrm rot="5400000">
+            <a:off x="1609843" y="4811654"/>
+            <a:ext cx="656879" cy="228392"/>
+          </a:xfrm>
+          <a:prstGeom prst="triangle">
+            <a:avLst>
+              <a:gd name="adj" fmla="val 50000"/>
+            </a:avLst>
+          </a:prstGeom>
+          <a:solidFill>
+            <a:schemeClr val="accent4">
+              <a:lumMod val="40000"/>
+              <a:lumOff val="60000"/>
+            </a:schemeClr>
+          </a:solidFill>
+        </p:spPr>
+        <p:style>
+          <a:lnRef idx="2">
+            <a:schemeClr val="accent1">
+              <a:shade val="50000"/>
+            </a:schemeClr>
+          </a:lnRef>
+          <a:fillRef idx="1">
+            <a:schemeClr val="accent1"/>
+          </a:fillRef>
+          <a:effectRef idx="0">
+            <a:schemeClr val="accent1"/>
+          </a:effectRef>
+          <a:fontRef idx="minor">
+            <a:schemeClr val="lt1"/>
+          </a:fontRef>
+        </p:style>
+        <p:txBody>
+          <a:bodyPr rtlCol="0" anchor="ctr"/>
+          <a:lstStyle/>
+          <a:p>
+            <a:pPr algn="ctr"/>
+            <a:endParaRPr lang="en-US" dirty="0"/>
+          </a:p>
+        </p:txBody>
+      </p:sp>
+      <p:cxnSp>
+        <p:nvCxnSpPr>
+          <p:cNvPr id="166" name="Connector: Elbow 165">
+            <a:extLst>
+              <a:ext uri="{FF2B5EF4-FFF2-40B4-BE49-F238E27FC236}">
+                <a16:creationId xmlns:a16="http://schemas.microsoft.com/office/drawing/2014/main" id="{3C48504E-28A7-489B-8BDA-8A995ED1375D}"/>
+              </a:ext>
+            </a:extLst>
+          </p:cNvPr>
+          <p:cNvCxnSpPr/>
+          <p:nvPr/>
+        </p:nvCxnSpPr>
+        <p:spPr>
+          <a:xfrm rot="16200000" flipV="1">
+            <a:off x="1315417" y="4230353"/>
+            <a:ext cx="715787" cy="301552"/>
+          </a:xfrm>
+          <a:prstGeom prst="bentConnector3">
+            <a:avLst>
+              <a:gd name="adj1" fmla="val -3572"/>
+            </a:avLst>
+          </a:prstGeom>
+          <a:ln>
+            <a:tailEnd type="none"/>
+          </a:ln>
+        </p:spPr>
+        <p:style>
+          <a:lnRef idx="1">
+            <a:schemeClr val="accent1"/>
+          </a:lnRef>
+          <a:fillRef idx="0">
+            <a:schemeClr val="accent1"/>
+          </a:fillRef>
+          <a:effectRef idx="0">
+            <a:schemeClr val="accent1"/>
+          </a:effectRef>
+          <a:fontRef idx="minor">
+            <a:schemeClr val="tx1"/>
+          </a:fontRef>
+        </p:style>
+      </p:cxnSp>
+      <p:cxnSp>
+        <p:nvCxnSpPr>
+          <p:cNvPr id="170" name="Connector: Elbow 169">
+            <a:extLst>
+              <a:ext uri="{FF2B5EF4-FFF2-40B4-BE49-F238E27FC236}">
+                <a16:creationId xmlns:a16="http://schemas.microsoft.com/office/drawing/2014/main" id="{40A865F1-4DDF-4A37-936C-7E29C2D815D1}"/>
+              </a:ext>
+            </a:extLst>
+          </p:cNvPr>
+          <p:cNvCxnSpPr>
+            <a:cxnSpLocks/>
+          </p:cNvCxnSpPr>
+          <p:nvPr/>
+        </p:nvCxnSpPr>
+        <p:spPr>
+          <a:xfrm rot="5400000" flipH="1" flipV="1">
+            <a:off x="1397650" y="3615410"/>
+            <a:ext cx="554346" cy="298527"/>
+          </a:xfrm>
+          <a:prstGeom prst="bentConnector3">
+            <a:avLst>
+              <a:gd name="adj1" fmla="val 99663"/>
+            </a:avLst>
+          </a:prstGeom>
+          <a:ln>
+            <a:tailEnd type="triangle"/>
+          </a:ln>
+        </p:spPr>
+        <p:style>
+          <a:lnRef idx="1">
+            <a:schemeClr val="accent1"/>
+          </a:lnRef>
+          <a:fillRef idx="0">
+            <a:schemeClr val="accent1"/>
+          </a:fillRef>
+          <a:effectRef idx="0">
+            <a:schemeClr val="accent1"/>
+          </a:effectRef>
+          <a:fontRef idx="minor">
+            <a:schemeClr val="tx1"/>
+          </a:fontRef>
+        </p:style>
+      </p:cxnSp>
+      <p:cxnSp>
+        <p:nvCxnSpPr>
+          <p:cNvPr id="175" name="Straight Arrow Connector 174">
+            <a:extLst>
+              <a:ext uri="{FF2B5EF4-FFF2-40B4-BE49-F238E27FC236}">
+                <a16:creationId xmlns:a16="http://schemas.microsoft.com/office/drawing/2014/main" id="{0780DDE3-D616-4239-A66D-F2FEFC8DECC9}"/>
+              </a:ext>
+            </a:extLst>
+          </p:cNvPr>
+          <p:cNvCxnSpPr>
+            <a:cxnSpLocks/>
+          </p:cNvCxnSpPr>
+          <p:nvPr/>
+        </p:nvCxnSpPr>
+        <p:spPr>
+          <a:xfrm>
+            <a:off x="1325328" y="3162900"/>
+            <a:ext cx="494377" cy="1"/>
+          </a:xfrm>
+          <a:prstGeom prst="straightConnector1">
+            <a:avLst/>
+          </a:prstGeom>
+          <a:ln>
+            <a:tailEnd type="triangle"/>
+          </a:ln>
+        </p:spPr>
+        <p:style>
+          <a:lnRef idx="1">
+            <a:schemeClr val="accent1"/>
+          </a:lnRef>
+          <a:fillRef idx="0">
+            <a:schemeClr val="accent1"/>
+          </a:fillRef>
+          <a:effectRef idx="0">
+            <a:schemeClr val="accent1"/>
+          </a:effectRef>
+          <a:fontRef idx="minor">
+            <a:schemeClr val="tx1"/>
+          </a:fontRef>
+        </p:style>
+      </p:cxnSp>
+      <p:cxnSp>
+        <p:nvCxnSpPr>
+          <p:cNvPr id="179" name="Straight Arrow Connector 178">
+            <a:extLst>
+              <a:ext uri="{FF2B5EF4-FFF2-40B4-BE49-F238E27FC236}">
+                <a16:creationId xmlns:a16="http://schemas.microsoft.com/office/drawing/2014/main" id="{675C8117-3AA7-4E36-88BA-920C6B3941AA}"/>
+              </a:ext>
+            </a:extLst>
+          </p:cNvPr>
+          <p:cNvCxnSpPr>
+            <a:cxnSpLocks/>
+          </p:cNvCxnSpPr>
+          <p:nvPr/>
+        </p:nvCxnSpPr>
+        <p:spPr>
+          <a:xfrm flipH="1">
+            <a:off x="1332456" y="5077956"/>
+            <a:ext cx="487249" cy="0"/>
+          </a:xfrm>
+          <a:prstGeom prst="straightConnector1">
+            <a:avLst/>
+          </a:prstGeom>
+          <a:ln>
+            <a:tailEnd type="triangle"/>
+          </a:ln>
+        </p:spPr>
+        <p:style>
+          <a:lnRef idx="1">
+            <a:schemeClr val="accent1"/>
+          </a:lnRef>
+          <a:fillRef idx="0">
+            <a:schemeClr val="accent1"/>
+          </a:fillRef>
+          <a:effectRef idx="0">
+            <a:schemeClr val="accent1"/>
+          </a:effectRef>
+          <a:fontRef idx="minor">
+            <a:schemeClr val="tx1"/>
+          </a:fontRef>
+        </p:style>
+      </p:cxnSp>
+      <p:cxnSp>
+        <p:nvCxnSpPr>
+          <p:cNvPr id="181" name="Straight Arrow Connector 180">
+            <a:extLst>
+              <a:ext uri="{FF2B5EF4-FFF2-40B4-BE49-F238E27FC236}">
+                <a16:creationId xmlns:a16="http://schemas.microsoft.com/office/drawing/2014/main" id="{90B81CF6-C291-4A3A-8CFF-4322DFD54B64}"/>
+              </a:ext>
+            </a:extLst>
+          </p:cNvPr>
+          <p:cNvCxnSpPr>
+            <a:cxnSpLocks/>
+            <a:stCxn id="121" idx="1"/>
+            <a:endCxn id="155" idx="0"/>
+          </p:cNvCxnSpPr>
+          <p:nvPr/>
+        </p:nvCxnSpPr>
+        <p:spPr>
+          <a:xfrm flipH="1" flipV="1">
+            <a:off x="2052479" y="4925851"/>
+            <a:ext cx="282773" cy="4641"/>
+          </a:xfrm>
+          <a:prstGeom prst="straightConnector1">
+            <a:avLst/>
+          </a:prstGeom>
+          <a:ln>
+            <a:tailEnd type="triangle"/>
+          </a:ln>
+        </p:spPr>
+        <p:style>
+          <a:lnRef idx="1">
+            <a:schemeClr val="accent1"/>
+          </a:lnRef>
+          <a:fillRef idx="0">
+            <a:schemeClr val="accent1"/>
+          </a:fillRef>
+          <a:effectRef idx="0">
+            <a:schemeClr val="accent1"/>
+          </a:effectRef>
+          <a:fontRef idx="minor">
+            <a:schemeClr val="tx1"/>
+          </a:fontRef>
+        </p:style>
+      </p:cxnSp>
+      <p:sp>
+        <p:nvSpPr>
+          <p:cNvPr id="184" name="Rectangle 183">
+            <a:extLst>
+              <a:ext uri="{FF2B5EF4-FFF2-40B4-BE49-F238E27FC236}">
+                <a16:creationId xmlns:a16="http://schemas.microsoft.com/office/drawing/2014/main" id="{68FB0182-B326-448A-83DA-468E49772E39}"/>
+              </a:ext>
+            </a:extLst>
+          </p:cNvPr>
+          <p:cNvSpPr/>
+          <p:nvPr/>
+        </p:nvSpPr>
+        <p:spPr>
+          <a:xfrm rot="16200000">
+            <a:off x="-1315" y="3945025"/>
+            <a:ext cx="2266436" cy="368228"/>
+          </a:xfrm>
+          <a:prstGeom prst="rect">
+            <a:avLst/>
+          </a:prstGeom>
+          <a:solidFill>
+            <a:schemeClr val="accent4">
+              <a:lumMod val="40000"/>
+              <a:lumOff val="60000"/>
+            </a:schemeClr>
+          </a:solidFill>
+        </p:spPr>
+        <p:style>
+          <a:lnRef idx="2">
+            <a:schemeClr val="accent1">
+              <a:shade val="50000"/>
+            </a:schemeClr>
+          </a:lnRef>
+          <a:fillRef idx="1">
+            <a:schemeClr val="accent1"/>
+          </a:fillRef>
+          <a:effectRef idx="0">
+            <a:schemeClr val="accent1"/>
+          </a:effectRef>
+          <a:fontRef idx="minor">
+            <a:schemeClr val="lt1"/>
+          </a:fontRef>
+        </p:style>
+        <p:txBody>
+          <a:bodyPr rtlCol="0" anchor="ctr"/>
+          <a:lstStyle/>
+          <a:p>
+            <a:pPr algn="ctr"/>
+            <a:r>
+              <a:rPr lang="en-US" dirty="0">
+                <a:solidFill>
+                  <a:schemeClr val="tx1"/>
+                </a:solidFill>
+              </a:rPr>
+              <a:t>Network Ports</a:t>
+            </a:r>
+          </a:p>
+        </p:txBody>
+      </p:sp>
+      <p:cxnSp>
+        <p:nvCxnSpPr>
+          <p:cNvPr id="196" name="Connector: Elbow 195">
+            <a:extLst>
+              <a:ext uri="{FF2B5EF4-FFF2-40B4-BE49-F238E27FC236}">
+                <a16:creationId xmlns:a16="http://schemas.microsoft.com/office/drawing/2014/main" id="{C4648FD0-BE39-49B2-A297-6987E7ED42BA}"/>
+              </a:ext>
+            </a:extLst>
+          </p:cNvPr>
+          <p:cNvCxnSpPr>
+            <a:cxnSpLocks/>
+            <a:stCxn id="110" idx="0"/>
+            <a:endCxn id="14" idx="0"/>
+          </p:cNvCxnSpPr>
+          <p:nvPr/>
+        </p:nvCxnSpPr>
+        <p:spPr>
+          <a:xfrm rot="10800000">
+            <a:off x="5433657" y="4142413"/>
+            <a:ext cx="3538146" cy="801247"/>
+          </a:xfrm>
+          <a:prstGeom prst="bentConnector3">
+            <a:avLst>
+              <a:gd name="adj1" fmla="val 106903"/>
+            </a:avLst>
+          </a:prstGeom>
+          <a:ln>
+            <a:tailEnd type="triangle"/>
+          </a:ln>
+        </p:spPr>
+        <p:style>
+          <a:lnRef idx="1">
+            <a:schemeClr val="accent1"/>
+          </a:lnRef>
+          <a:fillRef idx="0">
+            <a:schemeClr val="accent1"/>
+          </a:fillRef>
+          <a:effectRef idx="0">
+            <a:schemeClr val="accent1"/>
+          </a:effectRef>
+          <a:fontRef idx="minor">
+            <a:schemeClr val="tx1"/>
+          </a:fontRef>
+        </p:style>
+      </p:cxnSp>
+      <p:cxnSp>
+        <p:nvCxnSpPr>
+          <p:cNvPr id="199" name="Straight Arrow Connector 198">
+            <a:extLst>
+              <a:ext uri="{FF2B5EF4-FFF2-40B4-BE49-F238E27FC236}">
+                <a16:creationId xmlns:a16="http://schemas.microsoft.com/office/drawing/2014/main" id="{9B56D066-03B7-4AA5-AE48-439E5D95D240}"/>
+              </a:ext>
+            </a:extLst>
+          </p:cNvPr>
+          <p:cNvCxnSpPr>
+            <a:cxnSpLocks/>
+            <a:endCxn id="200" idx="0"/>
+          </p:cNvCxnSpPr>
+          <p:nvPr/>
+        </p:nvCxnSpPr>
+        <p:spPr>
+          <a:xfrm>
+            <a:off x="10101319" y="3502272"/>
+            <a:ext cx="311852" cy="0"/>
+          </a:xfrm>
+          <a:prstGeom prst="straightConnector1">
+            <a:avLst/>
+          </a:prstGeom>
+          <a:ln>
+            <a:headEnd type="triangle"/>
+            <a:tailEnd type="triangle"/>
+          </a:ln>
+        </p:spPr>
+        <p:style>
+          <a:lnRef idx="1">
+            <a:schemeClr val="accent1"/>
+          </a:lnRef>
+          <a:fillRef idx="0">
+            <a:schemeClr val="accent1"/>
+          </a:fillRef>
+          <a:effectRef idx="0">
+            <a:schemeClr val="accent1"/>
+          </a:effectRef>
+          <a:fontRef idx="minor">
+            <a:schemeClr val="tx1"/>
+          </a:fontRef>
+        </p:style>
+      </p:cxnSp>
+      <p:sp>
+        <p:nvSpPr>
+          <p:cNvPr id="200" name="Rectangle 199">
+            <a:extLst>
+              <a:ext uri="{FF2B5EF4-FFF2-40B4-BE49-F238E27FC236}">
+                <a16:creationId xmlns:a16="http://schemas.microsoft.com/office/drawing/2014/main" id="{6143778A-3CAF-4C20-AA59-3CC193DB8BCB}"/>
+              </a:ext>
+            </a:extLst>
+          </p:cNvPr>
+          <p:cNvSpPr/>
+          <p:nvPr/>
+        </p:nvSpPr>
+        <p:spPr>
+          <a:xfrm rot="16200000">
+            <a:off x="10086062" y="3318158"/>
+            <a:ext cx="1022445" cy="368228"/>
+          </a:xfrm>
+          <a:prstGeom prst="rect">
+            <a:avLst/>
+          </a:prstGeom>
+          <a:solidFill>
+            <a:schemeClr val="bg2">
+              <a:lumMod val="90000"/>
+            </a:schemeClr>
+          </a:solidFill>
+        </p:spPr>
+        <p:style>
+          <a:lnRef idx="2">
+            <a:schemeClr val="accent1">
+              <a:shade val="50000"/>
+            </a:schemeClr>
+          </a:lnRef>
+          <a:fillRef idx="1">
+            <a:schemeClr val="accent1"/>
+          </a:fillRef>
+          <a:effectRef idx="0">
+            <a:schemeClr val="accent1"/>
+          </a:effectRef>
+          <a:fontRef idx="minor">
+            <a:schemeClr val="lt1"/>
+          </a:fontRef>
+        </p:style>
+        <p:txBody>
+          <a:bodyPr rtlCol="0" anchor="ctr"/>
+          <a:lstStyle/>
+          <a:p>
+            <a:pPr algn="ctr"/>
+            <a:r>
+              <a:rPr lang="en-US" dirty="0">
+                <a:solidFill>
+                  <a:schemeClr val="tx1"/>
+                </a:solidFill>
+              </a:rPr>
+              <a:t>Host 1</a:t>
+            </a:r>
+          </a:p>
+        </p:txBody>
+      </p:sp>
+      <p:sp>
+        <p:nvSpPr>
+          <p:cNvPr id="113" name="Rectangle 112">
+            <a:extLst>
+              <a:ext uri="{FF2B5EF4-FFF2-40B4-BE49-F238E27FC236}">
+                <a16:creationId xmlns:a16="http://schemas.microsoft.com/office/drawing/2014/main" id="{58FA7448-7B0F-43F4-A246-03BDB307CBC0}"/>
+              </a:ext>
+            </a:extLst>
+          </p:cNvPr>
+          <p:cNvSpPr/>
+          <p:nvPr/>
+        </p:nvSpPr>
+        <p:spPr>
+          <a:xfrm>
+            <a:off x="8692145" y="2113631"/>
+            <a:ext cx="2089254" cy="224589"/>
+          </a:xfrm>
+          <a:prstGeom prst="rect">
+            <a:avLst/>
+          </a:prstGeom>
+          <a:solidFill>
+            <a:srgbClr val="00B050"/>
+          </a:solidFill>
+        </p:spPr>
+        <p:style>
+          <a:lnRef idx="2">
+            <a:schemeClr val="accent1">
+              <a:shade val="50000"/>
+            </a:schemeClr>
+          </a:lnRef>
+          <a:fillRef idx="1">
+            <a:schemeClr val="accent1"/>
+          </a:fillRef>
+          <a:effectRef idx="0">
+            <a:schemeClr val="accent1"/>
+          </a:effectRef>
+          <a:fontRef idx="minor">
+            <a:schemeClr val="lt1"/>
+          </a:fontRef>
+        </p:style>
+        <p:txBody>
+          <a:bodyPr rtlCol="0" anchor="ctr"/>
+          <a:lstStyle/>
+          <a:p>
+            <a:pPr algn="ctr"/>
+            <a:r>
+              <a:rPr lang="en-US" dirty="0"/>
+              <a:t>Programmed in P4</a:t>
+            </a:r>
+          </a:p>
+        </p:txBody>
+      </p:sp>
+      <p:sp>
+        <p:nvSpPr>
+          <p:cNvPr id="114" name="Rectangle 113">
+            <a:extLst>
+              <a:ext uri="{FF2B5EF4-FFF2-40B4-BE49-F238E27FC236}">
+                <a16:creationId xmlns:a16="http://schemas.microsoft.com/office/drawing/2014/main" id="{8981AA32-2977-41CF-9174-51C16EB7A3C1}"/>
+              </a:ext>
+            </a:extLst>
+          </p:cNvPr>
+          <p:cNvSpPr/>
+          <p:nvPr/>
+        </p:nvSpPr>
+        <p:spPr>
+          <a:xfrm>
+            <a:off x="8692145" y="2348203"/>
+            <a:ext cx="2089254" cy="240643"/>
+          </a:xfrm>
+          <a:prstGeom prst="rect">
+            <a:avLst/>
+          </a:prstGeom>
+          <a:solidFill>
+            <a:schemeClr val="accent4">
+              <a:lumMod val="40000"/>
+              <a:lumOff val="60000"/>
+            </a:schemeClr>
+          </a:solidFill>
+        </p:spPr>
+        <p:style>
+          <a:lnRef idx="2">
+            <a:schemeClr val="accent1">
+              <a:shade val="50000"/>
+            </a:schemeClr>
+          </a:lnRef>
+          <a:fillRef idx="1">
+            <a:schemeClr val="accent1"/>
+          </a:fillRef>
+          <a:effectRef idx="0">
+            <a:schemeClr val="accent1"/>
+          </a:effectRef>
+          <a:fontRef idx="minor">
+            <a:schemeClr val="lt1"/>
+          </a:fontRef>
+        </p:style>
+        <p:txBody>
+          <a:bodyPr rtlCol="0" anchor="ctr"/>
+          <a:lstStyle/>
+          <a:p>
+            <a:pPr algn="ctr"/>
+            <a:r>
+              <a:rPr lang="en-US" dirty="0">
+                <a:solidFill>
+                  <a:schemeClr val="tx1"/>
+                </a:solidFill>
+              </a:rPr>
+              <a:t>Fixed function</a:t>
+            </a:r>
+          </a:p>
+        </p:txBody>
+      </p:sp>
+      <p:sp>
+        <p:nvSpPr>
+          <p:cNvPr id="110" name="Isosceles Triangle 109">
+            <a:extLst>
+              <a:ext uri="{FF2B5EF4-FFF2-40B4-BE49-F238E27FC236}">
+                <a16:creationId xmlns:a16="http://schemas.microsoft.com/office/drawing/2014/main" id="{CBF41200-6B39-49A7-85D4-64606C55105F}"/>
+              </a:ext>
+            </a:extLst>
+          </p:cNvPr>
+          <p:cNvSpPr/>
+          <p:nvPr/>
+        </p:nvSpPr>
+        <p:spPr>
+          <a:xfrm rot="16200000">
+            <a:off x="8757559" y="4829463"/>
+            <a:ext cx="656879" cy="228392"/>
+          </a:xfrm>
+          <a:prstGeom prst="triangle">
+            <a:avLst>
+              <a:gd name="adj" fmla="val 50000"/>
+            </a:avLst>
+          </a:prstGeom>
+          <a:solidFill>
+            <a:schemeClr val="accent4">
+              <a:lumMod val="40000"/>
+              <a:lumOff val="60000"/>
+            </a:schemeClr>
+          </a:solidFill>
+        </p:spPr>
+        <p:style>
+          <a:lnRef idx="2">
+            <a:schemeClr val="accent1">
+              <a:shade val="50000"/>
+            </a:schemeClr>
+          </a:lnRef>
+          <a:fillRef idx="1">
+            <a:schemeClr val="accent1"/>
+          </a:fillRef>
+          <a:effectRef idx="0">
+            <a:schemeClr val="accent1"/>
+          </a:effectRef>
+          <a:fontRef idx="minor">
+            <a:schemeClr val="lt1"/>
+          </a:fontRef>
+        </p:style>
+        <p:txBody>
+          <a:bodyPr rtlCol="0" anchor="ctr"/>
+          <a:lstStyle/>
+          <a:p>
+            <a:pPr algn="ctr"/>
+            <a:endParaRPr lang="en-US" dirty="0"/>
+          </a:p>
+        </p:txBody>
+      </p:sp>
+      <p:sp>
+        <p:nvSpPr>
+          <p:cNvPr id="111" name="Isosceles Triangle 110">
+            <a:extLst>
+              <a:ext uri="{FF2B5EF4-FFF2-40B4-BE49-F238E27FC236}">
+                <a16:creationId xmlns:a16="http://schemas.microsoft.com/office/drawing/2014/main" id="{8EF40A48-3C9D-4A24-A40E-E4870584BA66}"/>
+              </a:ext>
+            </a:extLst>
+          </p:cNvPr>
+          <p:cNvSpPr/>
+          <p:nvPr/>
+        </p:nvSpPr>
+        <p:spPr>
+          <a:xfrm rot="16200000">
+            <a:off x="8757559" y="3218231"/>
+            <a:ext cx="656879" cy="228392"/>
+          </a:xfrm>
+          <a:prstGeom prst="triangle">
+            <a:avLst>
+              <a:gd name="adj" fmla="val 50000"/>
+            </a:avLst>
+          </a:prstGeom>
+          <a:solidFill>
+            <a:schemeClr val="accent4">
+              <a:lumMod val="40000"/>
+              <a:lumOff val="60000"/>
+            </a:schemeClr>
+          </a:solidFill>
+        </p:spPr>
+        <p:style>
+          <a:lnRef idx="2">
+            <a:schemeClr val="accent1">
+              <a:shade val="50000"/>
+            </a:schemeClr>
+          </a:lnRef>
+          <a:fillRef idx="1">
+            <a:schemeClr val="accent1"/>
+          </a:fillRef>
+          <a:effectRef idx="0">
+            <a:schemeClr val="accent1"/>
+          </a:effectRef>
+          <a:fontRef idx="minor">
+            <a:schemeClr val="lt1"/>
+          </a:fontRef>
+        </p:style>
+        <p:txBody>
+          <a:bodyPr rtlCol="0" anchor="ctr"/>
+          <a:lstStyle/>
+          <a:p>
+            <a:pPr algn="ctr"/>
+            <a:endParaRPr lang="en-US" dirty="0"/>
+          </a:p>
+        </p:txBody>
+      </p:sp>
+      <p:cxnSp>
+        <p:nvCxnSpPr>
+          <p:cNvPr id="112" name="Connector: Elbow 111">
+            <a:extLst>
+              <a:ext uri="{FF2B5EF4-FFF2-40B4-BE49-F238E27FC236}">
+                <a16:creationId xmlns:a16="http://schemas.microsoft.com/office/drawing/2014/main" id="{C64DEB71-3093-431E-88AF-4C2BE81668EF}"/>
+              </a:ext>
+            </a:extLst>
+          </p:cNvPr>
+          <p:cNvCxnSpPr>
+            <a:cxnSpLocks/>
+          </p:cNvCxnSpPr>
+          <p:nvPr/>
+        </p:nvCxnSpPr>
+        <p:spPr>
+          <a:xfrm rot="5400000" flipV="1">
+            <a:off x="8993077" y="3726372"/>
+            <a:ext cx="715787" cy="301552"/>
+          </a:xfrm>
+          <a:prstGeom prst="bentConnector3">
+            <a:avLst>
+              <a:gd name="adj1" fmla="val -3572"/>
+            </a:avLst>
+          </a:prstGeom>
+          <a:ln>
+            <a:tailEnd type="none"/>
+          </a:ln>
+        </p:spPr>
+        <p:style>
+          <a:lnRef idx="1">
+            <a:schemeClr val="accent1"/>
+          </a:lnRef>
+          <a:fillRef idx="0">
+            <a:schemeClr val="accent1"/>
+          </a:fillRef>
+          <a:effectRef idx="0">
+            <a:schemeClr val="accent1"/>
+          </a:effectRef>
+          <a:fontRef idx="minor">
+            <a:schemeClr val="tx1"/>
+          </a:fontRef>
+        </p:style>
+      </p:cxnSp>
+      <p:cxnSp>
+        <p:nvCxnSpPr>
+          <p:cNvPr id="115" name="Connector: Elbow 114">
+            <a:extLst>
+              <a:ext uri="{FF2B5EF4-FFF2-40B4-BE49-F238E27FC236}">
+                <a16:creationId xmlns:a16="http://schemas.microsoft.com/office/drawing/2014/main" id="{368C70F1-7509-412A-8F1A-A518E73EEB07}"/>
+              </a:ext>
+            </a:extLst>
+          </p:cNvPr>
+          <p:cNvCxnSpPr>
+            <a:cxnSpLocks/>
+          </p:cNvCxnSpPr>
+          <p:nvPr/>
+        </p:nvCxnSpPr>
+        <p:spPr>
+          <a:xfrm rot="16200000" flipH="1" flipV="1">
+            <a:off x="9072285" y="4344340"/>
+            <a:ext cx="554346" cy="298527"/>
+          </a:xfrm>
+          <a:prstGeom prst="bentConnector3">
+            <a:avLst>
+              <a:gd name="adj1" fmla="val 99663"/>
+            </a:avLst>
+          </a:prstGeom>
+          <a:ln>
+            <a:tailEnd type="triangle"/>
+          </a:ln>
+        </p:spPr>
+        <p:style>
+          <a:lnRef idx="1">
+            <a:schemeClr val="accent1"/>
+          </a:lnRef>
+          <a:fillRef idx="0">
+            <a:schemeClr val="accent1"/>
+          </a:fillRef>
+          <a:effectRef idx="0">
+            <a:schemeClr val="accent1"/>
+          </a:effectRef>
+          <a:fontRef idx="minor">
+            <a:schemeClr val="tx1"/>
+          </a:fontRef>
+        </p:style>
+      </p:cxnSp>
+      <p:cxnSp>
+        <p:nvCxnSpPr>
+          <p:cNvPr id="116" name="Straight Arrow Connector 115">
+            <a:extLst>
+              <a:ext uri="{FF2B5EF4-FFF2-40B4-BE49-F238E27FC236}">
+                <a16:creationId xmlns:a16="http://schemas.microsoft.com/office/drawing/2014/main" id="{D6EAE7FF-ED18-4376-A74D-07B093B5896D}"/>
+              </a:ext>
+            </a:extLst>
+          </p:cNvPr>
+          <p:cNvCxnSpPr>
+            <a:cxnSpLocks/>
+          </p:cNvCxnSpPr>
+          <p:nvPr/>
+        </p:nvCxnSpPr>
+        <p:spPr>
+          <a:xfrm rot="10800000">
+            <a:off x="9204576" y="5095376"/>
+            <a:ext cx="494377" cy="1"/>
+          </a:xfrm>
+          <a:prstGeom prst="straightConnector1">
+            <a:avLst/>
+          </a:prstGeom>
+          <a:ln>
+            <a:tailEnd type="triangle"/>
+          </a:ln>
+        </p:spPr>
+        <p:style>
+          <a:lnRef idx="1">
+            <a:schemeClr val="accent1"/>
+          </a:lnRef>
+          <a:fillRef idx="0">
+            <a:schemeClr val="accent1"/>
+          </a:fillRef>
+          <a:effectRef idx="0">
+            <a:schemeClr val="accent1"/>
+          </a:effectRef>
+          <a:fontRef idx="minor">
+            <a:schemeClr val="tx1"/>
+          </a:fontRef>
+        </p:style>
+      </p:cxnSp>
+      <p:cxnSp>
+        <p:nvCxnSpPr>
+          <p:cNvPr id="117" name="Straight Arrow Connector 116">
+            <a:extLst>
+              <a:ext uri="{FF2B5EF4-FFF2-40B4-BE49-F238E27FC236}">
+                <a16:creationId xmlns:a16="http://schemas.microsoft.com/office/drawing/2014/main" id="{2B8B9C9F-8E4C-4C30-AB47-9A5A956DF566}"/>
+              </a:ext>
+            </a:extLst>
+          </p:cNvPr>
+          <p:cNvCxnSpPr>
+            <a:cxnSpLocks/>
+          </p:cNvCxnSpPr>
+          <p:nvPr/>
+        </p:nvCxnSpPr>
+        <p:spPr>
+          <a:xfrm rot="10800000" flipH="1">
+            <a:off x="9204576" y="3180321"/>
+            <a:ext cx="487249" cy="0"/>
+          </a:xfrm>
+          <a:prstGeom prst="straightConnector1">
+            <a:avLst/>
+          </a:prstGeom>
+          <a:ln>
+            <a:tailEnd type="triangle"/>
+          </a:ln>
+        </p:spPr>
+        <p:style>
+          <a:lnRef idx="1">
+            <a:schemeClr val="accent1"/>
+          </a:lnRef>
+          <a:fillRef idx="0">
+            <a:schemeClr val="accent1"/>
+          </a:fillRef>
+          <a:effectRef idx="0">
+            <a:schemeClr val="accent1"/>
+          </a:effectRef>
+          <a:fontRef idx="minor">
+            <a:schemeClr val="tx1"/>
+          </a:fontRef>
+        </p:style>
+      </p:cxnSp>
+      <p:cxnSp>
+        <p:nvCxnSpPr>
+          <p:cNvPr id="118" name="Straight Arrow Connector 117">
+            <a:extLst>
+              <a:ext uri="{FF2B5EF4-FFF2-40B4-BE49-F238E27FC236}">
+                <a16:creationId xmlns:a16="http://schemas.microsoft.com/office/drawing/2014/main" id="{40462665-FCF8-4E8C-943A-0EF224BA3563}"/>
+              </a:ext>
+            </a:extLst>
+          </p:cNvPr>
+          <p:cNvCxnSpPr>
+            <a:cxnSpLocks/>
+            <a:stCxn id="86" idx="0"/>
+            <a:endCxn id="111" idx="0"/>
+          </p:cNvCxnSpPr>
+          <p:nvPr/>
+        </p:nvCxnSpPr>
+        <p:spPr>
+          <a:xfrm>
+            <a:off x="8793185" y="3328996"/>
+            <a:ext cx="178618" cy="3431"/>
+          </a:xfrm>
+          <a:prstGeom prst="straightConnector1">
+            <a:avLst/>
+          </a:prstGeom>
+          <a:ln>
+            <a:tailEnd type="triangle"/>
+          </a:ln>
+        </p:spPr>
+        <p:style>
+          <a:lnRef idx="1">
+            <a:schemeClr val="accent1"/>
+          </a:lnRef>
+          <a:fillRef idx="0">
+            <a:schemeClr val="accent1"/>
+          </a:fillRef>
+          <a:effectRef idx="0">
+            <a:schemeClr val="accent1"/>
+          </a:effectRef>
+          <a:fontRef idx="minor">
+            <a:schemeClr val="tx1"/>
+          </a:fontRef>
+        </p:style>
+      </p:cxnSp>
+      <p:cxnSp>
+        <p:nvCxnSpPr>
+          <p:cNvPr id="105" name="Connector: Elbow 104">
+            <a:extLst>
+              <a:ext uri="{FF2B5EF4-FFF2-40B4-BE49-F238E27FC236}">
+                <a16:creationId xmlns:a16="http://schemas.microsoft.com/office/drawing/2014/main" id="{AAD870DC-10F4-46EA-8DD1-22D68B525CA7}"/>
+              </a:ext>
+            </a:extLst>
+          </p:cNvPr>
+          <p:cNvCxnSpPr>
+            <a:cxnSpLocks/>
+          </p:cNvCxnSpPr>
+          <p:nvPr/>
+        </p:nvCxnSpPr>
+        <p:spPr>
+          <a:xfrm rot="5400000" flipH="1" flipV="1">
+            <a:off x="7200632" y="2735448"/>
+            <a:ext cx="676870" cy="136691"/>
+          </a:xfrm>
+          <a:prstGeom prst="bentConnector3">
+            <a:avLst>
+              <a:gd name="adj1" fmla="val -97"/>
+            </a:avLst>
+          </a:prstGeom>
+          <a:ln>
+            <a:tailEnd type="none"/>
+          </a:ln>
+        </p:spPr>
+        <p:style>
+          <a:lnRef idx="1">
+            <a:schemeClr val="accent1"/>
+          </a:lnRef>
+          <a:fillRef idx="0">
+            <a:schemeClr val="accent1"/>
+          </a:fillRef>
+          <a:effectRef idx="0">
+            <a:schemeClr val="accent1"/>
+          </a:effectRef>
+          <a:fontRef idx="minor">
+            <a:schemeClr val="tx1"/>
+          </a:fontRef>
+        </p:style>
+      </p:cxnSp>
+      <p:cxnSp>
+        <p:nvCxnSpPr>
+          <p:cNvPr id="126" name="Connector: Elbow 125">
+            <a:extLst>
+              <a:ext uri="{FF2B5EF4-FFF2-40B4-BE49-F238E27FC236}">
+                <a16:creationId xmlns:a16="http://schemas.microsoft.com/office/drawing/2014/main" id="{6D1D99B2-0E86-47B6-9123-9267435A5C00}"/>
+              </a:ext>
+            </a:extLst>
+          </p:cNvPr>
+          <p:cNvCxnSpPr>
+            <a:cxnSpLocks/>
+          </p:cNvCxnSpPr>
+          <p:nvPr/>
+        </p:nvCxnSpPr>
+        <p:spPr>
+          <a:xfrm rot="16200000" flipH="1">
+            <a:off x="5024235" y="2733173"/>
+            <a:ext cx="672330" cy="150304"/>
+          </a:xfrm>
+          <a:prstGeom prst="bentConnector3">
+            <a:avLst>
+              <a:gd name="adj1" fmla="val 100435"/>
+            </a:avLst>
+          </a:prstGeom>
+          <a:ln>
+            <a:tailEnd type="triangle"/>
+          </a:ln>
+        </p:spPr>
+        <p:style>
+          <a:lnRef idx="1">
+            <a:schemeClr val="accent1"/>
+          </a:lnRef>
+          <a:fillRef idx="0">
+            <a:schemeClr val="accent1"/>
+          </a:fillRef>
+          <a:effectRef idx="0">
+            <a:schemeClr val="accent1"/>
+          </a:effectRef>
+          <a:fontRef idx="minor">
+            <a:schemeClr val="tx1"/>
+          </a:fontRef>
+        </p:style>
+      </p:cxnSp>
+      <p:cxnSp>
+        <p:nvCxnSpPr>
+          <p:cNvPr id="178" name="Connector: Elbow 177">
+            <a:extLst>
+              <a:ext uri="{FF2B5EF4-FFF2-40B4-BE49-F238E27FC236}">
+                <a16:creationId xmlns:a16="http://schemas.microsoft.com/office/drawing/2014/main" id="{A750F747-27DB-43AF-84FE-43C67DC6B905}"/>
+              </a:ext>
+            </a:extLst>
+          </p:cNvPr>
+          <p:cNvCxnSpPr>
+            <a:cxnSpLocks/>
+          </p:cNvCxnSpPr>
+          <p:nvPr/>
+        </p:nvCxnSpPr>
+        <p:spPr>
+          <a:xfrm rot="16200000" flipH="1">
+            <a:off x="7326389" y="4490272"/>
+            <a:ext cx="403990" cy="115327"/>
+          </a:xfrm>
+          <a:prstGeom prst="bentConnector3">
+            <a:avLst>
+              <a:gd name="adj1" fmla="val 960"/>
+            </a:avLst>
+          </a:prstGeom>
+          <a:ln>
+            <a:tailEnd type="none"/>
+          </a:ln>
+        </p:spPr>
+        <p:style>
+          <a:lnRef idx="1">
+            <a:schemeClr val="accent1"/>
+          </a:lnRef>
+          <a:fillRef idx="0">
+            <a:schemeClr val="accent1"/>
+          </a:fillRef>
+          <a:effectRef idx="0">
+            <a:schemeClr val="accent1"/>
+          </a:effectRef>
+          <a:fontRef idx="minor">
+            <a:schemeClr val="tx1"/>
+          </a:fontRef>
+        </p:style>
+      </p:cxnSp>
+      <p:cxnSp>
+        <p:nvCxnSpPr>
+          <p:cNvPr id="180" name="Connector: Elbow 179">
+            <a:extLst>
+              <a:ext uri="{FF2B5EF4-FFF2-40B4-BE49-F238E27FC236}">
+                <a16:creationId xmlns:a16="http://schemas.microsoft.com/office/drawing/2014/main" id="{7C40998A-C287-47CA-9A06-025F2A66B1EE}"/>
+              </a:ext>
+            </a:extLst>
+          </p:cNvPr>
+          <p:cNvCxnSpPr>
+            <a:cxnSpLocks/>
+          </p:cNvCxnSpPr>
+          <p:nvPr/>
+        </p:nvCxnSpPr>
+        <p:spPr>
+          <a:xfrm rot="5400000" flipH="1" flipV="1">
+            <a:off x="5163407" y="4480360"/>
+            <a:ext cx="408827" cy="135459"/>
+          </a:xfrm>
+          <a:prstGeom prst="bentConnector3">
+            <a:avLst>
+              <a:gd name="adj1" fmla="val 99393"/>
+            </a:avLst>
+          </a:prstGeom>
+          <a:ln>
+            <a:tailEnd type="triangle"/>
+          </a:ln>
+        </p:spPr>
+        <p:style>
+          <a:lnRef idx="1">
+            <a:schemeClr val="accent1"/>
+          </a:lnRef>
+          <a:fillRef idx="0">
+            <a:schemeClr val="accent1"/>
+          </a:fillRef>
+          <a:effectRef idx="0">
+            <a:schemeClr val="accent1"/>
+          </a:effectRef>
+          <a:fontRef idx="minor">
+            <a:schemeClr val="tx1"/>
+          </a:fontRef>
+        </p:style>
+      </p:cxnSp>
+      <p:cxnSp>
+        <p:nvCxnSpPr>
+          <p:cNvPr id="182" name="Straight Connector 181">
+            <a:extLst>
+              <a:ext uri="{FF2B5EF4-FFF2-40B4-BE49-F238E27FC236}">
+                <a16:creationId xmlns:a16="http://schemas.microsoft.com/office/drawing/2014/main" id="{24155A40-B988-46ED-BC5E-C58015564533}"/>
+              </a:ext>
+            </a:extLst>
+          </p:cNvPr>
+          <p:cNvCxnSpPr>
+            <a:cxnSpLocks/>
+          </p:cNvCxnSpPr>
+          <p:nvPr/>
+        </p:nvCxnSpPr>
+        <p:spPr>
+          <a:xfrm flipH="1">
+            <a:off x="5300092" y="4747290"/>
+            <a:ext cx="2285956" cy="5212"/>
+          </a:xfrm>
+          <a:prstGeom prst="line">
+            <a:avLst/>
+          </a:prstGeom>
+        </p:spPr>
+        <p:style>
+          <a:lnRef idx="1">
+            <a:schemeClr val="accent1"/>
+          </a:lnRef>
+          <a:fillRef idx="0">
+            <a:schemeClr val="accent1"/>
+          </a:fillRef>
+          <a:effectRef idx="0">
+            <a:schemeClr val="accent1"/>
+          </a:effectRef>
+          <a:fontRef idx="minor">
+            <a:schemeClr val="tx1"/>
+          </a:fontRef>
+        </p:style>
+      </p:cxnSp>
+      <p:cxnSp>
+        <p:nvCxnSpPr>
+          <p:cNvPr id="106" name="Connector: Elbow 105">
+            <a:extLst>
+              <a:ext uri="{FF2B5EF4-FFF2-40B4-BE49-F238E27FC236}">
+                <a16:creationId xmlns:a16="http://schemas.microsoft.com/office/drawing/2014/main" id="{16B1E8FE-E0AE-4FF6-AC2B-2BC0EAF5B4C8}"/>
+              </a:ext>
+            </a:extLst>
+          </p:cNvPr>
+          <p:cNvCxnSpPr>
+            <a:cxnSpLocks/>
+            <a:stCxn id="138" idx="0"/>
+          </p:cNvCxnSpPr>
+          <p:nvPr/>
+        </p:nvCxnSpPr>
+        <p:spPr>
+          <a:xfrm>
+            <a:off x="2052479" y="3314619"/>
+            <a:ext cx="3367830" cy="172881"/>
+          </a:xfrm>
+          <a:prstGeom prst="bentConnector3">
+            <a:avLst>
+              <a:gd name="adj1" fmla="val 50000"/>
+            </a:avLst>
+          </a:prstGeom>
+          <a:ln>
+            <a:tailEnd type="triangle"/>
+          </a:ln>
+        </p:spPr>
+        <p:style>
+          <a:lnRef idx="1">
+            <a:schemeClr val="accent1"/>
+          </a:lnRef>
+          <a:fillRef idx="0">
+            <a:schemeClr val="accent1"/>
+          </a:fillRef>
+          <a:effectRef idx="0">
+            <a:schemeClr val="accent1"/>
+          </a:effectRef>
+          <a:fontRef idx="minor">
+            <a:schemeClr val="tx1"/>
+          </a:fontRef>
+        </p:style>
+      </p:cxnSp>
+      <p:sp>
+        <p:nvSpPr>
+          <p:cNvPr id="101" name="Rectangle 100">
+            <a:extLst>
+              <a:ext uri="{FF2B5EF4-FFF2-40B4-BE49-F238E27FC236}">
+                <a16:creationId xmlns:a16="http://schemas.microsoft.com/office/drawing/2014/main" id="{5BEE2C53-F970-432C-9EF0-B16395497DDB}"/>
+              </a:ext>
+            </a:extLst>
+          </p:cNvPr>
+          <p:cNvSpPr/>
+          <p:nvPr/>
+        </p:nvSpPr>
+        <p:spPr>
+          <a:xfrm rot="16200000">
+            <a:off x="10086062" y="4578852"/>
+            <a:ext cx="1022445" cy="368228"/>
+          </a:xfrm>
+          <a:prstGeom prst="rect">
+            <a:avLst/>
+          </a:prstGeom>
+          <a:solidFill>
+            <a:schemeClr val="bg2">
+              <a:lumMod val="90000"/>
+            </a:schemeClr>
+          </a:solidFill>
+        </p:spPr>
+        <p:style>
+          <a:lnRef idx="2">
+            <a:schemeClr val="accent1">
+              <a:shade val="50000"/>
+            </a:schemeClr>
+          </a:lnRef>
+          <a:fillRef idx="1">
+            <a:schemeClr val="accent1"/>
+          </a:fillRef>
+          <a:effectRef idx="0">
+            <a:schemeClr val="accent1"/>
+          </a:effectRef>
+          <a:fontRef idx="minor">
+            <a:schemeClr val="lt1"/>
+          </a:fontRef>
+        </p:style>
+        <p:txBody>
+          <a:bodyPr rtlCol="0" anchor="ctr"/>
+          <a:lstStyle/>
+          <a:p>
+            <a:pPr algn="ctr"/>
+            <a:r>
+              <a:rPr lang="en-US" dirty="0">
+                <a:solidFill>
+                  <a:schemeClr val="tx1"/>
+                </a:solidFill>
+              </a:rPr>
+              <a:t>Host N</a:t>
+            </a:r>
+          </a:p>
+        </p:txBody>
+      </p:sp>
+      <p:cxnSp>
+        <p:nvCxnSpPr>
+          <p:cNvPr id="102" name="Straight Arrow Connector 101">
+            <a:extLst>
+              <a:ext uri="{FF2B5EF4-FFF2-40B4-BE49-F238E27FC236}">
+                <a16:creationId xmlns:a16="http://schemas.microsoft.com/office/drawing/2014/main" id="{EB96FCB9-19D5-432B-B874-01E971C45BF4}"/>
+              </a:ext>
+            </a:extLst>
+          </p:cNvPr>
+          <p:cNvCxnSpPr>
+            <a:cxnSpLocks/>
+            <a:endCxn id="101" idx="0"/>
+          </p:cNvCxnSpPr>
+          <p:nvPr/>
+        </p:nvCxnSpPr>
+        <p:spPr>
+          <a:xfrm>
+            <a:off x="10101319" y="4762966"/>
+            <a:ext cx="311852" cy="0"/>
+          </a:xfrm>
+          <a:prstGeom prst="straightConnector1">
+            <a:avLst/>
+          </a:prstGeom>
+          <a:ln>
+            <a:headEnd type="triangle"/>
+            <a:tailEnd type="triangle"/>
+          </a:ln>
+        </p:spPr>
+        <p:style>
+          <a:lnRef idx="1">
+            <a:schemeClr val="accent1"/>
+          </a:lnRef>
+          <a:fillRef idx="0">
+            <a:schemeClr val="accent1"/>
+          </a:fillRef>
+          <a:effectRef idx="0">
+            <a:schemeClr val="accent1"/>
+          </a:effectRef>
+          <a:fontRef idx="minor">
+            <a:schemeClr val="tx1"/>
+          </a:fontRef>
+        </p:style>
+      </p:cxnSp>
+      <p:sp>
+        <p:nvSpPr>
+          <p:cNvPr id="107" name="TextBox 106">
+            <a:extLst>
+              <a:ext uri="{FF2B5EF4-FFF2-40B4-BE49-F238E27FC236}">
+                <a16:creationId xmlns:a16="http://schemas.microsoft.com/office/drawing/2014/main" id="{A6F5D3B7-9CD0-4224-9762-C76C79E1371B}"/>
+              </a:ext>
+            </a:extLst>
+          </p:cNvPr>
+          <p:cNvSpPr txBox="1"/>
+          <p:nvPr/>
+        </p:nvSpPr>
+        <p:spPr>
+          <a:xfrm rot="16200000">
+            <a:off x="10444675" y="4005660"/>
+            <a:ext cx="238248" cy="253916"/>
+          </a:xfrm>
+          <a:prstGeom prst="rect">
+            <a:avLst/>
+          </a:prstGeom>
+          <a:noFill/>
+        </p:spPr>
+        <p:txBody>
+          <a:bodyPr wrap="square" rtlCol="0">
+            <a:spAutoFit/>
+          </a:bodyPr>
+          <a:lstStyle/>
+          <a:p>
+            <a:pPr algn="ctr"/>
+            <a:r>
+              <a:rPr lang="en-US" sz="1050" dirty="0"/>
+              <a:t>…</a:t>
+            </a:r>
+          </a:p>
+        </p:txBody>
+      </p:sp>
+      <p:cxnSp>
+        <p:nvCxnSpPr>
+          <p:cNvPr id="132" name="Straight Connector 131">
+            <a:extLst>
+              <a:ext uri="{FF2B5EF4-FFF2-40B4-BE49-F238E27FC236}">
+                <a16:creationId xmlns:a16="http://schemas.microsoft.com/office/drawing/2014/main" id="{E68CB67B-70A7-45EE-8A0E-7C71A2AAD5EE}"/>
+              </a:ext>
+            </a:extLst>
+          </p:cNvPr>
+          <p:cNvCxnSpPr>
+            <a:cxnSpLocks/>
+            <a:stCxn id="120" idx="1"/>
+          </p:cNvCxnSpPr>
+          <p:nvPr/>
+        </p:nvCxnSpPr>
+        <p:spPr>
+          <a:xfrm flipH="1">
+            <a:off x="5279521" y="2465666"/>
+            <a:ext cx="478326" cy="2858"/>
+          </a:xfrm>
+          <a:prstGeom prst="line">
+            <a:avLst/>
+          </a:prstGeom>
+        </p:spPr>
+        <p:style>
+          <a:lnRef idx="1">
+            <a:schemeClr val="accent1"/>
+          </a:lnRef>
+          <a:fillRef idx="0">
+            <a:schemeClr val="accent1"/>
+          </a:fillRef>
+          <a:effectRef idx="0">
+            <a:schemeClr val="accent1"/>
+          </a:effectRef>
+          <a:fontRef idx="minor">
+            <a:schemeClr val="tx1"/>
+          </a:fontRef>
+        </p:style>
+      </p:cxnSp>
+      <p:cxnSp>
+        <p:nvCxnSpPr>
+          <p:cNvPr id="139" name="Straight Connector 138">
+            <a:extLst>
+              <a:ext uri="{FF2B5EF4-FFF2-40B4-BE49-F238E27FC236}">
+                <a16:creationId xmlns:a16="http://schemas.microsoft.com/office/drawing/2014/main" id="{D6D160BB-BE99-473D-BF09-70004A67BE35}"/>
+              </a:ext>
+            </a:extLst>
+          </p:cNvPr>
+          <p:cNvCxnSpPr>
+            <a:cxnSpLocks/>
+            <a:endCxn id="120" idx="3"/>
+          </p:cNvCxnSpPr>
+          <p:nvPr/>
+        </p:nvCxnSpPr>
+        <p:spPr>
+          <a:xfrm flipH="1">
+            <a:off x="7163872" y="2465359"/>
+            <a:ext cx="443542" cy="307"/>
+          </a:xfrm>
+          <a:prstGeom prst="line">
+            <a:avLst/>
+          </a:prstGeom>
+        </p:spPr>
+        <p:style>
+          <a:lnRef idx="1">
+            <a:schemeClr val="accent1"/>
+          </a:lnRef>
+          <a:fillRef idx="0">
+            <a:schemeClr val="accent1"/>
+          </a:fillRef>
+          <a:effectRef idx="0">
+            <a:schemeClr val="accent1"/>
+          </a:effectRef>
+          <a:fontRef idx="minor">
+            <a:schemeClr val="tx1"/>
+          </a:fontRef>
+        </p:style>
+      </p:cxnSp>
+      <p:sp>
+        <p:nvSpPr>
+          <p:cNvPr id="145" name="Rectangle 144">
+            <a:extLst>
+              <a:ext uri="{FF2B5EF4-FFF2-40B4-BE49-F238E27FC236}">
+                <a16:creationId xmlns:a16="http://schemas.microsoft.com/office/drawing/2014/main" id="{69B7E0ED-8772-44A6-BD46-8EBA68442208}"/>
+              </a:ext>
+            </a:extLst>
+          </p:cNvPr>
+          <p:cNvSpPr/>
+          <p:nvPr/>
+        </p:nvSpPr>
+        <p:spPr>
+          <a:xfrm rot="16200000">
+            <a:off x="5554161" y="3655629"/>
+            <a:ext cx="1494503" cy="200960"/>
+          </a:xfrm>
+          <a:prstGeom prst="rect">
+            <a:avLst/>
+          </a:prstGeom>
+          <a:solidFill>
+            <a:srgbClr val="00B050"/>
+          </a:solidFill>
+        </p:spPr>
+        <p:style>
+          <a:lnRef idx="2">
+            <a:schemeClr val="accent1">
+              <a:shade val="50000"/>
+            </a:schemeClr>
+          </a:lnRef>
+          <a:fillRef idx="1">
+            <a:schemeClr val="accent1"/>
+          </a:fillRef>
+          <a:effectRef idx="0">
+            <a:schemeClr val="accent1"/>
+          </a:effectRef>
+          <a:fontRef idx="minor">
+            <a:schemeClr val="lt1"/>
+          </a:fontRef>
+        </p:style>
+        <p:txBody>
+          <a:bodyPr rtlCol="0" anchor="ctr"/>
+          <a:lstStyle/>
+          <a:p>
+            <a:pPr algn="ctr"/>
+            <a:r>
+              <a:rPr lang="en-US" dirty="0"/>
+              <a:t>Pre control</a:t>
+            </a:r>
+          </a:p>
+        </p:txBody>
+      </p:sp>
+      <p:cxnSp>
+        <p:nvCxnSpPr>
+          <p:cNvPr id="146" name="Straight Arrow Connector 145">
+            <a:extLst>
+              <a:ext uri="{FF2B5EF4-FFF2-40B4-BE49-F238E27FC236}">
+                <a16:creationId xmlns:a16="http://schemas.microsoft.com/office/drawing/2014/main" id="{57FA4F80-C4C0-4859-884B-41920790CA7A}"/>
+              </a:ext>
+            </a:extLst>
+          </p:cNvPr>
+          <p:cNvCxnSpPr>
+            <a:cxnSpLocks/>
+          </p:cNvCxnSpPr>
+          <p:nvPr/>
+        </p:nvCxnSpPr>
+        <p:spPr>
+          <a:xfrm rot="16200000">
+            <a:off x="6138871" y="3245092"/>
+            <a:ext cx="0" cy="138113"/>
+          </a:xfrm>
+          <a:prstGeom prst="straightConnector1">
+            <a:avLst/>
+          </a:prstGeom>
+          <a:ln>
+            <a:tailEnd type="triangle"/>
+          </a:ln>
+        </p:spPr>
+        <p:style>
+          <a:lnRef idx="1">
+            <a:schemeClr val="accent1"/>
+          </a:lnRef>
+          <a:fillRef idx="0">
+            <a:schemeClr val="accent1"/>
+          </a:fillRef>
+          <a:effectRef idx="0">
+            <a:schemeClr val="accent1"/>
+          </a:effectRef>
+          <a:fontRef idx="minor">
+            <a:schemeClr val="tx1"/>
+          </a:fontRef>
+        </p:style>
+      </p:cxnSp>
+      <p:cxnSp>
+        <p:nvCxnSpPr>
+          <p:cNvPr id="147" name="Straight Arrow Connector 146">
+            <a:extLst>
+              <a:ext uri="{FF2B5EF4-FFF2-40B4-BE49-F238E27FC236}">
+                <a16:creationId xmlns:a16="http://schemas.microsoft.com/office/drawing/2014/main" id="{BCD7B2CD-4139-4CA0-8F3D-C2F75675CAD0}"/>
+              </a:ext>
+            </a:extLst>
+          </p:cNvPr>
+          <p:cNvCxnSpPr>
+            <a:cxnSpLocks/>
+          </p:cNvCxnSpPr>
+          <p:nvPr/>
+        </p:nvCxnSpPr>
+        <p:spPr>
+          <a:xfrm rot="16200000">
+            <a:off x="6135373" y="4114822"/>
+            <a:ext cx="0" cy="145108"/>
+          </a:xfrm>
+          <a:prstGeom prst="straightConnector1">
+            <a:avLst/>
+          </a:prstGeom>
+          <a:ln>
+            <a:tailEnd type="triangle"/>
+          </a:ln>
+        </p:spPr>
+        <p:style>
+          <a:lnRef idx="1">
+            <a:schemeClr val="accent1"/>
+          </a:lnRef>
+          <a:fillRef idx="0">
+            <a:schemeClr val="accent1"/>
+          </a:fillRef>
+          <a:effectRef idx="0">
+            <a:schemeClr val="accent1"/>
+          </a:effectRef>
+          <a:fontRef idx="minor">
+            <a:schemeClr val="tx1"/>
+          </a:fontRef>
+        </p:style>
+      </p:cxnSp>
+    </p:spTree>
+    <p:extLst>
+      <p:ext uri="{BB962C8B-B14F-4D97-AF65-F5344CB8AC3E}">
+        <p14:creationId xmlns:p14="http://schemas.microsoft.com/office/powerpoint/2010/main" val="2989677720"/>
+      </p:ext>
+    </p:extLst>
+  </p:cSld>
+  <p:clrMapOvr>
+    <a:masterClrMapping/>
+  </p:clrMapOvr>
+</p:sld>
+</file>
+
+<file path=ppt/slides/slide2.xml><?xml version="1.0" encoding="utf-8"?>
+<p:sld xmlns:a="http://schemas.openxmlformats.org/drawingml/2006/main" xmlns:r="http://schemas.openxmlformats.org/officeDocument/2006/relationships" xmlns:p="http://schemas.openxmlformats.org/presentationml/2006/main">
+  <p:cSld>
+    <p:spTree>
+      <p:nvGrpSpPr>
+        <p:cNvPr id="1" name=""/>
+        <p:cNvGrpSpPr/>
+        <p:nvPr/>
+      </p:nvGrpSpPr>
+      <p:grpSpPr>
+        <a:xfrm>
+          <a:off x="0" y="0"/>
+          <a:ext cx="0" cy="0"/>
+          <a:chOff x="0" y="0"/>
+          <a:chExt cx="0" cy="0"/>
+        </a:xfrm>
+      </p:grpSpPr>
+      <p:sp>
+        <p:nvSpPr>
+          <p:cNvPr id="148" name="Rectangle 147">
+            <a:extLst>
+              <a:ext uri="{FF2B5EF4-FFF2-40B4-BE49-F238E27FC236}">
+                <a16:creationId xmlns:a16="http://schemas.microsoft.com/office/drawing/2014/main" id="{0E3FF64B-C6A6-4736-9847-96B6371F20AE}"/>
+              </a:ext>
+            </a:extLst>
+          </p:cNvPr>
+          <p:cNvSpPr/>
+          <p:nvPr/>
+        </p:nvSpPr>
+        <p:spPr>
+          <a:xfrm rot="16200000">
+            <a:off x="8767177" y="3937957"/>
+            <a:ext cx="2276178" cy="392105"/>
+          </a:xfrm>
+          <a:prstGeom prst="rect">
+            <a:avLst/>
+          </a:prstGeom>
+          <a:solidFill>
+            <a:srgbClr val="00B050"/>
+          </a:solidFill>
+        </p:spPr>
+        <p:style>
+          <a:lnRef idx="2">
+            <a:schemeClr val="accent1">
+              <a:shade val="50000"/>
+            </a:schemeClr>
+          </a:lnRef>
+          <a:fillRef idx="1">
+            <a:schemeClr val="accent1"/>
+          </a:fillRef>
+          <a:effectRef idx="0">
+            <a:schemeClr val="accent1"/>
+          </a:effectRef>
+          <a:fontRef idx="minor">
+            <a:schemeClr val="lt1"/>
+          </a:fontRef>
+        </p:style>
+        <p:txBody>
+          <a:bodyPr rtlCol="0" anchor="ctr"/>
+          <a:lstStyle/>
+          <a:p>
+            <a:pPr algn="ctr"/>
+            <a:r>
+              <a:rPr lang="en-US" dirty="0">
+                <a:solidFill>
+                  <a:schemeClr val="bg1"/>
+                </a:solidFill>
+              </a:rPr>
+              <a:t>Message Processing</a:t>
+            </a:r>
+          </a:p>
+        </p:txBody>
+      </p:sp>
+      <p:sp>
+        <p:nvSpPr>
+          <p:cNvPr id="7" name="Rectangle 6">
+            <a:extLst>
+              <a:ext uri="{FF2B5EF4-FFF2-40B4-BE49-F238E27FC236}">
+                <a16:creationId xmlns:a16="http://schemas.microsoft.com/office/drawing/2014/main" id="{9719FC3C-4B0A-4BE8-AD6C-44B06ECD8204}"/>
+              </a:ext>
+            </a:extLst>
+          </p:cNvPr>
+          <p:cNvSpPr/>
+          <p:nvPr/>
+        </p:nvSpPr>
+        <p:spPr>
+          <a:xfrm rot="16200000">
+            <a:off x="5643169" y="2742665"/>
+            <a:ext cx="1621162" cy="2032069"/>
+          </a:xfrm>
+          <a:prstGeom prst="rect">
+            <a:avLst/>
+          </a:prstGeom>
+          <a:solidFill>
+            <a:schemeClr val="accent5">
+              <a:lumMod val="40000"/>
+              <a:lumOff val="60000"/>
+            </a:schemeClr>
+          </a:solidFill>
+        </p:spPr>
+        <p:style>
+          <a:lnRef idx="2">
+            <a:schemeClr val="accent1">
+              <a:shade val="50000"/>
+            </a:schemeClr>
+          </a:lnRef>
+          <a:fillRef idx="1">
+            <a:schemeClr val="accent1"/>
+          </a:fillRef>
+          <a:effectRef idx="0">
+            <a:schemeClr val="accent1"/>
+          </a:effectRef>
+          <a:fontRef idx="minor">
+            <a:schemeClr val="lt1"/>
+          </a:fontRef>
+        </p:style>
+        <p:txBody>
+          <a:bodyPr rtlCol="0" anchor="ctr"/>
+          <a:lstStyle/>
+          <a:p>
+            <a:endParaRPr lang="en-US" dirty="0">
+              <a:solidFill>
+                <a:schemeClr val="tx1"/>
+              </a:solidFill>
+            </a:endParaRPr>
+          </a:p>
+        </p:txBody>
+      </p:sp>
+      <p:sp>
+        <p:nvSpPr>
+          <p:cNvPr id="9" name="Rectangle 8">
+            <a:extLst>
+              <a:ext uri="{FF2B5EF4-FFF2-40B4-BE49-F238E27FC236}">
+                <a16:creationId xmlns:a16="http://schemas.microsoft.com/office/drawing/2014/main" id="{08CD8402-7233-47B1-A1B5-23D2E88AF40D}"/>
+              </a:ext>
+            </a:extLst>
+          </p:cNvPr>
+          <p:cNvSpPr/>
+          <p:nvPr/>
+        </p:nvSpPr>
+        <p:spPr>
+          <a:xfrm rot="16200000">
+            <a:off x="5194979" y="3643815"/>
+            <a:ext cx="1494503" cy="224589"/>
+          </a:xfrm>
+          <a:prstGeom prst="rect">
+            <a:avLst/>
+          </a:prstGeom>
+          <a:solidFill>
+            <a:srgbClr val="00B050"/>
+          </a:solidFill>
+        </p:spPr>
+        <p:style>
+          <a:lnRef idx="2">
+            <a:schemeClr val="accent1">
+              <a:shade val="50000"/>
+            </a:schemeClr>
+          </a:lnRef>
+          <a:fillRef idx="1">
+            <a:schemeClr val="accent1"/>
+          </a:fillRef>
+          <a:effectRef idx="0">
+            <a:schemeClr val="accent1"/>
+          </a:effectRef>
+          <a:fontRef idx="minor">
+            <a:schemeClr val="lt1"/>
+          </a:fontRef>
+        </p:style>
+        <p:txBody>
+          <a:bodyPr rtlCol="0" anchor="ctr"/>
+          <a:lstStyle/>
+          <a:p>
+            <a:pPr algn="ctr"/>
+            <a:r>
+              <a:rPr lang="en-US" dirty="0"/>
+              <a:t>Main Parser</a:t>
+            </a:r>
+          </a:p>
+        </p:txBody>
+      </p:sp>
+      <p:sp>
+        <p:nvSpPr>
+          <p:cNvPr id="10" name="Rectangle 9">
+            <a:extLst>
+              <a:ext uri="{FF2B5EF4-FFF2-40B4-BE49-F238E27FC236}">
+                <a16:creationId xmlns:a16="http://schemas.microsoft.com/office/drawing/2014/main" id="{4DA835D9-811A-4207-86BD-82A8C24C1D85}"/>
+              </a:ext>
+            </a:extLst>
+          </p:cNvPr>
+          <p:cNvSpPr/>
+          <p:nvPr/>
+        </p:nvSpPr>
+        <p:spPr>
+          <a:xfrm rot="16200000">
+            <a:off x="5889559" y="3659420"/>
+            <a:ext cx="1494503" cy="200960"/>
+          </a:xfrm>
+          <a:prstGeom prst="rect">
+            <a:avLst/>
+          </a:prstGeom>
+          <a:solidFill>
+            <a:srgbClr val="00B050"/>
+          </a:solidFill>
+        </p:spPr>
+        <p:style>
+          <a:lnRef idx="2">
+            <a:schemeClr val="accent1">
+              <a:shade val="50000"/>
+            </a:schemeClr>
+          </a:lnRef>
+          <a:fillRef idx="1">
+            <a:schemeClr val="accent1"/>
+          </a:fillRef>
+          <a:effectRef idx="0">
+            <a:schemeClr val="accent1"/>
+          </a:effectRef>
+          <a:fontRef idx="minor">
+            <a:schemeClr val="lt1"/>
+          </a:fontRef>
+        </p:style>
+        <p:txBody>
+          <a:bodyPr rtlCol="0" anchor="ctr"/>
+          <a:lstStyle/>
+          <a:p>
+            <a:pPr algn="ctr"/>
+            <a:r>
+              <a:rPr lang="en-US" dirty="0"/>
+              <a:t>Main control</a:t>
+            </a:r>
+          </a:p>
+        </p:txBody>
+      </p:sp>
+      <p:sp>
+        <p:nvSpPr>
+          <p:cNvPr id="11" name="Rectangle 10">
+            <a:extLst>
+              <a:ext uri="{FF2B5EF4-FFF2-40B4-BE49-F238E27FC236}">
+                <a16:creationId xmlns:a16="http://schemas.microsoft.com/office/drawing/2014/main" id="{C5E0B604-11FA-4D85-8C27-1B6B6D7746A0}"/>
+              </a:ext>
+            </a:extLst>
+          </p:cNvPr>
+          <p:cNvSpPr/>
+          <p:nvPr/>
+        </p:nvSpPr>
+        <p:spPr>
+          <a:xfrm rot="16200000">
+            <a:off x="6245106" y="3642459"/>
+            <a:ext cx="1494503" cy="234880"/>
+          </a:xfrm>
+          <a:prstGeom prst="rect">
+            <a:avLst/>
+          </a:prstGeom>
+          <a:solidFill>
+            <a:srgbClr val="00B050"/>
+          </a:solidFill>
+        </p:spPr>
+        <p:style>
+          <a:lnRef idx="2">
+            <a:schemeClr val="accent1">
+              <a:shade val="50000"/>
+            </a:schemeClr>
+          </a:lnRef>
+          <a:fillRef idx="1">
+            <a:schemeClr val="accent1"/>
+          </a:fillRef>
+          <a:effectRef idx="0">
+            <a:schemeClr val="accent1"/>
+          </a:effectRef>
+          <a:fontRef idx="minor">
+            <a:schemeClr val="lt1"/>
+          </a:fontRef>
+        </p:style>
+        <p:txBody>
+          <a:bodyPr rtlCol="0" anchor="ctr"/>
+          <a:lstStyle/>
+          <a:p>
+            <a:pPr algn="ctr"/>
+            <a:r>
+              <a:rPr lang="en-US" sz="1600" dirty="0"/>
+              <a:t>Main Deparser</a:t>
+            </a:r>
+          </a:p>
+        </p:txBody>
+      </p:sp>
+      <p:sp>
+        <p:nvSpPr>
+          <p:cNvPr id="12" name="TextBox 11">
+            <a:extLst>
+              <a:ext uri="{FF2B5EF4-FFF2-40B4-BE49-F238E27FC236}">
+                <a16:creationId xmlns:a16="http://schemas.microsoft.com/office/drawing/2014/main" id="{A57A30FC-8EBC-4414-9C3F-8F53C01E89DB}"/>
+              </a:ext>
+            </a:extLst>
+          </p:cNvPr>
+          <p:cNvSpPr txBox="1"/>
+          <p:nvPr/>
+        </p:nvSpPr>
+        <p:spPr>
+          <a:xfrm rot="16200000">
+            <a:off x="5145785" y="3191740"/>
+            <a:ext cx="811441" cy="253916"/>
+          </a:xfrm>
+          <a:prstGeom prst="rect">
+            <a:avLst/>
+          </a:prstGeom>
+          <a:noFill/>
+        </p:spPr>
+        <p:txBody>
+          <a:bodyPr wrap="none" rtlCol="0">
+            <a:spAutoFit/>
+          </a:bodyPr>
+          <a:lstStyle/>
+          <a:p>
+            <a:r>
+              <a:rPr lang="en-US" sz="1050" dirty="0"/>
+              <a:t>FROM_NET</a:t>
+            </a:r>
+          </a:p>
+        </p:txBody>
+      </p:sp>
+      <p:sp>
+        <p:nvSpPr>
+          <p:cNvPr id="13" name="TextBox 12">
+            <a:extLst>
+              <a:ext uri="{FF2B5EF4-FFF2-40B4-BE49-F238E27FC236}">
+                <a16:creationId xmlns:a16="http://schemas.microsoft.com/office/drawing/2014/main" id="{1CFDA1D5-F37B-4541-B9D2-E055C8630AC5}"/>
+              </a:ext>
+            </a:extLst>
+          </p:cNvPr>
+          <p:cNvSpPr txBox="1"/>
+          <p:nvPr/>
+        </p:nvSpPr>
+        <p:spPr>
+          <a:xfrm rot="16200000">
+            <a:off x="7031931" y="4071910"/>
+            <a:ext cx="625492" cy="253916"/>
+          </a:xfrm>
+          <a:prstGeom prst="rect">
+            <a:avLst/>
+          </a:prstGeom>
+          <a:noFill/>
+        </p:spPr>
+        <p:txBody>
+          <a:bodyPr wrap="none" rtlCol="0">
+            <a:spAutoFit/>
+          </a:bodyPr>
+          <a:lstStyle/>
+          <a:p>
+            <a:r>
+              <a:rPr lang="en-US" sz="1050" dirty="0"/>
+              <a:t>TO_NET</a:t>
+            </a:r>
+          </a:p>
+        </p:txBody>
+      </p:sp>
+      <p:sp>
+        <p:nvSpPr>
+          <p:cNvPr id="14" name="TextBox 13">
+            <a:extLst>
+              <a:ext uri="{FF2B5EF4-FFF2-40B4-BE49-F238E27FC236}">
+                <a16:creationId xmlns:a16="http://schemas.microsoft.com/office/drawing/2014/main" id="{1334AC9D-6D71-45C5-B180-594CD48DA462}"/>
+              </a:ext>
+            </a:extLst>
+          </p:cNvPr>
+          <p:cNvSpPr txBox="1"/>
+          <p:nvPr/>
+        </p:nvSpPr>
+        <p:spPr>
+          <a:xfrm rot="16200000">
+            <a:off x="5113216" y="4015454"/>
+            <a:ext cx="894797" cy="253916"/>
+          </a:xfrm>
+          <a:prstGeom prst="rect">
+            <a:avLst/>
+          </a:prstGeom>
+          <a:noFill/>
+        </p:spPr>
+        <p:txBody>
+          <a:bodyPr wrap="none" rtlCol="0">
+            <a:spAutoFit/>
+          </a:bodyPr>
+          <a:lstStyle/>
+          <a:p>
+            <a:r>
+              <a:rPr lang="en-US" sz="1050" dirty="0"/>
+              <a:t>FROM_HOST</a:t>
+            </a:r>
+          </a:p>
+        </p:txBody>
+      </p:sp>
+      <p:sp>
+        <p:nvSpPr>
+          <p:cNvPr id="15" name="TextBox 14">
+            <a:extLst>
+              <a:ext uri="{FF2B5EF4-FFF2-40B4-BE49-F238E27FC236}">
+                <a16:creationId xmlns:a16="http://schemas.microsoft.com/office/drawing/2014/main" id="{962C12F2-DD96-4A51-B663-4E2BD4690C21}"/>
+              </a:ext>
+            </a:extLst>
+          </p:cNvPr>
+          <p:cNvSpPr txBox="1"/>
+          <p:nvPr/>
+        </p:nvSpPr>
+        <p:spPr>
+          <a:xfrm rot="16200000">
+            <a:off x="6983565" y="3224089"/>
+            <a:ext cx="708848" cy="253916"/>
+          </a:xfrm>
+          <a:prstGeom prst="rect">
+            <a:avLst/>
+          </a:prstGeom>
+          <a:noFill/>
+        </p:spPr>
+        <p:txBody>
+          <a:bodyPr wrap="none" rtlCol="0">
+            <a:spAutoFit/>
+          </a:bodyPr>
+          <a:lstStyle/>
+          <a:p>
+            <a:r>
+              <a:rPr lang="en-US" sz="1050" dirty="0"/>
+              <a:t>TO_HOST</a:t>
+            </a:r>
+          </a:p>
+        </p:txBody>
+      </p:sp>
+      <p:cxnSp>
+        <p:nvCxnSpPr>
+          <p:cNvPr id="8" name="Straight Arrow Connector 7">
+            <a:extLst>
+              <a:ext uri="{FF2B5EF4-FFF2-40B4-BE49-F238E27FC236}">
+                <a16:creationId xmlns:a16="http://schemas.microsoft.com/office/drawing/2014/main" id="{BB801080-B3EB-43D3-BDB6-AD0E67A57AA2}"/>
+              </a:ext>
+            </a:extLst>
+          </p:cNvPr>
+          <p:cNvCxnSpPr>
+            <a:cxnSpLocks/>
+          </p:cNvCxnSpPr>
+          <p:nvPr/>
+        </p:nvCxnSpPr>
+        <p:spPr>
+          <a:xfrm rot="16200000">
+            <a:off x="5757382" y="4114823"/>
+            <a:ext cx="0" cy="145108"/>
+          </a:xfrm>
+          <a:prstGeom prst="straightConnector1">
+            <a:avLst/>
+          </a:prstGeom>
+          <a:ln>
+            <a:tailEnd type="triangle"/>
+          </a:ln>
+        </p:spPr>
+        <p:style>
+          <a:lnRef idx="1">
+            <a:schemeClr val="accent1"/>
+          </a:lnRef>
+          <a:fillRef idx="0">
+            <a:schemeClr val="accent1"/>
+          </a:fillRef>
+          <a:effectRef idx="0">
+            <a:schemeClr val="accent1"/>
+          </a:effectRef>
+          <a:fontRef idx="minor">
+            <a:schemeClr val="tx1"/>
+          </a:fontRef>
+        </p:style>
+      </p:cxnSp>
+      <p:cxnSp>
+        <p:nvCxnSpPr>
+          <p:cNvPr id="18" name="Straight Arrow Connector 17">
+            <a:extLst>
+              <a:ext uri="{FF2B5EF4-FFF2-40B4-BE49-F238E27FC236}">
+                <a16:creationId xmlns:a16="http://schemas.microsoft.com/office/drawing/2014/main" id="{78AD3BE8-DF3A-4F04-908C-973DFE021940}"/>
+              </a:ext>
+            </a:extLst>
+          </p:cNvPr>
+          <p:cNvCxnSpPr>
+            <a:cxnSpLocks/>
+          </p:cNvCxnSpPr>
+          <p:nvPr/>
+        </p:nvCxnSpPr>
+        <p:spPr>
+          <a:xfrm rot="16200000">
+            <a:off x="6474269" y="3248883"/>
+            <a:ext cx="0" cy="138113"/>
+          </a:xfrm>
+          <a:prstGeom prst="straightConnector1">
+            <a:avLst/>
+          </a:prstGeom>
+          <a:ln>
+            <a:tailEnd type="triangle"/>
+          </a:ln>
+        </p:spPr>
+        <p:style>
+          <a:lnRef idx="1">
+            <a:schemeClr val="accent1"/>
+          </a:lnRef>
+          <a:fillRef idx="0">
+            <a:schemeClr val="accent1"/>
+          </a:fillRef>
+          <a:effectRef idx="0">
+            <a:schemeClr val="accent1"/>
+          </a:effectRef>
+          <a:fontRef idx="minor">
+            <a:schemeClr val="tx1"/>
+          </a:fontRef>
+        </p:style>
+      </p:cxnSp>
+      <p:cxnSp>
+        <p:nvCxnSpPr>
+          <p:cNvPr id="21" name="Straight Arrow Connector 20">
+            <a:extLst>
+              <a:ext uri="{FF2B5EF4-FFF2-40B4-BE49-F238E27FC236}">
+                <a16:creationId xmlns:a16="http://schemas.microsoft.com/office/drawing/2014/main" id="{118C6842-6E5E-4C24-B95F-914E14CD1B9C}"/>
+              </a:ext>
+            </a:extLst>
+          </p:cNvPr>
+          <p:cNvCxnSpPr>
+            <a:cxnSpLocks/>
+          </p:cNvCxnSpPr>
+          <p:nvPr/>
+        </p:nvCxnSpPr>
+        <p:spPr>
+          <a:xfrm rot="16200000">
+            <a:off x="6806104" y="3253673"/>
+            <a:ext cx="0" cy="137627"/>
+          </a:xfrm>
+          <a:prstGeom prst="straightConnector1">
+            <a:avLst/>
+          </a:prstGeom>
+          <a:ln>
+            <a:tailEnd type="triangle"/>
+          </a:ln>
+        </p:spPr>
+        <p:style>
+          <a:lnRef idx="1">
+            <a:schemeClr val="accent1"/>
+          </a:lnRef>
+          <a:fillRef idx="0">
+            <a:schemeClr val="accent1"/>
+          </a:fillRef>
+          <a:effectRef idx="0">
+            <a:schemeClr val="accent1"/>
+          </a:effectRef>
+          <a:fontRef idx="minor">
+            <a:schemeClr val="tx1"/>
+          </a:fontRef>
+        </p:style>
+      </p:cxnSp>
+      <p:cxnSp>
+        <p:nvCxnSpPr>
+          <p:cNvPr id="29" name="Straight Arrow Connector 28">
+            <a:extLst>
+              <a:ext uri="{FF2B5EF4-FFF2-40B4-BE49-F238E27FC236}">
+                <a16:creationId xmlns:a16="http://schemas.microsoft.com/office/drawing/2014/main" id="{6E973354-BD42-4475-A807-8DE90F54F8A4}"/>
+              </a:ext>
+            </a:extLst>
+          </p:cNvPr>
+          <p:cNvCxnSpPr>
+            <a:cxnSpLocks/>
+          </p:cNvCxnSpPr>
+          <p:nvPr/>
+        </p:nvCxnSpPr>
+        <p:spPr>
+          <a:xfrm rot="16200000">
+            <a:off x="5757382" y="3246143"/>
+            <a:ext cx="0" cy="145108"/>
+          </a:xfrm>
+          <a:prstGeom prst="straightConnector1">
+            <a:avLst/>
+          </a:prstGeom>
+          <a:ln>
+            <a:tailEnd type="triangle"/>
+          </a:ln>
+        </p:spPr>
+        <p:style>
+          <a:lnRef idx="1">
+            <a:schemeClr val="accent1"/>
+          </a:lnRef>
+          <a:fillRef idx="0">
+            <a:schemeClr val="accent1"/>
+          </a:fillRef>
+          <a:effectRef idx="0">
+            <a:schemeClr val="accent1"/>
+          </a:effectRef>
+          <a:fontRef idx="minor">
+            <a:schemeClr val="tx1"/>
+          </a:fontRef>
+        </p:style>
+      </p:cxnSp>
+      <p:cxnSp>
+        <p:nvCxnSpPr>
+          <p:cNvPr id="30" name="Straight Arrow Connector 29">
+            <a:extLst>
+              <a:ext uri="{FF2B5EF4-FFF2-40B4-BE49-F238E27FC236}">
+                <a16:creationId xmlns:a16="http://schemas.microsoft.com/office/drawing/2014/main" id="{D4BD033C-95E1-41B3-B6D8-C9EAC2E4C393}"/>
+              </a:ext>
+            </a:extLst>
+          </p:cNvPr>
+          <p:cNvCxnSpPr>
+            <a:cxnSpLocks/>
+          </p:cNvCxnSpPr>
+          <p:nvPr/>
+        </p:nvCxnSpPr>
+        <p:spPr>
+          <a:xfrm rot="16200000">
+            <a:off x="7182351" y="4118613"/>
+            <a:ext cx="0" cy="145108"/>
+          </a:xfrm>
+          <a:prstGeom prst="straightConnector1">
+            <a:avLst/>
+          </a:prstGeom>
+          <a:ln>
+            <a:tailEnd type="triangle"/>
+          </a:ln>
+        </p:spPr>
+        <p:style>
+          <a:lnRef idx="1">
+            <a:schemeClr val="accent1"/>
+          </a:lnRef>
+          <a:fillRef idx="0">
+            <a:schemeClr val="accent1"/>
+          </a:fillRef>
+          <a:effectRef idx="0">
+            <a:schemeClr val="accent1"/>
+          </a:effectRef>
+          <a:fontRef idx="minor">
+            <a:schemeClr val="tx1"/>
+          </a:fontRef>
+        </p:style>
+      </p:cxnSp>
+      <p:cxnSp>
+        <p:nvCxnSpPr>
+          <p:cNvPr id="31" name="Straight Arrow Connector 30">
+            <a:extLst>
+              <a:ext uri="{FF2B5EF4-FFF2-40B4-BE49-F238E27FC236}">
+                <a16:creationId xmlns:a16="http://schemas.microsoft.com/office/drawing/2014/main" id="{3B2C21DB-6C35-4435-AF14-F51CB6679761}"/>
+              </a:ext>
+            </a:extLst>
+          </p:cNvPr>
+          <p:cNvCxnSpPr>
+            <a:cxnSpLocks/>
+          </p:cNvCxnSpPr>
+          <p:nvPr/>
+        </p:nvCxnSpPr>
+        <p:spPr>
+          <a:xfrm rot="16200000">
+            <a:off x="7182351" y="3249933"/>
+            <a:ext cx="0" cy="145108"/>
+          </a:xfrm>
+          <a:prstGeom prst="straightConnector1">
+            <a:avLst/>
+          </a:prstGeom>
+          <a:ln>
+            <a:tailEnd type="triangle"/>
+          </a:ln>
+        </p:spPr>
+        <p:style>
+          <a:lnRef idx="1">
+            <a:schemeClr val="accent1"/>
+          </a:lnRef>
+          <a:fillRef idx="0">
+            <a:schemeClr val="accent1"/>
+          </a:fillRef>
+          <a:effectRef idx="0">
+            <a:schemeClr val="accent1"/>
+          </a:effectRef>
+          <a:fontRef idx="minor">
+            <a:schemeClr val="tx1"/>
+          </a:fontRef>
+        </p:style>
+      </p:cxnSp>
+      <p:cxnSp>
+        <p:nvCxnSpPr>
+          <p:cNvPr id="32" name="Straight Arrow Connector 31">
+            <a:extLst>
+              <a:ext uri="{FF2B5EF4-FFF2-40B4-BE49-F238E27FC236}">
+                <a16:creationId xmlns:a16="http://schemas.microsoft.com/office/drawing/2014/main" id="{92046405-9500-4397-B377-F93955C0070E}"/>
+              </a:ext>
+            </a:extLst>
+          </p:cNvPr>
+          <p:cNvCxnSpPr>
+            <a:cxnSpLocks/>
+          </p:cNvCxnSpPr>
+          <p:nvPr/>
+        </p:nvCxnSpPr>
+        <p:spPr>
+          <a:xfrm rot="16200000">
+            <a:off x="6470771" y="4118613"/>
+            <a:ext cx="0" cy="145108"/>
+          </a:xfrm>
+          <a:prstGeom prst="straightConnector1">
+            <a:avLst/>
+          </a:prstGeom>
+          <a:ln>
+            <a:tailEnd type="triangle"/>
+          </a:ln>
+        </p:spPr>
+        <p:style>
+          <a:lnRef idx="1">
+            <a:schemeClr val="accent1"/>
+          </a:lnRef>
+          <a:fillRef idx="0">
+            <a:schemeClr val="accent1"/>
+          </a:fillRef>
+          <a:effectRef idx="0">
+            <a:schemeClr val="accent1"/>
+          </a:effectRef>
+          <a:fontRef idx="minor">
+            <a:schemeClr val="tx1"/>
+          </a:fontRef>
+        </p:style>
+      </p:cxnSp>
+      <p:cxnSp>
+        <p:nvCxnSpPr>
+          <p:cNvPr id="33" name="Straight Arrow Connector 32">
+            <a:extLst>
+              <a:ext uri="{FF2B5EF4-FFF2-40B4-BE49-F238E27FC236}">
+                <a16:creationId xmlns:a16="http://schemas.microsoft.com/office/drawing/2014/main" id="{E38A593F-0DEE-408E-8DF2-68583A1E725F}"/>
+              </a:ext>
+            </a:extLst>
+          </p:cNvPr>
+          <p:cNvCxnSpPr>
+            <a:cxnSpLocks/>
+          </p:cNvCxnSpPr>
+          <p:nvPr/>
+        </p:nvCxnSpPr>
+        <p:spPr>
+          <a:xfrm rot="16200000">
+            <a:off x="6809844" y="4118613"/>
+            <a:ext cx="0" cy="145108"/>
+          </a:xfrm>
+          <a:prstGeom prst="straightConnector1">
+            <a:avLst/>
+          </a:prstGeom>
+          <a:ln>
+            <a:tailEnd type="triangle"/>
+          </a:ln>
+        </p:spPr>
+        <p:style>
+          <a:lnRef idx="1">
+            <a:schemeClr val="accent1"/>
+          </a:lnRef>
+          <a:fillRef idx="0">
+            <a:schemeClr val="accent1"/>
+          </a:fillRef>
+          <a:effectRef idx="0">
+            <a:schemeClr val="accent1"/>
+          </a:effectRef>
+          <a:fontRef idx="minor">
+            <a:schemeClr val="tx1"/>
+          </a:fontRef>
+        </p:style>
+      </p:cxnSp>
+      <p:grpSp>
+        <p:nvGrpSpPr>
+          <p:cNvPr id="78" name="Group 77">
+            <a:extLst>
+              <a:ext uri="{FF2B5EF4-FFF2-40B4-BE49-F238E27FC236}">
+                <a16:creationId xmlns:a16="http://schemas.microsoft.com/office/drawing/2014/main" id="{45FA8724-A465-47A6-9A0E-9F107AF39809}"/>
+              </a:ext>
+            </a:extLst>
+          </p:cNvPr>
+          <p:cNvGrpSpPr/>
+          <p:nvPr/>
+        </p:nvGrpSpPr>
+        <p:grpSpPr>
+          <a:xfrm>
+            <a:off x="4083063" y="4598203"/>
+            <a:ext cx="1036865" cy="660688"/>
+            <a:chOff x="7162255" y="2438057"/>
+            <a:chExt cx="1036865" cy="660688"/>
+          </a:xfrm>
+          <a:solidFill>
+            <a:schemeClr val="accent4">
+              <a:lumMod val="40000"/>
+              <a:lumOff val="60000"/>
+            </a:schemeClr>
+          </a:solidFill>
+        </p:grpSpPr>
+        <p:grpSp>
+          <p:nvGrpSpPr>
+            <p:cNvPr id="65" name="Group 64">
+              <a:extLst>
+                <a:ext uri="{FF2B5EF4-FFF2-40B4-BE49-F238E27FC236}">
+                  <a16:creationId xmlns:a16="http://schemas.microsoft.com/office/drawing/2014/main" id="{4DF3C48E-C2EF-4D20-AFB2-DB281529E8F3}"/>
+                </a:ext>
+              </a:extLst>
+            </p:cNvPr>
+            <p:cNvGrpSpPr/>
+            <p:nvPr/>
+          </p:nvGrpSpPr>
+          <p:grpSpPr>
+            <a:xfrm>
+              <a:off x="7523231" y="2438058"/>
+              <a:ext cx="675889" cy="228392"/>
+              <a:chOff x="7523231" y="2438058"/>
+              <a:chExt cx="675889" cy="228392"/>
+            </a:xfrm>
+            <a:grpFill/>
+          </p:grpSpPr>
+          <p:sp>
+            <p:nvSpPr>
+              <p:cNvPr id="57" name="Rectangle 56">
+                <a:extLst>
+                  <a:ext uri="{FF2B5EF4-FFF2-40B4-BE49-F238E27FC236}">
+                    <a16:creationId xmlns:a16="http://schemas.microsoft.com/office/drawing/2014/main" id="{789E4118-41DC-4868-9B6A-C447AD851B5D}"/>
+                  </a:ext>
+                </a:extLst>
+              </p:cNvPr>
+              <p:cNvSpPr/>
+              <p:nvPr/>
+            </p:nvSpPr>
+            <p:spPr>
+              <a:xfrm>
+                <a:off x="7523231" y="2438058"/>
+                <a:ext cx="176780" cy="224589"/>
+              </a:xfrm>
+              <a:prstGeom prst="rect">
+                <a:avLst/>
+              </a:prstGeom>
+              <a:grpFill/>
+            </p:spPr>
+            <p:style>
+              <a:lnRef idx="2">
+                <a:schemeClr val="accent1">
+                  <a:shade val="50000"/>
+                </a:schemeClr>
+              </a:lnRef>
+              <a:fillRef idx="1">
+                <a:schemeClr val="accent1"/>
+              </a:fillRef>
+              <a:effectRef idx="0">
+                <a:schemeClr val="accent1"/>
+              </a:effectRef>
+              <a:fontRef idx="minor">
+                <a:schemeClr val="lt1"/>
+              </a:fontRef>
+            </p:style>
+            <p:txBody>
+              <a:bodyPr rtlCol="0" anchor="ctr"/>
+              <a:lstStyle/>
+              <a:p>
+                <a:pPr algn="ctr"/>
+                <a:endParaRPr lang="en-US" dirty="0"/>
+              </a:p>
+            </p:txBody>
+          </p:sp>
+          <p:sp>
+            <p:nvSpPr>
+              <p:cNvPr id="60" name="Rectangle 59">
+                <a:extLst>
+                  <a:ext uri="{FF2B5EF4-FFF2-40B4-BE49-F238E27FC236}">
+                    <a16:creationId xmlns:a16="http://schemas.microsoft.com/office/drawing/2014/main" id="{190398E5-521F-4063-99FE-BE1264D443E1}"/>
+                  </a:ext>
+                </a:extLst>
+              </p:cNvPr>
+              <p:cNvSpPr/>
+              <p:nvPr/>
+            </p:nvSpPr>
+            <p:spPr>
+              <a:xfrm>
+                <a:off x="7700011" y="2438058"/>
+                <a:ext cx="176780" cy="224589"/>
+              </a:xfrm>
+              <a:prstGeom prst="rect">
+                <a:avLst/>
+              </a:prstGeom>
+              <a:grpFill/>
+            </p:spPr>
+            <p:style>
+              <a:lnRef idx="2">
+                <a:schemeClr val="accent1">
+                  <a:shade val="50000"/>
+                </a:schemeClr>
+              </a:lnRef>
+              <a:fillRef idx="1">
+                <a:schemeClr val="accent1"/>
+              </a:fillRef>
+              <a:effectRef idx="0">
+                <a:schemeClr val="accent1"/>
+              </a:effectRef>
+              <a:fontRef idx="minor">
+                <a:schemeClr val="lt1"/>
+              </a:fontRef>
+            </p:style>
+            <p:txBody>
+              <a:bodyPr rtlCol="0" anchor="ctr"/>
+              <a:lstStyle/>
+              <a:p>
+                <a:pPr algn="ctr"/>
+                <a:endParaRPr lang="en-US" dirty="0"/>
+              </a:p>
+            </p:txBody>
+          </p:sp>
+          <p:sp>
+            <p:nvSpPr>
+              <p:cNvPr id="61" name="Rectangle 60">
+                <a:extLst>
+                  <a:ext uri="{FF2B5EF4-FFF2-40B4-BE49-F238E27FC236}">
+                    <a16:creationId xmlns:a16="http://schemas.microsoft.com/office/drawing/2014/main" id="{BECBDE68-91F2-47E4-AC15-78AF217D7254}"/>
+                  </a:ext>
+                </a:extLst>
+              </p:cNvPr>
+              <p:cNvSpPr/>
+              <p:nvPr/>
+            </p:nvSpPr>
+            <p:spPr>
+              <a:xfrm>
+                <a:off x="7876791" y="2438058"/>
+                <a:ext cx="176780" cy="224589"/>
+              </a:xfrm>
+              <a:prstGeom prst="rect">
+                <a:avLst/>
+              </a:prstGeom>
+              <a:grpFill/>
+            </p:spPr>
+            <p:style>
+              <a:lnRef idx="2">
+                <a:schemeClr val="accent1">
+                  <a:shade val="50000"/>
+                </a:schemeClr>
+              </a:lnRef>
+              <a:fillRef idx="1">
+                <a:schemeClr val="accent1"/>
+              </a:fillRef>
+              <a:effectRef idx="0">
+                <a:schemeClr val="accent1"/>
+              </a:effectRef>
+              <a:fontRef idx="minor">
+                <a:schemeClr val="lt1"/>
+              </a:fontRef>
+            </p:style>
+            <p:txBody>
+              <a:bodyPr rtlCol="0" anchor="ctr"/>
+              <a:lstStyle/>
+              <a:p>
+                <a:pPr algn="ctr"/>
+                <a:endParaRPr lang="en-US" dirty="0"/>
+              </a:p>
+            </p:txBody>
+          </p:sp>
+          <p:cxnSp>
+            <p:nvCxnSpPr>
+              <p:cNvPr id="63" name="Straight Connector 62">
+                <a:extLst>
+                  <a:ext uri="{FF2B5EF4-FFF2-40B4-BE49-F238E27FC236}">
+                    <a16:creationId xmlns:a16="http://schemas.microsoft.com/office/drawing/2014/main" id="{06F1B34D-78E2-4CD7-A79E-D052F378D7AC}"/>
+                  </a:ext>
+                </a:extLst>
+              </p:cNvPr>
+              <p:cNvCxnSpPr>
+                <a:stCxn id="61" idx="0"/>
+              </p:cNvCxnSpPr>
+              <p:nvPr/>
+            </p:nvCxnSpPr>
+            <p:spPr>
+              <a:xfrm>
+                <a:off x="7965181" y="2438058"/>
+                <a:ext cx="233939" cy="0"/>
+              </a:xfrm>
+              <a:prstGeom prst="line">
+                <a:avLst/>
+              </a:prstGeom>
+              <a:grpFill/>
+              <a:ln>
+                <a:solidFill>
+                  <a:schemeClr val="tx1"/>
+                </a:solidFill>
+              </a:ln>
+            </p:spPr>
+            <p:style>
+              <a:lnRef idx="1">
+                <a:schemeClr val="accent1"/>
+              </a:lnRef>
+              <a:fillRef idx="0">
+                <a:schemeClr val="accent1"/>
+              </a:fillRef>
+              <a:effectRef idx="0">
+                <a:schemeClr val="accent1"/>
+              </a:effectRef>
+              <a:fontRef idx="minor">
+                <a:schemeClr val="tx1"/>
+              </a:fontRef>
+            </p:style>
+          </p:cxnSp>
+          <p:cxnSp>
+            <p:nvCxnSpPr>
+              <p:cNvPr id="64" name="Straight Connector 63">
+                <a:extLst>
+                  <a:ext uri="{FF2B5EF4-FFF2-40B4-BE49-F238E27FC236}">
+                    <a16:creationId xmlns:a16="http://schemas.microsoft.com/office/drawing/2014/main" id="{B0897452-91E2-44F6-BA39-CC080CF0F7D7}"/>
+                  </a:ext>
+                </a:extLst>
+              </p:cNvPr>
+              <p:cNvCxnSpPr/>
+              <p:nvPr/>
+            </p:nvCxnSpPr>
+            <p:spPr>
+              <a:xfrm>
+                <a:off x="7965180" y="2666450"/>
+                <a:ext cx="233939" cy="0"/>
+              </a:xfrm>
+              <a:prstGeom prst="line">
+                <a:avLst/>
+              </a:prstGeom>
+              <a:grpFill/>
+              <a:ln>
+                <a:solidFill>
+                  <a:schemeClr val="tx1"/>
+                </a:solidFill>
+              </a:ln>
+            </p:spPr>
+            <p:style>
+              <a:lnRef idx="1">
+                <a:schemeClr val="accent1"/>
+              </a:lnRef>
+              <a:fillRef idx="0">
+                <a:schemeClr val="accent1"/>
+              </a:fillRef>
+              <a:effectRef idx="0">
+                <a:schemeClr val="accent1"/>
+              </a:effectRef>
+              <a:fontRef idx="minor">
+                <a:schemeClr val="tx1"/>
+              </a:fontRef>
+            </p:style>
+          </p:cxnSp>
+        </p:grpSp>
+        <p:grpSp>
+          <p:nvGrpSpPr>
+            <p:cNvPr id="66" name="Group 65">
+              <a:extLst>
+                <a:ext uri="{FF2B5EF4-FFF2-40B4-BE49-F238E27FC236}">
+                  <a16:creationId xmlns:a16="http://schemas.microsoft.com/office/drawing/2014/main" id="{B9FDB37A-305A-4275-ACA9-DB35B7949DC1}"/>
+                </a:ext>
+              </a:extLst>
+            </p:cNvPr>
+            <p:cNvGrpSpPr/>
+            <p:nvPr/>
+          </p:nvGrpSpPr>
+          <p:grpSpPr>
+            <a:xfrm>
+              <a:off x="7523230" y="2870353"/>
+              <a:ext cx="675889" cy="228392"/>
+              <a:chOff x="7523231" y="2438058"/>
+              <a:chExt cx="675889" cy="228392"/>
+            </a:xfrm>
+            <a:grpFill/>
+          </p:grpSpPr>
+          <p:sp>
+            <p:nvSpPr>
+              <p:cNvPr id="67" name="Rectangle 66">
+                <a:extLst>
+                  <a:ext uri="{FF2B5EF4-FFF2-40B4-BE49-F238E27FC236}">
+                    <a16:creationId xmlns:a16="http://schemas.microsoft.com/office/drawing/2014/main" id="{521E671A-4AB0-45E2-927C-7EB4F296105C}"/>
+                  </a:ext>
+                </a:extLst>
+              </p:cNvPr>
+              <p:cNvSpPr/>
+              <p:nvPr/>
+            </p:nvSpPr>
+            <p:spPr>
+              <a:xfrm>
+                <a:off x="7523231" y="2438058"/>
+                <a:ext cx="176780" cy="224589"/>
+              </a:xfrm>
+              <a:prstGeom prst="rect">
+                <a:avLst/>
+              </a:prstGeom>
+              <a:grpFill/>
+            </p:spPr>
+            <p:style>
+              <a:lnRef idx="2">
+                <a:schemeClr val="accent1">
+                  <a:shade val="50000"/>
+                </a:schemeClr>
+              </a:lnRef>
+              <a:fillRef idx="1">
+                <a:schemeClr val="accent1"/>
+              </a:fillRef>
+              <a:effectRef idx="0">
+                <a:schemeClr val="accent1"/>
+              </a:effectRef>
+              <a:fontRef idx="minor">
+                <a:schemeClr val="lt1"/>
+              </a:fontRef>
+            </p:style>
+            <p:txBody>
+              <a:bodyPr rtlCol="0" anchor="ctr"/>
+              <a:lstStyle/>
+              <a:p>
+                <a:pPr algn="ctr"/>
+                <a:endParaRPr lang="en-US" dirty="0"/>
+              </a:p>
+            </p:txBody>
+          </p:sp>
+          <p:sp>
+            <p:nvSpPr>
+              <p:cNvPr id="68" name="Rectangle 67">
+                <a:extLst>
+                  <a:ext uri="{FF2B5EF4-FFF2-40B4-BE49-F238E27FC236}">
+                    <a16:creationId xmlns:a16="http://schemas.microsoft.com/office/drawing/2014/main" id="{F80FA354-CDAD-4F92-82D2-BB7E29F7234F}"/>
+                  </a:ext>
+                </a:extLst>
+              </p:cNvPr>
+              <p:cNvSpPr/>
+              <p:nvPr/>
+            </p:nvSpPr>
+            <p:spPr>
+              <a:xfrm>
+                <a:off x="7700011" y="2438058"/>
+                <a:ext cx="176780" cy="224589"/>
+              </a:xfrm>
+              <a:prstGeom prst="rect">
+                <a:avLst/>
+              </a:prstGeom>
+              <a:grpFill/>
+            </p:spPr>
+            <p:style>
+              <a:lnRef idx="2">
+                <a:schemeClr val="accent1">
+                  <a:shade val="50000"/>
+                </a:schemeClr>
+              </a:lnRef>
+              <a:fillRef idx="1">
+                <a:schemeClr val="accent1"/>
+              </a:fillRef>
+              <a:effectRef idx="0">
+                <a:schemeClr val="accent1"/>
+              </a:effectRef>
+              <a:fontRef idx="minor">
+                <a:schemeClr val="lt1"/>
+              </a:fontRef>
+            </p:style>
+            <p:txBody>
+              <a:bodyPr rtlCol="0" anchor="ctr"/>
+              <a:lstStyle/>
+              <a:p>
+                <a:pPr algn="ctr"/>
+                <a:endParaRPr lang="en-US" dirty="0"/>
+              </a:p>
+            </p:txBody>
+          </p:sp>
+          <p:sp>
+            <p:nvSpPr>
+              <p:cNvPr id="69" name="Rectangle 68">
+                <a:extLst>
+                  <a:ext uri="{FF2B5EF4-FFF2-40B4-BE49-F238E27FC236}">
+                    <a16:creationId xmlns:a16="http://schemas.microsoft.com/office/drawing/2014/main" id="{E2DA1646-60A8-4B65-A623-9C5669963125}"/>
+                  </a:ext>
+                </a:extLst>
+              </p:cNvPr>
+              <p:cNvSpPr/>
+              <p:nvPr/>
+            </p:nvSpPr>
+            <p:spPr>
+              <a:xfrm>
+                <a:off x="7876791" y="2438058"/>
+                <a:ext cx="176780" cy="224589"/>
+              </a:xfrm>
+              <a:prstGeom prst="rect">
+                <a:avLst/>
+              </a:prstGeom>
+              <a:grpFill/>
+            </p:spPr>
+            <p:style>
+              <a:lnRef idx="2">
+                <a:schemeClr val="accent1">
+                  <a:shade val="50000"/>
+                </a:schemeClr>
+              </a:lnRef>
+              <a:fillRef idx="1">
+                <a:schemeClr val="accent1"/>
+              </a:fillRef>
+              <a:effectRef idx="0">
+                <a:schemeClr val="accent1"/>
+              </a:effectRef>
+              <a:fontRef idx="minor">
+                <a:schemeClr val="lt1"/>
+              </a:fontRef>
+            </p:style>
+            <p:txBody>
+              <a:bodyPr rtlCol="0" anchor="ctr"/>
+              <a:lstStyle/>
+              <a:p>
+                <a:pPr algn="ctr"/>
+                <a:endParaRPr lang="en-US" dirty="0"/>
+              </a:p>
+            </p:txBody>
+          </p:sp>
+          <p:cxnSp>
+            <p:nvCxnSpPr>
+              <p:cNvPr id="70" name="Straight Connector 69">
+                <a:extLst>
+                  <a:ext uri="{FF2B5EF4-FFF2-40B4-BE49-F238E27FC236}">
+                    <a16:creationId xmlns:a16="http://schemas.microsoft.com/office/drawing/2014/main" id="{5AAC09B2-0041-43CD-ABEB-047275A88945}"/>
+                  </a:ext>
+                </a:extLst>
+              </p:cNvPr>
+              <p:cNvCxnSpPr>
+                <a:stCxn id="69" idx="0"/>
+              </p:cNvCxnSpPr>
+              <p:nvPr/>
+            </p:nvCxnSpPr>
+            <p:spPr>
+              <a:xfrm>
+                <a:off x="7965181" y="2438058"/>
+                <a:ext cx="233939" cy="0"/>
+              </a:xfrm>
+              <a:prstGeom prst="line">
+                <a:avLst/>
+              </a:prstGeom>
+              <a:grpFill/>
+              <a:ln>
+                <a:solidFill>
+                  <a:schemeClr val="tx1"/>
+                </a:solidFill>
+              </a:ln>
+            </p:spPr>
+            <p:style>
+              <a:lnRef idx="1">
+                <a:schemeClr val="accent1"/>
+              </a:lnRef>
+              <a:fillRef idx="0">
+                <a:schemeClr val="accent1"/>
+              </a:fillRef>
+              <a:effectRef idx="0">
+                <a:schemeClr val="accent1"/>
+              </a:effectRef>
+              <a:fontRef idx="minor">
+                <a:schemeClr val="tx1"/>
+              </a:fontRef>
+            </p:style>
+          </p:cxnSp>
+          <p:cxnSp>
+            <p:nvCxnSpPr>
+              <p:cNvPr id="71" name="Straight Connector 70">
+                <a:extLst>
+                  <a:ext uri="{FF2B5EF4-FFF2-40B4-BE49-F238E27FC236}">
+                    <a16:creationId xmlns:a16="http://schemas.microsoft.com/office/drawing/2014/main" id="{675BAC5A-ABFE-45F5-B96B-39E7A4A2E9FF}"/>
+                  </a:ext>
+                </a:extLst>
+              </p:cNvPr>
+              <p:cNvCxnSpPr/>
+              <p:nvPr/>
+            </p:nvCxnSpPr>
+            <p:spPr>
+              <a:xfrm>
+                <a:off x="7965180" y="2666450"/>
+                <a:ext cx="233939" cy="0"/>
+              </a:xfrm>
+              <a:prstGeom prst="line">
+                <a:avLst/>
+              </a:prstGeom>
+              <a:grpFill/>
+              <a:ln>
+                <a:solidFill>
+                  <a:schemeClr val="tx1"/>
+                </a:solidFill>
+              </a:ln>
+            </p:spPr>
+            <p:style>
+              <a:lnRef idx="1">
+                <a:schemeClr val="accent1"/>
+              </a:lnRef>
+              <a:fillRef idx="0">
+                <a:schemeClr val="accent1"/>
+              </a:fillRef>
+              <a:effectRef idx="0">
+                <a:schemeClr val="accent1"/>
+              </a:effectRef>
+              <a:fontRef idx="minor">
+                <a:schemeClr val="tx1"/>
+              </a:fontRef>
+            </p:style>
+          </p:cxnSp>
+        </p:grpSp>
+        <p:sp>
+          <p:nvSpPr>
+            <p:cNvPr id="72" name="Isosceles Triangle 71">
+              <a:extLst>
+                <a:ext uri="{FF2B5EF4-FFF2-40B4-BE49-F238E27FC236}">
+                  <a16:creationId xmlns:a16="http://schemas.microsoft.com/office/drawing/2014/main" id="{E4EB1CBB-A1A6-4A7E-B150-7170D3DEB315}"/>
+                </a:ext>
+              </a:extLst>
+            </p:cNvPr>
+            <p:cNvSpPr/>
+            <p:nvPr/>
+          </p:nvSpPr>
+          <p:spPr>
+            <a:xfrm rot="16200000">
+              <a:off x="6948011" y="2652301"/>
+              <a:ext cx="656879" cy="228392"/>
+            </a:xfrm>
+            <a:prstGeom prst="triangle">
+              <a:avLst>
+                <a:gd name="adj" fmla="val 50000"/>
+              </a:avLst>
+            </a:prstGeom>
+            <a:grpFill/>
+          </p:spPr>
+          <p:style>
+            <a:lnRef idx="2">
+              <a:schemeClr val="accent1">
+                <a:shade val="50000"/>
+              </a:schemeClr>
+            </a:lnRef>
+            <a:fillRef idx="1">
+              <a:schemeClr val="accent1"/>
+            </a:fillRef>
+            <a:effectRef idx="0">
+              <a:schemeClr val="accent1"/>
+            </a:effectRef>
+            <a:fontRef idx="minor">
+              <a:schemeClr val="lt1"/>
+            </a:fontRef>
+          </p:style>
+          <p:txBody>
+            <a:bodyPr rtlCol="0" anchor="ctr"/>
+            <a:lstStyle/>
+            <a:p>
+              <a:pPr algn="ctr"/>
+              <a:endParaRPr lang="en-US" dirty="0"/>
+            </a:p>
+          </p:txBody>
+        </p:sp>
+        <p:cxnSp>
+          <p:nvCxnSpPr>
+            <p:cNvPr id="74" name="Straight Connector 73">
+              <a:extLst>
+                <a:ext uri="{FF2B5EF4-FFF2-40B4-BE49-F238E27FC236}">
+                  <a16:creationId xmlns:a16="http://schemas.microsoft.com/office/drawing/2014/main" id="{F9729964-2882-4AE9-AFD2-1FA623551E12}"/>
+                </a:ext>
+              </a:extLst>
+            </p:cNvPr>
+            <p:cNvCxnSpPr>
+              <a:stCxn id="57" idx="1"/>
+            </p:cNvCxnSpPr>
+            <p:nvPr/>
+          </p:nvCxnSpPr>
+          <p:spPr>
+            <a:xfrm flipH="1" flipV="1">
+              <a:off x="7390647" y="2550352"/>
+              <a:ext cx="132584" cy="1"/>
+            </a:xfrm>
+            <a:prstGeom prst="line">
+              <a:avLst/>
+            </a:prstGeom>
+            <a:grpFill/>
+            <a:ln>
+              <a:solidFill>
+                <a:schemeClr val="tx1"/>
+              </a:solidFill>
+            </a:ln>
+          </p:spPr>
+          <p:style>
+            <a:lnRef idx="1">
+              <a:schemeClr val="accent1"/>
+            </a:lnRef>
+            <a:fillRef idx="0">
+              <a:schemeClr val="accent1"/>
+            </a:fillRef>
+            <a:effectRef idx="0">
+              <a:schemeClr val="accent1"/>
+            </a:effectRef>
+            <a:fontRef idx="minor">
+              <a:schemeClr val="tx1"/>
+            </a:fontRef>
+          </p:style>
+        </p:cxnSp>
+        <p:cxnSp>
+          <p:nvCxnSpPr>
+            <p:cNvPr id="75" name="Straight Connector 74">
+              <a:extLst>
+                <a:ext uri="{FF2B5EF4-FFF2-40B4-BE49-F238E27FC236}">
+                  <a16:creationId xmlns:a16="http://schemas.microsoft.com/office/drawing/2014/main" id="{FF3752F6-B834-45F7-9B97-364258E51903}"/>
+                </a:ext>
+              </a:extLst>
+            </p:cNvPr>
+            <p:cNvCxnSpPr>
+              <a:cxnSpLocks/>
+              <a:stCxn id="67" idx="1"/>
+            </p:cNvCxnSpPr>
+            <p:nvPr/>
+          </p:nvCxnSpPr>
+          <p:spPr>
+            <a:xfrm flipH="1" flipV="1">
+              <a:off x="7390647" y="2982647"/>
+              <a:ext cx="132583" cy="1"/>
+            </a:xfrm>
+            <a:prstGeom prst="line">
+              <a:avLst/>
+            </a:prstGeom>
+            <a:grpFill/>
+            <a:ln>
+              <a:solidFill>
+                <a:schemeClr val="tx1"/>
+              </a:solidFill>
+            </a:ln>
+          </p:spPr>
+          <p:style>
+            <a:lnRef idx="1">
+              <a:schemeClr val="accent1"/>
+            </a:lnRef>
+            <a:fillRef idx="0">
+              <a:schemeClr val="accent1"/>
+            </a:fillRef>
+            <a:effectRef idx="0">
+              <a:schemeClr val="accent1"/>
+            </a:effectRef>
+            <a:fontRef idx="minor">
+              <a:schemeClr val="tx1"/>
+            </a:fontRef>
+          </p:style>
+        </p:cxnSp>
+      </p:grpSp>
+      <p:cxnSp>
+        <p:nvCxnSpPr>
+          <p:cNvPr id="80" name="Connector: Elbow 79">
+            <a:extLst>
+              <a:ext uri="{FF2B5EF4-FFF2-40B4-BE49-F238E27FC236}">
+                <a16:creationId xmlns:a16="http://schemas.microsoft.com/office/drawing/2014/main" id="{236BE345-2EA6-45DD-85B2-ACD4C19A91F5}"/>
+              </a:ext>
+            </a:extLst>
+          </p:cNvPr>
+          <p:cNvCxnSpPr>
+            <a:cxnSpLocks/>
+            <a:stCxn id="13" idx="2"/>
+          </p:cNvCxnSpPr>
+          <p:nvPr/>
+        </p:nvCxnSpPr>
+        <p:spPr>
+          <a:xfrm flipH="1">
+            <a:off x="5119926" y="4198868"/>
+            <a:ext cx="2351709" cy="943925"/>
+          </a:xfrm>
+          <a:prstGeom prst="bentConnector3">
+            <a:avLst>
+              <a:gd name="adj1" fmla="val -11465"/>
+            </a:avLst>
+          </a:prstGeom>
+          <a:ln>
+            <a:tailEnd type="triangle"/>
+          </a:ln>
+        </p:spPr>
+        <p:style>
+          <a:lnRef idx="1">
+            <a:schemeClr val="accent1"/>
+          </a:lnRef>
+          <a:fillRef idx="0">
+            <a:schemeClr val="accent1"/>
+          </a:fillRef>
+          <a:effectRef idx="0">
+            <a:schemeClr val="accent1"/>
+          </a:effectRef>
+          <a:fontRef idx="minor">
+            <a:schemeClr val="tx1"/>
+          </a:fontRef>
+        </p:style>
+      </p:cxnSp>
+      <p:grpSp>
+        <p:nvGrpSpPr>
+          <p:cNvPr id="83" name="Group 82">
+            <a:extLst>
+              <a:ext uri="{FF2B5EF4-FFF2-40B4-BE49-F238E27FC236}">
+                <a16:creationId xmlns:a16="http://schemas.microsoft.com/office/drawing/2014/main" id="{1C834900-1FBA-4F79-9BAA-4729CB027B15}"/>
+              </a:ext>
+            </a:extLst>
+          </p:cNvPr>
+          <p:cNvGrpSpPr/>
+          <p:nvPr/>
+        </p:nvGrpSpPr>
+        <p:grpSpPr>
+          <a:xfrm rot="10800000">
+            <a:off x="7756319" y="2996747"/>
+            <a:ext cx="1036865" cy="660688"/>
+            <a:chOff x="7162255" y="2438057"/>
+            <a:chExt cx="1036865" cy="660688"/>
+          </a:xfrm>
+          <a:solidFill>
+            <a:schemeClr val="accent4">
+              <a:lumMod val="40000"/>
+              <a:lumOff val="60000"/>
+            </a:schemeClr>
+          </a:solidFill>
+        </p:grpSpPr>
+        <p:grpSp>
+          <p:nvGrpSpPr>
+            <p:cNvPr id="84" name="Group 83">
+              <a:extLst>
+                <a:ext uri="{FF2B5EF4-FFF2-40B4-BE49-F238E27FC236}">
+                  <a16:creationId xmlns:a16="http://schemas.microsoft.com/office/drawing/2014/main" id="{A234B8E6-B6C8-4BFF-A10F-079EB15198A8}"/>
+                </a:ext>
+              </a:extLst>
+            </p:cNvPr>
+            <p:cNvGrpSpPr/>
+            <p:nvPr/>
+          </p:nvGrpSpPr>
+          <p:grpSpPr>
+            <a:xfrm>
+              <a:off x="7523231" y="2438058"/>
+              <a:ext cx="675889" cy="228392"/>
+              <a:chOff x="7523231" y="2438058"/>
+              <a:chExt cx="675889" cy="228392"/>
+            </a:xfrm>
+            <a:grpFill/>
+          </p:grpSpPr>
+          <p:sp>
+            <p:nvSpPr>
+              <p:cNvPr id="94" name="Rectangle 93">
+                <a:extLst>
+                  <a:ext uri="{FF2B5EF4-FFF2-40B4-BE49-F238E27FC236}">
+                    <a16:creationId xmlns:a16="http://schemas.microsoft.com/office/drawing/2014/main" id="{F13AE22C-8AD7-40F6-9EF8-6B4DE095F8DF}"/>
+                  </a:ext>
+                </a:extLst>
+              </p:cNvPr>
+              <p:cNvSpPr/>
+              <p:nvPr/>
+            </p:nvSpPr>
+            <p:spPr>
+              <a:xfrm>
+                <a:off x="7523231" y="2438058"/>
+                <a:ext cx="176780" cy="224589"/>
+              </a:xfrm>
+              <a:prstGeom prst="rect">
+                <a:avLst/>
+              </a:prstGeom>
+              <a:grpFill/>
+            </p:spPr>
+            <p:style>
+              <a:lnRef idx="2">
+                <a:schemeClr val="accent1">
+                  <a:shade val="50000"/>
+                </a:schemeClr>
+              </a:lnRef>
+              <a:fillRef idx="1">
+                <a:schemeClr val="accent1"/>
+              </a:fillRef>
+              <a:effectRef idx="0">
+                <a:schemeClr val="accent1"/>
+              </a:effectRef>
+              <a:fontRef idx="minor">
+                <a:schemeClr val="lt1"/>
+              </a:fontRef>
+            </p:style>
+            <p:txBody>
+              <a:bodyPr rtlCol="0" anchor="ctr"/>
+              <a:lstStyle/>
+              <a:p>
+                <a:pPr algn="ctr"/>
+                <a:endParaRPr lang="en-US" dirty="0"/>
+              </a:p>
+            </p:txBody>
+          </p:sp>
+          <p:sp>
+            <p:nvSpPr>
+              <p:cNvPr id="95" name="Rectangle 94">
+                <a:extLst>
+                  <a:ext uri="{FF2B5EF4-FFF2-40B4-BE49-F238E27FC236}">
+                    <a16:creationId xmlns:a16="http://schemas.microsoft.com/office/drawing/2014/main" id="{EF785829-C061-4AFB-BDB7-9C39345526BD}"/>
+                  </a:ext>
+                </a:extLst>
+              </p:cNvPr>
+              <p:cNvSpPr/>
+              <p:nvPr/>
+            </p:nvSpPr>
+            <p:spPr>
+              <a:xfrm>
+                <a:off x="7700011" y="2438058"/>
+                <a:ext cx="176780" cy="224589"/>
+              </a:xfrm>
+              <a:prstGeom prst="rect">
+                <a:avLst/>
+              </a:prstGeom>
+              <a:grpFill/>
+            </p:spPr>
+            <p:style>
+              <a:lnRef idx="2">
+                <a:schemeClr val="accent1">
+                  <a:shade val="50000"/>
+                </a:schemeClr>
+              </a:lnRef>
+              <a:fillRef idx="1">
+                <a:schemeClr val="accent1"/>
+              </a:fillRef>
+              <a:effectRef idx="0">
+                <a:schemeClr val="accent1"/>
+              </a:effectRef>
+              <a:fontRef idx="minor">
+                <a:schemeClr val="lt1"/>
+              </a:fontRef>
+            </p:style>
+            <p:txBody>
+              <a:bodyPr rtlCol="0" anchor="ctr"/>
+              <a:lstStyle/>
+              <a:p>
+                <a:pPr algn="ctr"/>
+                <a:endParaRPr lang="en-US" dirty="0"/>
+              </a:p>
+            </p:txBody>
+          </p:sp>
+          <p:sp>
+            <p:nvSpPr>
+              <p:cNvPr id="96" name="Rectangle 95">
+                <a:extLst>
+                  <a:ext uri="{FF2B5EF4-FFF2-40B4-BE49-F238E27FC236}">
+                    <a16:creationId xmlns:a16="http://schemas.microsoft.com/office/drawing/2014/main" id="{A83D7377-E38F-400E-BCB0-83D756291236}"/>
+                  </a:ext>
+                </a:extLst>
+              </p:cNvPr>
+              <p:cNvSpPr/>
+              <p:nvPr/>
+            </p:nvSpPr>
+            <p:spPr>
+              <a:xfrm>
+                <a:off x="7876791" y="2438058"/>
+                <a:ext cx="176780" cy="224589"/>
+              </a:xfrm>
+              <a:prstGeom prst="rect">
+                <a:avLst/>
+              </a:prstGeom>
+              <a:grpFill/>
+            </p:spPr>
+            <p:style>
+              <a:lnRef idx="2">
+                <a:schemeClr val="accent1">
+                  <a:shade val="50000"/>
+                </a:schemeClr>
+              </a:lnRef>
+              <a:fillRef idx="1">
+                <a:schemeClr val="accent1"/>
+              </a:fillRef>
+              <a:effectRef idx="0">
+                <a:schemeClr val="accent1"/>
+              </a:effectRef>
+              <a:fontRef idx="minor">
+                <a:schemeClr val="lt1"/>
+              </a:fontRef>
+            </p:style>
+            <p:txBody>
+              <a:bodyPr rtlCol="0" anchor="ctr"/>
+              <a:lstStyle/>
+              <a:p>
+                <a:pPr algn="ctr"/>
+                <a:endParaRPr lang="en-US" dirty="0"/>
+              </a:p>
+            </p:txBody>
+          </p:sp>
+          <p:cxnSp>
+            <p:nvCxnSpPr>
+              <p:cNvPr id="97" name="Straight Connector 96">
+                <a:extLst>
+                  <a:ext uri="{FF2B5EF4-FFF2-40B4-BE49-F238E27FC236}">
+                    <a16:creationId xmlns:a16="http://schemas.microsoft.com/office/drawing/2014/main" id="{9A9CB8A9-645C-47BF-A98F-F493E5C3BF7C}"/>
+                  </a:ext>
+                </a:extLst>
+              </p:cNvPr>
+              <p:cNvCxnSpPr>
+                <a:stCxn id="96" idx="0"/>
+              </p:cNvCxnSpPr>
+              <p:nvPr/>
+            </p:nvCxnSpPr>
+            <p:spPr>
+              <a:xfrm>
+                <a:off x="7965181" y="2438058"/>
+                <a:ext cx="233939" cy="0"/>
+              </a:xfrm>
+              <a:prstGeom prst="line">
+                <a:avLst/>
+              </a:prstGeom>
+              <a:grpFill/>
+              <a:ln>
+                <a:solidFill>
+                  <a:schemeClr val="tx1"/>
+                </a:solidFill>
+              </a:ln>
+            </p:spPr>
+            <p:style>
+              <a:lnRef idx="1">
+                <a:schemeClr val="accent1"/>
+              </a:lnRef>
+              <a:fillRef idx="0">
+                <a:schemeClr val="accent1"/>
+              </a:fillRef>
+              <a:effectRef idx="0">
+                <a:schemeClr val="accent1"/>
+              </a:effectRef>
+              <a:fontRef idx="minor">
+                <a:schemeClr val="tx1"/>
+              </a:fontRef>
+            </p:style>
+          </p:cxnSp>
+          <p:cxnSp>
+            <p:nvCxnSpPr>
+              <p:cNvPr id="98" name="Straight Connector 97">
+                <a:extLst>
+                  <a:ext uri="{FF2B5EF4-FFF2-40B4-BE49-F238E27FC236}">
+                    <a16:creationId xmlns:a16="http://schemas.microsoft.com/office/drawing/2014/main" id="{12F34EA5-A6AF-4011-A59A-0B5A3CB4CB1E}"/>
+                  </a:ext>
+                </a:extLst>
+              </p:cNvPr>
+              <p:cNvCxnSpPr/>
+              <p:nvPr/>
+            </p:nvCxnSpPr>
+            <p:spPr>
+              <a:xfrm>
+                <a:off x="7965180" y="2666450"/>
+                <a:ext cx="233939" cy="0"/>
+              </a:xfrm>
+              <a:prstGeom prst="line">
+                <a:avLst/>
+              </a:prstGeom>
+              <a:grpFill/>
+              <a:ln>
+                <a:solidFill>
+                  <a:schemeClr val="tx1"/>
+                </a:solidFill>
+              </a:ln>
+            </p:spPr>
+            <p:style>
+              <a:lnRef idx="1">
+                <a:schemeClr val="accent1"/>
+              </a:lnRef>
+              <a:fillRef idx="0">
+                <a:schemeClr val="accent1"/>
+              </a:fillRef>
+              <a:effectRef idx="0">
+                <a:schemeClr val="accent1"/>
+              </a:effectRef>
+              <a:fontRef idx="minor">
+                <a:schemeClr val="tx1"/>
+              </a:fontRef>
+            </p:style>
+          </p:cxnSp>
+        </p:grpSp>
+        <p:grpSp>
+          <p:nvGrpSpPr>
+            <p:cNvPr id="85" name="Group 84">
+              <a:extLst>
+                <a:ext uri="{FF2B5EF4-FFF2-40B4-BE49-F238E27FC236}">
+                  <a16:creationId xmlns:a16="http://schemas.microsoft.com/office/drawing/2014/main" id="{93D2EA44-E572-4314-A407-A19912C2D501}"/>
+                </a:ext>
+              </a:extLst>
+            </p:cNvPr>
+            <p:cNvGrpSpPr/>
+            <p:nvPr/>
+          </p:nvGrpSpPr>
+          <p:grpSpPr>
+            <a:xfrm>
+              <a:off x="7523230" y="2870353"/>
+              <a:ext cx="675889" cy="228392"/>
+              <a:chOff x="7523231" y="2438058"/>
+              <a:chExt cx="675889" cy="228392"/>
+            </a:xfrm>
+            <a:grpFill/>
+          </p:grpSpPr>
+          <p:sp>
+            <p:nvSpPr>
+              <p:cNvPr id="89" name="Rectangle 88">
+                <a:extLst>
+                  <a:ext uri="{FF2B5EF4-FFF2-40B4-BE49-F238E27FC236}">
+                    <a16:creationId xmlns:a16="http://schemas.microsoft.com/office/drawing/2014/main" id="{69FA7F2F-5E1A-4F16-89E2-0CB288EEE1E1}"/>
+                  </a:ext>
+                </a:extLst>
+              </p:cNvPr>
+              <p:cNvSpPr/>
+              <p:nvPr/>
+            </p:nvSpPr>
+            <p:spPr>
+              <a:xfrm>
+                <a:off x="7523231" y="2438058"/>
+                <a:ext cx="176780" cy="224589"/>
+              </a:xfrm>
+              <a:prstGeom prst="rect">
+                <a:avLst/>
+              </a:prstGeom>
+              <a:grpFill/>
+            </p:spPr>
+            <p:style>
+              <a:lnRef idx="2">
+                <a:schemeClr val="accent1">
+                  <a:shade val="50000"/>
+                </a:schemeClr>
+              </a:lnRef>
+              <a:fillRef idx="1">
+                <a:schemeClr val="accent1"/>
+              </a:fillRef>
+              <a:effectRef idx="0">
+                <a:schemeClr val="accent1"/>
+              </a:effectRef>
+              <a:fontRef idx="minor">
+                <a:schemeClr val="lt1"/>
+              </a:fontRef>
+            </p:style>
+            <p:txBody>
+              <a:bodyPr rtlCol="0" anchor="ctr"/>
+              <a:lstStyle/>
+              <a:p>
+                <a:pPr algn="ctr"/>
+                <a:endParaRPr lang="en-US" dirty="0"/>
+              </a:p>
+            </p:txBody>
+          </p:sp>
+          <p:sp>
+            <p:nvSpPr>
+              <p:cNvPr id="90" name="Rectangle 89">
+                <a:extLst>
+                  <a:ext uri="{FF2B5EF4-FFF2-40B4-BE49-F238E27FC236}">
+                    <a16:creationId xmlns:a16="http://schemas.microsoft.com/office/drawing/2014/main" id="{F3B28F9F-E81C-43E0-8F8F-E37C550607A4}"/>
+                  </a:ext>
+                </a:extLst>
+              </p:cNvPr>
+              <p:cNvSpPr/>
+              <p:nvPr/>
+            </p:nvSpPr>
+            <p:spPr>
+              <a:xfrm>
+                <a:off x="7700011" y="2438058"/>
+                <a:ext cx="176780" cy="224589"/>
+              </a:xfrm>
+              <a:prstGeom prst="rect">
+                <a:avLst/>
+              </a:prstGeom>
+              <a:grpFill/>
+            </p:spPr>
+            <p:style>
+              <a:lnRef idx="2">
+                <a:schemeClr val="accent1">
+                  <a:shade val="50000"/>
+                </a:schemeClr>
+              </a:lnRef>
+              <a:fillRef idx="1">
+                <a:schemeClr val="accent1"/>
+              </a:fillRef>
+              <a:effectRef idx="0">
+                <a:schemeClr val="accent1"/>
+              </a:effectRef>
+              <a:fontRef idx="minor">
+                <a:schemeClr val="lt1"/>
+              </a:fontRef>
+            </p:style>
+            <p:txBody>
+              <a:bodyPr rtlCol="0" anchor="ctr"/>
+              <a:lstStyle/>
+              <a:p>
+                <a:pPr algn="ctr"/>
+                <a:endParaRPr lang="en-US" dirty="0"/>
+              </a:p>
+            </p:txBody>
+          </p:sp>
+          <p:sp>
+            <p:nvSpPr>
+              <p:cNvPr id="91" name="Rectangle 90">
+                <a:extLst>
+                  <a:ext uri="{FF2B5EF4-FFF2-40B4-BE49-F238E27FC236}">
+                    <a16:creationId xmlns:a16="http://schemas.microsoft.com/office/drawing/2014/main" id="{0E6D3780-48EF-411D-8EA2-E6D89A649A36}"/>
+                  </a:ext>
+                </a:extLst>
+              </p:cNvPr>
+              <p:cNvSpPr/>
+              <p:nvPr/>
+            </p:nvSpPr>
+            <p:spPr>
+              <a:xfrm>
+                <a:off x="7876791" y="2438058"/>
+                <a:ext cx="176780" cy="224589"/>
+              </a:xfrm>
+              <a:prstGeom prst="rect">
+                <a:avLst/>
+              </a:prstGeom>
+              <a:grpFill/>
+            </p:spPr>
+            <p:style>
+              <a:lnRef idx="2">
+                <a:schemeClr val="accent1">
+                  <a:shade val="50000"/>
+                </a:schemeClr>
+              </a:lnRef>
+              <a:fillRef idx="1">
+                <a:schemeClr val="accent1"/>
+              </a:fillRef>
+              <a:effectRef idx="0">
+                <a:schemeClr val="accent1"/>
+              </a:effectRef>
+              <a:fontRef idx="minor">
+                <a:schemeClr val="lt1"/>
+              </a:fontRef>
+            </p:style>
+            <p:txBody>
+              <a:bodyPr rtlCol="0" anchor="ctr"/>
+              <a:lstStyle/>
+              <a:p>
+                <a:pPr algn="ctr"/>
+                <a:endParaRPr lang="en-US" dirty="0"/>
+              </a:p>
+            </p:txBody>
+          </p:sp>
+          <p:cxnSp>
+            <p:nvCxnSpPr>
+              <p:cNvPr id="92" name="Straight Connector 91">
+                <a:extLst>
+                  <a:ext uri="{FF2B5EF4-FFF2-40B4-BE49-F238E27FC236}">
+                    <a16:creationId xmlns:a16="http://schemas.microsoft.com/office/drawing/2014/main" id="{A0AC4723-CB26-4590-80A1-F7276F18C7C4}"/>
+                  </a:ext>
+                </a:extLst>
+              </p:cNvPr>
+              <p:cNvCxnSpPr>
+                <a:stCxn id="91" idx="0"/>
+              </p:cNvCxnSpPr>
+              <p:nvPr/>
+            </p:nvCxnSpPr>
+            <p:spPr>
+              <a:xfrm>
+                <a:off x="7965181" y="2438058"/>
+                <a:ext cx="233939" cy="0"/>
+              </a:xfrm>
+              <a:prstGeom prst="line">
+                <a:avLst/>
+              </a:prstGeom>
+              <a:grpFill/>
+              <a:ln>
+                <a:solidFill>
+                  <a:schemeClr val="tx1"/>
+                </a:solidFill>
+              </a:ln>
+            </p:spPr>
+            <p:style>
+              <a:lnRef idx="1">
+                <a:schemeClr val="accent1"/>
+              </a:lnRef>
+              <a:fillRef idx="0">
+                <a:schemeClr val="accent1"/>
+              </a:fillRef>
+              <a:effectRef idx="0">
+                <a:schemeClr val="accent1"/>
+              </a:effectRef>
+              <a:fontRef idx="minor">
+                <a:schemeClr val="tx1"/>
+              </a:fontRef>
+            </p:style>
+          </p:cxnSp>
+          <p:cxnSp>
+            <p:nvCxnSpPr>
+              <p:cNvPr id="93" name="Straight Connector 92">
+                <a:extLst>
+                  <a:ext uri="{FF2B5EF4-FFF2-40B4-BE49-F238E27FC236}">
+                    <a16:creationId xmlns:a16="http://schemas.microsoft.com/office/drawing/2014/main" id="{BF6ACD16-9151-4EB9-8D35-BF01BF9499FA}"/>
+                  </a:ext>
+                </a:extLst>
+              </p:cNvPr>
+              <p:cNvCxnSpPr/>
+              <p:nvPr/>
+            </p:nvCxnSpPr>
+            <p:spPr>
+              <a:xfrm>
+                <a:off x="7965180" y="2666450"/>
+                <a:ext cx="233939" cy="0"/>
+              </a:xfrm>
+              <a:prstGeom prst="line">
+                <a:avLst/>
+              </a:prstGeom>
+              <a:grpFill/>
+              <a:ln>
+                <a:solidFill>
+                  <a:schemeClr val="tx1"/>
+                </a:solidFill>
+              </a:ln>
+            </p:spPr>
+            <p:style>
+              <a:lnRef idx="1">
+                <a:schemeClr val="accent1"/>
+              </a:lnRef>
+              <a:fillRef idx="0">
+                <a:schemeClr val="accent1"/>
+              </a:fillRef>
+              <a:effectRef idx="0">
+                <a:schemeClr val="accent1"/>
+              </a:effectRef>
+              <a:fontRef idx="minor">
+                <a:schemeClr val="tx1"/>
+              </a:fontRef>
+            </p:style>
+          </p:cxnSp>
+        </p:grpSp>
+        <p:sp>
+          <p:nvSpPr>
+            <p:cNvPr id="86" name="Isosceles Triangle 85">
+              <a:extLst>
+                <a:ext uri="{FF2B5EF4-FFF2-40B4-BE49-F238E27FC236}">
+                  <a16:creationId xmlns:a16="http://schemas.microsoft.com/office/drawing/2014/main" id="{E0EC7B73-1EFE-47F9-937E-B4ED639FD123}"/>
+                </a:ext>
+              </a:extLst>
+            </p:cNvPr>
+            <p:cNvSpPr/>
+            <p:nvPr/>
+          </p:nvSpPr>
+          <p:spPr>
+            <a:xfrm rot="16200000">
+              <a:off x="6948011" y="2652301"/>
+              <a:ext cx="656879" cy="228392"/>
+            </a:xfrm>
+            <a:prstGeom prst="triangle">
+              <a:avLst>
+                <a:gd name="adj" fmla="val 50000"/>
+              </a:avLst>
+            </a:prstGeom>
+            <a:grpFill/>
+          </p:spPr>
+          <p:style>
+            <a:lnRef idx="2">
+              <a:schemeClr val="accent1">
+                <a:shade val="50000"/>
+              </a:schemeClr>
+            </a:lnRef>
+            <a:fillRef idx="1">
+              <a:schemeClr val="accent1"/>
+            </a:fillRef>
+            <a:effectRef idx="0">
+              <a:schemeClr val="accent1"/>
+            </a:effectRef>
+            <a:fontRef idx="minor">
+              <a:schemeClr val="lt1"/>
+            </a:fontRef>
+          </p:style>
+          <p:txBody>
+            <a:bodyPr rtlCol="0" anchor="ctr"/>
+            <a:lstStyle/>
+            <a:p>
+              <a:pPr algn="ctr"/>
+              <a:endParaRPr lang="en-US"/>
+            </a:p>
+          </p:txBody>
+        </p:sp>
+        <p:cxnSp>
+          <p:nvCxnSpPr>
+            <p:cNvPr id="87" name="Straight Connector 86">
+              <a:extLst>
+                <a:ext uri="{FF2B5EF4-FFF2-40B4-BE49-F238E27FC236}">
+                  <a16:creationId xmlns:a16="http://schemas.microsoft.com/office/drawing/2014/main" id="{B4F37508-E32F-4F43-B165-1554A5AB679E}"/>
+                </a:ext>
+              </a:extLst>
+            </p:cNvPr>
+            <p:cNvCxnSpPr>
+              <a:stCxn id="94" idx="1"/>
+            </p:cNvCxnSpPr>
+            <p:nvPr/>
+          </p:nvCxnSpPr>
+          <p:spPr>
+            <a:xfrm flipH="1" flipV="1">
+              <a:off x="7390647" y="2550352"/>
+              <a:ext cx="132584" cy="1"/>
+            </a:xfrm>
+            <a:prstGeom prst="line">
+              <a:avLst/>
+            </a:prstGeom>
+            <a:grpFill/>
+            <a:ln>
+              <a:solidFill>
+                <a:schemeClr val="tx1"/>
+              </a:solidFill>
+            </a:ln>
+          </p:spPr>
+          <p:style>
+            <a:lnRef idx="1">
+              <a:schemeClr val="accent1"/>
+            </a:lnRef>
+            <a:fillRef idx="0">
+              <a:schemeClr val="accent1"/>
+            </a:fillRef>
+            <a:effectRef idx="0">
+              <a:schemeClr val="accent1"/>
+            </a:effectRef>
+            <a:fontRef idx="minor">
+              <a:schemeClr val="tx1"/>
+            </a:fontRef>
+          </p:style>
+        </p:cxnSp>
+        <p:cxnSp>
+          <p:nvCxnSpPr>
+            <p:cNvPr id="88" name="Straight Connector 87">
+              <a:extLst>
+                <a:ext uri="{FF2B5EF4-FFF2-40B4-BE49-F238E27FC236}">
+                  <a16:creationId xmlns:a16="http://schemas.microsoft.com/office/drawing/2014/main" id="{8EA0C0BF-71AF-491F-8D77-A19CCBAC8916}"/>
+                </a:ext>
+              </a:extLst>
+            </p:cNvPr>
+            <p:cNvCxnSpPr>
+              <a:cxnSpLocks/>
+              <a:stCxn id="89" idx="1"/>
+            </p:cNvCxnSpPr>
+            <p:nvPr/>
+          </p:nvCxnSpPr>
+          <p:spPr>
+            <a:xfrm flipH="1" flipV="1">
+              <a:off x="7390647" y="2982647"/>
+              <a:ext cx="132583" cy="1"/>
+            </a:xfrm>
+            <a:prstGeom prst="line">
+              <a:avLst/>
+            </a:prstGeom>
+            <a:grpFill/>
+            <a:ln>
+              <a:solidFill>
+                <a:schemeClr val="tx1"/>
+              </a:solidFill>
+            </a:ln>
+          </p:spPr>
+          <p:style>
+            <a:lnRef idx="1">
+              <a:schemeClr val="accent1"/>
+            </a:lnRef>
+            <a:fillRef idx="0">
+              <a:schemeClr val="accent1"/>
+            </a:fillRef>
+            <a:effectRef idx="0">
+              <a:schemeClr val="accent1"/>
+            </a:effectRef>
+            <a:fontRef idx="minor">
+              <a:schemeClr val="tx1"/>
+            </a:fontRef>
+          </p:style>
+        </p:cxnSp>
+      </p:grpSp>
+      <p:cxnSp>
+        <p:nvCxnSpPr>
+          <p:cNvPr id="100" name="Connector: Elbow 99">
+            <a:extLst>
+              <a:ext uri="{FF2B5EF4-FFF2-40B4-BE49-F238E27FC236}">
+                <a16:creationId xmlns:a16="http://schemas.microsoft.com/office/drawing/2014/main" id="{F4860C18-D645-4EE6-BCDB-79FE3B828918}"/>
+              </a:ext>
+            </a:extLst>
+          </p:cNvPr>
+          <p:cNvCxnSpPr>
+            <a:cxnSpLocks/>
+          </p:cNvCxnSpPr>
+          <p:nvPr/>
+        </p:nvCxnSpPr>
+        <p:spPr>
+          <a:xfrm flipV="1">
+            <a:off x="7464947" y="3354678"/>
+            <a:ext cx="316688" cy="180"/>
+          </a:xfrm>
+          <a:prstGeom prst="bentConnector3">
+            <a:avLst>
+              <a:gd name="adj1" fmla="val 50000"/>
+            </a:avLst>
+          </a:prstGeom>
+          <a:ln>
+            <a:tailEnd type="triangle"/>
+          </a:ln>
+        </p:spPr>
+        <p:style>
+          <a:lnRef idx="1">
+            <a:schemeClr val="accent1"/>
+          </a:lnRef>
+          <a:fillRef idx="0">
+            <a:schemeClr val="accent1"/>
+          </a:fillRef>
+          <a:effectRef idx="0">
+            <a:schemeClr val="accent1"/>
+          </a:effectRef>
+          <a:fontRef idx="minor">
+            <a:schemeClr val="tx1"/>
+          </a:fontRef>
+        </p:style>
+      </p:cxnSp>
+      <p:sp>
+        <p:nvSpPr>
+          <p:cNvPr id="120" name="Rectangle 119">
+            <a:extLst>
+              <a:ext uri="{FF2B5EF4-FFF2-40B4-BE49-F238E27FC236}">
+                <a16:creationId xmlns:a16="http://schemas.microsoft.com/office/drawing/2014/main" id="{27878CF7-E469-4A06-9E5C-918E6DCCBE40}"/>
+              </a:ext>
+            </a:extLst>
+          </p:cNvPr>
+          <p:cNvSpPr/>
+          <p:nvPr/>
+        </p:nvSpPr>
+        <p:spPr>
+          <a:xfrm>
+            <a:off x="5757847" y="2167447"/>
+            <a:ext cx="1406025" cy="596438"/>
+          </a:xfrm>
+          <a:prstGeom prst="rect">
+            <a:avLst/>
+          </a:prstGeom>
+          <a:solidFill>
+            <a:schemeClr val="accent4">
+              <a:lumMod val="40000"/>
+              <a:lumOff val="60000"/>
+            </a:schemeClr>
+          </a:solidFill>
+        </p:spPr>
+        <p:style>
+          <a:lnRef idx="2">
+            <a:schemeClr val="accent1">
+              <a:shade val="50000"/>
+            </a:schemeClr>
+          </a:lnRef>
+          <a:fillRef idx="1">
+            <a:schemeClr val="accent1"/>
+          </a:fillRef>
+          <a:effectRef idx="0">
+            <a:schemeClr val="accent1"/>
+          </a:effectRef>
+          <a:fontRef idx="minor">
+            <a:schemeClr val="lt1"/>
+          </a:fontRef>
+        </p:style>
+        <p:txBody>
+          <a:bodyPr rtlCol="0" anchor="ctr"/>
+          <a:lstStyle/>
+          <a:p>
+            <a:pPr algn="ctr"/>
+            <a:r>
+              <a:rPr lang="en-US" dirty="0">
+                <a:solidFill>
+                  <a:schemeClr val="tx1"/>
+                </a:solidFill>
+              </a:rPr>
+              <a:t>Net-to-host inline extern</a:t>
+            </a:r>
+          </a:p>
+        </p:txBody>
+      </p:sp>
+      <p:sp>
+        <p:nvSpPr>
+          <p:cNvPr id="121" name="Rectangle 120">
+            <a:extLst>
+              <a:ext uri="{FF2B5EF4-FFF2-40B4-BE49-F238E27FC236}">
+                <a16:creationId xmlns:a16="http://schemas.microsoft.com/office/drawing/2014/main" id="{C5B57169-1275-4E2F-A03B-8F7108AA0A55}"/>
+              </a:ext>
+            </a:extLst>
+          </p:cNvPr>
+          <p:cNvSpPr/>
+          <p:nvPr/>
+        </p:nvSpPr>
+        <p:spPr>
+          <a:xfrm>
+            <a:off x="2335252" y="4589811"/>
+            <a:ext cx="1350435" cy="681362"/>
+          </a:xfrm>
+          <a:prstGeom prst="rect">
+            <a:avLst/>
+          </a:prstGeom>
+          <a:solidFill>
+            <a:schemeClr val="accent4">
+              <a:lumMod val="40000"/>
+              <a:lumOff val="60000"/>
+            </a:schemeClr>
+          </a:solidFill>
+        </p:spPr>
+        <p:style>
+          <a:lnRef idx="2">
+            <a:schemeClr val="accent1">
+              <a:shade val="50000"/>
+            </a:schemeClr>
+          </a:lnRef>
+          <a:fillRef idx="1">
+            <a:schemeClr val="accent1"/>
+          </a:fillRef>
+          <a:effectRef idx="0">
+            <a:schemeClr val="accent1"/>
+          </a:effectRef>
+          <a:fontRef idx="minor">
+            <a:schemeClr val="lt1"/>
+          </a:fontRef>
+        </p:style>
+        <p:txBody>
+          <a:bodyPr rtlCol="0" anchor="ctr"/>
+          <a:lstStyle/>
+          <a:p>
+            <a:pPr algn="ctr"/>
+            <a:r>
+              <a:rPr lang="en-US" dirty="0">
+                <a:solidFill>
+                  <a:schemeClr val="tx1"/>
+                </a:solidFill>
+              </a:rPr>
+              <a:t>Host-to-net inline extern</a:t>
+            </a:r>
+          </a:p>
+        </p:txBody>
+      </p:sp>
+      <p:cxnSp>
+        <p:nvCxnSpPr>
+          <p:cNvPr id="134" name="Connector: Elbow 133">
+            <a:extLst>
+              <a:ext uri="{FF2B5EF4-FFF2-40B4-BE49-F238E27FC236}">
+                <a16:creationId xmlns:a16="http://schemas.microsoft.com/office/drawing/2014/main" id="{6C8D7A4A-4E00-4E2B-A752-9407B9B8DC70}"/>
+              </a:ext>
+            </a:extLst>
+          </p:cNvPr>
+          <p:cNvCxnSpPr>
+            <a:cxnSpLocks/>
+            <a:stCxn id="72" idx="0"/>
+            <a:endCxn id="121" idx="3"/>
+          </p:cNvCxnSpPr>
+          <p:nvPr/>
+        </p:nvCxnSpPr>
+        <p:spPr>
+          <a:xfrm rot="10800000" flipV="1">
+            <a:off x="3685687" y="4926642"/>
+            <a:ext cx="397376" cy="3849"/>
+          </a:xfrm>
+          <a:prstGeom prst="bentConnector3">
+            <a:avLst/>
+          </a:prstGeom>
+          <a:ln>
+            <a:solidFill>
+              <a:schemeClr val="tx1"/>
+            </a:solidFill>
+            <a:tailEnd type="triangle"/>
+          </a:ln>
+        </p:spPr>
+        <p:style>
+          <a:lnRef idx="1">
+            <a:schemeClr val="accent1"/>
+          </a:lnRef>
+          <a:fillRef idx="0">
+            <a:schemeClr val="accent1"/>
+          </a:fillRef>
+          <a:effectRef idx="0">
+            <a:schemeClr val="accent1"/>
+          </a:effectRef>
+          <a:fontRef idx="minor">
+            <a:schemeClr val="tx1"/>
+          </a:fontRef>
+        </p:style>
+      </p:cxnSp>
+      <p:sp>
+        <p:nvSpPr>
+          <p:cNvPr id="138" name="Isosceles Triangle 137">
+            <a:extLst>
+              <a:ext uri="{FF2B5EF4-FFF2-40B4-BE49-F238E27FC236}">
+                <a16:creationId xmlns:a16="http://schemas.microsoft.com/office/drawing/2014/main" id="{69446477-9F3C-4C1B-897E-FE05C5B55386}"/>
+              </a:ext>
+            </a:extLst>
+          </p:cNvPr>
+          <p:cNvSpPr/>
+          <p:nvPr/>
+        </p:nvSpPr>
+        <p:spPr>
+          <a:xfrm rot="5400000">
+            <a:off x="1609843" y="3200422"/>
+            <a:ext cx="656879" cy="228392"/>
+          </a:xfrm>
+          <a:prstGeom prst="triangle">
+            <a:avLst>
+              <a:gd name="adj" fmla="val 50000"/>
+            </a:avLst>
+          </a:prstGeom>
+          <a:solidFill>
+            <a:schemeClr val="accent4">
+              <a:lumMod val="40000"/>
+              <a:lumOff val="60000"/>
+            </a:schemeClr>
+          </a:solidFill>
+        </p:spPr>
+        <p:style>
+          <a:lnRef idx="2">
+            <a:schemeClr val="accent1">
+              <a:shade val="50000"/>
+            </a:schemeClr>
+          </a:lnRef>
+          <a:fillRef idx="1">
+            <a:schemeClr val="accent1"/>
+          </a:fillRef>
+          <a:effectRef idx="0">
+            <a:schemeClr val="accent1"/>
+          </a:effectRef>
+          <a:fontRef idx="minor">
+            <a:schemeClr val="lt1"/>
+          </a:fontRef>
+        </p:style>
+        <p:txBody>
+          <a:bodyPr rtlCol="0" anchor="ctr"/>
+          <a:lstStyle/>
+          <a:p>
+            <a:pPr algn="ctr"/>
+            <a:endParaRPr lang="en-US" dirty="0"/>
+          </a:p>
+        </p:txBody>
+      </p:sp>
+      <p:sp>
+        <p:nvSpPr>
+          <p:cNvPr id="155" name="Isosceles Triangle 154">
+            <a:extLst>
+              <a:ext uri="{FF2B5EF4-FFF2-40B4-BE49-F238E27FC236}">
+                <a16:creationId xmlns:a16="http://schemas.microsoft.com/office/drawing/2014/main" id="{9A9B0175-8F65-42F2-977C-C24007A56A08}"/>
+              </a:ext>
+            </a:extLst>
+          </p:cNvPr>
+          <p:cNvSpPr/>
+          <p:nvPr/>
+        </p:nvSpPr>
+        <p:spPr>
+          <a:xfrm rot="5400000">
+            <a:off x="1609843" y="4811654"/>
+            <a:ext cx="656879" cy="228392"/>
+          </a:xfrm>
+          <a:prstGeom prst="triangle">
+            <a:avLst>
+              <a:gd name="adj" fmla="val 50000"/>
+            </a:avLst>
+          </a:prstGeom>
+          <a:solidFill>
+            <a:schemeClr val="accent4">
+              <a:lumMod val="40000"/>
+              <a:lumOff val="60000"/>
+            </a:schemeClr>
+          </a:solidFill>
+        </p:spPr>
+        <p:style>
+          <a:lnRef idx="2">
+            <a:schemeClr val="accent1">
+              <a:shade val="50000"/>
+            </a:schemeClr>
+          </a:lnRef>
+          <a:fillRef idx="1">
+            <a:schemeClr val="accent1"/>
+          </a:fillRef>
+          <a:effectRef idx="0">
+            <a:schemeClr val="accent1"/>
+          </a:effectRef>
+          <a:fontRef idx="minor">
+            <a:schemeClr val="lt1"/>
+          </a:fontRef>
+        </p:style>
+        <p:txBody>
+          <a:bodyPr rtlCol="0" anchor="ctr"/>
+          <a:lstStyle/>
+          <a:p>
+            <a:pPr algn="ctr"/>
+            <a:endParaRPr lang="en-US" dirty="0"/>
+          </a:p>
+        </p:txBody>
+      </p:sp>
+      <p:cxnSp>
+        <p:nvCxnSpPr>
+          <p:cNvPr id="166" name="Connector: Elbow 165">
+            <a:extLst>
+              <a:ext uri="{FF2B5EF4-FFF2-40B4-BE49-F238E27FC236}">
+                <a16:creationId xmlns:a16="http://schemas.microsoft.com/office/drawing/2014/main" id="{3C48504E-28A7-489B-8BDA-8A995ED1375D}"/>
+              </a:ext>
+            </a:extLst>
+          </p:cNvPr>
+          <p:cNvCxnSpPr/>
+          <p:nvPr/>
+        </p:nvCxnSpPr>
+        <p:spPr>
+          <a:xfrm rot="16200000" flipV="1">
+            <a:off x="1315417" y="4230353"/>
+            <a:ext cx="715787" cy="301552"/>
+          </a:xfrm>
+          <a:prstGeom prst="bentConnector3">
+            <a:avLst>
+              <a:gd name="adj1" fmla="val -3572"/>
+            </a:avLst>
+          </a:prstGeom>
+          <a:ln>
+            <a:tailEnd type="none"/>
+          </a:ln>
+        </p:spPr>
+        <p:style>
+          <a:lnRef idx="1">
+            <a:schemeClr val="accent1"/>
+          </a:lnRef>
+          <a:fillRef idx="0">
+            <a:schemeClr val="accent1"/>
+          </a:fillRef>
+          <a:effectRef idx="0">
+            <a:schemeClr val="accent1"/>
+          </a:effectRef>
+          <a:fontRef idx="minor">
+            <a:schemeClr val="tx1"/>
+          </a:fontRef>
+        </p:style>
+      </p:cxnSp>
+      <p:cxnSp>
+        <p:nvCxnSpPr>
+          <p:cNvPr id="170" name="Connector: Elbow 169">
+            <a:extLst>
+              <a:ext uri="{FF2B5EF4-FFF2-40B4-BE49-F238E27FC236}">
+                <a16:creationId xmlns:a16="http://schemas.microsoft.com/office/drawing/2014/main" id="{40A865F1-4DDF-4A37-936C-7E29C2D815D1}"/>
+              </a:ext>
+            </a:extLst>
+          </p:cNvPr>
+          <p:cNvCxnSpPr>
+            <a:cxnSpLocks/>
+          </p:cNvCxnSpPr>
+          <p:nvPr/>
+        </p:nvCxnSpPr>
+        <p:spPr>
+          <a:xfrm rot="5400000" flipH="1" flipV="1">
+            <a:off x="1397650" y="3615410"/>
+            <a:ext cx="554346" cy="298527"/>
+          </a:xfrm>
+          <a:prstGeom prst="bentConnector3">
+            <a:avLst>
+              <a:gd name="adj1" fmla="val 99663"/>
+            </a:avLst>
+          </a:prstGeom>
+          <a:ln>
+            <a:tailEnd type="triangle"/>
+          </a:ln>
+        </p:spPr>
+        <p:style>
+          <a:lnRef idx="1">
+            <a:schemeClr val="accent1"/>
+          </a:lnRef>
+          <a:fillRef idx="0">
+            <a:schemeClr val="accent1"/>
+          </a:fillRef>
+          <a:effectRef idx="0">
+            <a:schemeClr val="accent1"/>
+          </a:effectRef>
+          <a:fontRef idx="minor">
+            <a:schemeClr val="tx1"/>
+          </a:fontRef>
+        </p:style>
+      </p:cxnSp>
+      <p:cxnSp>
+        <p:nvCxnSpPr>
+          <p:cNvPr id="175" name="Straight Arrow Connector 174">
+            <a:extLst>
+              <a:ext uri="{FF2B5EF4-FFF2-40B4-BE49-F238E27FC236}">
+                <a16:creationId xmlns:a16="http://schemas.microsoft.com/office/drawing/2014/main" id="{0780DDE3-D616-4239-A66D-F2FEFC8DECC9}"/>
+              </a:ext>
+            </a:extLst>
+          </p:cNvPr>
+          <p:cNvCxnSpPr>
+            <a:cxnSpLocks/>
+          </p:cNvCxnSpPr>
+          <p:nvPr/>
+        </p:nvCxnSpPr>
+        <p:spPr>
+          <a:xfrm>
+            <a:off x="1325328" y="3162900"/>
+            <a:ext cx="494377" cy="1"/>
+          </a:xfrm>
+          <a:prstGeom prst="straightConnector1">
+            <a:avLst/>
+          </a:prstGeom>
+          <a:ln>
+            <a:tailEnd type="triangle"/>
+          </a:ln>
+        </p:spPr>
+        <p:style>
+          <a:lnRef idx="1">
+            <a:schemeClr val="accent1"/>
+          </a:lnRef>
+          <a:fillRef idx="0">
+            <a:schemeClr val="accent1"/>
+          </a:fillRef>
+          <a:effectRef idx="0">
+            <a:schemeClr val="accent1"/>
+          </a:effectRef>
+          <a:fontRef idx="minor">
+            <a:schemeClr val="tx1"/>
+          </a:fontRef>
+        </p:style>
+      </p:cxnSp>
+      <p:cxnSp>
+        <p:nvCxnSpPr>
+          <p:cNvPr id="179" name="Straight Arrow Connector 178">
+            <a:extLst>
+              <a:ext uri="{FF2B5EF4-FFF2-40B4-BE49-F238E27FC236}">
+                <a16:creationId xmlns:a16="http://schemas.microsoft.com/office/drawing/2014/main" id="{675C8117-3AA7-4E36-88BA-920C6B3941AA}"/>
+              </a:ext>
+            </a:extLst>
+          </p:cNvPr>
+          <p:cNvCxnSpPr>
+            <a:cxnSpLocks/>
+          </p:cNvCxnSpPr>
+          <p:nvPr/>
+        </p:nvCxnSpPr>
+        <p:spPr>
+          <a:xfrm flipH="1">
+            <a:off x="1332456" y="5077956"/>
+            <a:ext cx="487249" cy="0"/>
+          </a:xfrm>
+          <a:prstGeom prst="straightConnector1">
+            <a:avLst/>
+          </a:prstGeom>
+          <a:ln>
+            <a:tailEnd type="triangle"/>
+          </a:ln>
+        </p:spPr>
+        <p:style>
+          <a:lnRef idx="1">
+            <a:schemeClr val="accent1"/>
+          </a:lnRef>
+          <a:fillRef idx="0">
+            <a:schemeClr val="accent1"/>
+          </a:fillRef>
+          <a:effectRef idx="0">
+            <a:schemeClr val="accent1"/>
+          </a:effectRef>
+          <a:fontRef idx="minor">
+            <a:schemeClr val="tx1"/>
+          </a:fontRef>
+        </p:style>
+      </p:cxnSp>
+      <p:cxnSp>
+        <p:nvCxnSpPr>
+          <p:cNvPr id="181" name="Straight Arrow Connector 180">
+            <a:extLst>
+              <a:ext uri="{FF2B5EF4-FFF2-40B4-BE49-F238E27FC236}">
+                <a16:creationId xmlns:a16="http://schemas.microsoft.com/office/drawing/2014/main" id="{90B81CF6-C291-4A3A-8CFF-4322DFD54B64}"/>
+              </a:ext>
+            </a:extLst>
+          </p:cNvPr>
+          <p:cNvCxnSpPr>
+            <a:cxnSpLocks/>
+            <a:stCxn id="121" idx="1"/>
+            <a:endCxn id="155" idx="0"/>
+          </p:cNvCxnSpPr>
+          <p:nvPr/>
+        </p:nvCxnSpPr>
+        <p:spPr>
+          <a:xfrm flipH="1" flipV="1">
+            <a:off x="2052479" y="4925851"/>
+            <a:ext cx="282773" cy="4641"/>
+          </a:xfrm>
+          <a:prstGeom prst="straightConnector1">
+            <a:avLst/>
+          </a:prstGeom>
+          <a:ln>
+            <a:tailEnd type="triangle"/>
+          </a:ln>
+        </p:spPr>
+        <p:style>
+          <a:lnRef idx="1">
+            <a:schemeClr val="accent1"/>
+          </a:lnRef>
+          <a:fillRef idx="0">
+            <a:schemeClr val="accent1"/>
+          </a:fillRef>
+          <a:effectRef idx="0">
+            <a:schemeClr val="accent1"/>
+          </a:effectRef>
+          <a:fontRef idx="minor">
+            <a:schemeClr val="tx1"/>
+          </a:fontRef>
+        </p:style>
+      </p:cxnSp>
+      <p:sp>
+        <p:nvSpPr>
+          <p:cNvPr id="184" name="Rectangle 183">
+            <a:extLst>
+              <a:ext uri="{FF2B5EF4-FFF2-40B4-BE49-F238E27FC236}">
+                <a16:creationId xmlns:a16="http://schemas.microsoft.com/office/drawing/2014/main" id="{68FB0182-B326-448A-83DA-468E49772E39}"/>
+              </a:ext>
+            </a:extLst>
+          </p:cNvPr>
+          <p:cNvSpPr/>
+          <p:nvPr/>
+        </p:nvSpPr>
+        <p:spPr>
+          <a:xfrm rot="16200000">
+            <a:off x="-1315" y="3945025"/>
+            <a:ext cx="2266436" cy="368228"/>
+          </a:xfrm>
+          <a:prstGeom prst="rect">
+            <a:avLst/>
+          </a:prstGeom>
+          <a:solidFill>
+            <a:schemeClr val="accent4">
+              <a:lumMod val="40000"/>
+              <a:lumOff val="60000"/>
+            </a:schemeClr>
+          </a:solidFill>
+        </p:spPr>
+        <p:style>
+          <a:lnRef idx="2">
+            <a:schemeClr val="accent1">
+              <a:shade val="50000"/>
+            </a:schemeClr>
+          </a:lnRef>
+          <a:fillRef idx="1">
+            <a:schemeClr val="accent1"/>
+          </a:fillRef>
+          <a:effectRef idx="0">
+            <a:schemeClr val="accent1"/>
+          </a:effectRef>
+          <a:fontRef idx="minor">
+            <a:schemeClr val="lt1"/>
+          </a:fontRef>
+        </p:style>
+        <p:txBody>
+          <a:bodyPr rtlCol="0" anchor="ctr"/>
+          <a:lstStyle/>
+          <a:p>
+            <a:pPr algn="ctr"/>
+            <a:r>
+              <a:rPr lang="en-US" dirty="0">
+                <a:solidFill>
+                  <a:schemeClr val="tx1"/>
+                </a:solidFill>
+              </a:rPr>
+              <a:t>Network Ports</a:t>
+            </a:r>
+          </a:p>
+        </p:txBody>
+      </p:sp>
+      <p:cxnSp>
+        <p:nvCxnSpPr>
+          <p:cNvPr id="196" name="Connector: Elbow 195">
+            <a:extLst>
+              <a:ext uri="{FF2B5EF4-FFF2-40B4-BE49-F238E27FC236}">
+                <a16:creationId xmlns:a16="http://schemas.microsoft.com/office/drawing/2014/main" id="{C4648FD0-BE39-49B2-A297-6987E7ED42BA}"/>
+              </a:ext>
+            </a:extLst>
+          </p:cNvPr>
+          <p:cNvCxnSpPr>
+            <a:cxnSpLocks/>
+            <a:stCxn id="110" idx="0"/>
+            <a:endCxn id="14" idx="0"/>
+          </p:cNvCxnSpPr>
+          <p:nvPr/>
+        </p:nvCxnSpPr>
+        <p:spPr>
+          <a:xfrm rot="10800000">
+            <a:off x="5433657" y="4142413"/>
+            <a:ext cx="3538146" cy="801247"/>
+          </a:xfrm>
+          <a:prstGeom prst="bentConnector3">
+            <a:avLst>
+              <a:gd name="adj1" fmla="val 106903"/>
+            </a:avLst>
+          </a:prstGeom>
+          <a:ln>
+            <a:tailEnd type="triangle"/>
+          </a:ln>
+        </p:spPr>
+        <p:style>
+          <a:lnRef idx="1">
+            <a:schemeClr val="accent1"/>
+          </a:lnRef>
+          <a:fillRef idx="0">
+            <a:schemeClr val="accent1"/>
+          </a:fillRef>
+          <a:effectRef idx="0">
+            <a:schemeClr val="accent1"/>
+          </a:effectRef>
+          <a:fontRef idx="minor">
+            <a:schemeClr val="tx1"/>
+          </a:fontRef>
+        </p:style>
+      </p:cxnSp>
+      <p:cxnSp>
+        <p:nvCxnSpPr>
+          <p:cNvPr id="199" name="Straight Arrow Connector 198">
+            <a:extLst>
+              <a:ext uri="{FF2B5EF4-FFF2-40B4-BE49-F238E27FC236}">
+                <a16:creationId xmlns:a16="http://schemas.microsoft.com/office/drawing/2014/main" id="{9B56D066-03B7-4AA5-AE48-439E5D95D240}"/>
+              </a:ext>
+            </a:extLst>
+          </p:cNvPr>
+          <p:cNvCxnSpPr>
+            <a:cxnSpLocks/>
+            <a:endCxn id="200" idx="0"/>
+          </p:cNvCxnSpPr>
+          <p:nvPr/>
+        </p:nvCxnSpPr>
+        <p:spPr>
+          <a:xfrm>
+            <a:off x="10101319" y="3502272"/>
+            <a:ext cx="311852" cy="0"/>
+          </a:xfrm>
+          <a:prstGeom prst="straightConnector1">
+            <a:avLst/>
+          </a:prstGeom>
+          <a:ln>
+            <a:headEnd type="triangle"/>
+            <a:tailEnd type="triangle"/>
+          </a:ln>
+        </p:spPr>
+        <p:style>
+          <a:lnRef idx="1">
+            <a:schemeClr val="accent1"/>
+          </a:lnRef>
+          <a:fillRef idx="0">
+            <a:schemeClr val="accent1"/>
+          </a:fillRef>
+          <a:effectRef idx="0">
+            <a:schemeClr val="accent1"/>
+          </a:effectRef>
+          <a:fontRef idx="minor">
+            <a:schemeClr val="tx1"/>
+          </a:fontRef>
+        </p:style>
+      </p:cxnSp>
+      <p:sp>
+        <p:nvSpPr>
+          <p:cNvPr id="200" name="Rectangle 199">
+            <a:extLst>
+              <a:ext uri="{FF2B5EF4-FFF2-40B4-BE49-F238E27FC236}">
+                <a16:creationId xmlns:a16="http://schemas.microsoft.com/office/drawing/2014/main" id="{6143778A-3CAF-4C20-AA59-3CC193DB8BCB}"/>
+              </a:ext>
+            </a:extLst>
+          </p:cNvPr>
+          <p:cNvSpPr/>
+          <p:nvPr/>
+        </p:nvSpPr>
+        <p:spPr>
+          <a:xfrm rot="16200000">
+            <a:off x="10086062" y="3318158"/>
+            <a:ext cx="1022445" cy="368228"/>
+          </a:xfrm>
+          <a:prstGeom prst="rect">
+            <a:avLst/>
+          </a:prstGeom>
+          <a:solidFill>
+            <a:schemeClr val="bg2">
+              <a:lumMod val="90000"/>
+            </a:schemeClr>
+          </a:solidFill>
+        </p:spPr>
+        <p:style>
+          <a:lnRef idx="2">
+            <a:schemeClr val="accent1">
+              <a:shade val="50000"/>
+            </a:schemeClr>
+          </a:lnRef>
+          <a:fillRef idx="1">
+            <a:schemeClr val="accent1"/>
+          </a:fillRef>
+          <a:effectRef idx="0">
+            <a:schemeClr val="accent1"/>
+          </a:effectRef>
+          <a:fontRef idx="minor">
+            <a:schemeClr val="lt1"/>
+          </a:fontRef>
+        </p:style>
+        <p:txBody>
+          <a:bodyPr rtlCol="0" anchor="ctr"/>
+          <a:lstStyle/>
+          <a:p>
+            <a:pPr algn="ctr"/>
+            <a:r>
+              <a:rPr lang="en-US" dirty="0">
+                <a:solidFill>
+                  <a:schemeClr val="tx1"/>
+                </a:solidFill>
+              </a:rPr>
+              <a:t>Host 1</a:t>
+            </a:r>
+          </a:p>
+        </p:txBody>
+      </p:sp>
+      <p:sp>
+        <p:nvSpPr>
+          <p:cNvPr id="113" name="Rectangle 112">
+            <a:extLst>
+              <a:ext uri="{FF2B5EF4-FFF2-40B4-BE49-F238E27FC236}">
+                <a16:creationId xmlns:a16="http://schemas.microsoft.com/office/drawing/2014/main" id="{58FA7448-7B0F-43F4-A246-03BDB307CBC0}"/>
+              </a:ext>
+            </a:extLst>
+          </p:cNvPr>
+          <p:cNvSpPr/>
+          <p:nvPr/>
+        </p:nvSpPr>
+        <p:spPr>
+          <a:xfrm>
+            <a:off x="8692145" y="2113631"/>
+            <a:ext cx="2089254" cy="224589"/>
+          </a:xfrm>
+          <a:prstGeom prst="rect">
+            <a:avLst/>
+          </a:prstGeom>
+          <a:solidFill>
+            <a:srgbClr val="00B050"/>
+          </a:solidFill>
+        </p:spPr>
+        <p:style>
+          <a:lnRef idx="2">
+            <a:schemeClr val="accent1">
+              <a:shade val="50000"/>
+            </a:schemeClr>
+          </a:lnRef>
+          <a:fillRef idx="1">
+            <a:schemeClr val="accent1"/>
+          </a:fillRef>
+          <a:effectRef idx="0">
+            <a:schemeClr val="accent1"/>
+          </a:effectRef>
+          <a:fontRef idx="minor">
+            <a:schemeClr val="lt1"/>
+          </a:fontRef>
+        </p:style>
+        <p:txBody>
+          <a:bodyPr rtlCol="0" anchor="ctr"/>
+          <a:lstStyle/>
+          <a:p>
+            <a:pPr algn="ctr"/>
+            <a:r>
+              <a:rPr lang="en-US" dirty="0"/>
+              <a:t>Programmed in P4</a:t>
+            </a:r>
+          </a:p>
+        </p:txBody>
+      </p:sp>
+      <p:sp>
+        <p:nvSpPr>
+          <p:cNvPr id="114" name="Rectangle 113">
+            <a:extLst>
+              <a:ext uri="{FF2B5EF4-FFF2-40B4-BE49-F238E27FC236}">
+                <a16:creationId xmlns:a16="http://schemas.microsoft.com/office/drawing/2014/main" id="{8981AA32-2977-41CF-9174-51C16EB7A3C1}"/>
+              </a:ext>
+            </a:extLst>
+          </p:cNvPr>
+          <p:cNvSpPr/>
+          <p:nvPr/>
+        </p:nvSpPr>
+        <p:spPr>
+          <a:xfrm>
+            <a:off x="8692145" y="2348203"/>
+            <a:ext cx="2089254" cy="240643"/>
+          </a:xfrm>
+          <a:prstGeom prst="rect">
+            <a:avLst/>
+          </a:prstGeom>
+          <a:solidFill>
+            <a:schemeClr val="accent4">
+              <a:lumMod val="40000"/>
+              <a:lumOff val="60000"/>
+            </a:schemeClr>
+          </a:solidFill>
+        </p:spPr>
+        <p:style>
+          <a:lnRef idx="2">
+            <a:schemeClr val="accent1">
+              <a:shade val="50000"/>
+            </a:schemeClr>
+          </a:lnRef>
+          <a:fillRef idx="1">
+            <a:schemeClr val="accent1"/>
+          </a:fillRef>
+          <a:effectRef idx="0">
+            <a:schemeClr val="accent1"/>
+          </a:effectRef>
+          <a:fontRef idx="minor">
+            <a:schemeClr val="lt1"/>
+          </a:fontRef>
+        </p:style>
+        <p:txBody>
+          <a:bodyPr rtlCol="0" anchor="ctr"/>
+          <a:lstStyle/>
+          <a:p>
+            <a:pPr algn="ctr"/>
+            <a:r>
+              <a:rPr lang="en-US" dirty="0">
+                <a:solidFill>
+                  <a:schemeClr val="tx1"/>
+                </a:solidFill>
+              </a:rPr>
+              <a:t>Fixed function</a:t>
+            </a:r>
+          </a:p>
+        </p:txBody>
+      </p:sp>
+      <p:sp>
+        <p:nvSpPr>
+          <p:cNvPr id="110" name="Isosceles Triangle 109">
+            <a:extLst>
+              <a:ext uri="{FF2B5EF4-FFF2-40B4-BE49-F238E27FC236}">
+                <a16:creationId xmlns:a16="http://schemas.microsoft.com/office/drawing/2014/main" id="{CBF41200-6B39-49A7-85D4-64606C55105F}"/>
+              </a:ext>
+            </a:extLst>
+          </p:cNvPr>
+          <p:cNvSpPr/>
+          <p:nvPr/>
+        </p:nvSpPr>
+        <p:spPr>
+          <a:xfrm rot="16200000">
+            <a:off x="8757559" y="4829463"/>
+            <a:ext cx="656879" cy="228392"/>
+          </a:xfrm>
+          <a:prstGeom prst="triangle">
+            <a:avLst>
+              <a:gd name="adj" fmla="val 50000"/>
+            </a:avLst>
+          </a:prstGeom>
+          <a:solidFill>
+            <a:schemeClr val="accent4">
+              <a:lumMod val="40000"/>
+              <a:lumOff val="60000"/>
+            </a:schemeClr>
+          </a:solidFill>
+        </p:spPr>
+        <p:style>
+          <a:lnRef idx="2">
+            <a:schemeClr val="accent1">
+              <a:shade val="50000"/>
+            </a:schemeClr>
+          </a:lnRef>
+          <a:fillRef idx="1">
+            <a:schemeClr val="accent1"/>
+          </a:fillRef>
+          <a:effectRef idx="0">
+            <a:schemeClr val="accent1"/>
+          </a:effectRef>
+          <a:fontRef idx="minor">
+            <a:schemeClr val="lt1"/>
+          </a:fontRef>
+        </p:style>
+        <p:txBody>
+          <a:bodyPr rtlCol="0" anchor="ctr"/>
+          <a:lstStyle/>
+          <a:p>
+            <a:pPr algn="ctr"/>
+            <a:endParaRPr lang="en-US" dirty="0"/>
+          </a:p>
+        </p:txBody>
+      </p:sp>
+      <p:sp>
+        <p:nvSpPr>
+          <p:cNvPr id="111" name="Isosceles Triangle 110">
+            <a:extLst>
+              <a:ext uri="{FF2B5EF4-FFF2-40B4-BE49-F238E27FC236}">
+                <a16:creationId xmlns:a16="http://schemas.microsoft.com/office/drawing/2014/main" id="{8EF40A48-3C9D-4A24-A40E-E4870584BA66}"/>
+              </a:ext>
+            </a:extLst>
+          </p:cNvPr>
+          <p:cNvSpPr/>
+          <p:nvPr/>
+        </p:nvSpPr>
+        <p:spPr>
+          <a:xfrm rot="16200000">
+            <a:off x="8757559" y="3218231"/>
+            <a:ext cx="656879" cy="228392"/>
+          </a:xfrm>
+          <a:prstGeom prst="triangle">
+            <a:avLst>
+              <a:gd name="adj" fmla="val 50000"/>
+            </a:avLst>
+          </a:prstGeom>
+          <a:solidFill>
+            <a:schemeClr val="accent4">
+              <a:lumMod val="40000"/>
+              <a:lumOff val="60000"/>
+            </a:schemeClr>
+          </a:solidFill>
+        </p:spPr>
+        <p:style>
+          <a:lnRef idx="2">
+            <a:schemeClr val="accent1">
+              <a:shade val="50000"/>
+            </a:schemeClr>
+          </a:lnRef>
+          <a:fillRef idx="1">
+            <a:schemeClr val="accent1"/>
+          </a:fillRef>
+          <a:effectRef idx="0">
+            <a:schemeClr val="accent1"/>
+          </a:effectRef>
+          <a:fontRef idx="minor">
+            <a:schemeClr val="lt1"/>
+          </a:fontRef>
+        </p:style>
+        <p:txBody>
+          <a:bodyPr rtlCol="0" anchor="ctr"/>
+          <a:lstStyle/>
+          <a:p>
+            <a:pPr algn="ctr"/>
+            <a:endParaRPr lang="en-US" dirty="0"/>
+          </a:p>
+        </p:txBody>
+      </p:sp>
+      <p:cxnSp>
+        <p:nvCxnSpPr>
+          <p:cNvPr id="112" name="Connector: Elbow 111">
+            <a:extLst>
+              <a:ext uri="{FF2B5EF4-FFF2-40B4-BE49-F238E27FC236}">
+                <a16:creationId xmlns:a16="http://schemas.microsoft.com/office/drawing/2014/main" id="{C64DEB71-3093-431E-88AF-4C2BE81668EF}"/>
+              </a:ext>
+            </a:extLst>
+          </p:cNvPr>
+          <p:cNvCxnSpPr>
+            <a:cxnSpLocks/>
+          </p:cNvCxnSpPr>
+          <p:nvPr/>
+        </p:nvCxnSpPr>
+        <p:spPr>
+          <a:xfrm rot="5400000" flipV="1">
+            <a:off x="8993077" y="3726372"/>
+            <a:ext cx="715787" cy="301552"/>
+          </a:xfrm>
+          <a:prstGeom prst="bentConnector3">
+            <a:avLst>
+              <a:gd name="adj1" fmla="val -3572"/>
+            </a:avLst>
+          </a:prstGeom>
+          <a:ln>
+            <a:tailEnd type="none"/>
+          </a:ln>
+        </p:spPr>
+        <p:style>
+          <a:lnRef idx="1">
+            <a:schemeClr val="accent1"/>
+          </a:lnRef>
+          <a:fillRef idx="0">
+            <a:schemeClr val="accent1"/>
+          </a:fillRef>
+          <a:effectRef idx="0">
+            <a:schemeClr val="accent1"/>
+          </a:effectRef>
+          <a:fontRef idx="minor">
+            <a:schemeClr val="tx1"/>
+          </a:fontRef>
+        </p:style>
+      </p:cxnSp>
+      <p:cxnSp>
+        <p:nvCxnSpPr>
+          <p:cNvPr id="115" name="Connector: Elbow 114">
+            <a:extLst>
+              <a:ext uri="{FF2B5EF4-FFF2-40B4-BE49-F238E27FC236}">
+                <a16:creationId xmlns:a16="http://schemas.microsoft.com/office/drawing/2014/main" id="{368C70F1-7509-412A-8F1A-A518E73EEB07}"/>
+              </a:ext>
+            </a:extLst>
+          </p:cNvPr>
+          <p:cNvCxnSpPr>
+            <a:cxnSpLocks/>
+          </p:cNvCxnSpPr>
+          <p:nvPr/>
+        </p:nvCxnSpPr>
+        <p:spPr>
+          <a:xfrm rot="16200000" flipH="1" flipV="1">
+            <a:off x="9072285" y="4344340"/>
+            <a:ext cx="554346" cy="298527"/>
+          </a:xfrm>
+          <a:prstGeom prst="bentConnector3">
+            <a:avLst>
+              <a:gd name="adj1" fmla="val 99663"/>
+            </a:avLst>
+          </a:prstGeom>
+          <a:ln>
+            <a:tailEnd type="triangle"/>
+          </a:ln>
+        </p:spPr>
+        <p:style>
+          <a:lnRef idx="1">
+            <a:schemeClr val="accent1"/>
+          </a:lnRef>
+          <a:fillRef idx="0">
+            <a:schemeClr val="accent1"/>
+          </a:fillRef>
+          <a:effectRef idx="0">
+            <a:schemeClr val="accent1"/>
+          </a:effectRef>
+          <a:fontRef idx="minor">
+            <a:schemeClr val="tx1"/>
+          </a:fontRef>
+        </p:style>
+      </p:cxnSp>
+      <p:cxnSp>
+        <p:nvCxnSpPr>
+          <p:cNvPr id="116" name="Straight Arrow Connector 115">
+            <a:extLst>
+              <a:ext uri="{FF2B5EF4-FFF2-40B4-BE49-F238E27FC236}">
+                <a16:creationId xmlns:a16="http://schemas.microsoft.com/office/drawing/2014/main" id="{D6EAE7FF-ED18-4376-A74D-07B093B5896D}"/>
+              </a:ext>
+            </a:extLst>
+          </p:cNvPr>
+          <p:cNvCxnSpPr>
+            <a:cxnSpLocks/>
+          </p:cNvCxnSpPr>
+          <p:nvPr/>
+        </p:nvCxnSpPr>
+        <p:spPr>
+          <a:xfrm rot="10800000">
+            <a:off x="9204576" y="5095376"/>
+            <a:ext cx="494377" cy="1"/>
+          </a:xfrm>
+          <a:prstGeom prst="straightConnector1">
+            <a:avLst/>
+          </a:prstGeom>
+          <a:ln>
+            <a:tailEnd type="triangle"/>
+          </a:ln>
+        </p:spPr>
+        <p:style>
+          <a:lnRef idx="1">
+            <a:schemeClr val="accent1"/>
+          </a:lnRef>
+          <a:fillRef idx="0">
+            <a:schemeClr val="accent1"/>
+          </a:fillRef>
+          <a:effectRef idx="0">
+            <a:schemeClr val="accent1"/>
+          </a:effectRef>
+          <a:fontRef idx="minor">
+            <a:schemeClr val="tx1"/>
+          </a:fontRef>
+        </p:style>
+      </p:cxnSp>
+      <p:cxnSp>
+        <p:nvCxnSpPr>
+          <p:cNvPr id="117" name="Straight Arrow Connector 116">
+            <a:extLst>
+              <a:ext uri="{FF2B5EF4-FFF2-40B4-BE49-F238E27FC236}">
+                <a16:creationId xmlns:a16="http://schemas.microsoft.com/office/drawing/2014/main" id="{2B8B9C9F-8E4C-4C30-AB47-9A5A956DF566}"/>
+              </a:ext>
+            </a:extLst>
+          </p:cNvPr>
+          <p:cNvCxnSpPr>
+            <a:cxnSpLocks/>
+          </p:cNvCxnSpPr>
+          <p:nvPr/>
+        </p:nvCxnSpPr>
+        <p:spPr>
+          <a:xfrm rot="10800000" flipH="1">
+            <a:off x="9204576" y="3180321"/>
+            <a:ext cx="487249" cy="0"/>
+          </a:xfrm>
+          <a:prstGeom prst="straightConnector1">
+            <a:avLst/>
+          </a:prstGeom>
+          <a:ln>
+            <a:tailEnd type="triangle"/>
+          </a:ln>
+        </p:spPr>
+        <p:style>
+          <a:lnRef idx="1">
+            <a:schemeClr val="accent1"/>
+          </a:lnRef>
+          <a:fillRef idx="0">
+            <a:schemeClr val="accent1"/>
+          </a:fillRef>
+          <a:effectRef idx="0">
+            <a:schemeClr val="accent1"/>
+          </a:effectRef>
+          <a:fontRef idx="minor">
+            <a:schemeClr val="tx1"/>
+          </a:fontRef>
+        </p:style>
+      </p:cxnSp>
+      <p:cxnSp>
+        <p:nvCxnSpPr>
+          <p:cNvPr id="118" name="Straight Arrow Connector 117">
+            <a:extLst>
+              <a:ext uri="{FF2B5EF4-FFF2-40B4-BE49-F238E27FC236}">
+                <a16:creationId xmlns:a16="http://schemas.microsoft.com/office/drawing/2014/main" id="{40462665-FCF8-4E8C-943A-0EF224BA3563}"/>
+              </a:ext>
+            </a:extLst>
+          </p:cNvPr>
+          <p:cNvCxnSpPr>
+            <a:cxnSpLocks/>
+            <a:stCxn id="86" idx="0"/>
+            <a:endCxn id="111" idx="0"/>
+          </p:cNvCxnSpPr>
+          <p:nvPr/>
+        </p:nvCxnSpPr>
+        <p:spPr>
+          <a:xfrm>
+            <a:off x="8793185" y="3328996"/>
+            <a:ext cx="178618" cy="3431"/>
+          </a:xfrm>
+          <a:prstGeom prst="straightConnector1">
+            <a:avLst/>
+          </a:prstGeom>
+          <a:ln>
+            <a:tailEnd type="triangle"/>
+          </a:ln>
+        </p:spPr>
+        <p:style>
+          <a:lnRef idx="1">
+            <a:schemeClr val="accent1"/>
+          </a:lnRef>
+          <a:fillRef idx="0">
+            <a:schemeClr val="accent1"/>
+          </a:fillRef>
+          <a:effectRef idx="0">
+            <a:schemeClr val="accent1"/>
+          </a:effectRef>
+          <a:fontRef idx="minor">
+            <a:schemeClr val="tx1"/>
+          </a:fontRef>
+        </p:style>
+      </p:cxnSp>
+      <p:cxnSp>
+        <p:nvCxnSpPr>
+          <p:cNvPr id="105" name="Connector: Elbow 104">
+            <a:extLst>
+              <a:ext uri="{FF2B5EF4-FFF2-40B4-BE49-F238E27FC236}">
+                <a16:creationId xmlns:a16="http://schemas.microsoft.com/office/drawing/2014/main" id="{AAD870DC-10F4-46EA-8DD1-22D68B525CA7}"/>
+              </a:ext>
+            </a:extLst>
+          </p:cNvPr>
+          <p:cNvCxnSpPr>
+            <a:cxnSpLocks/>
+          </p:cNvCxnSpPr>
+          <p:nvPr/>
+        </p:nvCxnSpPr>
+        <p:spPr>
+          <a:xfrm rot="5400000" flipH="1" flipV="1">
+            <a:off x="7200632" y="2735448"/>
+            <a:ext cx="676870" cy="136691"/>
+          </a:xfrm>
+          <a:prstGeom prst="bentConnector3">
+            <a:avLst>
+              <a:gd name="adj1" fmla="val -97"/>
+            </a:avLst>
+          </a:prstGeom>
+          <a:ln>
+            <a:tailEnd type="none"/>
+          </a:ln>
+        </p:spPr>
+        <p:style>
+          <a:lnRef idx="1">
+            <a:schemeClr val="accent1"/>
+          </a:lnRef>
+          <a:fillRef idx="0">
+            <a:schemeClr val="accent1"/>
+          </a:fillRef>
+          <a:effectRef idx="0">
+            <a:schemeClr val="accent1"/>
+          </a:effectRef>
+          <a:fontRef idx="minor">
+            <a:schemeClr val="tx1"/>
+          </a:fontRef>
+        </p:style>
+      </p:cxnSp>
+      <p:cxnSp>
+        <p:nvCxnSpPr>
+          <p:cNvPr id="126" name="Connector: Elbow 125">
+            <a:extLst>
+              <a:ext uri="{FF2B5EF4-FFF2-40B4-BE49-F238E27FC236}">
+                <a16:creationId xmlns:a16="http://schemas.microsoft.com/office/drawing/2014/main" id="{6D1D99B2-0E86-47B6-9123-9267435A5C00}"/>
+              </a:ext>
+            </a:extLst>
+          </p:cNvPr>
+          <p:cNvCxnSpPr>
+            <a:cxnSpLocks/>
+          </p:cNvCxnSpPr>
+          <p:nvPr/>
+        </p:nvCxnSpPr>
+        <p:spPr>
+          <a:xfrm rot="16200000" flipH="1">
+            <a:off x="5024235" y="2733173"/>
+            <a:ext cx="672330" cy="150304"/>
+          </a:xfrm>
+          <a:prstGeom prst="bentConnector3">
+            <a:avLst>
+              <a:gd name="adj1" fmla="val 100435"/>
+            </a:avLst>
+          </a:prstGeom>
+          <a:ln>
+            <a:tailEnd type="triangle"/>
+          </a:ln>
+        </p:spPr>
+        <p:style>
+          <a:lnRef idx="1">
+            <a:schemeClr val="accent1"/>
+          </a:lnRef>
+          <a:fillRef idx="0">
+            <a:schemeClr val="accent1"/>
+          </a:fillRef>
+          <a:effectRef idx="0">
+            <a:schemeClr val="accent1"/>
+          </a:effectRef>
+          <a:fontRef idx="minor">
+            <a:schemeClr val="tx1"/>
+          </a:fontRef>
+        </p:style>
+      </p:cxnSp>
+      <p:cxnSp>
+        <p:nvCxnSpPr>
+          <p:cNvPr id="178" name="Connector: Elbow 177">
+            <a:extLst>
+              <a:ext uri="{FF2B5EF4-FFF2-40B4-BE49-F238E27FC236}">
+                <a16:creationId xmlns:a16="http://schemas.microsoft.com/office/drawing/2014/main" id="{A750F747-27DB-43AF-84FE-43C67DC6B905}"/>
+              </a:ext>
+            </a:extLst>
+          </p:cNvPr>
+          <p:cNvCxnSpPr>
+            <a:cxnSpLocks/>
+          </p:cNvCxnSpPr>
+          <p:nvPr/>
+        </p:nvCxnSpPr>
+        <p:spPr>
+          <a:xfrm rot="16200000" flipH="1">
+            <a:off x="7326389" y="4490272"/>
+            <a:ext cx="403990" cy="115327"/>
+          </a:xfrm>
+          <a:prstGeom prst="bentConnector3">
+            <a:avLst>
+              <a:gd name="adj1" fmla="val 960"/>
+            </a:avLst>
+          </a:prstGeom>
+          <a:ln>
+            <a:tailEnd type="none"/>
+          </a:ln>
+        </p:spPr>
+        <p:style>
+          <a:lnRef idx="1">
+            <a:schemeClr val="accent1"/>
+          </a:lnRef>
+          <a:fillRef idx="0">
+            <a:schemeClr val="accent1"/>
+          </a:fillRef>
+          <a:effectRef idx="0">
+            <a:schemeClr val="accent1"/>
+          </a:effectRef>
+          <a:fontRef idx="minor">
+            <a:schemeClr val="tx1"/>
+          </a:fontRef>
+        </p:style>
+      </p:cxnSp>
+      <p:cxnSp>
+        <p:nvCxnSpPr>
+          <p:cNvPr id="180" name="Connector: Elbow 179">
+            <a:extLst>
+              <a:ext uri="{FF2B5EF4-FFF2-40B4-BE49-F238E27FC236}">
+                <a16:creationId xmlns:a16="http://schemas.microsoft.com/office/drawing/2014/main" id="{7C40998A-C287-47CA-9A06-025F2A66B1EE}"/>
+              </a:ext>
+            </a:extLst>
+          </p:cNvPr>
+          <p:cNvCxnSpPr>
+            <a:cxnSpLocks/>
+          </p:cNvCxnSpPr>
+          <p:nvPr/>
+        </p:nvCxnSpPr>
+        <p:spPr>
+          <a:xfrm rot="5400000" flipH="1" flipV="1">
+            <a:off x="5163407" y="4480360"/>
+            <a:ext cx="408827" cy="135459"/>
+          </a:xfrm>
+          <a:prstGeom prst="bentConnector3">
+            <a:avLst>
+              <a:gd name="adj1" fmla="val 99393"/>
+            </a:avLst>
+          </a:prstGeom>
+          <a:ln>
+            <a:tailEnd type="triangle"/>
+          </a:ln>
+        </p:spPr>
+        <p:style>
+          <a:lnRef idx="1">
+            <a:schemeClr val="accent1"/>
+          </a:lnRef>
+          <a:fillRef idx="0">
+            <a:schemeClr val="accent1"/>
+          </a:fillRef>
+          <a:effectRef idx="0">
+            <a:schemeClr val="accent1"/>
+          </a:effectRef>
+          <a:fontRef idx="minor">
+            <a:schemeClr val="tx1"/>
+          </a:fontRef>
+        </p:style>
+      </p:cxnSp>
+      <p:cxnSp>
+        <p:nvCxnSpPr>
+          <p:cNvPr id="182" name="Straight Connector 181">
+            <a:extLst>
+              <a:ext uri="{FF2B5EF4-FFF2-40B4-BE49-F238E27FC236}">
+                <a16:creationId xmlns:a16="http://schemas.microsoft.com/office/drawing/2014/main" id="{24155A40-B988-46ED-BC5E-C58015564533}"/>
+              </a:ext>
+            </a:extLst>
+          </p:cNvPr>
+          <p:cNvCxnSpPr>
+            <a:cxnSpLocks/>
+          </p:cNvCxnSpPr>
+          <p:nvPr/>
+        </p:nvCxnSpPr>
+        <p:spPr>
+          <a:xfrm flipH="1">
+            <a:off x="5300092" y="4747290"/>
+            <a:ext cx="2285956" cy="5212"/>
+          </a:xfrm>
+          <a:prstGeom prst="line">
+            <a:avLst/>
+          </a:prstGeom>
+        </p:spPr>
+        <p:style>
+          <a:lnRef idx="1">
+            <a:schemeClr val="accent1"/>
+          </a:lnRef>
+          <a:fillRef idx="0">
+            <a:schemeClr val="accent1"/>
+          </a:fillRef>
+          <a:effectRef idx="0">
+            <a:schemeClr val="accent1"/>
+          </a:effectRef>
+          <a:fontRef idx="minor">
+            <a:schemeClr val="tx1"/>
+          </a:fontRef>
+        </p:style>
+      </p:cxnSp>
+      <p:cxnSp>
+        <p:nvCxnSpPr>
+          <p:cNvPr id="106" name="Connector: Elbow 105">
+            <a:extLst>
+              <a:ext uri="{FF2B5EF4-FFF2-40B4-BE49-F238E27FC236}">
+                <a16:creationId xmlns:a16="http://schemas.microsoft.com/office/drawing/2014/main" id="{16B1E8FE-E0AE-4FF6-AC2B-2BC0EAF5B4C8}"/>
+              </a:ext>
+            </a:extLst>
+          </p:cNvPr>
+          <p:cNvCxnSpPr>
+            <a:cxnSpLocks/>
+            <a:stCxn id="138" idx="0"/>
+          </p:cNvCxnSpPr>
+          <p:nvPr/>
+        </p:nvCxnSpPr>
+        <p:spPr>
+          <a:xfrm>
+            <a:off x="2052479" y="3314619"/>
+            <a:ext cx="3367830" cy="172881"/>
+          </a:xfrm>
+          <a:prstGeom prst="bentConnector3">
+            <a:avLst>
+              <a:gd name="adj1" fmla="val 50000"/>
+            </a:avLst>
+          </a:prstGeom>
+          <a:ln>
+            <a:tailEnd type="triangle"/>
+          </a:ln>
+        </p:spPr>
+        <p:style>
+          <a:lnRef idx="1">
+            <a:schemeClr val="accent1"/>
+          </a:lnRef>
+          <a:fillRef idx="0">
+            <a:schemeClr val="accent1"/>
+          </a:fillRef>
+          <a:effectRef idx="0">
+            <a:schemeClr val="accent1"/>
+          </a:effectRef>
+          <a:fontRef idx="minor">
+            <a:schemeClr val="tx1"/>
+          </a:fontRef>
+        </p:style>
+      </p:cxnSp>
+      <p:sp>
+        <p:nvSpPr>
+          <p:cNvPr id="101" name="Rectangle 100">
+            <a:extLst>
+              <a:ext uri="{FF2B5EF4-FFF2-40B4-BE49-F238E27FC236}">
+                <a16:creationId xmlns:a16="http://schemas.microsoft.com/office/drawing/2014/main" id="{5BEE2C53-F970-432C-9EF0-B16395497DDB}"/>
+              </a:ext>
+            </a:extLst>
+          </p:cNvPr>
+          <p:cNvSpPr/>
+          <p:nvPr/>
+        </p:nvSpPr>
+        <p:spPr>
+          <a:xfrm rot="16200000">
+            <a:off x="10086062" y="4578852"/>
+            <a:ext cx="1022445" cy="368228"/>
+          </a:xfrm>
+          <a:prstGeom prst="rect">
+            <a:avLst/>
+          </a:prstGeom>
+          <a:solidFill>
+            <a:schemeClr val="bg2">
+              <a:lumMod val="90000"/>
+            </a:schemeClr>
+          </a:solidFill>
+        </p:spPr>
+        <p:style>
+          <a:lnRef idx="2">
+            <a:schemeClr val="accent1">
+              <a:shade val="50000"/>
+            </a:schemeClr>
+          </a:lnRef>
+          <a:fillRef idx="1">
+            <a:schemeClr val="accent1"/>
+          </a:fillRef>
+          <a:effectRef idx="0">
+            <a:schemeClr val="accent1"/>
+          </a:effectRef>
+          <a:fontRef idx="minor">
+            <a:schemeClr val="lt1"/>
+          </a:fontRef>
+        </p:style>
+        <p:txBody>
+          <a:bodyPr rtlCol="0" anchor="ctr"/>
+          <a:lstStyle/>
+          <a:p>
+            <a:pPr algn="ctr"/>
+            <a:r>
+              <a:rPr lang="en-US" dirty="0">
+                <a:solidFill>
+                  <a:schemeClr val="tx1"/>
+                </a:solidFill>
+              </a:rPr>
+              <a:t>Host N</a:t>
+            </a:r>
+          </a:p>
+        </p:txBody>
+      </p:sp>
+      <p:cxnSp>
+        <p:nvCxnSpPr>
+          <p:cNvPr id="102" name="Straight Arrow Connector 101">
+            <a:extLst>
+              <a:ext uri="{FF2B5EF4-FFF2-40B4-BE49-F238E27FC236}">
+                <a16:creationId xmlns:a16="http://schemas.microsoft.com/office/drawing/2014/main" id="{EB96FCB9-19D5-432B-B874-01E971C45BF4}"/>
+              </a:ext>
+            </a:extLst>
+          </p:cNvPr>
+          <p:cNvCxnSpPr>
+            <a:cxnSpLocks/>
+            <a:endCxn id="101" idx="0"/>
+          </p:cNvCxnSpPr>
+          <p:nvPr/>
+        </p:nvCxnSpPr>
+        <p:spPr>
+          <a:xfrm>
+            <a:off x="10101319" y="4762966"/>
+            <a:ext cx="311852" cy="0"/>
+          </a:xfrm>
+          <a:prstGeom prst="straightConnector1">
+            <a:avLst/>
+          </a:prstGeom>
+          <a:ln>
+            <a:headEnd type="triangle"/>
+            <a:tailEnd type="triangle"/>
+          </a:ln>
+        </p:spPr>
+        <p:style>
+          <a:lnRef idx="1">
+            <a:schemeClr val="accent1"/>
+          </a:lnRef>
+          <a:fillRef idx="0">
+            <a:schemeClr val="accent1"/>
+          </a:fillRef>
+          <a:effectRef idx="0">
+            <a:schemeClr val="accent1"/>
+          </a:effectRef>
+          <a:fontRef idx="minor">
+            <a:schemeClr val="tx1"/>
+          </a:fontRef>
+        </p:style>
+      </p:cxnSp>
+      <p:sp>
+        <p:nvSpPr>
+          <p:cNvPr id="107" name="TextBox 106">
+            <a:extLst>
+              <a:ext uri="{FF2B5EF4-FFF2-40B4-BE49-F238E27FC236}">
+                <a16:creationId xmlns:a16="http://schemas.microsoft.com/office/drawing/2014/main" id="{A6F5D3B7-9CD0-4224-9762-C76C79E1371B}"/>
+              </a:ext>
+            </a:extLst>
+          </p:cNvPr>
+          <p:cNvSpPr txBox="1"/>
+          <p:nvPr/>
+        </p:nvSpPr>
+        <p:spPr>
+          <a:xfrm rot="16200000">
+            <a:off x="10444675" y="4005660"/>
+            <a:ext cx="238248" cy="253916"/>
+          </a:xfrm>
+          <a:prstGeom prst="rect">
+            <a:avLst/>
+          </a:prstGeom>
+          <a:noFill/>
+        </p:spPr>
+        <p:txBody>
+          <a:bodyPr wrap="square" rtlCol="0">
+            <a:spAutoFit/>
+          </a:bodyPr>
+          <a:lstStyle/>
+          <a:p>
+            <a:pPr algn="ctr"/>
+            <a:r>
+              <a:rPr lang="en-US" sz="1050" dirty="0"/>
+              <a:t>…</a:t>
+            </a:r>
+          </a:p>
+        </p:txBody>
+      </p:sp>
+      <p:cxnSp>
+        <p:nvCxnSpPr>
+          <p:cNvPr id="132" name="Straight Connector 131">
+            <a:extLst>
+              <a:ext uri="{FF2B5EF4-FFF2-40B4-BE49-F238E27FC236}">
+                <a16:creationId xmlns:a16="http://schemas.microsoft.com/office/drawing/2014/main" id="{E68CB67B-70A7-45EE-8A0E-7C71A2AAD5EE}"/>
+              </a:ext>
+            </a:extLst>
+          </p:cNvPr>
+          <p:cNvCxnSpPr>
+            <a:cxnSpLocks/>
+            <a:stCxn id="120" idx="1"/>
+          </p:cNvCxnSpPr>
+          <p:nvPr/>
+        </p:nvCxnSpPr>
+        <p:spPr>
+          <a:xfrm flipH="1">
+            <a:off x="5279521" y="2465666"/>
+            <a:ext cx="478326" cy="2858"/>
+          </a:xfrm>
+          <a:prstGeom prst="line">
+            <a:avLst/>
+          </a:prstGeom>
+        </p:spPr>
+        <p:style>
+          <a:lnRef idx="1">
+            <a:schemeClr val="accent1"/>
+          </a:lnRef>
+          <a:fillRef idx="0">
+            <a:schemeClr val="accent1"/>
+          </a:fillRef>
+          <a:effectRef idx="0">
+            <a:schemeClr val="accent1"/>
+          </a:effectRef>
+          <a:fontRef idx="minor">
+            <a:schemeClr val="tx1"/>
+          </a:fontRef>
+        </p:style>
+      </p:cxnSp>
+      <p:cxnSp>
+        <p:nvCxnSpPr>
+          <p:cNvPr id="139" name="Straight Connector 138">
+            <a:extLst>
+              <a:ext uri="{FF2B5EF4-FFF2-40B4-BE49-F238E27FC236}">
+                <a16:creationId xmlns:a16="http://schemas.microsoft.com/office/drawing/2014/main" id="{D6D160BB-BE99-473D-BF09-70004A67BE35}"/>
+              </a:ext>
+            </a:extLst>
+          </p:cNvPr>
+          <p:cNvCxnSpPr>
+            <a:cxnSpLocks/>
+            <a:endCxn id="120" idx="3"/>
+          </p:cNvCxnSpPr>
+          <p:nvPr/>
+        </p:nvCxnSpPr>
+        <p:spPr>
+          <a:xfrm flipH="1">
+            <a:off x="7163872" y="2465359"/>
+            <a:ext cx="443542" cy="307"/>
+          </a:xfrm>
+          <a:prstGeom prst="line">
+            <a:avLst/>
+          </a:prstGeom>
+        </p:spPr>
+        <p:style>
+          <a:lnRef idx="1">
+            <a:schemeClr val="accent1"/>
+          </a:lnRef>
+          <a:fillRef idx="0">
+            <a:schemeClr val="accent1"/>
+          </a:fillRef>
+          <a:effectRef idx="0">
+            <a:schemeClr val="accent1"/>
+          </a:effectRef>
+          <a:fontRef idx="minor">
+            <a:schemeClr val="tx1"/>
+          </a:fontRef>
+        </p:style>
+      </p:cxnSp>
+      <p:sp>
+        <p:nvSpPr>
+          <p:cNvPr id="145" name="Rectangle 144">
+            <a:extLst>
+              <a:ext uri="{FF2B5EF4-FFF2-40B4-BE49-F238E27FC236}">
+                <a16:creationId xmlns:a16="http://schemas.microsoft.com/office/drawing/2014/main" id="{69B7E0ED-8772-44A6-BD46-8EBA68442208}"/>
+              </a:ext>
+            </a:extLst>
+          </p:cNvPr>
+          <p:cNvSpPr/>
+          <p:nvPr/>
+        </p:nvSpPr>
+        <p:spPr>
+          <a:xfrm rot="16200000">
+            <a:off x="5554161" y="3655629"/>
+            <a:ext cx="1494503" cy="200960"/>
+          </a:xfrm>
+          <a:prstGeom prst="rect">
+            <a:avLst/>
+          </a:prstGeom>
+          <a:solidFill>
+            <a:srgbClr val="00B050"/>
+          </a:solidFill>
+        </p:spPr>
+        <p:style>
+          <a:lnRef idx="2">
+            <a:schemeClr val="accent1">
+              <a:shade val="50000"/>
+            </a:schemeClr>
+          </a:lnRef>
+          <a:fillRef idx="1">
+            <a:schemeClr val="accent1"/>
+          </a:fillRef>
+          <a:effectRef idx="0">
+            <a:schemeClr val="accent1"/>
+          </a:effectRef>
+          <a:fontRef idx="minor">
+            <a:schemeClr val="lt1"/>
+          </a:fontRef>
+        </p:style>
+        <p:txBody>
+          <a:bodyPr rtlCol="0" anchor="ctr"/>
+          <a:lstStyle/>
+          <a:p>
+            <a:pPr algn="ctr"/>
+            <a:r>
+              <a:rPr lang="en-US" dirty="0"/>
+              <a:t>Pre control</a:t>
+            </a:r>
+          </a:p>
+        </p:txBody>
+      </p:sp>
+      <p:cxnSp>
+        <p:nvCxnSpPr>
+          <p:cNvPr id="146" name="Straight Arrow Connector 145">
+            <a:extLst>
+              <a:ext uri="{FF2B5EF4-FFF2-40B4-BE49-F238E27FC236}">
+                <a16:creationId xmlns:a16="http://schemas.microsoft.com/office/drawing/2014/main" id="{57FA4F80-C4C0-4859-884B-41920790CA7A}"/>
+              </a:ext>
+            </a:extLst>
+          </p:cNvPr>
+          <p:cNvCxnSpPr>
+            <a:cxnSpLocks/>
+          </p:cNvCxnSpPr>
+          <p:nvPr/>
+        </p:nvCxnSpPr>
+        <p:spPr>
+          <a:xfrm rot="16200000">
+            <a:off x="6138871" y="3245092"/>
+            <a:ext cx="0" cy="138113"/>
+          </a:xfrm>
+          <a:prstGeom prst="straightConnector1">
+            <a:avLst/>
+          </a:prstGeom>
+          <a:ln>
+            <a:tailEnd type="triangle"/>
+          </a:ln>
+        </p:spPr>
+        <p:style>
+          <a:lnRef idx="1">
+            <a:schemeClr val="accent1"/>
+          </a:lnRef>
+          <a:fillRef idx="0">
+            <a:schemeClr val="accent1"/>
+          </a:fillRef>
+          <a:effectRef idx="0">
+            <a:schemeClr val="accent1"/>
+          </a:effectRef>
+          <a:fontRef idx="minor">
+            <a:schemeClr val="tx1"/>
+          </a:fontRef>
+        </p:style>
+      </p:cxnSp>
+      <p:cxnSp>
+        <p:nvCxnSpPr>
+          <p:cNvPr id="147" name="Straight Arrow Connector 146">
+            <a:extLst>
+              <a:ext uri="{FF2B5EF4-FFF2-40B4-BE49-F238E27FC236}">
+                <a16:creationId xmlns:a16="http://schemas.microsoft.com/office/drawing/2014/main" id="{BCD7B2CD-4139-4CA0-8F3D-C2F75675CAD0}"/>
+              </a:ext>
+            </a:extLst>
+          </p:cNvPr>
+          <p:cNvCxnSpPr>
+            <a:cxnSpLocks/>
+          </p:cNvCxnSpPr>
+          <p:nvPr/>
+        </p:nvCxnSpPr>
+        <p:spPr>
+          <a:xfrm rot="16200000">
+            <a:off x="6135373" y="4114822"/>
+            <a:ext cx="0" cy="145108"/>
+          </a:xfrm>
+          <a:prstGeom prst="straightConnector1">
+            <a:avLst/>
+          </a:prstGeom>
+          <a:ln>
+            <a:tailEnd type="triangle"/>
+          </a:ln>
+        </p:spPr>
+        <p:style>
+          <a:lnRef idx="1">
+            <a:schemeClr val="accent1"/>
+          </a:lnRef>
+          <a:fillRef idx="0">
+            <a:schemeClr val="accent1"/>
+          </a:fillRef>
+          <a:effectRef idx="0">
+            <a:schemeClr val="accent1"/>
+          </a:effectRef>
+          <a:fontRef idx="minor">
+            <a:schemeClr val="tx1"/>
+          </a:fontRef>
+        </p:style>
+      </p:cxnSp>
+      <p:sp>
+        <p:nvSpPr>
+          <p:cNvPr id="99" name="TextBox 98">
+            <a:extLst>
+              <a:ext uri="{FF2B5EF4-FFF2-40B4-BE49-F238E27FC236}">
+                <a16:creationId xmlns:a16="http://schemas.microsoft.com/office/drawing/2014/main" id="{F31E1F81-C123-4B8C-AFFE-822C841B60A5}"/>
+              </a:ext>
+            </a:extLst>
+          </p:cNvPr>
+          <p:cNvSpPr txBox="1"/>
+          <p:nvPr/>
+        </p:nvSpPr>
+        <p:spPr>
+          <a:xfrm>
+            <a:off x="2358692" y="1630427"/>
+            <a:ext cx="2920829" cy="532159"/>
+          </a:xfrm>
+          <a:prstGeom prst="rect">
+            <a:avLst/>
+          </a:prstGeom>
+          <a:noFill/>
+        </p:spPr>
+        <p:txBody>
+          <a:bodyPr wrap="square" rtlCol="0">
+            <a:spAutoFit/>
+          </a:bodyPr>
+          <a:lstStyle/>
+          <a:p>
+            <a:r>
+              <a:rPr lang="en-US" sz="1400" dirty="0"/>
+              <a:t>Example of net-to-host inline extern is full payload IPsec decryption.</a:t>
+            </a:r>
+          </a:p>
+        </p:txBody>
+      </p:sp>
+      <p:sp>
+        <p:nvSpPr>
+          <p:cNvPr id="3" name="Freeform: Shape 2">
+            <a:extLst>
+              <a:ext uri="{FF2B5EF4-FFF2-40B4-BE49-F238E27FC236}">
+                <a16:creationId xmlns:a16="http://schemas.microsoft.com/office/drawing/2014/main" id="{1F110F3B-3F70-4867-9070-C4741133EAA1}"/>
+              </a:ext>
+            </a:extLst>
+          </p:cNvPr>
+          <p:cNvSpPr/>
+          <p:nvPr/>
+        </p:nvSpPr>
+        <p:spPr>
+          <a:xfrm>
+            <a:off x="5143500" y="1583871"/>
+            <a:ext cx="1015738" cy="489858"/>
+          </a:xfrm>
+          <a:custGeom>
+            <a:avLst/>
+            <a:gdLst>
+              <a:gd name="connsiteX0" fmla="*/ 0 w 1015738"/>
+              <a:gd name="connsiteY0" fmla="*/ 163286 h 489858"/>
+              <a:gd name="connsiteX1" fmla="*/ 187779 w 1015738"/>
+              <a:gd name="connsiteY1" fmla="*/ 146958 h 489858"/>
+              <a:gd name="connsiteX2" fmla="*/ 220436 w 1015738"/>
+              <a:gd name="connsiteY2" fmla="*/ 138793 h 489858"/>
+              <a:gd name="connsiteX3" fmla="*/ 253093 w 1015738"/>
+              <a:gd name="connsiteY3" fmla="*/ 122465 h 489858"/>
+              <a:gd name="connsiteX4" fmla="*/ 277586 w 1015738"/>
+              <a:gd name="connsiteY4" fmla="*/ 114300 h 489858"/>
+              <a:gd name="connsiteX5" fmla="*/ 302079 w 1015738"/>
+              <a:gd name="connsiteY5" fmla="*/ 89808 h 489858"/>
+              <a:gd name="connsiteX6" fmla="*/ 391886 w 1015738"/>
+              <a:gd name="connsiteY6" fmla="*/ 48986 h 489858"/>
+              <a:gd name="connsiteX7" fmla="*/ 440871 w 1015738"/>
+              <a:gd name="connsiteY7" fmla="*/ 40822 h 489858"/>
+              <a:gd name="connsiteX8" fmla="*/ 571500 w 1015738"/>
+              <a:gd name="connsiteY8" fmla="*/ 0 h 489858"/>
+              <a:gd name="connsiteX9" fmla="*/ 832757 w 1015738"/>
+              <a:gd name="connsiteY9" fmla="*/ 16329 h 489858"/>
+              <a:gd name="connsiteX10" fmla="*/ 881743 w 1015738"/>
+              <a:gd name="connsiteY10" fmla="*/ 32658 h 489858"/>
+              <a:gd name="connsiteX11" fmla="*/ 930729 w 1015738"/>
+              <a:gd name="connsiteY11" fmla="*/ 65315 h 489858"/>
+              <a:gd name="connsiteX12" fmla="*/ 971550 w 1015738"/>
+              <a:gd name="connsiteY12" fmla="*/ 114300 h 489858"/>
+              <a:gd name="connsiteX13" fmla="*/ 987879 w 1015738"/>
+              <a:gd name="connsiteY13" fmla="*/ 138793 h 489858"/>
+              <a:gd name="connsiteX14" fmla="*/ 1012371 w 1015738"/>
+              <a:gd name="connsiteY14" fmla="*/ 163286 h 489858"/>
+              <a:gd name="connsiteX15" fmla="*/ 1012371 w 1015738"/>
+              <a:gd name="connsiteY15" fmla="*/ 489858 h 489858"/>
+            </a:gdLst>
+            <a:ahLst/>
+            <a:cxnLst>
+              <a:cxn ang="0">
+                <a:pos x="connsiteX0" y="connsiteY0"/>
+              </a:cxn>
+              <a:cxn ang="0">
+                <a:pos x="connsiteX1" y="connsiteY1"/>
+              </a:cxn>
+              <a:cxn ang="0">
+                <a:pos x="connsiteX2" y="connsiteY2"/>
+              </a:cxn>
+              <a:cxn ang="0">
+                <a:pos x="connsiteX3" y="connsiteY3"/>
+              </a:cxn>
+              <a:cxn ang="0">
+                <a:pos x="connsiteX4" y="connsiteY4"/>
+              </a:cxn>
+              <a:cxn ang="0">
+                <a:pos x="connsiteX5" y="connsiteY5"/>
+              </a:cxn>
+              <a:cxn ang="0">
+                <a:pos x="connsiteX6" y="connsiteY6"/>
+              </a:cxn>
+              <a:cxn ang="0">
+                <a:pos x="connsiteX7" y="connsiteY7"/>
+              </a:cxn>
+              <a:cxn ang="0">
+                <a:pos x="connsiteX8" y="connsiteY8"/>
+              </a:cxn>
+              <a:cxn ang="0">
+                <a:pos x="connsiteX9" y="connsiteY9"/>
+              </a:cxn>
+              <a:cxn ang="0">
+                <a:pos x="connsiteX10" y="connsiteY10"/>
+              </a:cxn>
+              <a:cxn ang="0">
+                <a:pos x="connsiteX11" y="connsiteY11"/>
+              </a:cxn>
+              <a:cxn ang="0">
+                <a:pos x="connsiteX12" y="connsiteY12"/>
+              </a:cxn>
+              <a:cxn ang="0">
+                <a:pos x="connsiteX13" y="connsiteY13"/>
+              </a:cxn>
+              <a:cxn ang="0">
+                <a:pos x="connsiteX14" y="connsiteY14"/>
+              </a:cxn>
+              <a:cxn ang="0">
+                <a:pos x="connsiteX15" y="connsiteY15"/>
+              </a:cxn>
+            </a:cxnLst>
+            <a:rect l="l" t="t" r="r" b="b"/>
+            <a:pathLst>
+              <a:path w="1015738" h="489858" extrusionOk="0">
+                <a:moveTo>
+                  <a:pt x="0" y="163286"/>
+                </a:moveTo>
+                <a:cubicBezTo>
+                  <a:pt x="116835" y="155431"/>
+                  <a:pt x="108867" y="164777"/>
+                  <a:pt x="187779" y="146958"/>
+                </a:cubicBezTo>
+                <a:cubicBezTo>
+                  <a:pt x="199055" y="144592"/>
+                  <a:pt x="207621" y="142806"/>
+                  <a:pt x="220436" y="138793"/>
+                </a:cubicBezTo>
+                <a:cubicBezTo>
+                  <a:pt x="230637" y="135687"/>
+                  <a:pt x="241571" y="129118"/>
+                  <a:pt x="253093" y="122465"/>
+                </a:cubicBezTo>
+                <a:cubicBezTo>
+                  <a:pt x="259913" y="118479"/>
+                  <a:pt x="271100" y="117824"/>
+                  <a:pt x="277586" y="114300"/>
+                </a:cubicBezTo>
+                <a:cubicBezTo>
+                  <a:pt x="287598" y="106355"/>
+                  <a:pt x="293407" y="93807"/>
+                  <a:pt x="302079" y="89808"/>
+                </a:cubicBezTo>
+                <a:cubicBezTo>
+                  <a:pt x="311986" y="81167"/>
+                  <a:pt x="364415" y="55918"/>
+                  <a:pt x="391886" y="48986"/>
+                </a:cubicBezTo>
+                <a:cubicBezTo>
+                  <a:pt x="407918" y="44184"/>
+                  <a:pt x="423751" y="44643"/>
+                  <a:pt x="440871" y="40822"/>
+                </a:cubicBezTo>
+                <a:cubicBezTo>
+                  <a:pt x="540013" y="3209"/>
+                  <a:pt x="500311" y="14597"/>
+                  <a:pt x="571500" y="0"/>
+                </a:cubicBezTo>
+                <a:cubicBezTo>
+                  <a:pt x="648776" y="3856"/>
+                  <a:pt x="761728" y="20073"/>
+                  <a:pt x="832757" y="16329"/>
+                </a:cubicBezTo>
+                <a:cubicBezTo>
+                  <a:pt x="851888" y="21130"/>
+                  <a:pt x="867488" y="23790"/>
+                  <a:pt x="881743" y="32658"/>
+                </a:cubicBezTo>
+                <a:cubicBezTo>
+                  <a:pt x="902496" y="43234"/>
+                  <a:pt x="911900" y="54493"/>
+                  <a:pt x="930729" y="65315"/>
+                </a:cubicBezTo>
+                <a:cubicBezTo>
+                  <a:pt x="976119" y="120092"/>
+                  <a:pt x="906056" y="46376"/>
+                  <a:pt x="971550" y="114300"/>
+                </a:cubicBezTo>
+                <a:cubicBezTo>
+                  <a:pt x="977161" y="120165"/>
+                  <a:pt x="981273" y="130950"/>
+                  <a:pt x="987879" y="138793"/>
+                </a:cubicBezTo>
+                <a:cubicBezTo>
+                  <a:pt x="994271" y="146169"/>
+                  <a:pt x="1010919" y="154207"/>
+                  <a:pt x="1012371" y="163286"/>
+                </a:cubicBezTo>
+                <a:cubicBezTo>
+                  <a:pt x="1017556" y="264685"/>
+                  <a:pt x="1025477" y="378339"/>
+                  <a:pt x="1012371" y="489858"/>
+                </a:cubicBezTo>
+              </a:path>
+            </a:pathLst>
+          </a:custGeom>
+          <a:noFill/>
+          <a:ln>
+            <a:prstDash val="dash"/>
+            <a:tailEnd type="triangle" w="med" len="lg"/>
+            <a:extLst>
+              <a:ext uri="{C807C97D-BFC1-408E-A445-0C87EB9F89A2}">
+                <ask:lineSketchStyleProps xmlns:ask="http://schemas.microsoft.com/office/drawing/2018/sketchyshapes" sd="1219033472">
+                  <a:custGeom>
+                    <a:avLst/>
+                    <a:gdLst>
+                      <a:gd name="connsiteX0" fmla="*/ 0 w 1015738"/>
+                      <a:gd name="connsiteY0" fmla="*/ 163286 h 489858"/>
+                      <a:gd name="connsiteX1" fmla="*/ 187779 w 1015738"/>
+                      <a:gd name="connsiteY1" fmla="*/ 146958 h 489858"/>
+                      <a:gd name="connsiteX2" fmla="*/ 220436 w 1015738"/>
+                      <a:gd name="connsiteY2" fmla="*/ 138793 h 489858"/>
+                      <a:gd name="connsiteX3" fmla="*/ 253093 w 1015738"/>
+                      <a:gd name="connsiteY3" fmla="*/ 122465 h 489858"/>
+                      <a:gd name="connsiteX4" fmla="*/ 277586 w 1015738"/>
+                      <a:gd name="connsiteY4" fmla="*/ 114300 h 489858"/>
+                      <a:gd name="connsiteX5" fmla="*/ 302079 w 1015738"/>
+                      <a:gd name="connsiteY5" fmla="*/ 89808 h 489858"/>
+                      <a:gd name="connsiteX6" fmla="*/ 391886 w 1015738"/>
+                      <a:gd name="connsiteY6" fmla="*/ 48986 h 489858"/>
+                      <a:gd name="connsiteX7" fmla="*/ 440871 w 1015738"/>
+                      <a:gd name="connsiteY7" fmla="*/ 40822 h 489858"/>
+                      <a:gd name="connsiteX8" fmla="*/ 571500 w 1015738"/>
+                      <a:gd name="connsiteY8" fmla="*/ 0 h 489858"/>
+                      <a:gd name="connsiteX9" fmla="*/ 832757 w 1015738"/>
+                      <a:gd name="connsiteY9" fmla="*/ 16329 h 489858"/>
+                      <a:gd name="connsiteX10" fmla="*/ 881743 w 1015738"/>
+                      <a:gd name="connsiteY10" fmla="*/ 32658 h 489858"/>
+                      <a:gd name="connsiteX11" fmla="*/ 930729 w 1015738"/>
+                      <a:gd name="connsiteY11" fmla="*/ 65315 h 489858"/>
+                      <a:gd name="connsiteX12" fmla="*/ 971550 w 1015738"/>
+                      <a:gd name="connsiteY12" fmla="*/ 114300 h 489858"/>
+                      <a:gd name="connsiteX13" fmla="*/ 987879 w 1015738"/>
+                      <a:gd name="connsiteY13" fmla="*/ 138793 h 489858"/>
+                      <a:gd name="connsiteX14" fmla="*/ 1012371 w 1015738"/>
+                      <a:gd name="connsiteY14" fmla="*/ 163286 h 489858"/>
+                      <a:gd name="connsiteX15" fmla="*/ 1012371 w 1015738"/>
+                      <a:gd name="connsiteY15" fmla="*/ 489858 h 489858"/>
+                    </a:gdLst>
+                    <a:ahLst/>
+                    <a:cxnLst>
+                      <a:cxn ang="0">
+                        <a:pos x="connsiteX0" y="connsiteY0"/>
+                      </a:cxn>
+                      <a:cxn ang="0">
+                        <a:pos x="connsiteX1" y="connsiteY1"/>
+                      </a:cxn>
+                      <a:cxn ang="0">
+                        <a:pos x="connsiteX2" y="connsiteY2"/>
+                      </a:cxn>
+                      <a:cxn ang="0">
+                        <a:pos x="connsiteX3" y="connsiteY3"/>
+                      </a:cxn>
+                      <a:cxn ang="0">
+                        <a:pos x="connsiteX4" y="connsiteY4"/>
+                      </a:cxn>
+                      <a:cxn ang="0">
+                        <a:pos x="connsiteX5" y="connsiteY5"/>
+                      </a:cxn>
+                      <a:cxn ang="0">
+                        <a:pos x="connsiteX6" y="connsiteY6"/>
+                      </a:cxn>
+                      <a:cxn ang="0">
+                        <a:pos x="connsiteX7" y="connsiteY7"/>
+                      </a:cxn>
+                      <a:cxn ang="0">
+                        <a:pos x="connsiteX8" y="connsiteY8"/>
+                      </a:cxn>
+                      <a:cxn ang="0">
+                        <a:pos x="connsiteX9" y="connsiteY9"/>
+                      </a:cxn>
+                      <a:cxn ang="0">
+                        <a:pos x="connsiteX10" y="connsiteY10"/>
+                      </a:cxn>
+                      <a:cxn ang="0">
+                        <a:pos x="connsiteX11" y="connsiteY11"/>
+                      </a:cxn>
+                      <a:cxn ang="0">
+                        <a:pos x="connsiteX12" y="connsiteY12"/>
+                      </a:cxn>
+                      <a:cxn ang="0">
+                        <a:pos x="connsiteX13" y="connsiteY13"/>
+                      </a:cxn>
+                      <a:cxn ang="0">
+                        <a:pos x="connsiteX14" y="connsiteY14"/>
+                      </a:cxn>
+                      <a:cxn ang="0">
+                        <a:pos x="connsiteX15" y="connsiteY15"/>
+                      </a:cxn>
+                    </a:cxnLst>
+                    <a:rect l="l" t="t" r="r" b="b"/>
+                    <a:pathLst>
+                      <a:path w="1015738" h="489858">
+                        <a:moveTo>
+                          <a:pt x="0" y="163286"/>
+                        </a:moveTo>
+                        <a:cubicBezTo>
+                          <a:pt x="118865" y="156683"/>
+                          <a:pt x="110713" y="164084"/>
+                          <a:pt x="187779" y="146958"/>
+                        </a:cubicBezTo>
+                        <a:cubicBezTo>
+                          <a:pt x="198733" y="144524"/>
+                          <a:pt x="209930" y="142733"/>
+                          <a:pt x="220436" y="138793"/>
+                        </a:cubicBezTo>
+                        <a:cubicBezTo>
+                          <a:pt x="231832" y="134520"/>
+                          <a:pt x="241907" y="127259"/>
+                          <a:pt x="253093" y="122465"/>
+                        </a:cubicBezTo>
+                        <a:cubicBezTo>
+                          <a:pt x="261003" y="119075"/>
+                          <a:pt x="269422" y="117022"/>
+                          <a:pt x="277586" y="114300"/>
+                        </a:cubicBezTo>
+                        <a:cubicBezTo>
+                          <a:pt x="285750" y="106136"/>
+                          <a:pt x="292338" y="96007"/>
+                          <a:pt x="302079" y="89808"/>
+                        </a:cubicBezTo>
+                        <a:cubicBezTo>
+                          <a:pt x="314946" y="81620"/>
+                          <a:pt x="365565" y="54835"/>
+                          <a:pt x="391886" y="48986"/>
+                        </a:cubicBezTo>
+                        <a:cubicBezTo>
+                          <a:pt x="408045" y="45395"/>
+                          <a:pt x="424543" y="43543"/>
+                          <a:pt x="440871" y="40822"/>
+                        </a:cubicBezTo>
+                        <a:cubicBezTo>
+                          <a:pt x="537884" y="2017"/>
+                          <a:pt x="493602" y="12984"/>
+                          <a:pt x="571500" y="0"/>
+                        </a:cubicBezTo>
+                        <a:cubicBezTo>
+                          <a:pt x="658586" y="5443"/>
+                          <a:pt x="745981" y="7194"/>
+                          <a:pt x="832757" y="16329"/>
+                        </a:cubicBezTo>
+                        <a:cubicBezTo>
+                          <a:pt x="849874" y="18131"/>
+                          <a:pt x="867422" y="23111"/>
+                          <a:pt x="881743" y="32658"/>
+                        </a:cubicBezTo>
+                        <a:lnTo>
+                          <a:pt x="930729" y="65315"/>
+                        </a:lnTo>
+                        <a:cubicBezTo>
+                          <a:pt x="971264" y="126120"/>
+                          <a:pt x="919170" y="51446"/>
+                          <a:pt x="971550" y="114300"/>
+                        </a:cubicBezTo>
+                        <a:cubicBezTo>
+                          <a:pt x="977832" y="121838"/>
+                          <a:pt x="981597" y="131255"/>
+                          <a:pt x="987879" y="138793"/>
+                        </a:cubicBezTo>
+                        <a:cubicBezTo>
+                          <a:pt x="995270" y="147663"/>
+                          <a:pt x="1011567" y="151768"/>
+                          <a:pt x="1012371" y="163286"/>
+                        </a:cubicBezTo>
+                        <a:cubicBezTo>
+                          <a:pt x="1019947" y="271879"/>
+                          <a:pt x="1012371" y="381001"/>
+                          <a:pt x="1012371" y="489858"/>
+                        </a:cubicBezTo>
+                      </a:path>
+                    </a:pathLst>
+                  </a:custGeom>
+                  <ask:type>
+                    <ask:lineSketchFreehand/>
+                  </ask:type>
+                </ask:lineSketchStyleProps>
+              </a:ext>
+            </a:extLst>
+          </a:ln>
+        </p:spPr>
+        <p:style>
+          <a:lnRef idx="2">
+            <a:schemeClr val="accent1">
+              <a:shade val="50000"/>
+            </a:schemeClr>
+          </a:lnRef>
+          <a:fillRef idx="1">
+            <a:schemeClr val="accent1"/>
+          </a:fillRef>
+          <a:effectRef idx="0">
+            <a:schemeClr val="accent1"/>
+          </a:effectRef>
+          <a:fontRef idx="minor">
+            <a:schemeClr val="lt1"/>
+          </a:fontRef>
+        </p:style>
+        <p:txBody>
+          <a:bodyPr rtlCol="0" anchor="ctr"/>
+          <a:lstStyle/>
+          <a:p>
+            <a:pPr algn="ctr"/>
+            <a:endParaRPr lang="en-US"/>
+          </a:p>
+        </p:txBody>
+      </p:sp>
+      <p:sp>
+        <p:nvSpPr>
+          <p:cNvPr id="103" name="TextBox 102">
+            <a:extLst>
+              <a:ext uri="{FF2B5EF4-FFF2-40B4-BE49-F238E27FC236}">
+                <a16:creationId xmlns:a16="http://schemas.microsoft.com/office/drawing/2014/main" id="{E0DD54AB-C641-4913-ADBA-C971891076AE}"/>
+              </a:ext>
+            </a:extLst>
+          </p:cNvPr>
+          <p:cNvSpPr txBox="1"/>
+          <p:nvPr/>
+        </p:nvSpPr>
+        <p:spPr>
+          <a:xfrm>
+            <a:off x="2348023" y="2228456"/>
+            <a:ext cx="2035370" cy="739348"/>
+          </a:xfrm>
+          <a:prstGeom prst="rect">
+            <a:avLst/>
+          </a:prstGeom>
+          <a:noFill/>
+        </p:spPr>
+        <p:txBody>
+          <a:bodyPr wrap="square" rtlCol="0">
+            <a:spAutoFit/>
+          </a:bodyPr>
+          <a:lstStyle/>
+          <a:p>
+            <a:r>
+              <a:rPr lang="en-US" sz="1400" dirty="0"/>
+              <a:t>Example of host-to-net inline extern is full payload IPsec encryption.</a:t>
+            </a:r>
+          </a:p>
+        </p:txBody>
+      </p:sp>
+      <p:sp>
+        <p:nvSpPr>
+          <p:cNvPr id="4" name="Freeform: Shape 3">
+            <a:extLst>
+              <a:ext uri="{FF2B5EF4-FFF2-40B4-BE49-F238E27FC236}">
+                <a16:creationId xmlns:a16="http://schemas.microsoft.com/office/drawing/2014/main" id="{4C64B54C-5EC7-49EE-A81B-B66204E7F4FD}"/>
+              </a:ext>
+            </a:extLst>
+          </p:cNvPr>
+          <p:cNvSpPr/>
+          <p:nvPr/>
+        </p:nvSpPr>
+        <p:spPr>
+          <a:xfrm>
+            <a:off x="2770256" y="3001773"/>
+            <a:ext cx="274320" cy="1499616"/>
+          </a:xfrm>
+          <a:custGeom>
+            <a:avLst/>
+            <a:gdLst>
+              <a:gd name="connsiteX0" fmla="*/ 274320 w 274320"/>
+              <a:gd name="connsiteY0" fmla="*/ 0 h 1499616"/>
+              <a:gd name="connsiteX1" fmla="*/ 219456 w 274320"/>
+              <a:gd name="connsiteY1" fmla="*/ 91440 h 1499616"/>
+              <a:gd name="connsiteX2" fmla="*/ 155448 w 274320"/>
+              <a:gd name="connsiteY2" fmla="*/ 164592 h 1499616"/>
+              <a:gd name="connsiteX3" fmla="*/ 118872 w 274320"/>
+              <a:gd name="connsiteY3" fmla="*/ 237744 h 1499616"/>
+              <a:gd name="connsiteX4" fmla="*/ 91440 w 274320"/>
+              <a:gd name="connsiteY4" fmla="*/ 274320 h 1499616"/>
+              <a:gd name="connsiteX5" fmla="*/ 73152 w 274320"/>
+              <a:gd name="connsiteY5" fmla="*/ 320040 h 1499616"/>
+              <a:gd name="connsiteX6" fmla="*/ 54864 w 274320"/>
+              <a:gd name="connsiteY6" fmla="*/ 374904 h 1499616"/>
+              <a:gd name="connsiteX7" fmla="*/ 27432 w 274320"/>
+              <a:gd name="connsiteY7" fmla="*/ 411480 h 1499616"/>
+              <a:gd name="connsiteX8" fmla="*/ 18288 w 274320"/>
+              <a:gd name="connsiteY8" fmla="*/ 457200 h 1499616"/>
+              <a:gd name="connsiteX9" fmla="*/ 0 w 274320"/>
+              <a:gd name="connsiteY9" fmla="*/ 512064 h 1499616"/>
+              <a:gd name="connsiteX10" fmla="*/ 9144 w 274320"/>
+              <a:gd name="connsiteY10" fmla="*/ 1024128 h 1499616"/>
+              <a:gd name="connsiteX11" fmla="*/ 18288 w 274320"/>
+              <a:gd name="connsiteY11" fmla="*/ 1060704 h 1499616"/>
+              <a:gd name="connsiteX12" fmla="*/ 27432 w 274320"/>
+              <a:gd name="connsiteY12" fmla="*/ 1124712 h 1499616"/>
+              <a:gd name="connsiteX13" fmla="*/ 45720 w 274320"/>
+              <a:gd name="connsiteY13" fmla="*/ 1188720 h 1499616"/>
+              <a:gd name="connsiteX14" fmla="*/ 54864 w 274320"/>
+              <a:gd name="connsiteY14" fmla="*/ 1234440 h 1499616"/>
+              <a:gd name="connsiteX15" fmla="*/ 73152 w 274320"/>
+              <a:gd name="connsiteY15" fmla="*/ 1298448 h 1499616"/>
+              <a:gd name="connsiteX16" fmla="*/ 82296 w 274320"/>
+              <a:gd name="connsiteY16" fmla="*/ 1344168 h 1499616"/>
+              <a:gd name="connsiteX17" fmla="*/ 109728 w 274320"/>
+              <a:gd name="connsiteY17" fmla="*/ 1380744 h 1499616"/>
+              <a:gd name="connsiteX18" fmla="*/ 128016 w 274320"/>
+              <a:gd name="connsiteY18" fmla="*/ 1408176 h 1499616"/>
+              <a:gd name="connsiteX19" fmla="*/ 137160 w 274320"/>
+              <a:gd name="connsiteY19" fmla="*/ 1453896 h 1499616"/>
+              <a:gd name="connsiteX20" fmla="*/ 146304 w 274320"/>
+              <a:gd name="connsiteY20" fmla="*/ 1499616 h 1499616"/>
+            </a:gdLst>
+            <a:ahLst/>
+            <a:cxnLst>
+              <a:cxn ang="0">
+                <a:pos x="connsiteX0" y="connsiteY0"/>
+              </a:cxn>
+              <a:cxn ang="0">
+                <a:pos x="connsiteX1" y="connsiteY1"/>
+              </a:cxn>
+              <a:cxn ang="0">
+                <a:pos x="connsiteX2" y="connsiteY2"/>
+              </a:cxn>
+              <a:cxn ang="0">
+                <a:pos x="connsiteX3" y="connsiteY3"/>
+              </a:cxn>
+              <a:cxn ang="0">
+                <a:pos x="connsiteX4" y="connsiteY4"/>
+              </a:cxn>
+              <a:cxn ang="0">
+                <a:pos x="connsiteX5" y="connsiteY5"/>
+              </a:cxn>
+              <a:cxn ang="0">
+                <a:pos x="connsiteX6" y="connsiteY6"/>
+              </a:cxn>
+              <a:cxn ang="0">
+                <a:pos x="connsiteX7" y="connsiteY7"/>
+              </a:cxn>
+              <a:cxn ang="0">
+                <a:pos x="connsiteX8" y="connsiteY8"/>
+              </a:cxn>
+              <a:cxn ang="0">
+                <a:pos x="connsiteX9" y="connsiteY9"/>
+              </a:cxn>
+              <a:cxn ang="0">
+                <a:pos x="connsiteX10" y="connsiteY10"/>
+              </a:cxn>
+              <a:cxn ang="0">
+                <a:pos x="connsiteX11" y="connsiteY11"/>
+              </a:cxn>
+              <a:cxn ang="0">
+                <a:pos x="connsiteX12" y="connsiteY12"/>
+              </a:cxn>
+              <a:cxn ang="0">
+                <a:pos x="connsiteX13" y="connsiteY13"/>
+              </a:cxn>
+              <a:cxn ang="0">
+                <a:pos x="connsiteX14" y="connsiteY14"/>
+              </a:cxn>
+              <a:cxn ang="0">
+                <a:pos x="connsiteX15" y="connsiteY15"/>
+              </a:cxn>
+              <a:cxn ang="0">
+                <a:pos x="connsiteX16" y="connsiteY16"/>
+              </a:cxn>
+              <a:cxn ang="0">
+                <a:pos x="connsiteX17" y="connsiteY17"/>
+              </a:cxn>
+              <a:cxn ang="0">
+                <a:pos x="connsiteX18" y="connsiteY18"/>
+              </a:cxn>
+              <a:cxn ang="0">
+                <a:pos x="connsiteX19" y="connsiteY19"/>
+              </a:cxn>
+              <a:cxn ang="0">
+                <a:pos x="connsiteX20" y="connsiteY20"/>
+              </a:cxn>
+            </a:cxnLst>
+            <a:rect l="l" t="t" r="r" b="b"/>
+            <a:pathLst>
+              <a:path w="274320" h="1499616" extrusionOk="0">
+                <a:moveTo>
+                  <a:pt x="274320" y="0"/>
+                </a:moveTo>
+                <a:cubicBezTo>
+                  <a:pt x="144912" y="146211"/>
+                  <a:pt x="261806" y="-9283"/>
+                  <a:pt x="219456" y="91440"/>
+                </a:cubicBezTo>
+                <a:cubicBezTo>
+                  <a:pt x="212861" y="117888"/>
+                  <a:pt x="168299" y="145924"/>
+                  <a:pt x="155448" y="164592"/>
+                </a:cubicBezTo>
+                <a:cubicBezTo>
+                  <a:pt x="141212" y="204420"/>
+                  <a:pt x="147412" y="195947"/>
+                  <a:pt x="118872" y="237744"/>
+                </a:cubicBezTo>
+                <a:cubicBezTo>
+                  <a:pt x="109357" y="249844"/>
+                  <a:pt x="99317" y="261226"/>
+                  <a:pt x="91440" y="274320"/>
+                </a:cubicBezTo>
+                <a:cubicBezTo>
+                  <a:pt x="86941" y="289080"/>
+                  <a:pt x="78955" y="304214"/>
+                  <a:pt x="73152" y="320040"/>
+                </a:cubicBezTo>
+                <a:cubicBezTo>
+                  <a:pt x="64201" y="337795"/>
+                  <a:pt x="63591" y="362155"/>
+                  <a:pt x="54864" y="374904"/>
+                </a:cubicBezTo>
+                <a:cubicBezTo>
+                  <a:pt x="42112" y="388198"/>
+                  <a:pt x="39933" y="395960"/>
+                  <a:pt x="27432" y="411480"/>
+                </a:cubicBezTo>
+                <a:cubicBezTo>
+                  <a:pt x="22301" y="424305"/>
+                  <a:pt x="22800" y="445131"/>
+                  <a:pt x="18288" y="457200"/>
+                </a:cubicBezTo>
+                <a:cubicBezTo>
+                  <a:pt x="13216" y="475798"/>
+                  <a:pt x="0" y="512063"/>
+                  <a:pt x="0" y="512064"/>
+                </a:cubicBezTo>
+                <a:cubicBezTo>
+                  <a:pt x="9610" y="703135"/>
+                  <a:pt x="24771" y="832446"/>
+                  <a:pt x="9144" y="1024128"/>
+                </a:cubicBezTo>
+                <a:cubicBezTo>
+                  <a:pt x="9947" y="1036441"/>
+                  <a:pt x="14664" y="1047987"/>
+                  <a:pt x="18288" y="1060704"/>
+                </a:cubicBezTo>
+                <a:cubicBezTo>
+                  <a:pt x="25205" y="1078108"/>
+                  <a:pt x="18908" y="1101702"/>
+                  <a:pt x="27432" y="1124712"/>
+                </a:cubicBezTo>
+                <a:cubicBezTo>
+                  <a:pt x="36522" y="1181657"/>
+                  <a:pt x="25535" y="1129774"/>
+                  <a:pt x="45720" y="1188720"/>
+                </a:cubicBezTo>
+                <a:cubicBezTo>
+                  <a:pt x="48935" y="1202969"/>
+                  <a:pt x="50557" y="1222790"/>
+                  <a:pt x="54864" y="1234440"/>
+                </a:cubicBezTo>
+                <a:cubicBezTo>
+                  <a:pt x="84369" y="1374226"/>
+                  <a:pt x="49190" y="1174917"/>
+                  <a:pt x="73152" y="1298448"/>
+                </a:cubicBezTo>
+                <a:cubicBezTo>
+                  <a:pt x="79135" y="1313886"/>
+                  <a:pt x="75612" y="1329981"/>
+                  <a:pt x="82296" y="1344168"/>
+                </a:cubicBezTo>
+                <a:cubicBezTo>
+                  <a:pt x="88666" y="1357770"/>
+                  <a:pt x="97698" y="1369974"/>
+                  <a:pt x="109728" y="1380744"/>
+                </a:cubicBezTo>
+                <a:cubicBezTo>
+                  <a:pt x="118459" y="1389191"/>
+                  <a:pt x="122017" y="1399952"/>
+                  <a:pt x="128016" y="1408176"/>
+                </a:cubicBezTo>
+                <a:cubicBezTo>
+                  <a:pt x="132723" y="1422858"/>
+                  <a:pt x="133714" y="1436694"/>
+                  <a:pt x="137160" y="1453896"/>
+                </a:cubicBezTo>
+                <a:cubicBezTo>
+                  <a:pt x="148106" y="1498593"/>
+                  <a:pt x="145412" y="1477817"/>
+                  <a:pt x="146304" y="1499616"/>
+                </a:cubicBezTo>
+              </a:path>
+            </a:pathLst>
+          </a:custGeom>
+          <a:noFill/>
+          <a:ln>
+            <a:prstDash val="dash"/>
+            <a:tailEnd type="triangle" w="med" len="lg"/>
+            <a:extLst>
+              <a:ext uri="{C807C97D-BFC1-408E-A445-0C87EB9F89A2}">
+                <ask:lineSketchStyleProps xmlns:ask="http://schemas.microsoft.com/office/drawing/2018/sketchyshapes" sd="1219033472">
+                  <a:custGeom>
+                    <a:avLst/>
+                    <a:gdLst>
+                      <a:gd name="connsiteX0" fmla="*/ 274320 w 274320"/>
+                      <a:gd name="connsiteY0" fmla="*/ 0 h 1499616"/>
+                      <a:gd name="connsiteX1" fmla="*/ 219456 w 274320"/>
+                      <a:gd name="connsiteY1" fmla="*/ 91440 h 1499616"/>
+                      <a:gd name="connsiteX2" fmla="*/ 155448 w 274320"/>
+                      <a:gd name="connsiteY2" fmla="*/ 164592 h 1499616"/>
+                      <a:gd name="connsiteX3" fmla="*/ 118872 w 274320"/>
+                      <a:gd name="connsiteY3" fmla="*/ 237744 h 1499616"/>
+                      <a:gd name="connsiteX4" fmla="*/ 91440 w 274320"/>
+                      <a:gd name="connsiteY4" fmla="*/ 274320 h 1499616"/>
+                      <a:gd name="connsiteX5" fmla="*/ 73152 w 274320"/>
+                      <a:gd name="connsiteY5" fmla="*/ 320040 h 1499616"/>
+                      <a:gd name="connsiteX6" fmla="*/ 54864 w 274320"/>
+                      <a:gd name="connsiteY6" fmla="*/ 374904 h 1499616"/>
+                      <a:gd name="connsiteX7" fmla="*/ 27432 w 274320"/>
+                      <a:gd name="connsiteY7" fmla="*/ 411480 h 1499616"/>
+                      <a:gd name="connsiteX8" fmla="*/ 18288 w 274320"/>
+                      <a:gd name="connsiteY8" fmla="*/ 457200 h 1499616"/>
+                      <a:gd name="connsiteX9" fmla="*/ 0 w 274320"/>
+                      <a:gd name="connsiteY9" fmla="*/ 512064 h 1499616"/>
+                      <a:gd name="connsiteX10" fmla="*/ 9144 w 274320"/>
+                      <a:gd name="connsiteY10" fmla="*/ 1024128 h 1499616"/>
+                      <a:gd name="connsiteX11" fmla="*/ 18288 w 274320"/>
+                      <a:gd name="connsiteY11" fmla="*/ 1060704 h 1499616"/>
+                      <a:gd name="connsiteX12" fmla="*/ 27432 w 274320"/>
+                      <a:gd name="connsiteY12" fmla="*/ 1124712 h 1499616"/>
+                      <a:gd name="connsiteX13" fmla="*/ 45720 w 274320"/>
+                      <a:gd name="connsiteY13" fmla="*/ 1188720 h 1499616"/>
+                      <a:gd name="connsiteX14" fmla="*/ 54864 w 274320"/>
+                      <a:gd name="connsiteY14" fmla="*/ 1234440 h 1499616"/>
+                      <a:gd name="connsiteX15" fmla="*/ 73152 w 274320"/>
+                      <a:gd name="connsiteY15" fmla="*/ 1298448 h 1499616"/>
+                      <a:gd name="connsiteX16" fmla="*/ 82296 w 274320"/>
+                      <a:gd name="connsiteY16" fmla="*/ 1344168 h 1499616"/>
+                      <a:gd name="connsiteX17" fmla="*/ 109728 w 274320"/>
+                      <a:gd name="connsiteY17" fmla="*/ 1380744 h 1499616"/>
+                      <a:gd name="connsiteX18" fmla="*/ 128016 w 274320"/>
+                      <a:gd name="connsiteY18" fmla="*/ 1408176 h 1499616"/>
+                      <a:gd name="connsiteX19" fmla="*/ 137160 w 274320"/>
+                      <a:gd name="connsiteY19" fmla="*/ 1453896 h 1499616"/>
+                      <a:gd name="connsiteX20" fmla="*/ 146304 w 274320"/>
+                      <a:gd name="connsiteY20" fmla="*/ 1499616 h 1499616"/>
+                    </a:gdLst>
+                    <a:ahLst/>
+                    <a:cxnLst>
+                      <a:cxn ang="0">
+                        <a:pos x="connsiteX0" y="connsiteY0"/>
+                      </a:cxn>
+                      <a:cxn ang="0">
+                        <a:pos x="connsiteX1" y="connsiteY1"/>
+                      </a:cxn>
+                      <a:cxn ang="0">
+                        <a:pos x="connsiteX2" y="connsiteY2"/>
+                      </a:cxn>
+                      <a:cxn ang="0">
+                        <a:pos x="connsiteX3" y="connsiteY3"/>
+                      </a:cxn>
+                      <a:cxn ang="0">
+                        <a:pos x="connsiteX4" y="connsiteY4"/>
+                      </a:cxn>
+                      <a:cxn ang="0">
+                        <a:pos x="connsiteX5" y="connsiteY5"/>
+                      </a:cxn>
+                      <a:cxn ang="0">
+                        <a:pos x="connsiteX6" y="connsiteY6"/>
+                      </a:cxn>
+                      <a:cxn ang="0">
+                        <a:pos x="connsiteX7" y="connsiteY7"/>
+                      </a:cxn>
+                      <a:cxn ang="0">
+                        <a:pos x="connsiteX8" y="connsiteY8"/>
+                      </a:cxn>
+                      <a:cxn ang="0">
+                        <a:pos x="connsiteX9" y="connsiteY9"/>
+                      </a:cxn>
+                      <a:cxn ang="0">
+                        <a:pos x="connsiteX10" y="connsiteY10"/>
+                      </a:cxn>
+                      <a:cxn ang="0">
+                        <a:pos x="connsiteX11" y="connsiteY11"/>
+                      </a:cxn>
+                      <a:cxn ang="0">
+                        <a:pos x="connsiteX12" y="connsiteY12"/>
+                      </a:cxn>
+                      <a:cxn ang="0">
+                        <a:pos x="connsiteX13" y="connsiteY13"/>
+                      </a:cxn>
+                      <a:cxn ang="0">
+                        <a:pos x="connsiteX14" y="connsiteY14"/>
+                      </a:cxn>
+                      <a:cxn ang="0">
+                        <a:pos x="connsiteX15" y="connsiteY15"/>
+                      </a:cxn>
+                      <a:cxn ang="0">
+                        <a:pos x="connsiteX16" y="connsiteY16"/>
+                      </a:cxn>
+                      <a:cxn ang="0">
+                        <a:pos x="connsiteX17" y="connsiteY17"/>
+                      </a:cxn>
+                      <a:cxn ang="0">
+                        <a:pos x="connsiteX18" y="connsiteY18"/>
+                      </a:cxn>
+                      <a:cxn ang="0">
+                        <a:pos x="connsiteX19" y="connsiteY19"/>
+                      </a:cxn>
+                      <a:cxn ang="0">
+                        <a:pos x="connsiteX20" y="connsiteY20"/>
+                      </a:cxn>
+                    </a:cxnLst>
+                    <a:rect l="l" t="t" r="r" b="b"/>
+                    <a:pathLst>
+                      <a:path w="274320" h="1499616">
+                        <a:moveTo>
+                          <a:pt x="274320" y="0"/>
+                        </a:moveTo>
+                        <a:cubicBezTo>
+                          <a:pt x="149909" y="149293"/>
+                          <a:pt x="271668" y="-12984"/>
+                          <a:pt x="219456" y="91440"/>
+                        </a:cubicBezTo>
+                        <a:cubicBezTo>
+                          <a:pt x="206864" y="116625"/>
+                          <a:pt x="174307" y="145733"/>
+                          <a:pt x="155448" y="164592"/>
+                        </a:cubicBezTo>
+                        <a:cubicBezTo>
+                          <a:pt x="142636" y="203029"/>
+                          <a:pt x="147664" y="194556"/>
+                          <a:pt x="118872" y="237744"/>
+                        </a:cubicBezTo>
+                        <a:cubicBezTo>
+                          <a:pt x="110418" y="250424"/>
+                          <a:pt x="98841" y="260998"/>
+                          <a:pt x="91440" y="274320"/>
+                        </a:cubicBezTo>
+                        <a:cubicBezTo>
+                          <a:pt x="83469" y="288668"/>
+                          <a:pt x="78761" y="304614"/>
+                          <a:pt x="73152" y="320040"/>
+                        </a:cubicBezTo>
+                        <a:cubicBezTo>
+                          <a:pt x="66564" y="338157"/>
+                          <a:pt x="66430" y="359482"/>
+                          <a:pt x="54864" y="374904"/>
+                        </a:cubicBezTo>
+                        <a:lnTo>
+                          <a:pt x="27432" y="411480"/>
+                        </a:lnTo>
+                        <a:cubicBezTo>
+                          <a:pt x="24384" y="426720"/>
+                          <a:pt x="22377" y="442206"/>
+                          <a:pt x="18288" y="457200"/>
+                        </a:cubicBezTo>
+                        <a:cubicBezTo>
+                          <a:pt x="13216" y="475798"/>
+                          <a:pt x="0" y="512064"/>
+                          <a:pt x="0" y="512064"/>
+                        </a:cubicBezTo>
+                        <a:cubicBezTo>
+                          <a:pt x="3048" y="682752"/>
+                          <a:pt x="3457" y="853508"/>
+                          <a:pt x="9144" y="1024128"/>
+                        </a:cubicBezTo>
+                        <a:cubicBezTo>
+                          <a:pt x="9563" y="1036688"/>
+                          <a:pt x="16040" y="1048339"/>
+                          <a:pt x="18288" y="1060704"/>
+                        </a:cubicBezTo>
+                        <a:cubicBezTo>
+                          <a:pt x="22143" y="1081909"/>
+                          <a:pt x="23577" y="1103507"/>
+                          <a:pt x="27432" y="1124712"/>
+                        </a:cubicBezTo>
+                        <a:cubicBezTo>
+                          <a:pt x="38835" y="1187426"/>
+                          <a:pt x="32663" y="1136490"/>
+                          <a:pt x="45720" y="1188720"/>
+                        </a:cubicBezTo>
+                        <a:cubicBezTo>
+                          <a:pt x="49489" y="1203798"/>
+                          <a:pt x="51493" y="1219268"/>
+                          <a:pt x="54864" y="1234440"/>
+                        </a:cubicBezTo>
+                        <a:cubicBezTo>
+                          <a:pt x="89072" y="1388375"/>
+                          <a:pt x="42604" y="1176255"/>
+                          <a:pt x="73152" y="1298448"/>
+                        </a:cubicBezTo>
+                        <a:cubicBezTo>
+                          <a:pt x="76921" y="1313526"/>
+                          <a:pt x="75984" y="1329966"/>
+                          <a:pt x="82296" y="1344168"/>
+                        </a:cubicBezTo>
+                        <a:cubicBezTo>
+                          <a:pt x="88486" y="1358094"/>
+                          <a:pt x="100870" y="1368343"/>
+                          <a:pt x="109728" y="1380744"/>
+                        </a:cubicBezTo>
+                        <a:cubicBezTo>
+                          <a:pt x="116116" y="1389687"/>
+                          <a:pt x="121920" y="1399032"/>
+                          <a:pt x="128016" y="1408176"/>
+                        </a:cubicBezTo>
+                        <a:cubicBezTo>
+                          <a:pt x="131064" y="1423416"/>
+                          <a:pt x="133789" y="1438724"/>
+                          <a:pt x="137160" y="1453896"/>
+                        </a:cubicBezTo>
+                        <a:cubicBezTo>
+                          <a:pt x="147043" y="1498371"/>
+                          <a:pt x="146304" y="1476706"/>
+                          <a:pt x="146304" y="1499616"/>
+                        </a:cubicBezTo>
+                      </a:path>
+                    </a:pathLst>
+                  </a:custGeom>
+                  <ask:type>
+                    <ask:lineSketchFreehand/>
+                  </ask:type>
+                </ask:lineSketchStyleProps>
+              </a:ext>
+            </a:extLst>
+          </a:ln>
+        </p:spPr>
+        <p:style>
+          <a:lnRef idx="2">
+            <a:schemeClr val="accent1">
+              <a:shade val="50000"/>
+            </a:schemeClr>
+          </a:lnRef>
+          <a:fillRef idx="1">
+            <a:schemeClr val="accent1"/>
+          </a:fillRef>
+          <a:effectRef idx="0">
+            <a:schemeClr val="accent1"/>
+          </a:effectRef>
+          <a:fontRef idx="minor">
+            <a:schemeClr val="lt1"/>
+          </a:fontRef>
+        </p:style>
+        <p:txBody>
+          <a:bodyPr rtlCol="0" anchor="ctr"/>
+          <a:lstStyle/>
+          <a:p>
+            <a:pPr algn="ctr"/>
+            <a:endParaRPr lang="en-US"/>
+          </a:p>
+        </p:txBody>
+      </p:sp>
+    </p:spTree>
+    <p:extLst>
+      <p:ext uri="{BB962C8B-B14F-4D97-AF65-F5344CB8AC3E}">
+        <p14:creationId xmlns:p14="http://schemas.microsoft.com/office/powerpoint/2010/main" val="1342042581"/>
+      </p:ext>
+    </p:extLst>
+  </p:cSld>
+  <p:clrMapOvr>
+    <a:masterClrMapping/>
+  </p:clrMapOvr>
+</p:sld>
+</file>
+
+<file path=ppt/slides/slide3.xml><?xml version="1.0" encoding="utf-8"?>
 <p:sld xmlns:a="http://schemas.openxmlformats.org/drawingml/2006/main" xmlns:r="http://schemas.openxmlformats.org/officeDocument/2006/relationships" xmlns:p="http://schemas.openxmlformats.org/presentationml/2006/main">
   <p:cSld>
     <p:spTree>
@@ -10118,7 +18948,7 @@
 </p:sld>
 </file>
 
-<file path=ppt/slides/slide2.xml><?xml version="1.0" encoding="utf-8"?>
+<file path=ppt/slides/slide4.xml><?xml version="1.0" encoding="utf-8"?>
 <p:sld xmlns:a="http://schemas.openxmlformats.org/drawingml/2006/main" xmlns:r="http://schemas.openxmlformats.org/officeDocument/2006/relationships" xmlns:p="http://schemas.openxmlformats.org/presentationml/2006/main">
   <p:cSld>
     <p:spTree>
@@ -14545,7 +23375,7 @@
 </p:sld>
 </file>
 
-<file path=ppt/slides/slide3.xml><?xml version="1.0" encoding="utf-8"?>
+<file path=ppt/slides/slide5.xml><?xml version="1.0" encoding="utf-8"?>
 <p:sld xmlns:a="http://schemas.openxmlformats.org/drawingml/2006/main" xmlns:r="http://schemas.openxmlformats.org/officeDocument/2006/relationships" xmlns:p="http://schemas.openxmlformats.org/presentationml/2006/main">
   <p:cSld>
     <p:spTree>
@@ -18777,18 +27607,18 @@
 </file>
 
 <file path=customXml/item1.xml><?xml version="1.0" encoding="utf-8"?>
-<p:properties xmlns:p="http://schemas.microsoft.com/office/2006/metadata/properties" xmlns:xsi="http://www.w3.org/2001/XMLSchema-instance" xmlns:pc="http://schemas.microsoft.com/office/infopath/2007/PartnerControls">
-  <documentManagement/>
-</p:properties>
-</file>
-
-<file path=customXml/item2.xml><?xml version="1.0" encoding="utf-8"?>
 <?mso-contentType ?>
 <FormTemplates xmlns="http://schemas.microsoft.com/sharepoint/v3/contenttype/forms">
   <Display>DocumentLibraryForm</Display>
   <Edit>DocumentLibraryForm</Edit>
   <New>DocumentLibraryForm</New>
 </FormTemplates>
+</file>
+
+<file path=customXml/item2.xml><?xml version="1.0" encoding="utf-8"?>
+<p:properties xmlns:p="http://schemas.microsoft.com/office/2006/metadata/properties" xmlns:xsi="http://www.w3.org/2001/XMLSchema-instance" xmlns:pc="http://schemas.microsoft.com/office/infopath/2007/PartnerControls">
+  <documentManagement/>
+</p:properties>
 </file>
 
 <file path=customXml/item3.xml><?xml version="1.0" encoding="utf-8"?>
@@ -19009,6 +27839,14 @@
 </file>
 
 <file path=customXml/itemProps1.xml><?xml version="1.0" encoding="utf-8"?>
+<ds:datastoreItem xmlns:ds="http://schemas.openxmlformats.org/officeDocument/2006/customXml" ds:itemID="{7F29137C-F1C0-4930-80A0-A7C0C38F3D82}">
+  <ds:schemaRefs>
+    <ds:schemaRef ds:uri="http://schemas.microsoft.com/sharepoint/v3/contenttype/forms"/>
+  </ds:schemaRefs>
+</ds:datastoreItem>
+</file>
+
+<file path=customXml/itemProps2.xml><?xml version="1.0" encoding="utf-8"?>
 <ds:datastoreItem xmlns:ds="http://schemas.openxmlformats.org/officeDocument/2006/customXml" ds:itemID="{05F4B324-A6F8-4FC0-BBBB-05E2337781BA}">
   <ds:schemaRefs>
     <ds:schemaRef ds:uri="http://purl.org/dc/dcmitype/"/>
@@ -19021,14 +27859,6 @@
     <ds:schemaRef ds:uri="6d44ab1e-4f7a-423e-9215-d8d8e61f56e6"/>
     <ds:schemaRef ds:uri="88a3e169-3f2e-4cb2-84e3-0f816f3920de"/>
     <ds:schemaRef ds:uri="http://www.w3.org/XML/1998/namespace"/>
-  </ds:schemaRefs>
-</ds:datastoreItem>
-</file>
-
-<file path=customXml/itemProps2.xml><?xml version="1.0" encoding="utf-8"?>
-<ds:datastoreItem xmlns:ds="http://schemas.openxmlformats.org/officeDocument/2006/customXml" ds:itemID="{7F29137C-F1C0-4930-80A0-A7C0C38F3D82}">
-  <ds:schemaRefs>
-    <ds:schemaRef ds:uri="http://schemas.microsoft.com/sharepoint/v3/contenttype/forms"/>
   </ds:schemaRefs>
 </ds:datastoreItem>
 </file>

--- a/figs/pna-block-diagram.pptx
+++ b/figs/pna-block-diagram.pptx
@@ -127,100 +127,44 @@
 <file path=ppt/changesInfos/changesInfo1.xml><?xml version="1.0" encoding="utf-8"?>
 <pc:chgInfo xmlns:a="http://schemas.openxmlformats.org/drawingml/2006/main" xmlns:r="http://schemas.openxmlformats.org/officeDocument/2006/relationships" xmlns:ac="http://schemas.microsoft.com/office/drawing/2013/main/command" xmlns:pc="http://schemas.microsoft.com/office/powerpoint/2013/main/command">
   <pc:docChgLst>
-    <pc:chgData name="Fingerhut, John Andy" userId="6ad675d3-541e-4813-9336-4804cd571dc7" providerId="ADAL" clId="{AB275EFB-7DC9-4E6C-884D-530FD05132B0}"/>
+    <pc:chgData name="Fingerhut, John Andy" userId="6ad675d3-541e-4813-9336-4804cd571dc7" providerId="ADAL" clId="{4F0530BD-8DBC-4E4A-AD8B-324142F9DCDB}"/>
     <pc:docChg chg="undo custSel modSld">
-      <pc:chgData name="Fingerhut, John Andy" userId="6ad675d3-541e-4813-9336-4804cd571dc7" providerId="ADAL" clId="{AB275EFB-7DC9-4E6C-884D-530FD05132B0}" dt="2020-11-13T02:43:14.555" v="143" actId="1076"/>
+      <pc:chgData name="Fingerhut, John Andy" userId="6ad675d3-541e-4813-9336-4804cd571dc7" providerId="ADAL" clId="{4F0530BD-8DBC-4E4A-AD8B-324142F9DCDB}" dt="2020-11-22T04:40:14.518" v="93" actId="14100"/>
       <pc:docMkLst>
         <pc:docMk/>
       </pc:docMkLst>
       <pc:sldChg chg="addSp delSp modSp">
-        <pc:chgData name="Fingerhut, John Andy" userId="6ad675d3-541e-4813-9336-4804cd571dc7" providerId="ADAL" clId="{AB275EFB-7DC9-4E6C-884D-530FD05132B0}" dt="2020-11-13T02:43:14.555" v="143" actId="1076"/>
+        <pc:chgData name="Fingerhut, John Andy" userId="6ad675d3-541e-4813-9336-4804cd571dc7" providerId="ADAL" clId="{4F0530BD-8DBC-4E4A-AD8B-324142F9DCDB}" dt="2020-11-22T04:40:14.518" v="93" actId="14100"/>
         <pc:sldMkLst>
           <pc:docMk/>
           <pc:sldMk cId="1091789387" sldId="273"/>
         </pc:sldMkLst>
-        <pc:spChg chg="del">
-          <ac:chgData name="Fingerhut, John Andy" userId="6ad675d3-541e-4813-9336-4804cd571dc7" providerId="ADAL" clId="{AB275EFB-7DC9-4E6C-884D-530FD05132B0}" dt="2020-11-12T20:44:50.112" v="0" actId="478"/>
+        <pc:spChg chg="add mod">
+          <ac:chgData name="Fingerhut, John Andy" userId="6ad675d3-541e-4813-9336-4804cd571dc7" providerId="ADAL" clId="{4F0530BD-8DBC-4E4A-AD8B-324142F9DCDB}" dt="2020-11-22T04:38:32.021" v="73" actId="20577"/>
           <ac:spMkLst>
             <pc:docMk/>
             <pc:sldMk cId="1091789387" sldId="273"/>
-            <ac:spMk id="2" creationId="{2AEA91F8-E15F-47F9-A642-B540FBB86354}"/>
+            <ac:spMk id="101" creationId="{5BEE2C53-F970-432C-9EF0-B16395497DDB}"/>
           </ac:spMkLst>
         </pc:spChg>
-        <pc:spChg chg="add del mod">
-          <ac:chgData name="Fingerhut, John Andy" userId="6ad675d3-541e-4813-9336-4804cd571dc7" providerId="ADAL" clId="{AB275EFB-7DC9-4E6C-884D-530FD05132B0}" dt="2020-11-12T20:44:52.494" v="1" actId="478"/>
+        <pc:spChg chg="add mod">
+          <ac:chgData name="Fingerhut, John Andy" userId="6ad675d3-541e-4813-9336-4804cd571dc7" providerId="ADAL" clId="{4F0530BD-8DBC-4E4A-AD8B-324142F9DCDB}" dt="2020-11-22T04:40:14.518" v="93" actId="14100"/>
           <ac:spMkLst>
             <pc:docMk/>
             <pc:sldMk cId="1091789387" sldId="273"/>
-            <ac:spMk id="5" creationId="{9D40767B-136D-49AC-BC6B-F8B4B25D3336}"/>
+            <ac:spMk id="107" creationId="{A6F5D3B7-9CD0-4224-9762-C76C79E1371B}"/>
           </ac:spMkLst>
         </pc:spChg>
-        <pc:spChg chg="mod topLvl">
-          <ac:chgData name="Fingerhut, John Andy" userId="6ad675d3-541e-4813-9336-4804cd571dc7" providerId="ADAL" clId="{AB275EFB-7DC9-4E6C-884D-530FD05132B0}" dt="2020-11-13T02:33:45.728" v="78" actId="165"/>
-          <ac:spMkLst>
-            <pc:docMk/>
-            <pc:sldMk cId="1091789387" sldId="273"/>
-            <ac:spMk id="35" creationId="{8EB9B0E0-C169-48B3-BCE6-385310287F99}"/>
-          </ac:spMkLst>
-        </pc:spChg>
-        <pc:spChg chg="mod topLvl">
-          <ac:chgData name="Fingerhut, John Andy" userId="6ad675d3-541e-4813-9336-4804cd571dc7" providerId="ADAL" clId="{AB275EFB-7DC9-4E6C-884D-530FD05132B0}" dt="2020-11-13T02:33:45.728" v="78" actId="165"/>
-          <ac:spMkLst>
-            <pc:docMk/>
-            <pc:sldMk cId="1091789387" sldId="273"/>
-            <ac:spMk id="36" creationId="{3ED9F1BC-576A-4EF3-9876-126695A64636}"/>
-          </ac:spMkLst>
-        </pc:spChg>
-        <pc:spChg chg="mod topLvl">
-          <ac:chgData name="Fingerhut, John Andy" userId="6ad675d3-541e-4813-9336-4804cd571dc7" providerId="ADAL" clId="{AB275EFB-7DC9-4E6C-884D-530FD05132B0}" dt="2020-11-13T02:33:45.728" v="78" actId="165"/>
-          <ac:spMkLst>
-            <pc:docMk/>
-            <pc:sldMk cId="1091789387" sldId="273"/>
-            <ac:spMk id="37" creationId="{FEF6D1E8-CAD9-4D86-8016-9DF9D3A426B1}"/>
-          </ac:spMkLst>
-        </pc:spChg>
-        <pc:spChg chg="mod topLvl">
-          <ac:chgData name="Fingerhut, John Andy" userId="6ad675d3-541e-4813-9336-4804cd571dc7" providerId="ADAL" clId="{AB275EFB-7DC9-4E6C-884D-530FD05132B0}" dt="2020-11-13T02:33:45.728" v="78" actId="165"/>
-          <ac:spMkLst>
-            <pc:docMk/>
-            <pc:sldMk cId="1091789387" sldId="273"/>
-            <ac:spMk id="40" creationId="{A99932A6-6BD7-4FD1-93C8-8E131159E42A}"/>
-          </ac:spMkLst>
-        </pc:spChg>
-        <pc:spChg chg="mod topLvl">
-          <ac:chgData name="Fingerhut, John Andy" userId="6ad675d3-541e-4813-9336-4804cd571dc7" providerId="ADAL" clId="{AB275EFB-7DC9-4E6C-884D-530FD05132B0}" dt="2020-11-13T02:33:45.728" v="78" actId="165"/>
-          <ac:spMkLst>
-            <pc:docMk/>
-            <pc:sldMk cId="1091789387" sldId="273"/>
-            <ac:spMk id="41" creationId="{92344D8E-30F6-4766-B972-809C391435CC}"/>
-          </ac:spMkLst>
-        </pc:spChg>
-        <pc:spChg chg="add del mod">
-          <ac:chgData name="Fingerhut, John Andy" userId="6ad675d3-541e-4813-9336-4804cd571dc7" providerId="ADAL" clId="{AB275EFB-7DC9-4E6C-884D-530FD05132B0}" dt="2020-11-13T02:31:29.523" v="49" actId="478"/>
-          <ac:spMkLst>
-            <pc:docMk/>
-            <pc:sldMk cId="1091789387" sldId="273"/>
-            <ac:spMk id="108" creationId="{F7594EFE-CC19-4890-A71C-A356D27742F2}"/>
-          </ac:spMkLst>
-        </pc:spChg>
-        <pc:spChg chg="add del mod">
-          <ac:chgData name="Fingerhut, John Andy" userId="6ad675d3-541e-4813-9336-4804cd571dc7" providerId="ADAL" clId="{AB275EFB-7DC9-4E6C-884D-530FD05132B0}" dt="2020-11-13T02:31:10.509" v="45" actId="478"/>
-          <ac:spMkLst>
-            <pc:docMk/>
-            <pc:sldMk cId="1091789387" sldId="273"/>
-            <ac:spMk id="109" creationId="{8929AB5C-7DBF-4B17-9E8A-36D99FF27FCB}"/>
-          </ac:spMkLst>
-        </pc:spChg>
-        <pc:spChg chg="add mod topLvl">
-          <ac:chgData name="Fingerhut, John Andy" userId="6ad675d3-541e-4813-9336-4804cd571dc7" providerId="ADAL" clId="{AB275EFB-7DC9-4E6C-884D-530FD05132B0}" dt="2020-11-13T02:36:24.018" v="114" actId="1076"/>
+        <pc:spChg chg="mod">
+          <ac:chgData name="Fingerhut, John Andy" userId="6ad675d3-541e-4813-9336-4804cd571dc7" providerId="ADAL" clId="{4F0530BD-8DBC-4E4A-AD8B-324142F9DCDB}" dt="2020-11-22T04:17:51.475" v="13" actId="1076"/>
           <ac:spMkLst>
             <pc:docMk/>
             <pc:sldMk cId="1091789387" sldId="273"/>
             <ac:spMk id="110" creationId="{CBF41200-6B39-49A7-85D4-64606C55105F}"/>
           </ac:spMkLst>
         </pc:spChg>
-        <pc:spChg chg="add mod topLvl">
-          <ac:chgData name="Fingerhut, John Andy" userId="6ad675d3-541e-4813-9336-4804cd571dc7" providerId="ADAL" clId="{AB275EFB-7DC9-4E6C-884D-530FD05132B0}" dt="2020-11-13T02:36:24.018" v="114" actId="1076"/>
+        <pc:spChg chg="mod">
+          <ac:chgData name="Fingerhut, John Andy" userId="6ad675d3-541e-4813-9336-4804cd571dc7" providerId="ADAL" clId="{4F0530BD-8DBC-4E4A-AD8B-324142F9DCDB}" dt="2020-11-22T04:17:51.475" v="13" actId="1076"/>
           <ac:spMkLst>
             <pc:docMk/>
             <pc:sldMk cId="1091789387" sldId="273"/>
@@ -228,7 +172,7 @@
           </ac:spMkLst>
         </pc:spChg>
         <pc:spChg chg="mod">
-          <ac:chgData name="Fingerhut, John Andy" userId="6ad675d3-541e-4813-9336-4804cd571dc7" providerId="ADAL" clId="{AB275EFB-7DC9-4E6C-884D-530FD05132B0}" dt="2020-11-13T02:43:14.555" v="143" actId="1076"/>
+          <ac:chgData name="Fingerhut, John Andy" userId="6ad675d3-541e-4813-9336-4804cd571dc7" providerId="ADAL" clId="{4F0530BD-8DBC-4E4A-AD8B-324142F9DCDB}" dt="2020-11-22T04:17:51.475" v="13" actId="1076"/>
           <ac:spMkLst>
             <pc:docMk/>
             <pc:sldMk cId="1091789387" sldId="273"/>
@@ -236,23 +180,239 @@
           </ac:spMkLst>
         </pc:spChg>
         <pc:spChg chg="mod">
-          <ac:chgData name="Fingerhut, John Andy" userId="6ad675d3-541e-4813-9336-4804cd571dc7" providerId="ADAL" clId="{AB275EFB-7DC9-4E6C-884D-530FD05132B0}" dt="2020-11-13T02:43:14.555" v="143" actId="1076"/>
+          <ac:chgData name="Fingerhut, John Andy" userId="6ad675d3-541e-4813-9336-4804cd571dc7" providerId="ADAL" clId="{4F0530BD-8DBC-4E4A-AD8B-324142F9DCDB}" dt="2020-11-22T04:17:51.475" v="13" actId="1076"/>
           <ac:spMkLst>
             <pc:docMk/>
             <pc:sldMk cId="1091789387" sldId="273"/>
             <ac:spMk id="114" creationId="{8981AA32-2977-41CF-9174-51C16EB7A3C1}"/>
           </ac:spMkLst>
         </pc:spChg>
-        <pc:spChg chg="add del mod topLvl">
-          <ac:chgData name="Fingerhut, John Andy" userId="6ad675d3-541e-4813-9336-4804cd571dc7" providerId="ADAL" clId="{AB275EFB-7DC9-4E6C-884D-530FD05132B0}" dt="2020-11-13T02:34:43.356" v="103" actId="478"/>
+        <pc:spChg chg="add del">
+          <ac:chgData name="Fingerhut, John Andy" userId="6ad675d3-541e-4813-9336-4804cd571dc7" providerId="ADAL" clId="{4F0530BD-8DBC-4E4A-AD8B-324142F9DCDB}" dt="2020-11-22T04:19:37.666" v="21"/>
           <ac:spMkLst>
             <pc:docMk/>
             <pc:sldMk cId="1091789387" sldId="273"/>
-            <ac:spMk id="119" creationId="{231B9BC7-9EDF-4A13-BE99-93FD10BE7392}"/>
+            <ac:spMk id="119" creationId="{88E29AD1-43B3-485D-B363-3F6436D907E7}"/>
+          </ac:spMkLst>
+        </pc:spChg>
+        <pc:spChg chg="add mod">
+          <ac:chgData name="Fingerhut, John Andy" userId="6ad675d3-541e-4813-9336-4804cd571dc7" providerId="ADAL" clId="{4F0530BD-8DBC-4E4A-AD8B-324142F9DCDB}" dt="2020-11-22T04:20:54.462" v="49" actId="1076"/>
+          <ac:spMkLst>
+            <pc:docMk/>
+            <pc:sldMk cId="1091789387" sldId="273"/>
+            <ac:spMk id="122" creationId="{AAFB021B-F573-4955-A61C-CA26210E375D}"/>
           </ac:spMkLst>
         </pc:spChg>
         <pc:spChg chg="mod">
-          <ac:chgData name="Fingerhut, John Andy" userId="6ad675d3-541e-4813-9336-4804cd571dc7" providerId="ADAL" clId="{AB275EFB-7DC9-4E6C-884D-530FD05132B0}" dt="2020-11-13T02:27:10.361" v="24" actId="1076"/>
+          <ac:chgData name="Fingerhut, John Andy" userId="6ad675d3-541e-4813-9336-4804cd571dc7" providerId="ADAL" clId="{4F0530BD-8DBC-4E4A-AD8B-324142F9DCDB}" dt="2020-11-22T04:17:51.475" v="13" actId="1076"/>
+          <ac:spMkLst>
+            <pc:docMk/>
+            <pc:sldMk cId="1091789387" sldId="273"/>
+            <ac:spMk id="148" creationId="{0E3FF64B-C6A6-4736-9847-96B6371F20AE}"/>
+          </ac:spMkLst>
+        </pc:spChg>
+        <pc:spChg chg="mod">
+          <ac:chgData name="Fingerhut, John Andy" userId="6ad675d3-541e-4813-9336-4804cd571dc7" providerId="ADAL" clId="{4F0530BD-8DBC-4E4A-AD8B-324142F9DCDB}" dt="2020-11-22T04:38:36.499" v="75" actId="20577"/>
+          <ac:spMkLst>
+            <pc:docMk/>
+            <pc:sldMk cId="1091789387" sldId="273"/>
+            <ac:spMk id="200" creationId="{6143778A-3CAF-4C20-AA59-3CC193DB8BCB}"/>
+          </ac:spMkLst>
+        </pc:spChg>
+        <pc:grpChg chg="mod">
+          <ac:chgData name="Fingerhut, John Andy" userId="6ad675d3-541e-4813-9336-4804cd571dc7" providerId="ADAL" clId="{4F0530BD-8DBC-4E4A-AD8B-324142F9DCDB}" dt="2020-11-22T04:17:51.475" v="13" actId="1076"/>
+          <ac:grpSpMkLst>
+            <pc:docMk/>
+            <pc:sldMk cId="1091789387" sldId="273"/>
+            <ac:grpSpMk id="25" creationId="{D3A54630-E9F6-45DD-998F-E5DC0F14A399}"/>
+          </ac:grpSpMkLst>
+        </pc:grpChg>
+        <pc:grpChg chg="mod">
+          <ac:chgData name="Fingerhut, John Andy" userId="6ad675d3-541e-4813-9336-4804cd571dc7" providerId="ADAL" clId="{4F0530BD-8DBC-4E4A-AD8B-324142F9DCDB}" dt="2020-11-22T04:17:51.475" v="13" actId="1076"/>
+          <ac:grpSpMkLst>
+            <pc:docMk/>
+            <pc:sldMk cId="1091789387" sldId="273"/>
+            <ac:grpSpMk id="83" creationId="{1C834900-1FBA-4F79-9BAA-4729CB027B15}"/>
+          </ac:grpSpMkLst>
+        </pc:grpChg>
+        <pc:grpChg chg="mod">
+          <ac:chgData name="Fingerhut, John Andy" userId="6ad675d3-541e-4813-9336-4804cd571dc7" providerId="ADAL" clId="{4F0530BD-8DBC-4E4A-AD8B-324142F9DCDB}" dt="2020-11-22T04:18:39.163" v="17" actId="14100"/>
+          <ac:grpSpMkLst>
+            <pc:docMk/>
+            <pc:sldMk cId="1091789387" sldId="273"/>
+            <ac:grpSpMk id="163" creationId="{8608615B-EB0D-4D19-94C6-BA8F0B161E4B}"/>
+          </ac:grpSpMkLst>
+        </pc:grpChg>
+        <pc:grpChg chg="mod">
+          <ac:chgData name="Fingerhut, John Andy" userId="6ad675d3-541e-4813-9336-4804cd571dc7" providerId="ADAL" clId="{4F0530BD-8DBC-4E4A-AD8B-324142F9DCDB}" dt="2020-11-22T04:17:51.475" v="13" actId="1076"/>
+          <ac:grpSpMkLst>
+            <pc:docMk/>
+            <pc:sldMk cId="1091789387" sldId="273"/>
+            <ac:grpSpMk id="177" creationId="{AAC1F68D-05B8-4B51-8587-059500FE3478}"/>
+          </ac:grpSpMkLst>
+        </pc:grpChg>
+        <pc:cxnChg chg="mod">
+          <ac:chgData name="Fingerhut, John Andy" userId="6ad675d3-541e-4813-9336-4804cd571dc7" providerId="ADAL" clId="{4F0530BD-8DBC-4E4A-AD8B-324142F9DCDB}" dt="2020-11-22T04:18:22.037" v="15" actId="14100"/>
+          <ac:cxnSpMkLst>
+            <pc:docMk/>
+            <pc:sldMk cId="1091789387" sldId="273"/>
+            <ac:cxnSpMk id="80" creationId="{236BE345-2EA6-45DD-85B2-ACD4C19A91F5}"/>
+          </ac:cxnSpMkLst>
+        </pc:cxnChg>
+        <pc:cxnChg chg="add mod">
+          <ac:chgData name="Fingerhut, John Andy" userId="6ad675d3-541e-4813-9336-4804cd571dc7" providerId="ADAL" clId="{4F0530BD-8DBC-4E4A-AD8B-324142F9DCDB}" dt="2020-11-22T04:18:53.447" v="18" actId="692"/>
+          <ac:cxnSpMkLst>
+            <pc:docMk/>
+            <pc:sldMk cId="1091789387" sldId="273"/>
+            <ac:cxnSpMk id="99" creationId="{ADD4493A-5BBC-4D15-B581-A433EADD11C6}"/>
+          </ac:cxnSpMkLst>
+        </pc:cxnChg>
+        <pc:cxnChg chg="mod">
+          <ac:chgData name="Fingerhut, John Andy" userId="6ad675d3-541e-4813-9336-4804cd571dc7" providerId="ADAL" clId="{4F0530BD-8DBC-4E4A-AD8B-324142F9DCDB}" dt="2020-11-22T04:17:51.475" v="13" actId="1076"/>
+          <ac:cxnSpMkLst>
+            <pc:docMk/>
+            <pc:sldMk cId="1091789387" sldId="273"/>
+            <ac:cxnSpMk id="100" creationId="{F4860C18-D645-4EE6-BCDB-79FE3B828918}"/>
+          </ac:cxnSpMkLst>
+        </pc:cxnChg>
+        <pc:cxnChg chg="add mod">
+          <ac:chgData name="Fingerhut, John Andy" userId="6ad675d3-541e-4813-9336-4804cd571dc7" providerId="ADAL" clId="{4F0530BD-8DBC-4E4A-AD8B-324142F9DCDB}" dt="2020-11-22T04:39:04.966" v="80" actId="14100"/>
+          <ac:cxnSpMkLst>
+            <pc:docMk/>
+            <pc:sldMk cId="1091789387" sldId="273"/>
+            <ac:cxnSpMk id="102" creationId="{EB96FCB9-19D5-432B-B874-01E971C45BF4}"/>
+          </ac:cxnSpMkLst>
+        </pc:cxnChg>
+        <pc:cxnChg chg="add mod">
+          <ac:chgData name="Fingerhut, John Andy" userId="6ad675d3-541e-4813-9336-4804cd571dc7" providerId="ADAL" clId="{4F0530BD-8DBC-4E4A-AD8B-324142F9DCDB}" dt="2020-11-22T04:19:12.110" v="19" actId="14100"/>
+          <ac:cxnSpMkLst>
+            <pc:docMk/>
+            <pc:sldMk cId="1091789387" sldId="273"/>
+            <ac:cxnSpMk id="106" creationId="{16B1E8FE-E0AE-4FF6-AC2B-2BC0EAF5B4C8}"/>
+          </ac:cxnSpMkLst>
+        </pc:cxnChg>
+        <pc:cxnChg chg="mod">
+          <ac:chgData name="Fingerhut, John Andy" userId="6ad675d3-541e-4813-9336-4804cd571dc7" providerId="ADAL" clId="{4F0530BD-8DBC-4E4A-AD8B-324142F9DCDB}" dt="2020-11-22T04:17:51.475" v="13" actId="1076"/>
+          <ac:cxnSpMkLst>
+            <pc:docMk/>
+            <pc:sldMk cId="1091789387" sldId="273"/>
+            <ac:cxnSpMk id="112" creationId="{C64DEB71-3093-431E-88AF-4C2BE81668EF}"/>
+          </ac:cxnSpMkLst>
+        </pc:cxnChg>
+        <pc:cxnChg chg="mod">
+          <ac:chgData name="Fingerhut, John Andy" userId="6ad675d3-541e-4813-9336-4804cd571dc7" providerId="ADAL" clId="{4F0530BD-8DBC-4E4A-AD8B-324142F9DCDB}" dt="2020-11-22T04:17:51.475" v="13" actId="1076"/>
+          <ac:cxnSpMkLst>
+            <pc:docMk/>
+            <pc:sldMk cId="1091789387" sldId="273"/>
+            <ac:cxnSpMk id="115" creationId="{368C70F1-7509-412A-8F1A-A518E73EEB07}"/>
+          </ac:cxnSpMkLst>
+        </pc:cxnChg>
+        <pc:cxnChg chg="mod">
+          <ac:chgData name="Fingerhut, John Andy" userId="6ad675d3-541e-4813-9336-4804cd571dc7" providerId="ADAL" clId="{4F0530BD-8DBC-4E4A-AD8B-324142F9DCDB}" dt="2020-11-22T04:17:51.475" v="13" actId="1076"/>
+          <ac:cxnSpMkLst>
+            <pc:docMk/>
+            <pc:sldMk cId="1091789387" sldId="273"/>
+            <ac:cxnSpMk id="116" creationId="{D6EAE7FF-ED18-4376-A74D-07B093B5896D}"/>
+          </ac:cxnSpMkLst>
+        </pc:cxnChg>
+        <pc:cxnChg chg="mod">
+          <ac:chgData name="Fingerhut, John Andy" userId="6ad675d3-541e-4813-9336-4804cd571dc7" providerId="ADAL" clId="{4F0530BD-8DBC-4E4A-AD8B-324142F9DCDB}" dt="2020-11-22T04:17:51.475" v="13" actId="1076"/>
+          <ac:cxnSpMkLst>
+            <pc:docMk/>
+            <pc:sldMk cId="1091789387" sldId="273"/>
+            <ac:cxnSpMk id="117" creationId="{2B8B9C9F-8E4C-4C30-AB47-9A5A956DF566}"/>
+          </ac:cxnSpMkLst>
+        </pc:cxnChg>
+        <pc:cxnChg chg="mod">
+          <ac:chgData name="Fingerhut, John Andy" userId="6ad675d3-541e-4813-9336-4804cd571dc7" providerId="ADAL" clId="{4F0530BD-8DBC-4E4A-AD8B-324142F9DCDB}" dt="2020-11-22T04:17:51.475" v="13" actId="1076"/>
+          <ac:cxnSpMkLst>
+            <pc:docMk/>
+            <pc:sldMk cId="1091789387" sldId="273"/>
+            <ac:cxnSpMk id="118" creationId="{40462665-FCF8-4E8C-943A-0EF224BA3563}"/>
+          </ac:cxnSpMkLst>
+        </pc:cxnChg>
+        <pc:cxnChg chg="mod">
+          <ac:chgData name="Fingerhut, John Andy" userId="6ad675d3-541e-4813-9336-4804cd571dc7" providerId="ADAL" clId="{4F0530BD-8DBC-4E4A-AD8B-324142F9DCDB}" dt="2020-11-22T04:17:51.475" v="13" actId="1076"/>
+          <ac:cxnSpMkLst>
+            <pc:docMk/>
+            <pc:sldMk cId="1091789387" sldId="273"/>
+            <ac:cxnSpMk id="123" creationId="{64C4D15B-D90A-42A1-857E-79AACC8E1ED6}"/>
+          </ac:cxnSpMkLst>
+        </pc:cxnChg>
+        <pc:cxnChg chg="mod">
+          <ac:chgData name="Fingerhut, John Andy" userId="6ad675d3-541e-4813-9336-4804cd571dc7" providerId="ADAL" clId="{4F0530BD-8DBC-4E4A-AD8B-324142F9DCDB}" dt="2020-11-22T04:18:13.381" v="14" actId="14100"/>
+          <ac:cxnSpMkLst>
+            <pc:docMk/>
+            <pc:sldMk cId="1091789387" sldId="273"/>
+            <ac:cxnSpMk id="196" creationId="{C4648FD0-BE39-49B2-A297-6987E7ED42BA}"/>
+          </ac:cxnSpMkLst>
+        </pc:cxnChg>
+        <pc:cxnChg chg="mod">
+          <ac:chgData name="Fingerhut, John Andy" userId="6ad675d3-541e-4813-9336-4804cd571dc7" providerId="ADAL" clId="{4F0530BD-8DBC-4E4A-AD8B-324142F9DCDB}" dt="2020-11-22T04:39:19.462" v="82" actId="14100"/>
+          <ac:cxnSpMkLst>
+            <pc:docMk/>
+            <pc:sldMk cId="1091789387" sldId="273"/>
+            <ac:cxnSpMk id="199" creationId="{9B56D066-03B7-4AA5-AE48-439E5D95D240}"/>
+          </ac:cxnSpMkLst>
+        </pc:cxnChg>
+      </pc:sldChg>
+    </pc:docChg>
+  </pc:docChgLst>
+  <pc:docChgLst>
+    <pc:chgData name="Fingerhut, John Andy" userId="6ad675d3-541e-4813-9336-4804cd571dc7" providerId="ADAL" clId="{FA5602D7-A0D3-4013-A653-8499FBA519D5}"/>
+    <pc:docChg chg="modSld">
+      <pc:chgData name="Fingerhut, John Andy" userId="6ad675d3-541e-4813-9336-4804cd571dc7" providerId="ADAL" clId="{FA5602D7-A0D3-4013-A653-8499FBA519D5}" dt="2020-11-13T03:07:14.444" v="78" actId="14100"/>
+      <pc:docMkLst>
+        <pc:docMk/>
+      </pc:docMkLst>
+      <pc:sldChg chg="modSp">
+        <pc:chgData name="Fingerhut, John Andy" userId="6ad675d3-541e-4813-9336-4804cd571dc7" providerId="ADAL" clId="{FA5602D7-A0D3-4013-A653-8499FBA519D5}" dt="2020-11-13T03:07:14.444" v="78" actId="14100"/>
+        <pc:sldMkLst>
+          <pc:docMk/>
+          <pc:sldMk cId="1091789387" sldId="273"/>
+        </pc:sldMkLst>
+        <pc:spChg chg="mod">
+          <ac:chgData name="Fingerhut, John Andy" userId="6ad675d3-541e-4813-9336-4804cd571dc7" providerId="ADAL" clId="{FA5602D7-A0D3-4013-A653-8499FBA519D5}" dt="2020-11-13T03:05:33.168" v="52" actId="20577"/>
+          <ac:spMkLst>
+            <pc:docMk/>
+            <pc:sldMk cId="1091789387" sldId="273"/>
+            <ac:spMk id="9" creationId="{08CD8402-7233-47B1-A1B5-23D2E88AF40D}"/>
+          </ac:spMkLst>
+        </pc:spChg>
+        <pc:spChg chg="mod">
+          <ac:chgData name="Fingerhut, John Andy" userId="6ad675d3-541e-4813-9336-4804cd571dc7" providerId="ADAL" clId="{FA5602D7-A0D3-4013-A653-8499FBA519D5}" dt="2020-11-13T03:05:49.881" v="62" actId="255"/>
+          <ac:spMkLst>
+            <pc:docMk/>
+            <pc:sldMk cId="1091789387" sldId="273"/>
+            <ac:spMk id="11" creationId="{C5E0B604-11FA-4D85-8C27-1B6B6D7746A0}"/>
+          </ac:spMkLst>
+        </pc:spChg>
+        <pc:spChg chg="mod">
+          <ac:chgData name="Fingerhut, John Andy" userId="6ad675d3-541e-4813-9336-4804cd571dc7" providerId="ADAL" clId="{FA5602D7-A0D3-4013-A653-8499FBA519D5}" dt="2020-11-13T03:03:43.376" v="2" actId="20577"/>
+          <ac:spMkLst>
+            <pc:docMk/>
+            <pc:sldMk cId="1091789387" sldId="273"/>
+            <ac:spMk id="36" creationId="{3ED9F1BC-576A-4EF3-9876-126695A64636}"/>
+          </ac:spMkLst>
+        </pc:spChg>
+        <pc:spChg chg="mod">
+          <ac:chgData name="Fingerhut, John Andy" userId="6ad675d3-541e-4813-9336-4804cd571dc7" providerId="ADAL" clId="{FA5602D7-A0D3-4013-A653-8499FBA519D5}" dt="2020-11-13T03:03:46.584" v="5" actId="20577"/>
+          <ac:spMkLst>
+            <pc:docMk/>
+            <pc:sldMk cId="1091789387" sldId="273"/>
+            <ac:spMk id="37" creationId="{FEF6D1E8-CAD9-4D86-8016-9DF9D3A426B1}"/>
+          </ac:spMkLst>
+        </pc:spChg>
+        <pc:spChg chg="mod">
+          <ac:chgData name="Fingerhut, John Andy" userId="6ad675d3-541e-4813-9336-4804cd571dc7" providerId="ADAL" clId="{FA5602D7-A0D3-4013-A653-8499FBA519D5}" dt="2020-11-13T03:03:55.566" v="9" actId="20577"/>
+          <ac:spMkLst>
+            <pc:docMk/>
+            <pc:sldMk cId="1091789387" sldId="273"/>
+            <ac:spMk id="40" creationId="{A99932A6-6BD7-4FD1-93C8-8E131159E42A}"/>
+          </ac:spMkLst>
+        </pc:spChg>
+        <pc:spChg chg="mod">
+          <ac:chgData name="Fingerhut, John Andy" userId="6ad675d3-541e-4813-9336-4804cd571dc7" providerId="ADAL" clId="{FA5602D7-A0D3-4013-A653-8499FBA519D5}" dt="2020-11-13T03:06:34.893" v="67" actId="1076"/>
           <ac:spMkLst>
             <pc:docMk/>
             <pc:sldMk cId="1091789387" sldId="273"/>
@@ -260,263 +420,31 @@
           </ac:spMkLst>
         </pc:spChg>
         <pc:spChg chg="mod">
-          <ac:chgData name="Fingerhut, John Andy" userId="6ad675d3-541e-4813-9336-4804cd571dc7" providerId="ADAL" clId="{AB275EFB-7DC9-4E6C-884D-530FD05132B0}" dt="2020-11-13T02:26:12.034" v="17" actId="1076"/>
+          <ac:chgData name="Fingerhut, John Andy" userId="6ad675d3-541e-4813-9336-4804cd571dc7" providerId="ADAL" clId="{FA5602D7-A0D3-4013-A653-8499FBA519D5}" dt="2020-11-13T03:07:14.444" v="78" actId="14100"/>
           <ac:spMkLst>
             <pc:docMk/>
             <pc:sldMk cId="1091789387" sldId="273"/>
             <ac:spMk id="121" creationId="{C5B57169-1275-4E2F-A03B-8F7108AA0A55}"/>
           </ac:spMkLst>
         </pc:spChg>
-        <pc:spChg chg="add mod ord">
-          <ac:chgData name="Fingerhut, John Andy" userId="6ad675d3-541e-4813-9336-4804cd571dc7" providerId="ADAL" clId="{AB275EFB-7DC9-4E6C-884D-530FD05132B0}" dt="2020-11-13T02:36:24.018" v="114" actId="1076"/>
+        <pc:spChg chg="mod">
+          <ac:chgData name="Fingerhut, John Andy" userId="6ad675d3-541e-4813-9336-4804cd571dc7" providerId="ADAL" clId="{FA5602D7-A0D3-4013-A653-8499FBA519D5}" dt="2020-11-13T03:06:00.859" v="63" actId="207"/>
           <ac:spMkLst>
             <pc:docMk/>
             <pc:sldMk cId="1091789387" sldId="273"/>
             <ac:spMk id="148" creationId="{0E3FF64B-C6A6-4736-9847-96B6371F20AE}"/>
           </ac:spMkLst>
         </pc:spChg>
-        <pc:spChg chg="del mod">
-          <ac:chgData name="Fingerhut, John Andy" userId="6ad675d3-541e-4813-9336-4804cd571dc7" providerId="ADAL" clId="{AB275EFB-7DC9-4E6C-884D-530FD05132B0}" dt="2020-11-13T02:29:05.373" v="30" actId="478"/>
-          <ac:spMkLst>
-            <pc:docMk/>
-            <pc:sldMk cId="1091789387" sldId="273"/>
-            <ac:spMk id="185" creationId="{0D2D3C60-4A1A-4E38-8845-024DF1FE79E8}"/>
-          </ac:spMkLst>
-        </pc:spChg>
-        <pc:spChg chg="del mod">
-          <ac:chgData name="Fingerhut, John Andy" userId="6ad675d3-541e-4813-9336-4804cd571dc7" providerId="ADAL" clId="{AB275EFB-7DC9-4E6C-884D-530FD05132B0}" dt="2020-11-13T02:35:24.251" v="106" actId="478"/>
-          <ac:spMkLst>
-            <pc:docMk/>
-            <pc:sldMk cId="1091789387" sldId="273"/>
-            <ac:spMk id="186" creationId="{ECB7CF33-FC02-4C32-970C-EB52B3F817E6}"/>
-          </ac:spMkLst>
-        </pc:spChg>
-        <pc:spChg chg="mod">
-          <ac:chgData name="Fingerhut, John Andy" userId="6ad675d3-541e-4813-9336-4804cd571dc7" providerId="ADAL" clId="{AB275EFB-7DC9-4E6C-884D-530FD05132B0}" dt="2020-11-13T02:36:24.018" v="114" actId="1076"/>
-          <ac:spMkLst>
-            <pc:docMk/>
-            <pc:sldMk cId="1091789387" sldId="273"/>
-            <ac:spMk id="200" creationId="{6143778A-3CAF-4C20-AA59-3CC193DB8BCB}"/>
-          </ac:spMkLst>
-        </pc:spChg>
-        <pc:grpChg chg="del mod">
-          <ac:chgData name="Fingerhut, John Andy" userId="6ad675d3-541e-4813-9336-4804cd571dc7" providerId="ADAL" clId="{AB275EFB-7DC9-4E6C-884D-530FD05132B0}" dt="2020-11-13T02:33:45.728" v="78" actId="165"/>
-          <ac:grpSpMkLst>
-            <pc:docMk/>
-            <pc:sldMk cId="1091789387" sldId="273"/>
-            <ac:grpSpMk id="4" creationId="{8C98B034-85E6-458B-A9FF-1528198EAA1A}"/>
-          </ac:grpSpMkLst>
-        </pc:grpChg>
-        <pc:grpChg chg="mod">
-          <ac:chgData name="Fingerhut, John Andy" userId="6ad675d3-541e-4813-9336-4804cd571dc7" providerId="ADAL" clId="{AB275EFB-7DC9-4E6C-884D-530FD05132B0}" dt="2020-11-13T02:26:52.046" v="22" actId="1076"/>
-          <ac:grpSpMkLst>
-            <pc:docMk/>
-            <pc:sldMk cId="1091789387" sldId="273"/>
-            <ac:grpSpMk id="25" creationId="{D3A54630-E9F6-45DD-998F-E5DC0F14A399}"/>
-          </ac:grpSpMkLst>
-        </pc:grpChg>
-        <pc:grpChg chg="add del mod">
-          <ac:chgData name="Fingerhut, John Andy" userId="6ad675d3-541e-4813-9336-4804cd571dc7" providerId="ADAL" clId="{AB275EFB-7DC9-4E6C-884D-530FD05132B0}" dt="2020-11-13T02:32:10.041" v="51" actId="165"/>
-          <ac:grpSpMkLst>
-            <pc:docMk/>
-            <pc:sldMk cId="1091789387" sldId="273"/>
-            <ac:grpSpMk id="54" creationId="{4C313AC5-98CA-442B-99E2-5839162276A8}"/>
-          </ac:grpSpMkLst>
-        </pc:grpChg>
-        <pc:grpChg chg="mod">
-          <ac:chgData name="Fingerhut, John Andy" userId="6ad675d3-541e-4813-9336-4804cd571dc7" providerId="ADAL" clId="{AB275EFB-7DC9-4E6C-884D-530FD05132B0}" dt="2020-11-13T02:26:22.005" v="18" actId="1076"/>
-          <ac:grpSpMkLst>
-            <pc:docMk/>
-            <pc:sldMk cId="1091789387" sldId="273"/>
-            <ac:grpSpMk id="78" creationId="{45FA8724-A465-47A6-9A0E-9F107AF39809}"/>
-          </ac:grpSpMkLst>
-        </pc:grpChg>
-        <pc:grpChg chg="mod">
-          <ac:chgData name="Fingerhut, John Andy" userId="6ad675d3-541e-4813-9336-4804cd571dc7" providerId="ADAL" clId="{AB275EFB-7DC9-4E6C-884D-530FD05132B0}" dt="2020-11-13T02:36:24.018" v="114" actId="1076"/>
-          <ac:grpSpMkLst>
-            <pc:docMk/>
-            <pc:sldMk cId="1091789387" sldId="273"/>
-            <ac:grpSpMk id="83" creationId="{1C834900-1FBA-4F79-9BAA-4729CB027B15}"/>
-          </ac:grpSpMkLst>
-        </pc:grpChg>
-        <pc:grpChg chg="add del mod">
-          <ac:chgData name="Fingerhut, John Andy" userId="6ad675d3-541e-4813-9336-4804cd571dc7" providerId="ADAL" clId="{AB275EFB-7DC9-4E6C-884D-530FD05132B0}" dt="2020-11-13T02:33:22.076" v="59" actId="478"/>
-          <ac:grpSpMkLst>
-            <pc:docMk/>
-            <pc:sldMk cId="1091789387" sldId="273"/>
-            <ac:grpSpMk id="129" creationId="{98392EC4-FA1F-4A23-88AF-294263B04611}"/>
-          </ac:grpSpMkLst>
-        </pc:grpChg>
-        <pc:grpChg chg="add mod">
-          <ac:chgData name="Fingerhut, John Andy" userId="6ad675d3-541e-4813-9336-4804cd571dc7" providerId="ADAL" clId="{AB275EFB-7DC9-4E6C-884D-530FD05132B0}" dt="2020-11-13T02:40:36.673" v="137" actId="164"/>
-          <ac:grpSpMkLst>
-            <pc:docMk/>
-            <pc:sldMk cId="1091789387" sldId="273"/>
-            <ac:grpSpMk id="163" creationId="{8608615B-EB0D-4D19-94C6-BA8F0B161E4B}"/>
-          </ac:grpSpMkLst>
-        </pc:grpChg>
-        <pc:grpChg chg="add mod">
-          <ac:chgData name="Fingerhut, John Andy" userId="6ad675d3-541e-4813-9336-4804cd571dc7" providerId="ADAL" clId="{AB275EFB-7DC9-4E6C-884D-530FD05132B0}" dt="2020-11-13T02:41:10.275" v="142" actId="1076"/>
-          <ac:grpSpMkLst>
-            <pc:docMk/>
-            <pc:sldMk cId="1091789387" sldId="273"/>
-            <ac:grpSpMk id="177" creationId="{AAC1F68D-05B8-4B51-8587-059500FE3478}"/>
-          </ac:grpSpMkLst>
-        </pc:grpChg>
-        <pc:cxnChg chg="add mod">
-          <ac:chgData name="Fingerhut, John Andy" userId="6ad675d3-541e-4813-9336-4804cd571dc7" providerId="ADAL" clId="{AB275EFB-7DC9-4E6C-884D-530FD05132B0}" dt="2020-11-13T02:25:45.321" v="14" actId="1076"/>
-          <ac:cxnSpMkLst>
-            <pc:docMk/>
-            <pc:sldMk cId="1091789387" sldId="273"/>
-            <ac:cxnSpMk id="17" creationId="{415C7822-4030-42AD-AB86-5852B4DD265D}"/>
-          </ac:cxnSpMkLst>
-        </pc:cxnChg>
-        <pc:cxnChg chg="mod topLvl">
-          <ac:chgData name="Fingerhut, John Andy" userId="6ad675d3-541e-4813-9336-4804cd571dc7" providerId="ADAL" clId="{AB275EFB-7DC9-4E6C-884D-530FD05132B0}" dt="2020-11-13T02:33:45.728" v="78" actId="165"/>
-          <ac:cxnSpMkLst>
-            <pc:docMk/>
-            <pc:sldMk cId="1091789387" sldId="273"/>
-            <ac:cxnSpMk id="43" creationId="{9FEFDBCA-8D42-4559-B5B7-7B17A99615BD}"/>
-          </ac:cxnSpMkLst>
-        </pc:cxnChg>
-        <pc:cxnChg chg="mod topLvl">
-          <ac:chgData name="Fingerhut, John Andy" userId="6ad675d3-541e-4813-9336-4804cd571dc7" providerId="ADAL" clId="{AB275EFB-7DC9-4E6C-884D-530FD05132B0}" dt="2020-11-13T02:33:45.728" v="78" actId="165"/>
-          <ac:cxnSpMkLst>
-            <pc:docMk/>
-            <pc:sldMk cId="1091789387" sldId="273"/>
-            <ac:cxnSpMk id="49" creationId="{265B6322-C564-4122-876E-0B2152445370}"/>
-          </ac:cxnSpMkLst>
-        </pc:cxnChg>
-        <pc:cxnChg chg="mod topLvl">
-          <ac:chgData name="Fingerhut, John Andy" userId="6ad675d3-541e-4813-9336-4804cd571dc7" providerId="ADAL" clId="{AB275EFB-7DC9-4E6C-884D-530FD05132B0}" dt="2020-11-13T02:33:45.728" v="78" actId="165"/>
-          <ac:cxnSpMkLst>
-            <pc:docMk/>
-            <pc:sldMk cId="1091789387" sldId="273"/>
-            <ac:cxnSpMk id="50" creationId="{516664ED-D0D4-46ED-91FF-5BDE567A773D}"/>
-          </ac:cxnSpMkLst>
-        </pc:cxnChg>
         <pc:cxnChg chg="mod">
-          <ac:chgData name="Fingerhut, John Andy" userId="6ad675d3-541e-4813-9336-4804cd571dc7" providerId="ADAL" clId="{AB275EFB-7DC9-4E6C-884D-530FD05132B0}" dt="2020-11-13T02:32:40.016" v="55" actId="14100"/>
-          <ac:cxnSpMkLst>
-            <pc:docMk/>
-            <pc:sldMk cId="1091789387" sldId="273"/>
-            <ac:cxnSpMk id="80" creationId="{236BE345-2EA6-45DD-85B2-ACD4C19A91F5}"/>
-          </ac:cxnSpMkLst>
-        </pc:cxnChg>
-        <pc:cxnChg chg="del mod">
-          <ac:chgData name="Fingerhut, John Andy" userId="6ad675d3-541e-4813-9336-4804cd571dc7" providerId="ADAL" clId="{AB275EFB-7DC9-4E6C-884D-530FD05132B0}" dt="2020-11-13T02:30:07.584" v="37" actId="478"/>
-          <ac:cxnSpMkLst>
-            <pc:docMk/>
-            <pc:sldMk cId="1091789387" sldId="273"/>
-            <ac:cxnSpMk id="99" creationId="{4E52AAC9-DA09-4876-83F9-7D79F7233425}"/>
-          </ac:cxnSpMkLst>
-        </pc:cxnChg>
-        <pc:cxnChg chg="mod">
-          <ac:chgData name="Fingerhut, John Andy" userId="6ad675d3-541e-4813-9336-4804cd571dc7" providerId="ADAL" clId="{AB275EFB-7DC9-4E6C-884D-530FD05132B0}" dt="2020-11-13T02:36:44.586" v="116" actId="14100"/>
-          <ac:cxnSpMkLst>
-            <pc:docMk/>
-            <pc:sldMk cId="1091789387" sldId="273"/>
-            <ac:cxnSpMk id="100" creationId="{F4860C18-D645-4EE6-BCDB-79FE3B828918}"/>
-          </ac:cxnSpMkLst>
-        </pc:cxnChg>
-        <pc:cxnChg chg="del mod">
-          <ac:chgData name="Fingerhut, John Andy" userId="6ad675d3-541e-4813-9336-4804cd571dc7" providerId="ADAL" clId="{AB275EFB-7DC9-4E6C-884D-530FD05132B0}" dt="2020-11-13T02:30:11.015" v="38" actId="478"/>
-          <ac:cxnSpMkLst>
-            <pc:docMk/>
-            <pc:sldMk cId="1091789387" sldId="273"/>
-            <ac:cxnSpMk id="101" creationId="{372B96BA-804B-4311-BE3B-F167BF926D92}"/>
-          </ac:cxnSpMkLst>
-        </pc:cxnChg>
-        <pc:cxnChg chg="add del mod">
-          <ac:chgData name="Fingerhut, John Andy" userId="6ad675d3-541e-4813-9336-4804cd571dc7" providerId="ADAL" clId="{AB275EFB-7DC9-4E6C-884D-530FD05132B0}" dt="2020-11-13T02:25:06.734" v="9" actId="478"/>
-          <ac:cxnSpMkLst>
-            <pc:docMk/>
-            <pc:sldMk cId="1091789387" sldId="273"/>
-            <ac:cxnSpMk id="102" creationId="{E0BDF171-929B-4438-8B10-352CE8D0C7DE}"/>
-          </ac:cxnSpMkLst>
-        </pc:cxnChg>
-        <pc:cxnChg chg="add del mod">
-          <ac:chgData name="Fingerhut, John Andy" userId="6ad675d3-541e-4813-9336-4804cd571dc7" providerId="ADAL" clId="{AB275EFB-7DC9-4E6C-884D-530FD05132B0}" dt="2020-11-13T02:37:19.367" v="118" actId="478"/>
-          <ac:cxnSpMkLst>
-            <pc:docMk/>
-            <pc:sldMk cId="1091789387" sldId="273"/>
-            <ac:cxnSpMk id="103" creationId="{5EDE3D83-7DA1-468B-9B2D-6BC31D94DBA2}"/>
-          </ac:cxnSpMkLst>
-        </pc:cxnChg>
-        <pc:cxnChg chg="add mod">
-          <ac:chgData name="Fingerhut, John Andy" userId="6ad675d3-541e-4813-9336-4804cd571dc7" providerId="ADAL" clId="{AB275EFB-7DC9-4E6C-884D-530FD05132B0}" dt="2020-11-13T02:40:36.673" v="137" actId="164"/>
-          <ac:cxnSpMkLst>
-            <pc:docMk/>
-            <pc:sldMk cId="1091789387" sldId="273"/>
-            <ac:cxnSpMk id="105" creationId="{AAD870DC-10F4-46EA-8DD1-22D68B525CA7}"/>
-          </ac:cxnSpMkLst>
-        </pc:cxnChg>
-        <pc:cxnChg chg="add mod topLvl">
-          <ac:chgData name="Fingerhut, John Andy" userId="6ad675d3-541e-4813-9336-4804cd571dc7" providerId="ADAL" clId="{AB275EFB-7DC9-4E6C-884D-530FD05132B0}" dt="2020-11-13T02:36:24.018" v="114" actId="1076"/>
-          <ac:cxnSpMkLst>
-            <pc:docMk/>
-            <pc:sldMk cId="1091789387" sldId="273"/>
-            <ac:cxnSpMk id="112" creationId="{C64DEB71-3093-431E-88AF-4C2BE81668EF}"/>
-          </ac:cxnSpMkLst>
-        </pc:cxnChg>
-        <pc:cxnChg chg="add mod topLvl">
-          <ac:chgData name="Fingerhut, John Andy" userId="6ad675d3-541e-4813-9336-4804cd571dc7" providerId="ADAL" clId="{AB275EFB-7DC9-4E6C-884D-530FD05132B0}" dt="2020-11-13T02:36:24.018" v="114" actId="1076"/>
-          <ac:cxnSpMkLst>
-            <pc:docMk/>
-            <pc:sldMk cId="1091789387" sldId="273"/>
-            <ac:cxnSpMk id="115" creationId="{368C70F1-7509-412A-8F1A-A518E73EEB07}"/>
-          </ac:cxnSpMkLst>
-        </pc:cxnChg>
-        <pc:cxnChg chg="add mod topLvl">
-          <ac:chgData name="Fingerhut, John Andy" userId="6ad675d3-541e-4813-9336-4804cd571dc7" providerId="ADAL" clId="{AB275EFB-7DC9-4E6C-884D-530FD05132B0}" dt="2020-11-13T02:36:24.018" v="114" actId="1076"/>
-          <ac:cxnSpMkLst>
-            <pc:docMk/>
-            <pc:sldMk cId="1091789387" sldId="273"/>
-            <ac:cxnSpMk id="116" creationId="{D6EAE7FF-ED18-4376-A74D-07B093B5896D}"/>
-          </ac:cxnSpMkLst>
-        </pc:cxnChg>
-        <pc:cxnChg chg="add mod topLvl">
-          <ac:chgData name="Fingerhut, John Andy" userId="6ad675d3-541e-4813-9336-4804cd571dc7" providerId="ADAL" clId="{AB275EFB-7DC9-4E6C-884D-530FD05132B0}" dt="2020-11-13T02:36:24.018" v="114" actId="1076"/>
-          <ac:cxnSpMkLst>
-            <pc:docMk/>
-            <pc:sldMk cId="1091789387" sldId="273"/>
-            <ac:cxnSpMk id="117" creationId="{2B8B9C9F-8E4C-4C30-AB47-9A5A956DF566}"/>
-          </ac:cxnSpMkLst>
-        </pc:cxnChg>
-        <pc:cxnChg chg="add mod topLvl">
-          <ac:chgData name="Fingerhut, John Andy" userId="6ad675d3-541e-4813-9336-4804cd571dc7" providerId="ADAL" clId="{AB275EFB-7DC9-4E6C-884D-530FD05132B0}" dt="2020-11-13T02:36:24.018" v="114" actId="1076"/>
-          <ac:cxnSpMkLst>
-            <pc:docMk/>
-            <pc:sldMk cId="1091789387" sldId="273"/>
-            <ac:cxnSpMk id="118" creationId="{40462665-FCF8-4E8C-943A-0EF224BA3563}"/>
-          </ac:cxnSpMkLst>
-        </pc:cxnChg>
-        <pc:cxnChg chg="add del mod topLvl">
-          <ac:chgData name="Fingerhut, John Andy" userId="6ad675d3-541e-4813-9336-4804cd571dc7" providerId="ADAL" clId="{AB275EFB-7DC9-4E6C-884D-530FD05132B0}" dt="2020-11-13T02:32:18.911" v="53" actId="478"/>
-          <ac:cxnSpMkLst>
-            <pc:docMk/>
-            <pc:sldMk cId="1091789387" sldId="273"/>
-            <ac:cxnSpMk id="122" creationId="{343BA56B-7295-492E-94C2-9EA9D40F5D2A}"/>
-          </ac:cxnSpMkLst>
-        </pc:cxnChg>
-        <pc:cxnChg chg="mod">
-          <ac:chgData name="Fingerhut, John Andy" userId="6ad675d3-541e-4813-9336-4804cd571dc7" providerId="ADAL" clId="{AB275EFB-7DC9-4E6C-884D-530FD05132B0}" dt="2020-11-13T02:27:10.361" v="24" actId="1076"/>
+          <ac:chgData name="Fingerhut, John Andy" userId="6ad675d3-541e-4813-9336-4804cd571dc7" providerId="ADAL" clId="{FA5602D7-A0D3-4013-A653-8499FBA519D5}" dt="2020-11-13T03:06:34.893" v="67" actId="1076"/>
           <ac:cxnSpMkLst>
             <pc:docMk/>
             <pc:sldMk cId="1091789387" sldId="273"/>
             <ac:cxnSpMk id="123" creationId="{64C4D15B-D90A-42A1-857E-79AACC8E1ED6}"/>
           </ac:cxnSpMkLst>
         </pc:cxnChg>
-        <pc:cxnChg chg="add mod">
-          <ac:chgData name="Fingerhut, John Andy" userId="6ad675d3-541e-4813-9336-4804cd571dc7" providerId="ADAL" clId="{AB275EFB-7DC9-4E6C-884D-530FD05132B0}" dt="2020-11-13T02:40:36.673" v="137" actId="164"/>
-          <ac:cxnSpMkLst>
-            <pc:docMk/>
-            <pc:sldMk cId="1091789387" sldId="273"/>
-            <ac:cxnSpMk id="126" creationId="{6D1D99B2-0E86-47B6-9123-9267435A5C00}"/>
-          </ac:cxnSpMkLst>
-        </pc:cxnChg>
         <pc:cxnChg chg="mod">
-          <ac:chgData name="Fingerhut, John Andy" userId="6ad675d3-541e-4813-9336-4804cd571dc7" providerId="ADAL" clId="{AB275EFB-7DC9-4E6C-884D-530FD05132B0}" dt="2020-11-13T02:27:10.361" v="24" actId="1076"/>
+          <ac:chgData name="Fingerhut, John Andy" userId="6ad675d3-541e-4813-9336-4804cd571dc7" providerId="ADAL" clId="{FA5602D7-A0D3-4013-A653-8499FBA519D5}" dt="2020-11-13T03:06:34.893" v="67" actId="1076"/>
           <ac:cxnSpMkLst>
             <pc:docMk/>
             <pc:sldMk cId="1091789387" sldId="273"/>
@@ -524,75 +452,19 @@
           </ac:cxnSpMkLst>
         </pc:cxnChg>
         <pc:cxnChg chg="mod">
-          <ac:chgData name="Fingerhut, John Andy" userId="6ad675d3-541e-4813-9336-4804cd571dc7" providerId="ADAL" clId="{AB275EFB-7DC9-4E6C-884D-530FD05132B0}" dt="2020-11-13T02:26:22.005" v="18" actId="1076"/>
+          <ac:chgData name="Fingerhut, John Andy" userId="6ad675d3-541e-4813-9336-4804cd571dc7" providerId="ADAL" clId="{FA5602D7-A0D3-4013-A653-8499FBA519D5}" dt="2020-11-13T03:07:14.444" v="78" actId="14100"/>
           <ac:cxnSpMkLst>
             <pc:docMk/>
             <pc:sldMk cId="1091789387" sldId="273"/>
             <ac:cxnSpMk id="134" creationId="{6C8D7A4A-4E00-4E2B-A752-9407B9B8DC70}"/>
           </ac:cxnSpMkLst>
         </pc:cxnChg>
-        <pc:cxnChg chg="add mod">
-          <ac:chgData name="Fingerhut, John Andy" userId="6ad675d3-541e-4813-9336-4804cd571dc7" providerId="ADAL" clId="{AB275EFB-7DC9-4E6C-884D-530FD05132B0}" dt="2020-11-13T02:40:36.673" v="137" actId="164"/>
-          <ac:cxnSpMkLst>
-            <pc:docMk/>
-            <pc:sldMk cId="1091789387" sldId="273"/>
-            <ac:cxnSpMk id="150" creationId="{A5C1AA9D-F6C3-45F8-8EF2-65A29333F671}"/>
-          </ac:cxnSpMkLst>
-        </pc:cxnChg>
-        <pc:cxnChg chg="del mod">
-          <ac:chgData name="Fingerhut, John Andy" userId="6ad675d3-541e-4813-9336-4804cd571dc7" providerId="ADAL" clId="{AB275EFB-7DC9-4E6C-884D-530FD05132B0}" dt="2020-11-13T02:24:39.312" v="3" actId="478"/>
-          <ac:cxnSpMkLst>
-            <pc:docMk/>
-            <pc:sldMk cId="1091789387" sldId="273"/>
-            <ac:cxnSpMk id="152" creationId="{B78C3C32-E93B-4B8E-B3FB-91631530F501}"/>
-          </ac:cxnSpMkLst>
-        </pc:cxnChg>
-        <pc:cxnChg chg="add del mod">
-          <ac:chgData name="Fingerhut, John Andy" userId="6ad675d3-541e-4813-9336-4804cd571dc7" providerId="ADAL" clId="{AB275EFB-7DC9-4E6C-884D-530FD05132B0}" dt="2020-11-13T02:40:39.551" v="138" actId="478"/>
-          <ac:cxnSpMkLst>
-            <pc:docMk/>
-            <pc:sldMk cId="1091789387" sldId="273"/>
-            <ac:cxnSpMk id="158" creationId="{057CCE7E-0FB4-4C48-A5A0-75865AAA0293}"/>
-          </ac:cxnSpMkLst>
-        </pc:cxnChg>
         <pc:cxnChg chg="mod">
-          <ac:chgData name="Fingerhut, John Andy" userId="6ad675d3-541e-4813-9336-4804cd571dc7" providerId="ADAL" clId="{AB275EFB-7DC9-4E6C-884D-530FD05132B0}" dt="2020-11-13T02:26:12.034" v="17" actId="1076"/>
+          <ac:chgData name="Fingerhut, John Andy" userId="6ad675d3-541e-4813-9336-4804cd571dc7" providerId="ADAL" clId="{FA5602D7-A0D3-4013-A653-8499FBA519D5}" dt="2020-11-13T03:07:14.444" v="78" actId="14100"/>
           <ac:cxnSpMkLst>
             <pc:docMk/>
             <pc:sldMk cId="1091789387" sldId="273"/>
             <ac:cxnSpMk id="181" creationId="{90B81CF6-C291-4A3A-8CFF-4322DFD54B64}"/>
-          </ac:cxnSpMkLst>
-        </pc:cxnChg>
-        <pc:cxnChg chg="del mod">
-          <ac:chgData name="Fingerhut, John Andy" userId="6ad675d3-541e-4813-9336-4804cd571dc7" providerId="ADAL" clId="{AB275EFB-7DC9-4E6C-884D-530FD05132B0}" dt="2020-11-13T02:35:24.251" v="106" actId="478"/>
-          <ac:cxnSpMkLst>
-            <pc:docMk/>
-            <pc:sldMk cId="1091789387" sldId="273"/>
-            <ac:cxnSpMk id="188" creationId="{F0E47CE2-D6D5-43FB-9807-E7C9B02BC145}"/>
-          </ac:cxnSpMkLst>
-        </pc:cxnChg>
-        <pc:cxnChg chg="del mod">
-          <ac:chgData name="Fingerhut, John Andy" userId="6ad675d3-541e-4813-9336-4804cd571dc7" providerId="ADAL" clId="{AB275EFB-7DC9-4E6C-884D-530FD05132B0}" dt="2020-11-13T02:31:27.379" v="48" actId="478"/>
-          <ac:cxnSpMkLst>
-            <pc:docMk/>
-            <pc:sldMk cId="1091789387" sldId="273"/>
-            <ac:cxnSpMk id="190" creationId="{7F571AFD-BF02-4176-A6A5-D77F4EF8C405}"/>
-          </ac:cxnSpMkLst>
-        </pc:cxnChg>
-        <pc:cxnChg chg="mod">
-          <ac:chgData name="Fingerhut, John Andy" userId="6ad675d3-541e-4813-9336-4804cd571dc7" providerId="ADAL" clId="{AB275EFB-7DC9-4E6C-884D-530FD05132B0}" dt="2020-11-13T02:36:24.018" v="114" actId="1076"/>
-          <ac:cxnSpMkLst>
-            <pc:docMk/>
-            <pc:sldMk cId="1091789387" sldId="273"/>
-            <ac:cxnSpMk id="196" creationId="{C4648FD0-BE39-49B2-A297-6987E7ED42BA}"/>
-          </ac:cxnSpMkLst>
-        </pc:cxnChg>
-        <pc:cxnChg chg="mod">
-          <ac:chgData name="Fingerhut, John Andy" userId="6ad675d3-541e-4813-9336-4804cd571dc7" providerId="ADAL" clId="{AB275EFB-7DC9-4E6C-884D-530FD05132B0}" dt="2020-11-13T02:36:24.018" v="114" actId="1076"/>
-          <ac:cxnSpMkLst>
-            <pc:docMk/>
-            <pc:sldMk cId="1091789387" sldId="273"/>
-            <ac:cxnSpMk id="199" creationId="{9B56D066-03B7-4AA5-AE48-439E5D95D240}"/>
           </ac:cxnSpMkLst>
         </pc:cxnChg>
       </pc:sldChg>
@@ -670,60 +542,132 @@
     </pc:docChg>
   </pc:docChgLst>
   <pc:docChgLst>
-    <pc:chgData name="Fingerhut, John Andy" userId="6ad675d3-541e-4813-9336-4804cd571dc7" providerId="ADAL" clId="{FA5602D7-A0D3-4013-A653-8499FBA519D5}"/>
-    <pc:docChg chg="modSld">
-      <pc:chgData name="Fingerhut, John Andy" userId="6ad675d3-541e-4813-9336-4804cd571dc7" providerId="ADAL" clId="{FA5602D7-A0D3-4013-A653-8499FBA519D5}" dt="2020-11-13T03:07:14.444" v="78" actId="14100"/>
+    <pc:chgData name="Fingerhut, John Andy" userId="6ad675d3-541e-4813-9336-4804cd571dc7" providerId="ADAL" clId="{AB275EFB-7DC9-4E6C-884D-530FD05132B0}"/>
+    <pc:docChg chg="undo custSel modSld">
+      <pc:chgData name="Fingerhut, John Andy" userId="6ad675d3-541e-4813-9336-4804cd571dc7" providerId="ADAL" clId="{AB275EFB-7DC9-4E6C-884D-530FD05132B0}" dt="2020-11-13T02:43:14.555" v="143" actId="1076"/>
       <pc:docMkLst>
         <pc:docMk/>
       </pc:docMkLst>
-      <pc:sldChg chg="modSp">
-        <pc:chgData name="Fingerhut, John Andy" userId="6ad675d3-541e-4813-9336-4804cd571dc7" providerId="ADAL" clId="{FA5602D7-A0D3-4013-A653-8499FBA519D5}" dt="2020-11-13T03:07:14.444" v="78" actId="14100"/>
+      <pc:sldChg chg="addSp delSp modSp">
+        <pc:chgData name="Fingerhut, John Andy" userId="6ad675d3-541e-4813-9336-4804cd571dc7" providerId="ADAL" clId="{AB275EFB-7DC9-4E6C-884D-530FD05132B0}" dt="2020-11-13T02:43:14.555" v="143" actId="1076"/>
         <pc:sldMkLst>
           <pc:docMk/>
           <pc:sldMk cId="1091789387" sldId="273"/>
         </pc:sldMkLst>
-        <pc:spChg chg="mod">
-          <ac:chgData name="Fingerhut, John Andy" userId="6ad675d3-541e-4813-9336-4804cd571dc7" providerId="ADAL" clId="{FA5602D7-A0D3-4013-A653-8499FBA519D5}" dt="2020-11-13T03:05:33.168" v="52" actId="20577"/>
+        <pc:spChg chg="del">
+          <ac:chgData name="Fingerhut, John Andy" userId="6ad675d3-541e-4813-9336-4804cd571dc7" providerId="ADAL" clId="{AB275EFB-7DC9-4E6C-884D-530FD05132B0}" dt="2020-11-12T20:44:50.112" v="0" actId="478"/>
           <ac:spMkLst>
             <pc:docMk/>
             <pc:sldMk cId="1091789387" sldId="273"/>
-            <ac:spMk id="9" creationId="{08CD8402-7233-47B1-A1B5-23D2E88AF40D}"/>
+            <ac:spMk id="2" creationId="{2AEA91F8-E15F-47F9-A642-B540FBB86354}"/>
           </ac:spMkLst>
         </pc:spChg>
-        <pc:spChg chg="mod">
-          <ac:chgData name="Fingerhut, John Andy" userId="6ad675d3-541e-4813-9336-4804cd571dc7" providerId="ADAL" clId="{FA5602D7-A0D3-4013-A653-8499FBA519D5}" dt="2020-11-13T03:05:49.881" v="62" actId="255"/>
+        <pc:spChg chg="add del mod">
+          <ac:chgData name="Fingerhut, John Andy" userId="6ad675d3-541e-4813-9336-4804cd571dc7" providerId="ADAL" clId="{AB275EFB-7DC9-4E6C-884D-530FD05132B0}" dt="2020-11-12T20:44:52.494" v="1" actId="478"/>
           <ac:spMkLst>
             <pc:docMk/>
             <pc:sldMk cId="1091789387" sldId="273"/>
-            <ac:spMk id="11" creationId="{C5E0B604-11FA-4D85-8C27-1B6B6D7746A0}"/>
+            <ac:spMk id="5" creationId="{9D40767B-136D-49AC-BC6B-F8B4B25D3336}"/>
           </ac:spMkLst>
         </pc:spChg>
-        <pc:spChg chg="mod">
-          <ac:chgData name="Fingerhut, John Andy" userId="6ad675d3-541e-4813-9336-4804cd571dc7" providerId="ADAL" clId="{FA5602D7-A0D3-4013-A653-8499FBA519D5}" dt="2020-11-13T03:03:43.376" v="2" actId="20577"/>
+        <pc:spChg chg="mod topLvl">
+          <ac:chgData name="Fingerhut, John Andy" userId="6ad675d3-541e-4813-9336-4804cd571dc7" providerId="ADAL" clId="{AB275EFB-7DC9-4E6C-884D-530FD05132B0}" dt="2020-11-13T02:33:45.728" v="78" actId="165"/>
+          <ac:spMkLst>
+            <pc:docMk/>
+            <pc:sldMk cId="1091789387" sldId="273"/>
+            <ac:spMk id="35" creationId="{8EB9B0E0-C169-48B3-BCE6-385310287F99}"/>
+          </ac:spMkLst>
+        </pc:spChg>
+        <pc:spChg chg="mod topLvl">
+          <ac:chgData name="Fingerhut, John Andy" userId="6ad675d3-541e-4813-9336-4804cd571dc7" providerId="ADAL" clId="{AB275EFB-7DC9-4E6C-884D-530FD05132B0}" dt="2020-11-13T02:33:45.728" v="78" actId="165"/>
           <ac:spMkLst>
             <pc:docMk/>
             <pc:sldMk cId="1091789387" sldId="273"/>
             <ac:spMk id="36" creationId="{3ED9F1BC-576A-4EF3-9876-126695A64636}"/>
           </ac:spMkLst>
         </pc:spChg>
-        <pc:spChg chg="mod">
-          <ac:chgData name="Fingerhut, John Andy" userId="6ad675d3-541e-4813-9336-4804cd571dc7" providerId="ADAL" clId="{FA5602D7-A0D3-4013-A653-8499FBA519D5}" dt="2020-11-13T03:03:46.584" v="5" actId="20577"/>
+        <pc:spChg chg="mod topLvl">
+          <ac:chgData name="Fingerhut, John Andy" userId="6ad675d3-541e-4813-9336-4804cd571dc7" providerId="ADAL" clId="{AB275EFB-7DC9-4E6C-884D-530FD05132B0}" dt="2020-11-13T02:33:45.728" v="78" actId="165"/>
           <ac:spMkLst>
             <pc:docMk/>
             <pc:sldMk cId="1091789387" sldId="273"/>
             <ac:spMk id="37" creationId="{FEF6D1E8-CAD9-4D86-8016-9DF9D3A426B1}"/>
           </ac:spMkLst>
         </pc:spChg>
-        <pc:spChg chg="mod">
-          <ac:chgData name="Fingerhut, John Andy" userId="6ad675d3-541e-4813-9336-4804cd571dc7" providerId="ADAL" clId="{FA5602D7-A0D3-4013-A653-8499FBA519D5}" dt="2020-11-13T03:03:55.566" v="9" actId="20577"/>
+        <pc:spChg chg="mod topLvl">
+          <ac:chgData name="Fingerhut, John Andy" userId="6ad675d3-541e-4813-9336-4804cd571dc7" providerId="ADAL" clId="{AB275EFB-7DC9-4E6C-884D-530FD05132B0}" dt="2020-11-13T02:33:45.728" v="78" actId="165"/>
           <ac:spMkLst>
             <pc:docMk/>
             <pc:sldMk cId="1091789387" sldId="273"/>
             <ac:spMk id="40" creationId="{A99932A6-6BD7-4FD1-93C8-8E131159E42A}"/>
           </ac:spMkLst>
         </pc:spChg>
+        <pc:spChg chg="mod topLvl">
+          <ac:chgData name="Fingerhut, John Andy" userId="6ad675d3-541e-4813-9336-4804cd571dc7" providerId="ADAL" clId="{AB275EFB-7DC9-4E6C-884D-530FD05132B0}" dt="2020-11-13T02:33:45.728" v="78" actId="165"/>
+          <ac:spMkLst>
+            <pc:docMk/>
+            <pc:sldMk cId="1091789387" sldId="273"/>
+            <ac:spMk id="41" creationId="{92344D8E-30F6-4766-B972-809C391435CC}"/>
+          </ac:spMkLst>
+        </pc:spChg>
+        <pc:spChg chg="add del mod">
+          <ac:chgData name="Fingerhut, John Andy" userId="6ad675d3-541e-4813-9336-4804cd571dc7" providerId="ADAL" clId="{AB275EFB-7DC9-4E6C-884D-530FD05132B0}" dt="2020-11-13T02:31:29.523" v="49" actId="478"/>
+          <ac:spMkLst>
+            <pc:docMk/>
+            <pc:sldMk cId="1091789387" sldId="273"/>
+            <ac:spMk id="108" creationId="{F7594EFE-CC19-4890-A71C-A356D27742F2}"/>
+          </ac:spMkLst>
+        </pc:spChg>
+        <pc:spChg chg="add del mod">
+          <ac:chgData name="Fingerhut, John Andy" userId="6ad675d3-541e-4813-9336-4804cd571dc7" providerId="ADAL" clId="{AB275EFB-7DC9-4E6C-884D-530FD05132B0}" dt="2020-11-13T02:31:10.509" v="45" actId="478"/>
+          <ac:spMkLst>
+            <pc:docMk/>
+            <pc:sldMk cId="1091789387" sldId="273"/>
+            <ac:spMk id="109" creationId="{8929AB5C-7DBF-4B17-9E8A-36D99FF27FCB}"/>
+          </ac:spMkLst>
+        </pc:spChg>
+        <pc:spChg chg="add mod topLvl">
+          <ac:chgData name="Fingerhut, John Andy" userId="6ad675d3-541e-4813-9336-4804cd571dc7" providerId="ADAL" clId="{AB275EFB-7DC9-4E6C-884D-530FD05132B0}" dt="2020-11-13T02:36:24.018" v="114" actId="1076"/>
+          <ac:spMkLst>
+            <pc:docMk/>
+            <pc:sldMk cId="1091789387" sldId="273"/>
+            <ac:spMk id="110" creationId="{CBF41200-6B39-49A7-85D4-64606C55105F}"/>
+          </ac:spMkLst>
+        </pc:spChg>
+        <pc:spChg chg="add mod topLvl">
+          <ac:chgData name="Fingerhut, John Andy" userId="6ad675d3-541e-4813-9336-4804cd571dc7" providerId="ADAL" clId="{AB275EFB-7DC9-4E6C-884D-530FD05132B0}" dt="2020-11-13T02:36:24.018" v="114" actId="1076"/>
+          <ac:spMkLst>
+            <pc:docMk/>
+            <pc:sldMk cId="1091789387" sldId="273"/>
+            <ac:spMk id="111" creationId="{8EF40A48-3C9D-4A24-A40E-E4870584BA66}"/>
+          </ac:spMkLst>
+        </pc:spChg>
         <pc:spChg chg="mod">
-          <ac:chgData name="Fingerhut, John Andy" userId="6ad675d3-541e-4813-9336-4804cd571dc7" providerId="ADAL" clId="{FA5602D7-A0D3-4013-A653-8499FBA519D5}" dt="2020-11-13T03:06:34.893" v="67" actId="1076"/>
+          <ac:chgData name="Fingerhut, John Andy" userId="6ad675d3-541e-4813-9336-4804cd571dc7" providerId="ADAL" clId="{AB275EFB-7DC9-4E6C-884D-530FD05132B0}" dt="2020-11-13T02:43:14.555" v="143" actId="1076"/>
+          <ac:spMkLst>
+            <pc:docMk/>
+            <pc:sldMk cId="1091789387" sldId="273"/>
+            <ac:spMk id="113" creationId="{58FA7448-7B0F-43F4-A246-03BDB307CBC0}"/>
+          </ac:spMkLst>
+        </pc:spChg>
+        <pc:spChg chg="mod">
+          <ac:chgData name="Fingerhut, John Andy" userId="6ad675d3-541e-4813-9336-4804cd571dc7" providerId="ADAL" clId="{AB275EFB-7DC9-4E6C-884D-530FD05132B0}" dt="2020-11-13T02:43:14.555" v="143" actId="1076"/>
+          <ac:spMkLst>
+            <pc:docMk/>
+            <pc:sldMk cId="1091789387" sldId="273"/>
+            <ac:spMk id="114" creationId="{8981AA32-2977-41CF-9174-51C16EB7A3C1}"/>
+          </ac:spMkLst>
+        </pc:spChg>
+        <pc:spChg chg="add del mod topLvl">
+          <ac:chgData name="Fingerhut, John Andy" userId="6ad675d3-541e-4813-9336-4804cd571dc7" providerId="ADAL" clId="{AB275EFB-7DC9-4E6C-884D-530FD05132B0}" dt="2020-11-13T02:34:43.356" v="103" actId="478"/>
+          <ac:spMkLst>
+            <pc:docMk/>
+            <pc:sldMk cId="1091789387" sldId="273"/>
+            <ac:spMk id="119" creationId="{231B9BC7-9EDF-4A13-BE99-93FD10BE7392}"/>
+          </ac:spMkLst>
+        </pc:spChg>
+        <pc:spChg chg="mod">
+          <ac:chgData name="Fingerhut, John Andy" userId="6ad675d3-541e-4813-9336-4804cd571dc7" providerId="ADAL" clId="{AB275EFB-7DC9-4E6C-884D-530FD05132B0}" dt="2020-11-13T02:27:10.361" v="24" actId="1076"/>
           <ac:spMkLst>
             <pc:docMk/>
             <pc:sldMk cId="1091789387" sldId="273"/>
@@ -731,31 +675,263 @@
           </ac:spMkLst>
         </pc:spChg>
         <pc:spChg chg="mod">
-          <ac:chgData name="Fingerhut, John Andy" userId="6ad675d3-541e-4813-9336-4804cd571dc7" providerId="ADAL" clId="{FA5602D7-A0D3-4013-A653-8499FBA519D5}" dt="2020-11-13T03:07:14.444" v="78" actId="14100"/>
+          <ac:chgData name="Fingerhut, John Andy" userId="6ad675d3-541e-4813-9336-4804cd571dc7" providerId="ADAL" clId="{AB275EFB-7DC9-4E6C-884D-530FD05132B0}" dt="2020-11-13T02:26:12.034" v="17" actId="1076"/>
           <ac:spMkLst>
             <pc:docMk/>
             <pc:sldMk cId="1091789387" sldId="273"/>
             <ac:spMk id="121" creationId="{C5B57169-1275-4E2F-A03B-8F7108AA0A55}"/>
           </ac:spMkLst>
         </pc:spChg>
-        <pc:spChg chg="mod">
-          <ac:chgData name="Fingerhut, John Andy" userId="6ad675d3-541e-4813-9336-4804cd571dc7" providerId="ADAL" clId="{FA5602D7-A0D3-4013-A653-8499FBA519D5}" dt="2020-11-13T03:06:00.859" v="63" actId="207"/>
+        <pc:spChg chg="add mod ord">
+          <ac:chgData name="Fingerhut, John Andy" userId="6ad675d3-541e-4813-9336-4804cd571dc7" providerId="ADAL" clId="{AB275EFB-7DC9-4E6C-884D-530FD05132B0}" dt="2020-11-13T02:36:24.018" v="114" actId="1076"/>
           <ac:spMkLst>
             <pc:docMk/>
             <pc:sldMk cId="1091789387" sldId="273"/>
             <ac:spMk id="148" creationId="{0E3FF64B-C6A6-4736-9847-96B6371F20AE}"/>
           </ac:spMkLst>
         </pc:spChg>
+        <pc:spChg chg="del mod">
+          <ac:chgData name="Fingerhut, John Andy" userId="6ad675d3-541e-4813-9336-4804cd571dc7" providerId="ADAL" clId="{AB275EFB-7DC9-4E6C-884D-530FD05132B0}" dt="2020-11-13T02:29:05.373" v="30" actId="478"/>
+          <ac:spMkLst>
+            <pc:docMk/>
+            <pc:sldMk cId="1091789387" sldId="273"/>
+            <ac:spMk id="185" creationId="{0D2D3C60-4A1A-4E38-8845-024DF1FE79E8}"/>
+          </ac:spMkLst>
+        </pc:spChg>
+        <pc:spChg chg="del mod">
+          <ac:chgData name="Fingerhut, John Andy" userId="6ad675d3-541e-4813-9336-4804cd571dc7" providerId="ADAL" clId="{AB275EFB-7DC9-4E6C-884D-530FD05132B0}" dt="2020-11-13T02:35:24.251" v="106" actId="478"/>
+          <ac:spMkLst>
+            <pc:docMk/>
+            <pc:sldMk cId="1091789387" sldId="273"/>
+            <ac:spMk id="186" creationId="{ECB7CF33-FC02-4C32-970C-EB52B3F817E6}"/>
+          </ac:spMkLst>
+        </pc:spChg>
+        <pc:spChg chg="mod">
+          <ac:chgData name="Fingerhut, John Andy" userId="6ad675d3-541e-4813-9336-4804cd571dc7" providerId="ADAL" clId="{AB275EFB-7DC9-4E6C-884D-530FD05132B0}" dt="2020-11-13T02:36:24.018" v="114" actId="1076"/>
+          <ac:spMkLst>
+            <pc:docMk/>
+            <pc:sldMk cId="1091789387" sldId="273"/>
+            <ac:spMk id="200" creationId="{6143778A-3CAF-4C20-AA59-3CC193DB8BCB}"/>
+          </ac:spMkLst>
+        </pc:spChg>
+        <pc:grpChg chg="del mod">
+          <ac:chgData name="Fingerhut, John Andy" userId="6ad675d3-541e-4813-9336-4804cd571dc7" providerId="ADAL" clId="{AB275EFB-7DC9-4E6C-884D-530FD05132B0}" dt="2020-11-13T02:33:45.728" v="78" actId="165"/>
+          <ac:grpSpMkLst>
+            <pc:docMk/>
+            <pc:sldMk cId="1091789387" sldId="273"/>
+            <ac:grpSpMk id="4" creationId="{8C98B034-85E6-458B-A9FF-1528198EAA1A}"/>
+          </ac:grpSpMkLst>
+        </pc:grpChg>
+        <pc:grpChg chg="mod">
+          <ac:chgData name="Fingerhut, John Andy" userId="6ad675d3-541e-4813-9336-4804cd571dc7" providerId="ADAL" clId="{AB275EFB-7DC9-4E6C-884D-530FD05132B0}" dt="2020-11-13T02:26:52.046" v="22" actId="1076"/>
+          <ac:grpSpMkLst>
+            <pc:docMk/>
+            <pc:sldMk cId="1091789387" sldId="273"/>
+            <ac:grpSpMk id="25" creationId="{D3A54630-E9F6-45DD-998F-E5DC0F14A399}"/>
+          </ac:grpSpMkLst>
+        </pc:grpChg>
+        <pc:grpChg chg="add del mod">
+          <ac:chgData name="Fingerhut, John Andy" userId="6ad675d3-541e-4813-9336-4804cd571dc7" providerId="ADAL" clId="{AB275EFB-7DC9-4E6C-884D-530FD05132B0}" dt="2020-11-13T02:32:10.041" v="51" actId="165"/>
+          <ac:grpSpMkLst>
+            <pc:docMk/>
+            <pc:sldMk cId="1091789387" sldId="273"/>
+            <ac:grpSpMk id="54" creationId="{4C313AC5-98CA-442B-99E2-5839162276A8}"/>
+          </ac:grpSpMkLst>
+        </pc:grpChg>
+        <pc:grpChg chg="mod">
+          <ac:chgData name="Fingerhut, John Andy" userId="6ad675d3-541e-4813-9336-4804cd571dc7" providerId="ADAL" clId="{AB275EFB-7DC9-4E6C-884D-530FD05132B0}" dt="2020-11-13T02:26:22.005" v="18" actId="1076"/>
+          <ac:grpSpMkLst>
+            <pc:docMk/>
+            <pc:sldMk cId="1091789387" sldId="273"/>
+            <ac:grpSpMk id="78" creationId="{45FA8724-A465-47A6-9A0E-9F107AF39809}"/>
+          </ac:grpSpMkLst>
+        </pc:grpChg>
+        <pc:grpChg chg="mod">
+          <ac:chgData name="Fingerhut, John Andy" userId="6ad675d3-541e-4813-9336-4804cd571dc7" providerId="ADAL" clId="{AB275EFB-7DC9-4E6C-884D-530FD05132B0}" dt="2020-11-13T02:36:24.018" v="114" actId="1076"/>
+          <ac:grpSpMkLst>
+            <pc:docMk/>
+            <pc:sldMk cId="1091789387" sldId="273"/>
+            <ac:grpSpMk id="83" creationId="{1C834900-1FBA-4F79-9BAA-4729CB027B15}"/>
+          </ac:grpSpMkLst>
+        </pc:grpChg>
+        <pc:grpChg chg="add del mod">
+          <ac:chgData name="Fingerhut, John Andy" userId="6ad675d3-541e-4813-9336-4804cd571dc7" providerId="ADAL" clId="{AB275EFB-7DC9-4E6C-884D-530FD05132B0}" dt="2020-11-13T02:33:22.076" v="59" actId="478"/>
+          <ac:grpSpMkLst>
+            <pc:docMk/>
+            <pc:sldMk cId="1091789387" sldId="273"/>
+            <ac:grpSpMk id="129" creationId="{98392EC4-FA1F-4A23-88AF-294263B04611}"/>
+          </ac:grpSpMkLst>
+        </pc:grpChg>
+        <pc:grpChg chg="add mod">
+          <ac:chgData name="Fingerhut, John Andy" userId="6ad675d3-541e-4813-9336-4804cd571dc7" providerId="ADAL" clId="{AB275EFB-7DC9-4E6C-884D-530FD05132B0}" dt="2020-11-13T02:40:36.673" v="137" actId="164"/>
+          <ac:grpSpMkLst>
+            <pc:docMk/>
+            <pc:sldMk cId="1091789387" sldId="273"/>
+            <ac:grpSpMk id="163" creationId="{8608615B-EB0D-4D19-94C6-BA8F0B161E4B}"/>
+          </ac:grpSpMkLst>
+        </pc:grpChg>
+        <pc:grpChg chg="add mod">
+          <ac:chgData name="Fingerhut, John Andy" userId="6ad675d3-541e-4813-9336-4804cd571dc7" providerId="ADAL" clId="{AB275EFB-7DC9-4E6C-884D-530FD05132B0}" dt="2020-11-13T02:41:10.275" v="142" actId="1076"/>
+          <ac:grpSpMkLst>
+            <pc:docMk/>
+            <pc:sldMk cId="1091789387" sldId="273"/>
+            <ac:grpSpMk id="177" creationId="{AAC1F68D-05B8-4B51-8587-059500FE3478}"/>
+          </ac:grpSpMkLst>
+        </pc:grpChg>
+        <pc:cxnChg chg="add mod">
+          <ac:chgData name="Fingerhut, John Andy" userId="6ad675d3-541e-4813-9336-4804cd571dc7" providerId="ADAL" clId="{AB275EFB-7DC9-4E6C-884D-530FD05132B0}" dt="2020-11-13T02:25:45.321" v="14" actId="1076"/>
+          <ac:cxnSpMkLst>
+            <pc:docMk/>
+            <pc:sldMk cId="1091789387" sldId="273"/>
+            <ac:cxnSpMk id="17" creationId="{415C7822-4030-42AD-AB86-5852B4DD265D}"/>
+          </ac:cxnSpMkLst>
+        </pc:cxnChg>
+        <pc:cxnChg chg="mod topLvl">
+          <ac:chgData name="Fingerhut, John Andy" userId="6ad675d3-541e-4813-9336-4804cd571dc7" providerId="ADAL" clId="{AB275EFB-7DC9-4E6C-884D-530FD05132B0}" dt="2020-11-13T02:33:45.728" v="78" actId="165"/>
+          <ac:cxnSpMkLst>
+            <pc:docMk/>
+            <pc:sldMk cId="1091789387" sldId="273"/>
+            <ac:cxnSpMk id="43" creationId="{9FEFDBCA-8D42-4559-B5B7-7B17A99615BD}"/>
+          </ac:cxnSpMkLst>
+        </pc:cxnChg>
+        <pc:cxnChg chg="mod topLvl">
+          <ac:chgData name="Fingerhut, John Andy" userId="6ad675d3-541e-4813-9336-4804cd571dc7" providerId="ADAL" clId="{AB275EFB-7DC9-4E6C-884D-530FD05132B0}" dt="2020-11-13T02:33:45.728" v="78" actId="165"/>
+          <ac:cxnSpMkLst>
+            <pc:docMk/>
+            <pc:sldMk cId="1091789387" sldId="273"/>
+            <ac:cxnSpMk id="49" creationId="{265B6322-C564-4122-876E-0B2152445370}"/>
+          </ac:cxnSpMkLst>
+        </pc:cxnChg>
+        <pc:cxnChg chg="mod topLvl">
+          <ac:chgData name="Fingerhut, John Andy" userId="6ad675d3-541e-4813-9336-4804cd571dc7" providerId="ADAL" clId="{AB275EFB-7DC9-4E6C-884D-530FD05132B0}" dt="2020-11-13T02:33:45.728" v="78" actId="165"/>
+          <ac:cxnSpMkLst>
+            <pc:docMk/>
+            <pc:sldMk cId="1091789387" sldId="273"/>
+            <ac:cxnSpMk id="50" creationId="{516664ED-D0D4-46ED-91FF-5BDE567A773D}"/>
+          </ac:cxnSpMkLst>
+        </pc:cxnChg>
         <pc:cxnChg chg="mod">
-          <ac:chgData name="Fingerhut, John Andy" userId="6ad675d3-541e-4813-9336-4804cd571dc7" providerId="ADAL" clId="{FA5602D7-A0D3-4013-A653-8499FBA519D5}" dt="2020-11-13T03:06:34.893" v="67" actId="1076"/>
+          <ac:chgData name="Fingerhut, John Andy" userId="6ad675d3-541e-4813-9336-4804cd571dc7" providerId="ADAL" clId="{AB275EFB-7DC9-4E6C-884D-530FD05132B0}" dt="2020-11-13T02:32:40.016" v="55" actId="14100"/>
+          <ac:cxnSpMkLst>
+            <pc:docMk/>
+            <pc:sldMk cId="1091789387" sldId="273"/>
+            <ac:cxnSpMk id="80" creationId="{236BE345-2EA6-45DD-85B2-ACD4C19A91F5}"/>
+          </ac:cxnSpMkLst>
+        </pc:cxnChg>
+        <pc:cxnChg chg="del mod">
+          <ac:chgData name="Fingerhut, John Andy" userId="6ad675d3-541e-4813-9336-4804cd571dc7" providerId="ADAL" clId="{AB275EFB-7DC9-4E6C-884D-530FD05132B0}" dt="2020-11-13T02:30:07.584" v="37" actId="478"/>
+          <ac:cxnSpMkLst>
+            <pc:docMk/>
+            <pc:sldMk cId="1091789387" sldId="273"/>
+            <ac:cxnSpMk id="99" creationId="{4E52AAC9-DA09-4876-83F9-7D79F7233425}"/>
+          </ac:cxnSpMkLst>
+        </pc:cxnChg>
+        <pc:cxnChg chg="mod">
+          <ac:chgData name="Fingerhut, John Andy" userId="6ad675d3-541e-4813-9336-4804cd571dc7" providerId="ADAL" clId="{AB275EFB-7DC9-4E6C-884D-530FD05132B0}" dt="2020-11-13T02:36:44.586" v="116" actId="14100"/>
+          <ac:cxnSpMkLst>
+            <pc:docMk/>
+            <pc:sldMk cId="1091789387" sldId="273"/>
+            <ac:cxnSpMk id="100" creationId="{F4860C18-D645-4EE6-BCDB-79FE3B828918}"/>
+          </ac:cxnSpMkLst>
+        </pc:cxnChg>
+        <pc:cxnChg chg="del mod">
+          <ac:chgData name="Fingerhut, John Andy" userId="6ad675d3-541e-4813-9336-4804cd571dc7" providerId="ADAL" clId="{AB275EFB-7DC9-4E6C-884D-530FD05132B0}" dt="2020-11-13T02:30:11.015" v="38" actId="478"/>
+          <ac:cxnSpMkLst>
+            <pc:docMk/>
+            <pc:sldMk cId="1091789387" sldId="273"/>
+            <ac:cxnSpMk id="101" creationId="{372B96BA-804B-4311-BE3B-F167BF926D92}"/>
+          </ac:cxnSpMkLst>
+        </pc:cxnChg>
+        <pc:cxnChg chg="add del mod">
+          <ac:chgData name="Fingerhut, John Andy" userId="6ad675d3-541e-4813-9336-4804cd571dc7" providerId="ADAL" clId="{AB275EFB-7DC9-4E6C-884D-530FD05132B0}" dt="2020-11-13T02:25:06.734" v="9" actId="478"/>
+          <ac:cxnSpMkLst>
+            <pc:docMk/>
+            <pc:sldMk cId="1091789387" sldId="273"/>
+            <ac:cxnSpMk id="102" creationId="{E0BDF171-929B-4438-8B10-352CE8D0C7DE}"/>
+          </ac:cxnSpMkLst>
+        </pc:cxnChg>
+        <pc:cxnChg chg="add del mod">
+          <ac:chgData name="Fingerhut, John Andy" userId="6ad675d3-541e-4813-9336-4804cd571dc7" providerId="ADAL" clId="{AB275EFB-7DC9-4E6C-884D-530FD05132B0}" dt="2020-11-13T02:37:19.367" v="118" actId="478"/>
+          <ac:cxnSpMkLst>
+            <pc:docMk/>
+            <pc:sldMk cId="1091789387" sldId="273"/>
+            <ac:cxnSpMk id="103" creationId="{5EDE3D83-7DA1-468B-9B2D-6BC31D94DBA2}"/>
+          </ac:cxnSpMkLst>
+        </pc:cxnChg>
+        <pc:cxnChg chg="add mod">
+          <ac:chgData name="Fingerhut, John Andy" userId="6ad675d3-541e-4813-9336-4804cd571dc7" providerId="ADAL" clId="{AB275EFB-7DC9-4E6C-884D-530FD05132B0}" dt="2020-11-13T02:40:36.673" v="137" actId="164"/>
+          <ac:cxnSpMkLst>
+            <pc:docMk/>
+            <pc:sldMk cId="1091789387" sldId="273"/>
+            <ac:cxnSpMk id="105" creationId="{AAD870DC-10F4-46EA-8DD1-22D68B525CA7}"/>
+          </ac:cxnSpMkLst>
+        </pc:cxnChg>
+        <pc:cxnChg chg="add mod topLvl">
+          <ac:chgData name="Fingerhut, John Andy" userId="6ad675d3-541e-4813-9336-4804cd571dc7" providerId="ADAL" clId="{AB275EFB-7DC9-4E6C-884D-530FD05132B0}" dt="2020-11-13T02:36:24.018" v="114" actId="1076"/>
+          <ac:cxnSpMkLst>
+            <pc:docMk/>
+            <pc:sldMk cId="1091789387" sldId="273"/>
+            <ac:cxnSpMk id="112" creationId="{C64DEB71-3093-431E-88AF-4C2BE81668EF}"/>
+          </ac:cxnSpMkLst>
+        </pc:cxnChg>
+        <pc:cxnChg chg="add mod topLvl">
+          <ac:chgData name="Fingerhut, John Andy" userId="6ad675d3-541e-4813-9336-4804cd571dc7" providerId="ADAL" clId="{AB275EFB-7DC9-4E6C-884D-530FD05132B0}" dt="2020-11-13T02:36:24.018" v="114" actId="1076"/>
+          <ac:cxnSpMkLst>
+            <pc:docMk/>
+            <pc:sldMk cId="1091789387" sldId="273"/>
+            <ac:cxnSpMk id="115" creationId="{368C70F1-7509-412A-8F1A-A518E73EEB07}"/>
+          </ac:cxnSpMkLst>
+        </pc:cxnChg>
+        <pc:cxnChg chg="add mod topLvl">
+          <ac:chgData name="Fingerhut, John Andy" userId="6ad675d3-541e-4813-9336-4804cd571dc7" providerId="ADAL" clId="{AB275EFB-7DC9-4E6C-884D-530FD05132B0}" dt="2020-11-13T02:36:24.018" v="114" actId="1076"/>
+          <ac:cxnSpMkLst>
+            <pc:docMk/>
+            <pc:sldMk cId="1091789387" sldId="273"/>
+            <ac:cxnSpMk id="116" creationId="{D6EAE7FF-ED18-4376-A74D-07B093B5896D}"/>
+          </ac:cxnSpMkLst>
+        </pc:cxnChg>
+        <pc:cxnChg chg="add mod topLvl">
+          <ac:chgData name="Fingerhut, John Andy" userId="6ad675d3-541e-4813-9336-4804cd571dc7" providerId="ADAL" clId="{AB275EFB-7DC9-4E6C-884D-530FD05132B0}" dt="2020-11-13T02:36:24.018" v="114" actId="1076"/>
+          <ac:cxnSpMkLst>
+            <pc:docMk/>
+            <pc:sldMk cId="1091789387" sldId="273"/>
+            <ac:cxnSpMk id="117" creationId="{2B8B9C9F-8E4C-4C30-AB47-9A5A956DF566}"/>
+          </ac:cxnSpMkLst>
+        </pc:cxnChg>
+        <pc:cxnChg chg="add mod topLvl">
+          <ac:chgData name="Fingerhut, John Andy" userId="6ad675d3-541e-4813-9336-4804cd571dc7" providerId="ADAL" clId="{AB275EFB-7DC9-4E6C-884D-530FD05132B0}" dt="2020-11-13T02:36:24.018" v="114" actId="1076"/>
+          <ac:cxnSpMkLst>
+            <pc:docMk/>
+            <pc:sldMk cId="1091789387" sldId="273"/>
+            <ac:cxnSpMk id="118" creationId="{40462665-FCF8-4E8C-943A-0EF224BA3563}"/>
+          </ac:cxnSpMkLst>
+        </pc:cxnChg>
+        <pc:cxnChg chg="add del mod topLvl">
+          <ac:chgData name="Fingerhut, John Andy" userId="6ad675d3-541e-4813-9336-4804cd571dc7" providerId="ADAL" clId="{AB275EFB-7DC9-4E6C-884D-530FD05132B0}" dt="2020-11-13T02:32:18.911" v="53" actId="478"/>
+          <ac:cxnSpMkLst>
+            <pc:docMk/>
+            <pc:sldMk cId="1091789387" sldId="273"/>
+            <ac:cxnSpMk id="122" creationId="{343BA56B-7295-492E-94C2-9EA9D40F5D2A}"/>
+          </ac:cxnSpMkLst>
+        </pc:cxnChg>
+        <pc:cxnChg chg="mod">
+          <ac:chgData name="Fingerhut, John Andy" userId="6ad675d3-541e-4813-9336-4804cd571dc7" providerId="ADAL" clId="{AB275EFB-7DC9-4E6C-884D-530FD05132B0}" dt="2020-11-13T02:27:10.361" v="24" actId="1076"/>
           <ac:cxnSpMkLst>
             <pc:docMk/>
             <pc:sldMk cId="1091789387" sldId="273"/>
             <ac:cxnSpMk id="123" creationId="{64C4D15B-D90A-42A1-857E-79AACC8E1ED6}"/>
           </ac:cxnSpMkLst>
         </pc:cxnChg>
+        <pc:cxnChg chg="add mod">
+          <ac:chgData name="Fingerhut, John Andy" userId="6ad675d3-541e-4813-9336-4804cd571dc7" providerId="ADAL" clId="{AB275EFB-7DC9-4E6C-884D-530FD05132B0}" dt="2020-11-13T02:40:36.673" v="137" actId="164"/>
+          <ac:cxnSpMkLst>
+            <pc:docMk/>
+            <pc:sldMk cId="1091789387" sldId="273"/>
+            <ac:cxnSpMk id="126" creationId="{6D1D99B2-0E86-47B6-9123-9267435A5C00}"/>
+          </ac:cxnSpMkLst>
+        </pc:cxnChg>
         <pc:cxnChg chg="mod">
-          <ac:chgData name="Fingerhut, John Andy" userId="6ad675d3-541e-4813-9336-4804cd571dc7" providerId="ADAL" clId="{FA5602D7-A0D3-4013-A653-8499FBA519D5}" dt="2020-11-13T03:06:34.893" v="67" actId="1076"/>
+          <ac:chgData name="Fingerhut, John Andy" userId="6ad675d3-541e-4813-9336-4804cd571dc7" providerId="ADAL" clId="{AB275EFB-7DC9-4E6C-884D-530FD05132B0}" dt="2020-11-13T02:27:10.361" v="24" actId="1076"/>
           <ac:cxnSpMkLst>
             <pc:docMk/>
             <pc:sldMk cId="1091789387" sldId="273"/>
@@ -763,19 +939,75 @@
           </ac:cxnSpMkLst>
         </pc:cxnChg>
         <pc:cxnChg chg="mod">
-          <ac:chgData name="Fingerhut, John Andy" userId="6ad675d3-541e-4813-9336-4804cd571dc7" providerId="ADAL" clId="{FA5602D7-A0D3-4013-A653-8499FBA519D5}" dt="2020-11-13T03:07:14.444" v="78" actId="14100"/>
+          <ac:chgData name="Fingerhut, John Andy" userId="6ad675d3-541e-4813-9336-4804cd571dc7" providerId="ADAL" clId="{AB275EFB-7DC9-4E6C-884D-530FD05132B0}" dt="2020-11-13T02:26:22.005" v="18" actId="1076"/>
           <ac:cxnSpMkLst>
             <pc:docMk/>
             <pc:sldMk cId="1091789387" sldId="273"/>
             <ac:cxnSpMk id="134" creationId="{6C8D7A4A-4E00-4E2B-A752-9407B9B8DC70}"/>
           </ac:cxnSpMkLst>
         </pc:cxnChg>
+        <pc:cxnChg chg="add mod">
+          <ac:chgData name="Fingerhut, John Andy" userId="6ad675d3-541e-4813-9336-4804cd571dc7" providerId="ADAL" clId="{AB275EFB-7DC9-4E6C-884D-530FD05132B0}" dt="2020-11-13T02:40:36.673" v="137" actId="164"/>
+          <ac:cxnSpMkLst>
+            <pc:docMk/>
+            <pc:sldMk cId="1091789387" sldId="273"/>
+            <ac:cxnSpMk id="150" creationId="{A5C1AA9D-F6C3-45F8-8EF2-65A29333F671}"/>
+          </ac:cxnSpMkLst>
+        </pc:cxnChg>
+        <pc:cxnChg chg="del mod">
+          <ac:chgData name="Fingerhut, John Andy" userId="6ad675d3-541e-4813-9336-4804cd571dc7" providerId="ADAL" clId="{AB275EFB-7DC9-4E6C-884D-530FD05132B0}" dt="2020-11-13T02:24:39.312" v="3" actId="478"/>
+          <ac:cxnSpMkLst>
+            <pc:docMk/>
+            <pc:sldMk cId="1091789387" sldId="273"/>
+            <ac:cxnSpMk id="152" creationId="{B78C3C32-E93B-4B8E-B3FB-91631530F501}"/>
+          </ac:cxnSpMkLst>
+        </pc:cxnChg>
+        <pc:cxnChg chg="add del mod">
+          <ac:chgData name="Fingerhut, John Andy" userId="6ad675d3-541e-4813-9336-4804cd571dc7" providerId="ADAL" clId="{AB275EFB-7DC9-4E6C-884D-530FD05132B0}" dt="2020-11-13T02:40:39.551" v="138" actId="478"/>
+          <ac:cxnSpMkLst>
+            <pc:docMk/>
+            <pc:sldMk cId="1091789387" sldId="273"/>
+            <ac:cxnSpMk id="158" creationId="{057CCE7E-0FB4-4C48-A5A0-75865AAA0293}"/>
+          </ac:cxnSpMkLst>
+        </pc:cxnChg>
         <pc:cxnChg chg="mod">
-          <ac:chgData name="Fingerhut, John Andy" userId="6ad675d3-541e-4813-9336-4804cd571dc7" providerId="ADAL" clId="{FA5602D7-A0D3-4013-A653-8499FBA519D5}" dt="2020-11-13T03:07:14.444" v="78" actId="14100"/>
+          <ac:chgData name="Fingerhut, John Andy" userId="6ad675d3-541e-4813-9336-4804cd571dc7" providerId="ADAL" clId="{AB275EFB-7DC9-4E6C-884D-530FD05132B0}" dt="2020-11-13T02:26:12.034" v="17" actId="1076"/>
           <ac:cxnSpMkLst>
             <pc:docMk/>
             <pc:sldMk cId="1091789387" sldId="273"/>
             <ac:cxnSpMk id="181" creationId="{90B81CF6-C291-4A3A-8CFF-4322DFD54B64}"/>
+          </ac:cxnSpMkLst>
+        </pc:cxnChg>
+        <pc:cxnChg chg="del mod">
+          <ac:chgData name="Fingerhut, John Andy" userId="6ad675d3-541e-4813-9336-4804cd571dc7" providerId="ADAL" clId="{AB275EFB-7DC9-4E6C-884D-530FD05132B0}" dt="2020-11-13T02:35:24.251" v="106" actId="478"/>
+          <ac:cxnSpMkLst>
+            <pc:docMk/>
+            <pc:sldMk cId="1091789387" sldId="273"/>
+            <ac:cxnSpMk id="188" creationId="{F0E47CE2-D6D5-43FB-9807-E7C9B02BC145}"/>
+          </ac:cxnSpMkLst>
+        </pc:cxnChg>
+        <pc:cxnChg chg="del mod">
+          <ac:chgData name="Fingerhut, John Andy" userId="6ad675d3-541e-4813-9336-4804cd571dc7" providerId="ADAL" clId="{AB275EFB-7DC9-4E6C-884D-530FD05132B0}" dt="2020-11-13T02:31:27.379" v="48" actId="478"/>
+          <ac:cxnSpMkLst>
+            <pc:docMk/>
+            <pc:sldMk cId="1091789387" sldId="273"/>
+            <ac:cxnSpMk id="190" creationId="{7F571AFD-BF02-4176-A6A5-D77F4EF8C405}"/>
+          </ac:cxnSpMkLst>
+        </pc:cxnChg>
+        <pc:cxnChg chg="mod">
+          <ac:chgData name="Fingerhut, John Andy" userId="6ad675d3-541e-4813-9336-4804cd571dc7" providerId="ADAL" clId="{AB275EFB-7DC9-4E6C-884D-530FD05132B0}" dt="2020-11-13T02:36:24.018" v="114" actId="1076"/>
+          <ac:cxnSpMkLst>
+            <pc:docMk/>
+            <pc:sldMk cId="1091789387" sldId="273"/>
+            <ac:cxnSpMk id="196" creationId="{C4648FD0-BE39-49B2-A297-6987E7ED42BA}"/>
+          </ac:cxnSpMkLst>
+        </pc:cxnChg>
+        <pc:cxnChg chg="mod">
+          <ac:chgData name="Fingerhut, John Andy" userId="6ad675d3-541e-4813-9336-4804cd571dc7" providerId="ADAL" clId="{AB275EFB-7DC9-4E6C-884D-530FD05132B0}" dt="2020-11-13T02:36:24.018" v="114" actId="1076"/>
+          <ac:cxnSpMkLst>
+            <pc:docMk/>
+            <pc:sldMk cId="1091789387" sldId="273"/>
+            <ac:cxnSpMk id="199" creationId="{9B56D066-03B7-4AA5-AE48-439E5D95D240}"/>
           </ac:cxnSpMkLst>
         </pc:cxnChg>
       </pc:sldChg>
@@ -2355,238 +2587,6 @@
             <ac:spMk id="99" creationId="{F119881B-0804-466A-A54F-F276C61F4704}"/>
           </ac:spMkLst>
         </pc:spChg>
-      </pc:sldChg>
-    </pc:docChg>
-  </pc:docChgLst>
-  <pc:docChgLst>
-    <pc:chgData name="Fingerhut, John Andy" userId="6ad675d3-541e-4813-9336-4804cd571dc7" providerId="ADAL" clId="{4F0530BD-8DBC-4E4A-AD8B-324142F9DCDB}"/>
-    <pc:docChg chg="undo custSel modSld">
-      <pc:chgData name="Fingerhut, John Andy" userId="6ad675d3-541e-4813-9336-4804cd571dc7" providerId="ADAL" clId="{4F0530BD-8DBC-4E4A-AD8B-324142F9DCDB}" dt="2020-11-22T04:40:14.518" v="93" actId="14100"/>
-      <pc:docMkLst>
-        <pc:docMk/>
-      </pc:docMkLst>
-      <pc:sldChg chg="addSp delSp modSp">
-        <pc:chgData name="Fingerhut, John Andy" userId="6ad675d3-541e-4813-9336-4804cd571dc7" providerId="ADAL" clId="{4F0530BD-8DBC-4E4A-AD8B-324142F9DCDB}" dt="2020-11-22T04:40:14.518" v="93" actId="14100"/>
-        <pc:sldMkLst>
-          <pc:docMk/>
-          <pc:sldMk cId="1091789387" sldId="273"/>
-        </pc:sldMkLst>
-        <pc:spChg chg="add mod">
-          <ac:chgData name="Fingerhut, John Andy" userId="6ad675d3-541e-4813-9336-4804cd571dc7" providerId="ADAL" clId="{4F0530BD-8DBC-4E4A-AD8B-324142F9DCDB}" dt="2020-11-22T04:38:32.021" v="73" actId="20577"/>
-          <ac:spMkLst>
-            <pc:docMk/>
-            <pc:sldMk cId="1091789387" sldId="273"/>
-            <ac:spMk id="101" creationId="{5BEE2C53-F970-432C-9EF0-B16395497DDB}"/>
-          </ac:spMkLst>
-        </pc:spChg>
-        <pc:spChg chg="add mod">
-          <ac:chgData name="Fingerhut, John Andy" userId="6ad675d3-541e-4813-9336-4804cd571dc7" providerId="ADAL" clId="{4F0530BD-8DBC-4E4A-AD8B-324142F9DCDB}" dt="2020-11-22T04:40:14.518" v="93" actId="14100"/>
-          <ac:spMkLst>
-            <pc:docMk/>
-            <pc:sldMk cId="1091789387" sldId="273"/>
-            <ac:spMk id="107" creationId="{A6F5D3B7-9CD0-4224-9762-C76C79E1371B}"/>
-          </ac:spMkLst>
-        </pc:spChg>
-        <pc:spChg chg="mod">
-          <ac:chgData name="Fingerhut, John Andy" userId="6ad675d3-541e-4813-9336-4804cd571dc7" providerId="ADAL" clId="{4F0530BD-8DBC-4E4A-AD8B-324142F9DCDB}" dt="2020-11-22T04:17:51.475" v="13" actId="1076"/>
-          <ac:spMkLst>
-            <pc:docMk/>
-            <pc:sldMk cId="1091789387" sldId="273"/>
-            <ac:spMk id="110" creationId="{CBF41200-6B39-49A7-85D4-64606C55105F}"/>
-          </ac:spMkLst>
-        </pc:spChg>
-        <pc:spChg chg="mod">
-          <ac:chgData name="Fingerhut, John Andy" userId="6ad675d3-541e-4813-9336-4804cd571dc7" providerId="ADAL" clId="{4F0530BD-8DBC-4E4A-AD8B-324142F9DCDB}" dt="2020-11-22T04:17:51.475" v="13" actId="1076"/>
-          <ac:spMkLst>
-            <pc:docMk/>
-            <pc:sldMk cId="1091789387" sldId="273"/>
-            <ac:spMk id="111" creationId="{8EF40A48-3C9D-4A24-A40E-E4870584BA66}"/>
-          </ac:spMkLst>
-        </pc:spChg>
-        <pc:spChg chg="mod">
-          <ac:chgData name="Fingerhut, John Andy" userId="6ad675d3-541e-4813-9336-4804cd571dc7" providerId="ADAL" clId="{4F0530BD-8DBC-4E4A-AD8B-324142F9DCDB}" dt="2020-11-22T04:17:51.475" v="13" actId="1076"/>
-          <ac:spMkLst>
-            <pc:docMk/>
-            <pc:sldMk cId="1091789387" sldId="273"/>
-            <ac:spMk id="113" creationId="{58FA7448-7B0F-43F4-A246-03BDB307CBC0}"/>
-          </ac:spMkLst>
-        </pc:spChg>
-        <pc:spChg chg="mod">
-          <ac:chgData name="Fingerhut, John Andy" userId="6ad675d3-541e-4813-9336-4804cd571dc7" providerId="ADAL" clId="{4F0530BD-8DBC-4E4A-AD8B-324142F9DCDB}" dt="2020-11-22T04:17:51.475" v="13" actId="1076"/>
-          <ac:spMkLst>
-            <pc:docMk/>
-            <pc:sldMk cId="1091789387" sldId="273"/>
-            <ac:spMk id="114" creationId="{8981AA32-2977-41CF-9174-51C16EB7A3C1}"/>
-          </ac:spMkLst>
-        </pc:spChg>
-        <pc:spChg chg="add del">
-          <ac:chgData name="Fingerhut, John Andy" userId="6ad675d3-541e-4813-9336-4804cd571dc7" providerId="ADAL" clId="{4F0530BD-8DBC-4E4A-AD8B-324142F9DCDB}" dt="2020-11-22T04:19:37.666" v="21"/>
-          <ac:spMkLst>
-            <pc:docMk/>
-            <pc:sldMk cId="1091789387" sldId="273"/>
-            <ac:spMk id="119" creationId="{88E29AD1-43B3-485D-B363-3F6436D907E7}"/>
-          </ac:spMkLst>
-        </pc:spChg>
-        <pc:spChg chg="add mod">
-          <ac:chgData name="Fingerhut, John Andy" userId="6ad675d3-541e-4813-9336-4804cd571dc7" providerId="ADAL" clId="{4F0530BD-8DBC-4E4A-AD8B-324142F9DCDB}" dt="2020-11-22T04:20:54.462" v="49" actId="1076"/>
-          <ac:spMkLst>
-            <pc:docMk/>
-            <pc:sldMk cId="1091789387" sldId="273"/>
-            <ac:spMk id="122" creationId="{AAFB021B-F573-4955-A61C-CA26210E375D}"/>
-          </ac:spMkLst>
-        </pc:spChg>
-        <pc:spChg chg="mod">
-          <ac:chgData name="Fingerhut, John Andy" userId="6ad675d3-541e-4813-9336-4804cd571dc7" providerId="ADAL" clId="{4F0530BD-8DBC-4E4A-AD8B-324142F9DCDB}" dt="2020-11-22T04:17:51.475" v="13" actId="1076"/>
-          <ac:spMkLst>
-            <pc:docMk/>
-            <pc:sldMk cId="1091789387" sldId="273"/>
-            <ac:spMk id="148" creationId="{0E3FF64B-C6A6-4736-9847-96B6371F20AE}"/>
-          </ac:spMkLst>
-        </pc:spChg>
-        <pc:spChg chg="mod">
-          <ac:chgData name="Fingerhut, John Andy" userId="6ad675d3-541e-4813-9336-4804cd571dc7" providerId="ADAL" clId="{4F0530BD-8DBC-4E4A-AD8B-324142F9DCDB}" dt="2020-11-22T04:38:36.499" v="75" actId="20577"/>
-          <ac:spMkLst>
-            <pc:docMk/>
-            <pc:sldMk cId="1091789387" sldId="273"/>
-            <ac:spMk id="200" creationId="{6143778A-3CAF-4C20-AA59-3CC193DB8BCB}"/>
-          </ac:spMkLst>
-        </pc:spChg>
-        <pc:grpChg chg="mod">
-          <ac:chgData name="Fingerhut, John Andy" userId="6ad675d3-541e-4813-9336-4804cd571dc7" providerId="ADAL" clId="{4F0530BD-8DBC-4E4A-AD8B-324142F9DCDB}" dt="2020-11-22T04:17:51.475" v="13" actId="1076"/>
-          <ac:grpSpMkLst>
-            <pc:docMk/>
-            <pc:sldMk cId="1091789387" sldId="273"/>
-            <ac:grpSpMk id="25" creationId="{D3A54630-E9F6-45DD-998F-E5DC0F14A399}"/>
-          </ac:grpSpMkLst>
-        </pc:grpChg>
-        <pc:grpChg chg="mod">
-          <ac:chgData name="Fingerhut, John Andy" userId="6ad675d3-541e-4813-9336-4804cd571dc7" providerId="ADAL" clId="{4F0530BD-8DBC-4E4A-AD8B-324142F9DCDB}" dt="2020-11-22T04:17:51.475" v="13" actId="1076"/>
-          <ac:grpSpMkLst>
-            <pc:docMk/>
-            <pc:sldMk cId="1091789387" sldId="273"/>
-            <ac:grpSpMk id="83" creationId="{1C834900-1FBA-4F79-9BAA-4729CB027B15}"/>
-          </ac:grpSpMkLst>
-        </pc:grpChg>
-        <pc:grpChg chg="mod">
-          <ac:chgData name="Fingerhut, John Andy" userId="6ad675d3-541e-4813-9336-4804cd571dc7" providerId="ADAL" clId="{4F0530BD-8DBC-4E4A-AD8B-324142F9DCDB}" dt="2020-11-22T04:18:39.163" v="17" actId="14100"/>
-          <ac:grpSpMkLst>
-            <pc:docMk/>
-            <pc:sldMk cId="1091789387" sldId="273"/>
-            <ac:grpSpMk id="163" creationId="{8608615B-EB0D-4D19-94C6-BA8F0B161E4B}"/>
-          </ac:grpSpMkLst>
-        </pc:grpChg>
-        <pc:grpChg chg="mod">
-          <ac:chgData name="Fingerhut, John Andy" userId="6ad675d3-541e-4813-9336-4804cd571dc7" providerId="ADAL" clId="{4F0530BD-8DBC-4E4A-AD8B-324142F9DCDB}" dt="2020-11-22T04:17:51.475" v="13" actId="1076"/>
-          <ac:grpSpMkLst>
-            <pc:docMk/>
-            <pc:sldMk cId="1091789387" sldId="273"/>
-            <ac:grpSpMk id="177" creationId="{AAC1F68D-05B8-4B51-8587-059500FE3478}"/>
-          </ac:grpSpMkLst>
-        </pc:grpChg>
-        <pc:cxnChg chg="mod">
-          <ac:chgData name="Fingerhut, John Andy" userId="6ad675d3-541e-4813-9336-4804cd571dc7" providerId="ADAL" clId="{4F0530BD-8DBC-4E4A-AD8B-324142F9DCDB}" dt="2020-11-22T04:18:22.037" v="15" actId="14100"/>
-          <ac:cxnSpMkLst>
-            <pc:docMk/>
-            <pc:sldMk cId="1091789387" sldId="273"/>
-            <ac:cxnSpMk id="80" creationId="{236BE345-2EA6-45DD-85B2-ACD4C19A91F5}"/>
-          </ac:cxnSpMkLst>
-        </pc:cxnChg>
-        <pc:cxnChg chg="add mod">
-          <ac:chgData name="Fingerhut, John Andy" userId="6ad675d3-541e-4813-9336-4804cd571dc7" providerId="ADAL" clId="{4F0530BD-8DBC-4E4A-AD8B-324142F9DCDB}" dt="2020-11-22T04:18:53.447" v="18" actId="692"/>
-          <ac:cxnSpMkLst>
-            <pc:docMk/>
-            <pc:sldMk cId="1091789387" sldId="273"/>
-            <ac:cxnSpMk id="99" creationId="{ADD4493A-5BBC-4D15-B581-A433EADD11C6}"/>
-          </ac:cxnSpMkLst>
-        </pc:cxnChg>
-        <pc:cxnChg chg="mod">
-          <ac:chgData name="Fingerhut, John Andy" userId="6ad675d3-541e-4813-9336-4804cd571dc7" providerId="ADAL" clId="{4F0530BD-8DBC-4E4A-AD8B-324142F9DCDB}" dt="2020-11-22T04:17:51.475" v="13" actId="1076"/>
-          <ac:cxnSpMkLst>
-            <pc:docMk/>
-            <pc:sldMk cId="1091789387" sldId="273"/>
-            <ac:cxnSpMk id="100" creationId="{F4860C18-D645-4EE6-BCDB-79FE3B828918}"/>
-          </ac:cxnSpMkLst>
-        </pc:cxnChg>
-        <pc:cxnChg chg="add mod">
-          <ac:chgData name="Fingerhut, John Andy" userId="6ad675d3-541e-4813-9336-4804cd571dc7" providerId="ADAL" clId="{4F0530BD-8DBC-4E4A-AD8B-324142F9DCDB}" dt="2020-11-22T04:39:04.966" v="80" actId="14100"/>
-          <ac:cxnSpMkLst>
-            <pc:docMk/>
-            <pc:sldMk cId="1091789387" sldId="273"/>
-            <ac:cxnSpMk id="102" creationId="{EB96FCB9-19D5-432B-B874-01E971C45BF4}"/>
-          </ac:cxnSpMkLst>
-        </pc:cxnChg>
-        <pc:cxnChg chg="add mod">
-          <ac:chgData name="Fingerhut, John Andy" userId="6ad675d3-541e-4813-9336-4804cd571dc7" providerId="ADAL" clId="{4F0530BD-8DBC-4E4A-AD8B-324142F9DCDB}" dt="2020-11-22T04:19:12.110" v="19" actId="14100"/>
-          <ac:cxnSpMkLst>
-            <pc:docMk/>
-            <pc:sldMk cId="1091789387" sldId="273"/>
-            <ac:cxnSpMk id="106" creationId="{16B1E8FE-E0AE-4FF6-AC2B-2BC0EAF5B4C8}"/>
-          </ac:cxnSpMkLst>
-        </pc:cxnChg>
-        <pc:cxnChg chg="mod">
-          <ac:chgData name="Fingerhut, John Andy" userId="6ad675d3-541e-4813-9336-4804cd571dc7" providerId="ADAL" clId="{4F0530BD-8DBC-4E4A-AD8B-324142F9DCDB}" dt="2020-11-22T04:17:51.475" v="13" actId="1076"/>
-          <ac:cxnSpMkLst>
-            <pc:docMk/>
-            <pc:sldMk cId="1091789387" sldId="273"/>
-            <ac:cxnSpMk id="112" creationId="{C64DEB71-3093-431E-88AF-4C2BE81668EF}"/>
-          </ac:cxnSpMkLst>
-        </pc:cxnChg>
-        <pc:cxnChg chg="mod">
-          <ac:chgData name="Fingerhut, John Andy" userId="6ad675d3-541e-4813-9336-4804cd571dc7" providerId="ADAL" clId="{4F0530BD-8DBC-4E4A-AD8B-324142F9DCDB}" dt="2020-11-22T04:17:51.475" v="13" actId="1076"/>
-          <ac:cxnSpMkLst>
-            <pc:docMk/>
-            <pc:sldMk cId="1091789387" sldId="273"/>
-            <ac:cxnSpMk id="115" creationId="{368C70F1-7509-412A-8F1A-A518E73EEB07}"/>
-          </ac:cxnSpMkLst>
-        </pc:cxnChg>
-        <pc:cxnChg chg="mod">
-          <ac:chgData name="Fingerhut, John Andy" userId="6ad675d3-541e-4813-9336-4804cd571dc7" providerId="ADAL" clId="{4F0530BD-8DBC-4E4A-AD8B-324142F9DCDB}" dt="2020-11-22T04:17:51.475" v="13" actId="1076"/>
-          <ac:cxnSpMkLst>
-            <pc:docMk/>
-            <pc:sldMk cId="1091789387" sldId="273"/>
-            <ac:cxnSpMk id="116" creationId="{D6EAE7FF-ED18-4376-A74D-07B093B5896D}"/>
-          </ac:cxnSpMkLst>
-        </pc:cxnChg>
-        <pc:cxnChg chg="mod">
-          <ac:chgData name="Fingerhut, John Andy" userId="6ad675d3-541e-4813-9336-4804cd571dc7" providerId="ADAL" clId="{4F0530BD-8DBC-4E4A-AD8B-324142F9DCDB}" dt="2020-11-22T04:17:51.475" v="13" actId="1076"/>
-          <ac:cxnSpMkLst>
-            <pc:docMk/>
-            <pc:sldMk cId="1091789387" sldId="273"/>
-            <ac:cxnSpMk id="117" creationId="{2B8B9C9F-8E4C-4C30-AB47-9A5A956DF566}"/>
-          </ac:cxnSpMkLst>
-        </pc:cxnChg>
-        <pc:cxnChg chg="mod">
-          <ac:chgData name="Fingerhut, John Andy" userId="6ad675d3-541e-4813-9336-4804cd571dc7" providerId="ADAL" clId="{4F0530BD-8DBC-4E4A-AD8B-324142F9DCDB}" dt="2020-11-22T04:17:51.475" v="13" actId="1076"/>
-          <ac:cxnSpMkLst>
-            <pc:docMk/>
-            <pc:sldMk cId="1091789387" sldId="273"/>
-            <ac:cxnSpMk id="118" creationId="{40462665-FCF8-4E8C-943A-0EF224BA3563}"/>
-          </ac:cxnSpMkLst>
-        </pc:cxnChg>
-        <pc:cxnChg chg="mod">
-          <ac:chgData name="Fingerhut, John Andy" userId="6ad675d3-541e-4813-9336-4804cd571dc7" providerId="ADAL" clId="{4F0530BD-8DBC-4E4A-AD8B-324142F9DCDB}" dt="2020-11-22T04:17:51.475" v="13" actId="1076"/>
-          <ac:cxnSpMkLst>
-            <pc:docMk/>
-            <pc:sldMk cId="1091789387" sldId="273"/>
-            <ac:cxnSpMk id="123" creationId="{64C4D15B-D90A-42A1-857E-79AACC8E1ED6}"/>
-          </ac:cxnSpMkLst>
-        </pc:cxnChg>
-        <pc:cxnChg chg="mod">
-          <ac:chgData name="Fingerhut, John Andy" userId="6ad675d3-541e-4813-9336-4804cd571dc7" providerId="ADAL" clId="{4F0530BD-8DBC-4E4A-AD8B-324142F9DCDB}" dt="2020-11-22T04:18:13.381" v="14" actId="14100"/>
-          <ac:cxnSpMkLst>
-            <pc:docMk/>
-            <pc:sldMk cId="1091789387" sldId="273"/>
-            <ac:cxnSpMk id="196" creationId="{C4648FD0-BE39-49B2-A297-6987E7ED42BA}"/>
-          </ac:cxnSpMkLst>
-        </pc:cxnChg>
-        <pc:cxnChg chg="mod">
-          <ac:chgData name="Fingerhut, John Andy" userId="6ad675d3-541e-4813-9336-4804cd571dc7" providerId="ADAL" clId="{4F0530BD-8DBC-4E4A-AD8B-324142F9DCDB}" dt="2020-11-22T04:39:19.462" v="82" actId="14100"/>
-          <ac:cxnSpMkLst>
-            <pc:docMk/>
-            <pc:sldMk cId="1091789387" sldId="273"/>
-            <ac:cxnSpMk id="199" creationId="{9B56D066-03B7-4AA5-AE48-439E5D95D240}"/>
-          </ac:cxnSpMkLst>
-        </pc:cxnChg>
       </pc:sldChg>
     </pc:docChg>
   </pc:docChgLst>
@@ -2740,7 +2740,7 @@
           <a:p>
             <a:fld id="{B72825D7-6CAC-4DD9-81D1-F420B7F343C3}" type="datetimeFigureOut">
               <a:rPr lang="en-US" smtClean="0"/>
-              <a:t>4/12/2021</a:t>
+              <a:t>4/24/21</a:t>
             </a:fld>
             <a:endParaRPr lang="en-US"/>
           </a:p>
@@ -2938,7 +2938,7 @@
           <a:p>
             <a:fld id="{B72825D7-6CAC-4DD9-81D1-F420B7F343C3}" type="datetimeFigureOut">
               <a:rPr lang="en-US" smtClean="0"/>
-              <a:t>4/12/2021</a:t>
+              <a:t>4/24/21</a:t>
             </a:fld>
             <a:endParaRPr lang="en-US"/>
           </a:p>
@@ -3146,7 +3146,7 @@
           <a:p>
             <a:fld id="{B72825D7-6CAC-4DD9-81D1-F420B7F343C3}" type="datetimeFigureOut">
               <a:rPr lang="en-US" smtClean="0"/>
-              <a:t>4/12/2021</a:t>
+              <a:t>4/24/21</a:t>
             </a:fld>
             <a:endParaRPr lang="en-US"/>
           </a:p>
@@ -3344,7 +3344,7 @@
           <a:p>
             <a:fld id="{B72825D7-6CAC-4DD9-81D1-F420B7F343C3}" type="datetimeFigureOut">
               <a:rPr lang="en-US" smtClean="0"/>
-              <a:t>4/12/2021</a:t>
+              <a:t>4/24/21</a:t>
             </a:fld>
             <a:endParaRPr lang="en-US"/>
           </a:p>
@@ -3619,7 +3619,7 @@
           <a:p>
             <a:fld id="{B72825D7-6CAC-4DD9-81D1-F420B7F343C3}" type="datetimeFigureOut">
               <a:rPr lang="en-US" smtClean="0"/>
-              <a:t>4/12/2021</a:t>
+              <a:t>4/24/21</a:t>
             </a:fld>
             <a:endParaRPr lang="en-US"/>
           </a:p>
@@ -3884,7 +3884,7 @@
           <a:p>
             <a:fld id="{B72825D7-6CAC-4DD9-81D1-F420B7F343C3}" type="datetimeFigureOut">
               <a:rPr lang="en-US" smtClean="0"/>
-              <a:t>4/12/2021</a:t>
+              <a:t>4/24/21</a:t>
             </a:fld>
             <a:endParaRPr lang="en-US"/>
           </a:p>
@@ -4296,7 +4296,7 @@
           <a:p>
             <a:fld id="{B72825D7-6CAC-4DD9-81D1-F420B7F343C3}" type="datetimeFigureOut">
               <a:rPr lang="en-US" smtClean="0"/>
-              <a:t>4/12/2021</a:t>
+              <a:t>4/24/21</a:t>
             </a:fld>
             <a:endParaRPr lang="en-US"/>
           </a:p>
@@ -4437,7 +4437,7 @@
           <a:p>
             <a:fld id="{B72825D7-6CAC-4DD9-81D1-F420B7F343C3}" type="datetimeFigureOut">
               <a:rPr lang="en-US" smtClean="0"/>
-              <a:t>4/12/2021</a:t>
+              <a:t>4/24/21</a:t>
             </a:fld>
             <a:endParaRPr lang="en-US"/>
           </a:p>
@@ -4550,7 +4550,7 @@
           <a:p>
             <a:fld id="{B72825D7-6CAC-4DD9-81D1-F420B7F343C3}" type="datetimeFigureOut">
               <a:rPr lang="en-US" smtClean="0"/>
-              <a:t>4/12/2021</a:t>
+              <a:t>4/24/21</a:t>
             </a:fld>
             <a:endParaRPr lang="en-US"/>
           </a:p>
@@ -4861,7 +4861,7 @@
           <a:p>
             <a:fld id="{B72825D7-6CAC-4DD9-81D1-F420B7F343C3}" type="datetimeFigureOut">
               <a:rPr lang="en-US" smtClean="0"/>
-              <a:t>4/12/2021</a:t>
+              <a:t>4/24/21</a:t>
             </a:fld>
             <a:endParaRPr lang="en-US"/>
           </a:p>
@@ -5149,7 +5149,7 @@
           <a:p>
             <a:fld id="{B72825D7-6CAC-4DD9-81D1-F420B7F343C3}" type="datetimeFigureOut">
               <a:rPr lang="en-US" smtClean="0"/>
-              <a:t>4/12/2021</a:t>
+              <a:t>4/24/21</a:t>
             </a:fld>
             <a:endParaRPr lang="en-US"/>
           </a:p>
@@ -5390,7 +5390,7 @@
           <a:p>
             <a:fld id="{B72825D7-6CAC-4DD9-81D1-F420B7F343C3}" type="datetimeFigureOut">
               <a:rPr lang="en-US" smtClean="0"/>
-              <a:t>4/12/2021</a:t>
+              <a:t>4/24/21</a:t>
             </a:fld>
             <a:endParaRPr lang="en-US"/>
           </a:p>
@@ -5827,9 +5827,14 @@
           <a:prstGeom prst="rect">
             <a:avLst/>
           </a:prstGeom>
-          <a:solidFill>
-            <a:srgbClr val="00B050"/>
-          </a:solidFill>
+          <a:pattFill prst="wdDnDiag">
+            <a:fgClr>
+              <a:srgbClr val="00B050"/>
+            </a:fgClr>
+            <a:bgClr>
+              <a:srgbClr val="92D050"/>
+            </a:bgClr>
+          </a:pattFill>
         </p:spPr>
         <p:style>
           <a:lnRef idx="2">
@@ -8655,7 +8660,7 @@
         </p:nvSpPr>
         <p:spPr>
           <a:xfrm>
-            <a:off x="8692145" y="2113631"/>
+            <a:off x="8692145" y="1905798"/>
             <a:ext cx="2089254" cy="224589"/>
           </a:xfrm>
           <a:prstGeom prst="rect">
@@ -9674,6 +9679,63 @@
           </a:fontRef>
         </p:style>
       </p:cxnSp>
+      <p:sp>
+        <p:nvSpPr>
+          <p:cNvPr id="99" name="Rectangle 98">
+            <a:extLst>
+              <a:ext uri="{FF2B5EF4-FFF2-40B4-BE49-F238E27FC236}">
+                <a16:creationId xmlns:a16="http://schemas.microsoft.com/office/drawing/2014/main" id="{D3612241-259E-A342-A533-0148EB81CF40}"/>
+              </a:ext>
+            </a:extLst>
+          </p:cNvPr>
+          <p:cNvSpPr/>
+          <p:nvPr/>
+        </p:nvSpPr>
+        <p:spPr>
+          <a:xfrm>
+            <a:off x="8692145" y="2126236"/>
+            <a:ext cx="2089254" cy="224589"/>
+          </a:xfrm>
+          <a:prstGeom prst="rect">
+            <a:avLst/>
+          </a:prstGeom>
+          <a:pattFill prst="wdDnDiag">
+            <a:fgClr>
+              <a:srgbClr val="00B050"/>
+            </a:fgClr>
+            <a:bgClr>
+              <a:srgbClr val="92D050"/>
+            </a:bgClr>
+          </a:pattFill>
+        </p:spPr>
+        <p:style>
+          <a:lnRef idx="2">
+            <a:schemeClr val="accent1">
+              <a:shade val="50000"/>
+            </a:schemeClr>
+          </a:lnRef>
+          <a:fillRef idx="1">
+            <a:schemeClr val="accent1"/>
+          </a:fillRef>
+          <a:effectRef idx="0">
+            <a:schemeClr val="accent1"/>
+          </a:effectRef>
+          <a:fontRef idx="minor">
+            <a:schemeClr val="lt1"/>
+          </a:fontRef>
+        </p:style>
+        <p:txBody>
+          <a:bodyPr rtlCol="0" anchor="ctr"/>
+          <a:lstStyle/>
+          <a:p>
+            <a:pPr algn="ctr"/>
+            <a:r>
+              <a:rPr lang="en-US" dirty="0"/>
+              <a:t>Planned Extension</a:t>
+            </a:r>
+          </a:p>
+        </p:txBody>
+      </p:sp>
     </p:spTree>
     <p:extLst>
       <p:ext uri="{BB962C8B-B14F-4D97-AF65-F5344CB8AC3E}">
@@ -12540,58 +12602,6 @@
       </p:sp>
       <p:sp>
         <p:nvSpPr>
-          <p:cNvPr id="113" name="Rectangle 112">
-            <a:extLst>
-              <a:ext uri="{FF2B5EF4-FFF2-40B4-BE49-F238E27FC236}">
-                <a16:creationId xmlns:a16="http://schemas.microsoft.com/office/drawing/2014/main" id="{58FA7448-7B0F-43F4-A246-03BDB307CBC0}"/>
-              </a:ext>
-            </a:extLst>
-          </p:cNvPr>
-          <p:cNvSpPr/>
-          <p:nvPr/>
-        </p:nvSpPr>
-        <p:spPr>
-          <a:xfrm>
-            <a:off x="8692145" y="2113631"/>
-            <a:ext cx="2089254" cy="224589"/>
-          </a:xfrm>
-          <a:prstGeom prst="rect">
-            <a:avLst/>
-          </a:prstGeom>
-          <a:solidFill>
-            <a:srgbClr val="00B050"/>
-          </a:solidFill>
-        </p:spPr>
-        <p:style>
-          <a:lnRef idx="2">
-            <a:schemeClr val="accent1">
-              <a:shade val="50000"/>
-            </a:schemeClr>
-          </a:lnRef>
-          <a:fillRef idx="1">
-            <a:schemeClr val="accent1"/>
-          </a:fillRef>
-          <a:effectRef idx="0">
-            <a:schemeClr val="accent1"/>
-          </a:effectRef>
-          <a:fontRef idx="minor">
-            <a:schemeClr val="lt1"/>
-          </a:fontRef>
-        </p:style>
-        <p:txBody>
-          <a:bodyPr rtlCol="0" anchor="ctr"/>
-          <a:lstStyle/>
-          <a:p>
-            <a:pPr algn="ctr"/>
-            <a:r>
-              <a:rPr lang="en-US" dirty="0"/>
-              <a:t>Programmed in P4</a:t>
-            </a:r>
-          </a:p>
-        </p:txBody>
-      </p:sp>
-      <p:sp>
-        <p:nvSpPr>
           <p:cNvPr id="114" name="Rectangle 113">
             <a:extLst>
               <a:ext uri="{FF2B5EF4-FFF2-40B4-BE49-F238E27FC236}">
@@ -14535,6 +14545,115 @@
           </a:p>
         </p:txBody>
       </p:sp>
+      <p:sp>
+        <p:nvSpPr>
+          <p:cNvPr id="104" name="Rectangle 103">
+            <a:extLst>
+              <a:ext uri="{FF2B5EF4-FFF2-40B4-BE49-F238E27FC236}">
+                <a16:creationId xmlns:a16="http://schemas.microsoft.com/office/drawing/2014/main" id="{08F0BEBA-C408-594E-BDBB-9BB825502633}"/>
+              </a:ext>
+            </a:extLst>
+          </p:cNvPr>
+          <p:cNvSpPr/>
+          <p:nvPr/>
+        </p:nvSpPr>
+        <p:spPr>
+          <a:xfrm>
+            <a:off x="8692145" y="1905798"/>
+            <a:ext cx="2089254" cy="224589"/>
+          </a:xfrm>
+          <a:prstGeom prst="rect">
+            <a:avLst/>
+          </a:prstGeom>
+          <a:solidFill>
+            <a:srgbClr val="00B050"/>
+          </a:solidFill>
+        </p:spPr>
+        <p:style>
+          <a:lnRef idx="2">
+            <a:schemeClr val="accent1">
+              <a:shade val="50000"/>
+            </a:schemeClr>
+          </a:lnRef>
+          <a:fillRef idx="1">
+            <a:schemeClr val="accent1"/>
+          </a:fillRef>
+          <a:effectRef idx="0">
+            <a:schemeClr val="accent1"/>
+          </a:effectRef>
+          <a:fontRef idx="minor">
+            <a:schemeClr val="lt1"/>
+          </a:fontRef>
+        </p:style>
+        <p:txBody>
+          <a:bodyPr rtlCol="0" anchor="ctr"/>
+          <a:lstStyle/>
+          <a:p>
+            <a:pPr algn="ctr"/>
+            <a:r>
+              <a:rPr lang="en-US" dirty="0"/>
+              <a:t>Programmed in P4</a:t>
+            </a:r>
+          </a:p>
+        </p:txBody>
+      </p:sp>
+      <p:sp>
+        <p:nvSpPr>
+          <p:cNvPr id="108" name="Rectangle 107">
+            <a:extLst>
+              <a:ext uri="{FF2B5EF4-FFF2-40B4-BE49-F238E27FC236}">
+                <a16:creationId xmlns:a16="http://schemas.microsoft.com/office/drawing/2014/main" id="{96DADA13-2E11-3748-88E3-1DA6AB1B39C1}"/>
+              </a:ext>
+            </a:extLst>
+          </p:cNvPr>
+          <p:cNvSpPr/>
+          <p:nvPr/>
+        </p:nvSpPr>
+        <p:spPr>
+          <a:xfrm>
+            <a:off x="8692145" y="2126236"/>
+            <a:ext cx="2089254" cy="224589"/>
+          </a:xfrm>
+          <a:prstGeom prst="rect">
+            <a:avLst/>
+          </a:prstGeom>
+          <a:pattFill prst="wdDnDiag">
+            <a:fgClr>
+              <a:srgbClr val="00B050"/>
+            </a:fgClr>
+            <a:bgClr>
+              <a:srgbClr val="92D050"/>
+            </a:bgClr>
+          </a:pattFill>
+        </p:spPr>
+        <p:style>
+          <a:lnRef idx="2">
+            <a:schemeClr val="accent1">
+              <a:shade val="50000"/>
+            </a:schemeClr>
+          </a:lnRef>
+          <a:fillRef idx="1">
+            <a:schemeClr val="accent1"/>
+          </a:fillRef>
+          <a:effectRef idx="0">
+            <a:schemeClr val="accent1"/>
+          </a:effectRef>
+          <a:fontRef idx="minor">
+            <a:schemeClr val="lt1"/>
+          </a:fontRef>
+        </p:style>
+        <p:txBody>
+          <a:bodyPr rtlCol="0" anchor="ctr"/>
+          <a:lstStyle/>
+          <a:p>
+            <a:pPr algn="ctr"/>
+            <a:r>
+              <a:rPr lang="en-US" dirty="0"/>
+              <a:t>Planned Extension</a:t>
+            </a:r>
+          </a:p>
+        </p:txBody>
+      </p:sp>
     </p:spTree>
     <p:extLst>
       <p:ext uri="{BB962C8B-B14F-4D97-AF65-F5344CB8AC3E}">
@@ -14585,9 +14704,14 @@
           <a:prstGeom prst="rect">
             <a:avLst/>
           </a:prstGeom>
-          <a:solidFill>
-            <a:srgbClr val="00B050"/>
-          </a:solidFill>
+          <a:pattFill prst="wdDnDiag">
+            <a:fgClr>
+              <a:srgbClr val="00B050"/>
+            </a:fgClr>
+            <a:bgClr>
+              <a:srgbClr val="92D050"/>
+            </a:bgClr>
+          </a:pattFill>
         </p:spPr>
         <p:style>
           <a:lnRef idx="2">
@@ -17866,58 +17990,6 @@
       </p:sp>
       <p:sp>
         <p:nvSpPr>
-          <p:cNvPr id="113" name="Rectangle 112">
-            <a:extLst>
-              <a:ext uri="{FF2B5EF4-FFF2-40B4-BE49-F238E27FC236}">
-                <a16:creationId xmlns:a16="http://schemas.microsoft.com/office/drawing/2014/main" id="{58FA7448-7B0F-43F4-A246-03BDB307CBC0}"/>
-              </a:ext>
-            </a:extLst>
-          </p:cNvPr>
-          <p:cNvSpPr/>
-          <p:nvPr/>
-        </p:nvSpPr>
-        <p:spPr>
-          <a:xfrm>
-            <a:off x="8692145" y="2113631"/>
-            <a:ext cx="2089254" cy="224589"/>
-          </a:xfrm>
-          <a:prstGeom prst="rect">
-            <a:avLst/>
-          </a:prstGeom>
-          <a:solidFill>
-            <a:srgbClr val="00B050"/>
-          </a:solidFill>
-        </p:spPr>
-        <p:style>
-          <a:lnRef idx="2">
-            <a:schemeClr val="accent1">
-              <a:shade val="50000"/>
-            </a:schemeClr>
-          </a:lnRef>
-          <a:fillRef idx="1">
-            <a:schemeClr val="accent1"/>
-          </a:fillRef>
-          <a:effectRef idx="0">
-            <a:schemeClr val="accent1"/>
-          </a:effectRef>
-          <a:fontRef idx="minor">
-            <a:schemeClr val="lt1"/>
-          </a:fontRef>
-        </p:style>
-        <p:txBody>
-          <a:bodyPr rtlCol="0" anchor="ctr"/>
-          <a:lstStyle/>
-          <a:p>
-            <a:pPr algn="ctr"/>
-            <a:r>
-              <a:rPr lang="en-US" dirty="0"/>
-              <a:t>Programmed in P4</a:t>
-            </a:r>
-          </a:p>
-        </p:txBody>
-      </p:sp>
-      <p:sp>
-        <p:nvSpPr>
           <p:cNvPr id="114" name="Rectangle 113">
             <a:extLst>
               <a:ext uri="{FF2B5EF4-FFF2-40B4-BE49-F238E27FC236}">
@@ -18935,6 +19007,115 @@
           </a:p>
         </p:txBody>
       </p:sp>
+      <p:sp>
+        <p:nvSpPr>
+          <p:cNvPr id="104" name="Rectangle 103">
+            <a:extLst>
+              <a:ext uri="{FF2B5EF4-FFF2-40B4-BE49-F238E27FC236}">
+                <a16:creationId xmlns:a16="http://schemas.microsoft.com/office/drawing/2014/main" id="{3BAF85B2-D22D-9245-AE44-E86DF13656F0}"/>
+              </a:ext>
+            </a:extLst>
+          </p:cNvPr>
+          <p:cNvSpPr/>
+          <p:nvPr/>
+        </p:nvSpPr>
+        <p:spPr>
+          <a:xfrm>
+            <a:off x="8692145" y="1905798"/>
+            <a:ext cx="2089254" cy="224589"/>
+          </a:xfrm>
+          <a:prstGeom prst="rect">
+            <a:avLst/>
+          </a:prstGeom>
+          <a:solidFill>
+            <a:srgbClr val="00B050"/>
+          </a:solidFill>
+        </p:spPr>
+        <p:style>
+          <a:lnRef idx="2">
+            <a:schemeClr val="accent1">
+              <a:shade val="50000"/>
+            </a:schemeClr>
+          </a:lnRef>
+          <a:fillRef idx="1">
+            <a:schemeClr val="accent1"/>
+          </a:fillRef>
+          <a:effectRef idx="0">
+            <a:schemeClr val="accent1"/>
+          </a:effectRef>
+          <a:fontRef idx="minor">
+            <a:schemeClr val="lt1"/>
+          </a:fontRef>
+        </p:style>
+        <p:txBody>
+          <a:bodyPr rtlCol="0" anchor="ctr"/>
+          <a:lstStyle/>
+          <a:p>
+            <a:pPr algn="ctr"/>
+            <a:r>
+              <a:rPr lang="en-US" dirty="0"/>
+              <a:t>Programmed in P4</a:t>
+            </a:r>
+          </a:p>
+        </p:txBody>
+      </p:sp>
+      <p:sp>
+        <p:nvSpPr>
+          <p:cNvPr id="108" name="Rectangle 107">
+            <a:extLst>
+              <a:ext uri="{FF2B5EF4-FFF2-40B4-BE49-F238E27FC236}">
+                <a16:creationId xmlns:a16="http://schemas.microsoft.com/office/drawing/2014/main" id="{50AB1ED2-1D03-AF43-AB28-3164205478F1}"/>
+              </a:ext>
+            </a:extLst>
+          </p:cNvPr>
+          <p:cNvSpPr/>
+          <p:nvPr/>
+        </p:nvSpPr>
+        <p:spPr>
+          <a:xfrm>
+            <a:off x="8692145" y="2126236"/>
+            <a:ext cx="2089254" cy="224589"/>
+          </a:xfrm>
+          <a:prstGeom prst="rect">
+            <a:avLst/>
+          </a:prstGeom>
+          <a:pattFill prst="wdDnDiag">
+            <a:fgClr>
+              <a:srgbClr val="00B050"/>
+            </a:fgClr>
+            <a:bgClr>
+              <a:srgbClr val="92D050"/>
+            </a:bgClr>
+          </a:pattFill>
+        </p:spPr>
+        <p:style>
+          <a:lnRef idx="2">
+            <a:schemeClr val="accent1">
+              <a:shade val="50000"/>
+            </a:schemeClr>
+          </a:lnRef>
+          <a:fillRef idx="1">
+            <a:schemeClr val="accent1"/>
+          </a:fillRef>
+          <a:effectRef idx="0">
+            <a:schemeClr val="accent1"/>
+          </a:effectRef>
+          <a:fontRef idx="minor">
+            <a:schemeClr val="lt1"/>
+          </a:fontRef>
+        </p:style>
+        <p:txBody>
+          <a:bodyPr rtlCol="0" anchor="ctr"/>
+          <a:lstStyle/>
+          <a:p>
+            <a:pPr algn="ctr"/>
+            <a:r>
+              <a:rPr lang="en-US" dirty="0"/>
+              <a:t>Planned Extension</a:t>
+            </a:r>
+          </a:p>
+        </p:txBody>
+      </p:sp>
     </p:spTree>
     <p:extLst>
       <p:ext uri="{BB962C8B-B14F-4D97-AF65-F5344CB8AC3E}">
@@ -18979,10 +19160,10 @@
         </p:nvGrpSpPr>
         <p:grpSpPr>
           <a:xfrm>
-            <a:off x="2324466" y="1412987"/>
-            <a:ext cx="7543068" cy="2424370"/>
-            <a:chOff x="2324466" y="1412987"/>
-            <a:chExt cx="7543068" cy="2424370"/>
+            <a:off x="2324466" y="1592920"/>
+            <a:ext cx="7543068" cy="2244437"/>
+            <a:chOff x="2324466" y="1592920"/>
+            <a:chExt cx="7543068" cy="2244437"/>
           </a:xfrm>
         </p:grpSpPr>
         <p:sp>
@@ -19005,9 +19186,14 @@
             <a:prstGeom prst="rect">
               <a:avLst/>
             </a:prstGeom>
-            <a:solidFill>
-              <a:srgbClr val="00B050"/>
-            </a:solidFill>
+            <a:pattFill prst="wdDnDiag">
+              <a:fgClr>
+                <a:srgbClr val="00B050"/>
+              </a:fgClr>
+              <a:bgClr>
+                <a:srgbClr val="92D050"/>
+              </a:bgClr>
+            </a:pattFill>
           </p:spPr>
           <p:style>
             <a:lnRef idx="2">
@@ -22287,58 +22473,6 @@
         </p:sp>
         <p:sp>
           <p:nvSpPr>
-            <p:cNvPr id="157" name="Rectangle 156">
-              <a:extLst>
-                <a:ext uri="{FF2B5EF4-FFF2-40B4-BE49-F238E27FC236}">
-                  <a16:creationId xmlns:a16="http://schemas.microsoft.com/office/drawing/2014/main" id="{4CB11AD3-6580-4A44-8817-E365BFBBBAB7}"/>
-                </a:ext>
-              </a:extLst>
-            </p:cNvPr>
-            <p:cNvSpPr/>
-            <p:nvPr/>
-          </p:nvSpPr>
-          <p:spPr>
-            <a:xfrm>
-              <a:off x="8264930" y="1412987"/>
-              <a:ext cx="1602604" cy="172276"/>
-            </a:xfrm>
-            <a:prstGeom prst="rect">
-              <a:avLst/>
-            </a:prstGeom>
-            <a:solidFill>
-              <a:srgbClr val="00B050"/>
-            </a:solidFill>
-          </p:spPr>
-          <p:style>
-            <a:lnRef idx="2">
-              <a:schemeClr val="accent1">
-                <a:shade val="50000"/>
-              </a:schemeClr>
-            </a:lnRef>
-            <a:fillRef idx="1">
-              <a:schemeClr val="accent1"/>
-            </a:fillRef>
-            <a:effectRef idx="0">
-              <a:schemeClr val="accent1"/>
-            </a:effectRef>
-            <a:fontRef idx="minor">
-              <a:schemeClr val="lt1"/>
-            </a:fontRef>
-          </p:style>
-          <p:txBody>
-            <a:bodyPr rtlCol="0" anchor="ctr"/>
-            <a:lstStyle/>
-            <a:p>
-              <a:pPr algn="ctr"/>
-              <a:r>
-                <a:rPr lang="en-US" sz="1400" dirty="0"/>
-                <a:t>Programmed in P4</a:t>
-              </a:r>
-            </a:p>
-          </p:txBody>
-        </p:sp>
-        <p:sp>
-          <p:nvSpPr>
             <p:cNvPr id="158" name="Rectangle 157">
               <a:extLst>
                 <a:ext uri="{FF2B5EF4-FFF2-40B4-BE49-F238E27FC236}">
@@ -23362,6 +23496,115 @@
           </a:p>
         </p:txBody>
       </p:sp>
+      <p:sp>
+        <p:nvSpPr>
+          <p:cNvPr id="110" name="Rectangle 109">
+            <a:extLst>
+              <a:ext uri="{FF2B5EF4-FFF2-40B4-BE49-F238E27FC236}">
+                <a16:creationId xmlns:a16="http://schemas.microsoft.com/office/drawing/2014/main" id="{E2A5E8E0-93AC-D049-AF7A-D636F895FB25}"/>
+              </a:ext>
+            </a:extLst>
+          </p:cNvPr>
+          <p:cNvSpPr/>
+          <p:nvPr/>
+        </p:nvSpPr>
+        <p:spPr>
+          <a:xfrm>
+            <a:off x="8264930" y="1230086"/>
+            <a:ext cx="1602604" cy="172275"/>
+          </a:xfrm>
+          <a:prstGeom prst="rect">
+            <a:avLst/>
+          </a:prstGeom>
+          <a:solidFill>
+            <a:srgbClr val="00B050"/>
+          </a:solidFill>
+        </p:spPr>
+        <p:style>
+          <a:lnRef idx="2">
+            <a:schemeClr val="accent1">
+              <a:shade val="50000"/>
+            </a:schemeClr>
+          </a:lnRef>
+          <a:fillRef idx="1">
+            <a:schemeClr val="accent1"/>
+          </a:fillRef>
+          <a:effectRef idx="0">
+            <a:schemeClr val="accent1"/>
+          </a:effectRef>
+          <a:fontRef idx="minor">
+            <a:schemeClr val="lt1"/>
+          </a:fontRef>
+        </p:style>
+        <p:txBody>
+          <a:bodyPr rtlCol="0" anchor="ctr"/>
+          <a:lstStyle/>
+          <a:p>
+            <a:pPr algn="ctr"/>
+            <a:r>
+              <a:rPr lang="en-US" sz="1400" dirty="0"/>
+              <a:t>Programmed in P4</a:t>
+            </a:r>
+          </a:p>
+        </p:txBody>
+      </p:sp>
+      <p:sp>
+        <p:nvSpPr>
+          <p:cNvPr id="111" name="Rectangle 110">
+            <a:extLst>
+              <a:ext uri="{FF2B5EF4-FFF2-40B4-BE49-F238E27FC236}">
+                <a16:creationId xmlns:a16="http://schemas.microsoft.com/office/drawing/2014/main" id="{ADB2EAFD-6876-FC41-92A2-9537D0E9B78E}"/>
+              </a:ext>
+            </a:extLst>
+          </p:cNvPr>
+          <p:cNvSpPr/>
+          <p:nvPr/>
+        </p:nvSpPr>
+        <p:spPr>
+          <a:xfrm>
+            <a:off x="8264930" y="1409428"/>
+            <a:ext cx="1602604" cy="172275"/>
+          </a:xfrm>
+          <a:prstGeom prst="rect">
+            <a:avLst/>
+          </a:prstGeom>
+          <a:pattFill prst="wdDnDiag">
+            <a:fgClr>
+              <a:srgbClr val="00B050"/>
+            </a:fgClr>
+            <a:bgClr>
+              <a:srgbClr val="92D050"/>
+            </a:bgClr>
+          </a:pattFill>
+        </p:spPr>
+        <p:style>
+          <a:lnRef idx="2">
+            <a:schemeClr val="accent1">
+              <a:shade val="50000"/>
+            </a:schemeClr>
+          </a:lnRef>
+          <a:fillRef idx="1">
+            <a:schemeClr val="accent1"/>
+          </a:fillRef>
+          <a:effectRef idx="0">
+            <a:schemeClr val="accent1"/>
+          </a:effectRef>
+          <a:fontRef idx="minor">
+            <a:schemeClr val="lt1"/>
+          </a:fontRef>
+        </p:style>
+        <p:txBody>
+          <a:bodyPr rtlCol="0" anchor="ctr"/>
+          <a:lstStyle/>
+          <a:p>
+            <a:pPr algn="ctr"/>
+            <a:r>
+              <a:rPr lang="en-US" sz="1400" dirty="0"/>
+              <a:t>Planned Extension</a:t>
+            </a:r>
+          </a:p>
+        </p:txBody>
+      </p:sp>
     </p:spTree>
     <p:extLst>
       <p:ext uri="{BB962C8B-B14F-4D97-AF65-F5344CB8AC3E}">
@@ -23412,9 +23655,14 @@
           <a:prstGeom prst="rect">
             <a:avLst/>
           </a:prstGeom>
-          <a:solidFill>
-            <a:srgbClr val="00B050"/>
-          </a:solidFill>
+          <a:pattFill prst="wdDnDiag">
+            <a:fgClr>
+              <a:srgbClr val="00B050"/>
+            </a:fgClr>
+            <a:bgClr>
+              <a:srgbClr val="92D050"/>
+            </a:bgClr>
+          </a:pattFill>
         </p:spPr>
         <p:style>
           <a:lnRef idx="2">
@@ -26228,58 +26476,6 @@
       </p:sp>
       <p:sp>
         <p:nvSpPr>
-          <p:cNvPr id="113" name="Rectangle 112">
-            <a:extLst>
-              <a:ext uri="{FF2B5EF4-FFF2-40B4-BE49-F238E27FC236}">
-                <a16:creationId xmlns:a16="http://schemas.microsoft.com/office/drawing/2014/main" id="{58FA7448-7B0F-43F4-A246-03BDB307CBC0}"/>
-              </a:ext>
-            </a:extLst>
-          </p:cNvPr>
-          <p:cNvSpPr/>
-          <p:nvPr/>
-        </p:nvSpPr>
-        <p:spPr>
-          <a:xfrm>
-            <a:off x="8692145" y="2113631"/>
-            <a:ext cx="2089254" cy="224589"/>
-          </a:xfrm>
-          <a:prstGeom prst="rect">
-            <a:avLst/>
-          </a:prstGeom>
-          <a:solidFill>
-            <a:srgbClr val="00B050"/>
-          </a:solidFill>
-        </p:spPr>
-        <p:style>
-          <a:lnRef idx="2">
-            <a:schemeClr val="accent1">
-              <a:shade val="50000"/>
-            </a:schemeClr>
-          </a:lnRef>
-          <a:fillRef idx="1">
-            <a:schemeClr val="accent1"/>
-          </a:fillRef>
-          <a:effectRef idx="0">
-            <a:schemeClr val="accent1"/>
-          </a:effectRef>
-          <a:fontRef idx="minor">
-            <a:schemeClr val="lt1"/>
-          </a:fontRef>
-        </p:style>
-        <p:txBody>
-          <a:bodyPr rtlCol="0" anchor="ctr"/>
-          <a:lstStyle/>
-          <a:p>
-            <a:pPr algn="ctr"/>
-            <a:r>
-              <a:rPr lang="en-US" dirty="0"/>
-              <a:t>Programmed in P4</a:t>
-            </a:r>
-          </a:p>
-        </p:txBody>
-      </p:sp>
-      <p:sp>
-        <p:nvSpPr>
           <p:cNvPr id="114" name="Rectangle 113">
             <a:extLst>
               <a:ext uri="{FF2B5EF4-FFF2-40B4-BE49-F238E27FC236}">
@@ -27294,6 +27490,115 @@
             <a:r>
               <a:rPr lang="en-US" sz="1400" dirty="0"/>
               <a:t>: This was proposed and discussed at 2020-Dec-07 PNA meeting. It seems possible that organizing P4 code in 4 blocks as shown here would be straightforward for a P4 compiler to take and target a hardware architecture that looks more like v3.  (Clearly code organized like this should be easy to target to a hardware architecture that looks like v4).</a:t>
+            </a:r>
+          </a:p>
+        </p:txBody>
+      </p:sp>
+      <p:sp>
+        <p:nvSpPr>
+          <p:cNvPr id="103" name="Rectangle 102">
+            <a:extLst>
+              <a:ext uri="{FF2B5EF4-FFF2-40B4-BE49-F238E27FC236}">
+                <a16:creationId xmlns:a16="http://schemas.microsoft.com/office/drawing/2014/main" id="{90AA3EF1-9A53-2043-8F06-A468C3004721}"/>
+              </a:ext>
+            </a:extLst>
+          </p:cNvPr>
+          <p:cNvSpPr/>
+          <p:nvPr/>
+        </p:nvSpPr>
+        <p:spPr>
+          <a:xfrm>
+            <a:off x="8692145" y="1905798"/>
+            <a:ext cx="2089254" cy="224589"/>
+          </a:xfrm>
+          <a:prstGeom prst="rect">
+            <a:avLst/>
+          </a:prstGeom>
+          <a:solidFill>
+            <a:srgbClr val="00B050"/>
+          </a:solidFill>
+        </p:spPr>
+        <p:style>
+          <a:lnRef idx="2">
+            <a:schemeClr val="accent1">
+              <a:shade val="50000"/>
+            </a:schemeClr>
+          </a:lnRef>
+          <a:fillRef idx="1">
+            <a:schemeClr val="accent1"/>
+          </a:fillRef>
+          <a:effectRef idx="0">
+            <a:schemeClr val="accent1"/>
+          </a:effectRef>
+          <a:fontRef idx="minor">
+            <a:schemeClr val="lt1"/>
+          </a:fontRef>
+        </p:style>
+        <p:txBody>
+          <a:bodyPr rtlCol="0" anchor="ctr"/>
+          <a:lstStyle/>
+          <a:p>
+            <a:pPr algn="ctr"/>
+            <a:r>
+              <a:rPr lang="en-US" dirty="0"/>
+              <a:t>Programmed in P4</a:t>
+            </a:r>
+          </a:p>
+        </p:txBody>
+      </p:sp>
+      <p:sp>
+        <p:nvSpPr>
+          <p:cNvPr id="104" name="Rectangle 103">
+            <a:extLst>
+              <a:ext uri="{FF2B5EF4-FFF2-40B4-BE49-F238E27FC236}">
+                <a16:creationId xmlns:a16="http://schemas.microsoft.com/office/drawing/2014/main" id="{5B83BFDE-E372-B749-AB61-A4A2BA416ACA}"/>
+              </a:ext>
+            </a:extLst>
+          </p:cNvPr>
+          <p:cNvSpPr/>
+          <p:nvPr/>
+        </p:nvSpPr>
+        <p:spPr>
+          <a:xfrm>
+            <a:off x="8692145" y="2126236"/>
+            <a:ext cx="2089254" cy="224589"/>
+          </a:xfrm>
+          <a:prstGeom prst="rect">
+            <a:avLst/>
+          </a:prstGeom>
+          <a:pattFill prst="wdDnDiag">
+            <a:fgClr>
+              <a:srgbClr val="00B050"/>
+            </a:fgClr>
+            <a:bgClr>
+              <a:srgbClr val="92D050"/>
+            </a:bgClr>
+          </a:pattFill>
+        </p:spPr>
+        <p:style>
+          <a:lnRef idx="2">
+            <a:schemeClr val="accent1">
+              <a:shade val="50000"/>
+            </a:schemeClr>
+          </a:lnRef>
+          <a:fillRef idx="1">
+            <a:schemeClr val="accent1"/>
+          </a:fillRef>
+          <a:effectRef idx="0">
+            <a:schemeClr val="accent1"/>
+          </a:effectRef>
+          <a:fontRef idx="minor">
+            <a:schemeClr val="lt1"/>
+          </a:fontRef>
+        </p:style>
+        <p:txBody>
+          <a:bodyPr rtlCol="0" anchor="ctr"/>
+          <a:lstStyle/>
+          <a:p>
+            <a:pPr algn="ctr"/>
+            <a:r>
+              <a:rPr lang="en-US" dirty="0"/>
+              <a:t>Planned Extension</a:t>
             </a:r>
           </a:p>
         </p:txBody>
@@ -27607,21 +27912,12 @@
 </file>
 
 <file path=customXml/item1.xml><?xml version="1.0" encoding="utf-8"?>
-<?mso-contentType ?>
-<FormTemplates xmlns="http://schemas.microsoft.com/sharepoint/v3/contenttype/forms">
-  <Display>DocumentLibraryForm</Display>
-  <Edit>DocumentLibraryForm</Edit>
-  <New>DocumentLibraryForm</New>
-</FormTemplates>
-</file>
-
-<file path=customXml/item2.xml><?xml version="1.0" encoding="utf-8"?>
 <p:properties xmlns:p="http://schemas.microsoft.com/office/2006/metadata/properties" xmlns:xsi="http://www.w3.org/2001/XMLSchema-instance" xmlns:pc="http://schemas.microsoft.com/office/infopath/2007/PartnerControls">
   <documentManagement/>
 </p:properties>
 </file>
 
-<file path=customXml/item3.xml><?xml version="1.0" encoding="utf-8"?>
+<file path=customXml/item2.xml><?xml version="1.0" encoding="utf-8"?>
 <ct:contentTypeSchema xmlns:ct="http://schemas.microsoft.com/office/2006/metadata/contentType" xmlns:ma="http://schemas.microsoft.com/office/2006/metadata/properties/metaAttributes" ct:_="" ma:_="" ma:contentTypeName="Document" ma:contentTypeID="0x01010074D2001F796B5842ACB4675D256F8FDC" ma:contentTypeVersion="12" ma:contentTypeDescription="Create a new document." ma:contentTypeScope="" ma:versionID="c85e048fa781f40110e66b592c02dbca">
   <xsd:schema xmlns:xsd="http://www.w3.org/2001/XMLSchema" xmlns:xs="http://www.w3.org/2001/XMLSchema" xmlns:p="http://schemas.microsoft.com/office/2006/metadata/properties" xmlns:ns3="88a3e169-3f2e-4cb2-84e3-0f816f3920de" xmlns:ns4="6d44ab1e-4f7a-423e-9215-d8d8e61f56e6" targetNamespace="http://schemas.microsoft.com/office/2006/metadata/properties" ma:root="true" ma:fieldsID="6538c91a1e992d8cfb9fb30155d82126" ns3:_="" ns4:_="">
     <xsd:import namespace="88a3e169-3f2e-4cb2-84e3-0f816f3920de"/>
@@ -27838,15 +28134,16 @@
 </ct:contentTypeSchema>
 </file>
 
-<file path=customXml/itemProps1.xml><?xml version="1.0" encoding="utf-8"?>
-<ds:datastoreItem xmlns:ds="http://schemas.openxmlformats.org/officeDocument/2006/customXml" ds:itemID="{7F29137C-F1C0-4930-80A0-A7C0C38F3D82}">
-  <ds:schemaRefs>
-    <ds:schemaRef ds:uri="http://schemas.microsoft.com/sharepoint/v3/contenttype/forms"/>
-  </ds:schemaRefs>
-</ds:datastoreItem>
+<file path=customXml/item3.xml><?xml version="1.0" encoding="utf-8"?>
+<?mso-contentType ?>
+<FormTemplates xmlns="http://schemas.microsoft.com/sharepoint/v3/contenttype/forms">
+  <Display>DocumentLibraryForm</Display>
+  <Edit>DocumentLibraryForm</Edit>
+  <New>DocumentLibraryForm</New>
+</FormTemplates>
 </file>
 
-<file path=customXml/itemProps2.xml><?xml version="1.0" encoding="utf-8"?>
+<file path=customXml/itemProps1.xml><?xml version="1.0" encoding="utf-8"?>
 <ds:datastoreItem xmlns:ds="http://schemas.openxmlformats.org/officeDocument/2006/customXml" ds:itemID="{05F4B324-A6F8-4FC0-BBBB-05E2337781BA}">
   <ds:schemaRefs>
     <ds:schemaRef ds:uri="http://purl.org/dc/dcmitype/"/>
@@ -27863,7 +28160,7 @@
 </ds:datastoreItem>
 </file>
 
-<file path=customXml/itemProps3.xml><?xml version="1.0" encoding="utf-8"?>
+<file path=customXml/itemProps2.xml><?xml version="1.0" encoding="utf-8"?>
 <ds:datastoreItem xmlns:ds="http://schemas.openxmlformats.org/officeDocument/2006/customXml" ds:itemID="{BE4DBC62-83C7-4C26-A85C-6023E4D35A02}">
   <ds:schemaRefs>
     <ds:schemaRef ds:uri="http://schemas.microsoft.com/office/2006/metadata/contentType"/>
@@ -27880,4 +28177,12 @@
     <ds:schemaRef ds:uri="http://schemas.microsoft.com/internal/obd"/>
   </ds:schemaRefs>
 </ds:datastoreItem>
+</file>
+
+<file path=customXml/itemProps3.xml><?xml version="1.0" encoding="utf-8"?>
+<ds:datastoreItem xmlns:ds="http://schemas.openxmlformats.org/officeDocument/2006/customXml" ds:itemID="{7F29137C-F1C0-4930-80A0-A7C0C38F3D82}">
+  <ds:schemaRefs>
+    <ds:schemaRef ds:uri="http://schemas.microsoft.com/sharepoint/v3/contenttype/forms"/>
+  </ds:schemaRefs>
+</ds:datastoreItem>
 </file>
--- a/figs/pna-block-diagram.pptx
+++ b/figs/pna-block-diagram.pptx
@@ -259,7 +259,7 @@
           <a:p>
             <a:fld id="{B72825D7-6CAC-4DD9-81D1-F420B7F343C3}" type="datetimeFigureOut">
               <a:rPr lang="en-US" smtClean="0"/>
-              <a:t>5/14/2021</a:t>
+              <a:t>5/15/21</a:t>
             </a:fld>
             <a:endParaRPr lang="en-US"/>
           </a:p>
@@ -457,7 +457,7 @@
           <a:p>
             <a:fld id="{B72825D7-6CAC-4DD9-81D1-F420B7F343C3}" type="datetimeFigureOut">
               <a:rPr lang="en-US" smtClean="0"/>
-              <a:t>5/14/2021</a:t>
+              <a:t>5/15/21</a:t>
             </a:fld>
             <a:endParaRPr lang="en-US"/>
           </a:p>
@@ -665,7 +665,7 @@
           <a:p>
             <a:fld id="{B72825D7-6CAC-4DD9-81D1-F420B7F343C3}" type="datetimeFigureOut">
               <a:rPr lang="en-US" smtClean="0"/>
-              <a:t>5/14/2021</a:t>
+              <a:t>5/15/21</a:t>
             </a:fld>
             <a:endParaRPr lang="en-US"/>
           </a:p>
@@ -863,7 +863,7 @@
           <a:p>
             <a:fld id="{B72825D7-6CAC-4DD9-81D1-F420B7F343C3}" type="datetimeFigureOut">
               <a:rPr lang="en-US" smtClean="0"/>
-              <a:t>5/14/2021</a:t>
+              <a:t>5/15/21</a:t>
             </a:fld>
             <a:endParaRPr lang="en-US"/>
           </a:p>
@@ -1138,7 +1138,7 @@
           <a:p>
             <a:fld id="{B72825D7-6CAC-4DD9-81D1-F420B7F343C3}" type="datetimeFigureOut">
               <a:rPr lang="en-US" smtClean="0"/>
-              <a:t>5/14/2021</a:t>
+              <a:t>5/15/21</a:t>
             </a:fld>
             <a:endParaRPr lang="en-US"/>
           </a:p>
@@ -1403,7 +1403,7 @@
           <a:p>
             <a:fld id="{B72825D7-6CAC-4DD9-81D1-F420B7F343C3}" type="datetimeFigureOut">
               <a:rPr lang="en-US" smtClean="0"/>
-              <a:t>5/14/2021</a:t>
+              <a:t>5/15/21</a:t>
             </a:fld>
             <a:endParaRPr lang="en-US"/>
           </a:p>
@@ -1815,7 +1815,7 @@
           <a:p>
             <a:fld id="{B72825D7-6CAC-4DD9-81D1-F420B7F343C3}" type="datetimeFigureOut">
               <a:rPr lang="en-US" smtClean="0"/>
-              <a:t>5/14/2021</a:t>
+              <a:t>5/15/21</a:t>
             </a:fld>
             <a:endParaRPr lang="en-US"/>
           </a:p>
@@ -1956,7 +1956,7 @@
           <a:p>
             <a:fld id="{B72825D7-6CAC-4DD9-81D1-F420B7F343C3}" type="datetimeFigureOut">
               <a:rPr lang="en-US" smtClean="0"/>
-              <a:t>5/14/2021</a:t>
+              <a:t>5/15/21</a:t>
             </a:fld>
             <a:endParaRPr lang="en-US"/>
           </a:p>
@@ -2069,7 +2069,7 @@
           <a:p>
             <a:fld id="{B72825D7-6CAC-4DD9-81D1-F420B7F343C3}" type="datetimeFigureOut">
               <a:rPr lang="en-US" smtClean="0"/>
-              <a:t>5/14/2021</a:t>
+              <a:t>5/15/21</a:t>
             </a:fld>
             <a:endParaRPr lang="en-US"/>
           </a:p>
@@ -2380,7 +2380,7 @@
           <a:p>
             <a:fld id="{B72825D7-6CAC-4DD9-81D1-F420B7F343C3}" type="datetimeFigureOut">
               <a:rPr lang="en-US" smtClean="0"/>
-              <a:t>5/14/2021</a:t>
+              <a:t>5/15/21</a:t>
             </a:fld>
             <a:endParaRPr lang="en-US"/>
           </a:p>
@@ -2668,7 +2668,7 @@
           <a:p>
             <a:fld id="{B72825D7-6CAC-4DD9-81D1-F420B7F343C3}" type="datetimeFigureOut">
               <a:rPr lang="en-US" smtClean="0"/>
-              <a:t>5/14/2021</a:t>
+              <a:t>5/15/21</a:t>
             </a:fld>
             <a:endParaRPr lang="en-US"/>
           </a:p>
@@ -2909,7 +2909,7 @@
           <a:p>
             <a:fld id="{B72825D7-6CAC-4DD9-81D1-F420B7F343C3}" type="datetimeFigureOut">
               <a:rPr lang="en-US" smtClean="0"/>
-              <a:t>5/14/2021</a:t>
+              <a:t>5/15/21</a:t>
             </a:fld>
             <a:endParaRPr lang="en-US"/>
           </a:p>
@@ -3346,9 +3346,14 @@
           <a:prstGeom prst="rect">
             <a:avLst/>
           </a:prstGeom>
-          <a:solidFill>
-            <a:srgbClr val="00B050"/>
-          </a:solidFill>
+          <a:pattFill prst="wdDnDiag">
+            <a:fgClr>
+              <a:srgbClr val="00B050"/>
+            </a:fgClr>
+            <a:bgClr>
+              <a:srgbClr val="92D050"/>
+            </a:bgClr>
+          </a:pattFill>
         </p:spPr>
         <p:style>
           <a:lnRef idx="2">
@@ -5349,7 +5354,7 @@
         </p:nvSpPr>
         <p:spPr>
           <a:xfrm>
-            <a:off x="8252056" y="2181696"/>
+            <a:off x="8252056" y="2191852"/>
             <a:ext cx="2089254" cy="224589"/>
           </a:xfrm>
           <a:prstGeom prst="rect">
@@ -5401,7 +5406,7 @@
         </p:nvSpPr>
         <p:spPr>
           <a:xfrm>
-            <a:off x="8252056" y="2416268"/>
+            <a:off x="8252056" y="2642796"/>
             <a:ext cx="2089254" cy="240643"/>
           </a:xfrm>
           <a:prstGeom prst="rect">
@@ -7312,6 +7317,63 @@
           </a:fontRef>
         </p:style>
       </p:cxnSp>
+      <p:sp>
+        <p:nvSpPr>
+          <p:cNvPr id="100" name="Rectangle 99">
+            <a:extLst>
+              <a:ext uri="{FF2B5EF4-FFF2-40B4-BE49-F238E27FC236}">
+                <a16:creationId xmlns:a16="http://schemas.microsoft.com/office/drawing/2014/main" id="{C849513D-F7D9-E54C-A2E9-C5DD3BE1EB01}"/>
+              </a:ext>
+            </a:extLst>
+          </p:cNvPr>
+          <p:cNvSpPr/>
+          <p:nvPr/>
+        </p:nvSpPr>
+        <p:spPr>
+          <a:xfrm>
+            <a:off x="8252056" y="2417177"/>
+            <a:ext cx="2089254" cy="224589"/>
+          </a:xfrm>
+          <a:prstGeom prst="rect">
+            <a:avLst/>
+          </a:prstGeom>
+          <a:pattFill prst="wdDnDiag">
+            <a:fgClr>
+              <a:srgbClr val="00B050"/>
+            </a:fgClr>
+            <a:bgClr>
+              <a:srgbClr val="92D050"/>
+            </a:bgClr>
+          </a:pattFill>
+        </p:spPr>
+        <p:style>
+          <a:lnRef idx="2">
+            <a:schemeClr val="accent1">
+              <a:shade val="50000"/>
+            </a:schemeClr>
+          </a:lnRef>
+          <a:fillRef idx="1">
+            <a:schemeClr val="accent1"/>
+          </a:fillRef>
+          <a:effectRef idx="0">
+            <a:schemeClr val="accent1"/>
+          </a:effectRef>
+          <a:fontRef idx="minor">
+            <a:schemeClr val="lt1"/>
+          </a:fontRef>
+        </p:style>
+        <p:txBody>
+          <a:bodyPr rtlCol="0" anchor="ctr"/>
+          <a:lstStyle/>
+          <a:p>
+            <a:pPr algn="ctr"/>
+            <a:r>
+              <a:rPr lang="en-US" dirty="0"/>
+              <a:t>Planned Extension</a:t>
+            </a:r>
+          </a:p>
+        </p:txBody>
+      </p:sp>
     </p:spTree>
     <p:extLst>
       <p:ext uri="{BB962C8B-B14F-4D97-AF65-F5344CB8AC3E}">
@@ -7621,6 +7683,21 @@
 </file>
 
 <file path=customXml/item1.xml><?xml version="1.0" encoding="utf-8"?>
+<p:properties xmlns:p="http://schemas.microsoft.com/office/2006/metadata/properties" xmlns:xsi="http://www.w3.org/2001/XMLSchema-instance" xmlns:pc="http://schemas.microsoft.com/office/infopath/2007/PartnerControls">
+  <documentManagement/>
+</p:properties>
+</file>
+
+<file path=customXml/item2.xml><?xml version="1.0" encoding="utf-8"?>
+<?mso-contentType ?>
+<FormTemplates xmlns="http://schemas.microsoft.com/sharepoint/v3/contenttype/forms">
+  <Display>DocumentLibraryForm</Display>
+  <Edit>DocumentLibraryForm</Edit>
+  <New>DocumentLibraryForm</New>
+</FormTemplates>
+</file>
+
+<file path=customXml/item3.xml><?xml version="1.0" encoding="utf-8"?>
 <ct:contentTypeSchema xmlns:ct="http://schemas.microsoft.com/office/2006/metadata/contentType" xmlns:ma="http://schemas.microsoft.com/office/2006/metadata/properties/metaAttributes" ct:_="" ma:_="" ma:contentTypeName="Document" ma:contentTypeID="0x01010074D2001F796B5842ACB4675D256F8FDC" ma:contentTypeVersion="12" ma:contentTypeDescription="Create a new document." ma:contentTypeScope="" ma:versionID="c85e048fa781f40110e66b592c02dbca">
   <xsd:schema xmlns:xsd="http://www.w3.org/2001/XMLSchema" xmlns:xs="http://www.w3.org/2001/XMLSchema" xmlns:p="http://schemas.microsoft.com/office/2006/metadata/properties" xmlns:ns3="88a3e169-3f2e-4cb2-84e3-0f816f3920de" xmlns:ns4="6d44ab1e-4f7a-423e-9215-d8d8e61f56e6" targetNamespace="http://schemas.microsoft.com/office/2006/metadata/properties" ma:root="true" ma:fieldsID="6538c91a1e992d8cfb9fb30155d82126" ns3:_="" ns4:_="">
     <xsd:import namespace="88a3e169-3f2e-4cb2-84e3-0f816f3920de"/>
@@ -7837,22 +7914,32 @@
 </ct:contentTypeSchema>
 </file>
 
-<file path=customXml/item2.xml><?xml version="1.0" encoding="utf-8"?>
-<?mso-contentType ?>
-<FormTemplates xmlns="http://schemas.microsoft.com/sharepoint/v3/contenttype/forms">
-  <Display>DocumentLibraryForm</Display>
-  <Edit>DocumentLibraryForm</Edit>
-  <New>DocumentLibraryForm</New>
-</FormTemplates>
+<file path=customXml/itemProps1.xml><?xml version="1.0" encoding="utf-8"?>
+<ds:datastoreItem xmlns:ds="http://schemas.openxmlformats.org/officeDocument/2006/customXml" ds:itemID="{05F4B324-A6F8-4FC0-BBBB-05E2337781BA}">
+  <ds:schemaRefs>
+    <ds:schemaRef ds:uri="http://purl.org/dc/dcmitype/"/>
+    <ds:schemaRef ds:uri="http://schemas.microsoft.com/office/infopath/2007/PartnerControls"/>
+    <ds:schemaRef ds:uri="http://purl.org/dc/elements/1.1/"/>
+    <ds:schemaRef ds:uri="http://schemas.microsoft.com/office/2006/metadata/properties"/>
+    <ds:schemaRef ds:uri="http://schemas.microsoft.com/office/2006/documentManagement/types"/>
+    <ds:schemaRef ds:uri="http://purl.org/dc/terms/"/>
+    <ds:schemaRef ds:uri="http://schemas.openxmlformats.org/package/2006/metadata/core-properties"/>
+    <ds:schemaRef ds:uri="6d44ab1e-4f7a-423e-9215-d8d8e61f56e6"/>
+    <ds:schemaRef ds:uri="88a3e169-3f2e-4cb2-84e3-0f816f3920de"/>
+    <ds:schemaRef ds:uri="http://www.w3.org/XML/1998/namespace"/>
+  </ds:schemaRefs>
+</ds:datastoreItem>
 </file>
 
-<file path=customXml/item3.xml><?xml version="1.0" encoding="utf-8"?>
-<p:properties xmlns:p="http://schemas.microsoft.com/office/2006/metadata/properties" xmlns:xsi="http://www.w3.org/2001/XMLSchema-instance" xmlns:pc="http://schemas.microsoft.com/office/infopath/2007/PartnerControls">
-  <documentManagement/>
-</p:properties>
+<file path=customXml/itemProps2.xml><?xml version="1.0" encoding="utf-8"?>
+<ds:datastoreItem xmlns:ds="http://schemas.openxmlformats.org/officeDocument/2006/customXml" ds:itemID="{7F29137C-F1C0-4930-80A0-A7C0C38F3D82}">
+  <ds:schemaRefs>
+    <ds:schemaRef ds:uri="http://schemas.microsoft.com/sharepoint/v3/contenttype/forms"/>
+  </ds:schemaRefs>
+</ds:datastoreItem>
 </file>
 
-<file path=customXml/itemProps1.xml><?xml version="1.0" encoding="utf-8"?>
+<file path=customXml/itemProps3.xml><?xml version="1.0" encoding="utf-8"?>
 <ds:datastoreItem xmlns:ds="http://schemas.openxmlformats.org/officeDocument/2006/customXml" ds:itemID="{BE4DBC62-83C7-4C26-A85C-6023E4D35A02}">
   <ds:schemaRefs>
     <ds:schemaRef ds:uri="http://schemas.microsoft.com/office/2006/metadata/contentType"/>
@@ -7869,29 +7956,4 @@
     <ds:schemaRef ds:uri="http://schemas.microsoft.com/internal/obd"/>
   </ds:schemaRefs>
 </ds:datastoreItem>
-</file>
-
-<file path=customXml/itemProps2.xml><?xml version="1.0" encoding="utf-8"?>
-<ds:datastoreItem xmlns:ds="http://schemas.openxmlformats.org/officeDocument/2006/customXml" ds:itemID="{7F29137C-F1C0-4930-80A0-A7C0C38F3D82}">
-  <ds:schemaRefs>
-    <ds:schemaRef ds:uri="http://schemas.microsoft.com/sharepoint/v3/contenttype/forms"/>
-  </ds:schemaRefs>
-</ds:datastoreItem>
-</file>
-
-<file path=customXml/itemProps3.xml><?xml version="1.0" encoding="utf-8"?>
-<ds:datastoreItem xmlns:ds="http://schemas.openxmlformats.org/officeDocument/2006/customXml" ds:itemID="{05F4B324-A6F8-4FC0-BBBB-05E2337781BA}">
-  <ds:schemaRefs>
-    <ds:schemaRef ds:uri="http://purl.org/dc/dcmitype/"/>
-    <ds:schemaRef ds:uri="http://schemas.microsoft.com/office/infopath/2007/PartnerControls"/>
-    <ds:schemaRef ds:uri="http://purl.org/dc/elements/1.1/"/>
-    <ds:schemaRef ds:uri="http://schemas.microsoft.com/office/2006/metadata/properties"/>
-    <ds:schemaRef ds:uri="http://schemas.microsoft.com/office/2006/documentManagement/types"/>
-    <ds:schemaRef ds:uri="http://purl.org/dc/terms/"/>
-    <ds:schemaRef ds:uri="http://schemas.openxmlformats.org/package/2006/metadata/core-properties"/>
-    <ds:schemaRef ds:uri="6d44ab1e-4f7a-423e-9215-d8d8e61f56e6"/>
-    <ds:schemaRef ds:uri="88a3e169-3f2e-4cb2-84e3-0f816f3920de"/>
-    <ds:schemaRef ds:uri="http://www.w3.org/XML/1998/namespace"/>
-  </ds:schemaRefs>
-</ds:datastoreItem>
 </file>
--- a/figs/pna-block-diagram.pptx
+++ b/figs/pna-block-diagram.pptx
@@ -259,7 +259,7 @@
           <a:p>
             <a:fld id="{B72825D7-6CAC-4DD9-81D1-F420B7F343C3}" type="datetimeFigureOut">
               <a:rPr lang="en-US" smtClean="0"/>
-              <a:t>5/15/21</a:t>
+              <a:t>10/18/2022</a:t>
             </a:fld>
             <a:endParaRPr lang="en-US"/>
           </a:p>
@@ -457,7 +457,7 @@
           <a:p>
             <a:fld id="{B72825D7-6CAC-4DD9-81D1-F420B7F343C3}" type="datetimeFigureOut">
               <a:rPr lang="en-US" smtClean="0"/>
-              <a:t>5/15/21</a:t>
+              <a:t>10/18/2022</a:t>
             </a:fld>
             <a:endParaRPr lang="en-US"/>
           </a:p>
@@ -665,7 +665,7 @@
           <a:p>
             <a:fld id="{B72825D7-6CAC-4DD9-81D1-F420B7F343C3}" type="datetimeFigureOut">
               <a:rPr lang="en-US" smtClean="0"/>
-              <a:t>5/15/21</a:t>
+              <a:t>10/18/2022</a:t>
             </a:fld>
             <a:endParaRPr lang="en-US"/>
           </a:p>
@@ -863,7 +863,7 @@
           <a:p>
             <a:fld id="{B72825D7-6CAC-4DD9-81D1-F420B7F343C3}" type="datetimeFigureOut">
               <a:rPr lang="en-US" smtClean="0"/>
-              <a:t>5/15/21</a:t>
+              <a:t>10/18/2022</a:t>
             </a:fld>
             <a:endParaRPr lang="en-US"/>
           </a:p>
@@ -1138,7 +1138,7 @@
           <a:p>
             <a:fld id="{B72825D7-6CAC-4DD9-81D1-F420B7F343C3}" type="datetimeFigureOut">
               <a:rPr lang="en-US" smtClean="0"/>
-              <a:t>5/15/21</a:t>
+              <a:t>10/18/2022</a:t>
             </a:fld>
             <a:endParaRPr lang="en-US"/>
           </a:p>
@@ -1403,7 +1403,7 @@
           <a:p>
             <a:fld id="{B72825D7-6CAC-4DD9-81D1-F420B7F343C3}" type="datetimeFigureOut">
               <a:rPr lang="en-US" smtClean="0"/>
-              <a:t>5/15/21</a:t>
+              <a:t>10/18/2022</a:t>
             </a:fld>
             <a:endParaRPr lang="en-US"/>
           </a:p>
@@ -1815,7 +1815,7 @@
           <a:p>
             <a:fld id="{B72825D7-6CAC-4DD9-81D1-F420B7F343C3}" type="datetimeFigureOut">
               <a:rPr lang="en-US" smtClean="0"/>
-              <a:t>5/15/21</a:t>
+              <a:t>10/18/2022</a:t>
             </a:fld>
             <a:endParaRPr lang="en-US"/>
           </a:p>
@@ -1956,7 +1956,7 @@
           <a:p>
             <a:fld id="{B72825D7-6CAC-4DD9-81D1-F420B7F343C3}" type="datetimeFigureOut">
               <a:rPr lang="en-US" smtClean="0"/>
-              <a:t>5/15/21</a:t>
+              <a:t>10/18/2022</a:t>
             </a:fld>
             <a:endParaRPr lang="en-US"/>
           </a:p>
@@ -2069,7 +2069,7 @@
           <a:p>
             <a:fld id="{B72825D7-6CAC-4DD9-81D1-F420B7F343C3}" type="datetimeFigureOut">
               <a:rPr lang="en-US" smtClean="0"/>
-              <a:t>5/15/21</a:t>
+              <a:t>10/18/2022</a:t>
             </a:fld>
             <a:endParaRPr lang="en-US"/>
           </a:p>
@@ -2380,7 +2380,7 @@
           <a:p>
             <a:fld id="{B72825D7-6CAC-4DD9-81D1-F420B7F343C3}" type="datetimeFigureOut">
               <a:rPr lang="en-US" smtClean="0"/>
-              <a:t>5/15/21</a:t>
+              <a:t>10/18/2022</a:t>
             </a:fld>
             <a:endParaRPr lang="en-US"/>
           </a:p>
@@ -2668,7 +2668,7 @@
           <a:p>
             <a:fld id="{B72825D7-6CAC-4DD9-81D1-F420B7F343C3}" type="datetimeFigureOut">
               <a:rPr lang="en-US" smtClean="0"/>
-              <a:t>5/15/21</a:t>
+              <a:t>10/18/2022</a:t>
             </a:fld>
             <a:endParaRPr lang="en-US"/>
           </a:p>
@@ -2909,7 +2909,7 @@
           <a:p>
             <a:fld id="{B72825D7-6CAC-4DD9-81D1-F420B7F343C3}" type="datetimeFigureOut">
               <a:rPr lang="en-US" smtClean="0"/>
-              <a:t>5/15/21</a:t>
+              <a:t>10/18/2022</a:t>
             </a:fld>
             <a:endParaRPr lang="en-US"/>
           </a:p>
@@ -6367,47 +6367,6 @@
       </p:cxnSp>
       <p:cxnSp>
         <p:nvCxnSpPr>
-          <p:cNvPr id="18" name="Straight Arrow Connector 17">
-            <a:extLst>
-              <a:ext uri="{FF2B5EF4-FFF2-40B4-BE49-F238E27FC236}">
-                <a16:creationId xmlns:a16="http://schemas.microsoft.com/office/drawing/2014/main" id="{78AD3BE8-DF3A-4F04-908C-973DFE021940}"/>
-              </a:ext>
-            </a:extLst>
-          </p:cNvPr>
-          <p:cNvCxnSpPr>
-            <a:cxnSpLocks/>
-          </p:cNvCxnSpPr>
-          <p:nvPr/>
-        </p:nvCxnSpPr>
-        <p:spPr>
-          <a:xfrm>
-            <a:off x="6559873" y="3591246"/>
-            <a:ext cx="0" cy="138113"/>
-          </a:xfrm>
-          <a:prstGeom prst="straightConnector1">
-            <a:avLst/>
-          </a:prstGeom>
-          <a:ln>
-            <a:tailEnd type="triangle"/>
-          </a:ln>
-        </p:spPr>
-        <p:style>
-          <a:lnRef idx="1">
-            <a:schemeClr val="accent1"/>
-          </a:lnRef>
-          <a:fillRef idx="0">
-            <a:schemeClr val="accent1"/>
-          </a:fillRef>
-          <a:effectRef idx="0">
-            <a:schemeClr val="accent1"/>
-          </a:effectRef>
-          <a:fontRef idx="minor">
-            <a:schemeClr val="tx1"/>
-          </a:fontRef>
-        </p:style>
-      </p:cxnSp>
-      <p:cxnSp>
-        <p:nvCxnSpPr>
           <p:cNvPr id="21" name="Straight Arrow Connector 20">
             <a:extLst>
               <a:ext uri="{FF2B5EF4-FFF2-40B4-BE49-F238E27FC236}">
@@ -6572,47 +6531,6 @@
       </p:cxnSp>
       <p:cxnSp>
         <p:nvCxnSpPr>
-          <p:cNvPr id="32" name="Straight Arrow Connector 31">
-            <a:extLst>
-              <a:ext uri="{FF2B5EF4-FFF2-40B4-BE49-F238E27FC236}">
-                <a16:creationId xmlns:a16="http://schemas.microsoft.com/office/drawing/2014/main" id="{92046405-9500-4397-B377-F93955C0070E}"/>
-              </a:ext>
-            </a:extLst>
-          </p:cNvPr>
-          <p:cNvCxnSpPr>
-            <a:cxnSpLocks/>
-          </p:cNvCxnSpPr>
-          <p:nvPr/>
-        </p:nvCxnSpPr>
-        <p:spPr>
-          <a:xfrm>
-            <a:off x="5686646" y="3584251"/>
-            <a:ext cx="0" cy="145108"/>
-          </a:xfrm>
-          <a:prstGeom prst="straightConnector1">
-            <a:avLst/>
-          </a:prstGeom>
-          <a:ln>
-            <a:tailEnd type="triangle"/>
-          </a:ln>
-        </p:spPr>
-        <p:style>
-          <a:lnRef idx="1">
-            <a:schemeClr val="accent1"/>
-          </a:lnRef>
-          <a:fillRef idx="0">
-            <a:schemeClr val="accent1"/>
-          </a:fillRef>
-          <a:effectRef idx="0">
-            <a:schemeClr val="accent1"/>
-          </a:effectRef>
-          <a:fontRef idx="minor">
-            <a:schemeClr val="tx1"/>
-          </a:fontRef>
-        </p:style>
-      </p:cxnSp>
-      <p:cxnSp>
-        <p:nvCxnSpPr>
           <p:cNvPr id="33" name="Straight Arrow Connector 32">
             <a:extLst>
               <a:ext uri="{FF2B5EF4-FFF2-40B4-BE49-F238E27FC236}">
@@ -6652,58 +6570,6 @@
           </a:fontRef>
         </p:style>
       </p:cxnSp>
-      <p:sp>
-        <p:nvSpPr>
-          <p:cNvPr id="145" name="Rectangle 144">
-            <a:extLst>
-              <a:ext uri="{FF2B5EF4-FFF2-40B4-BE49-F238E27FC236}">
-                <a16:creationId xmlns:a16="http://schemas.microsoft.com/office/drawing/2014/main" id="{69B7E0ED-8772-44A6-BD46-8EBA68442208}"/>
-              </a:ext>
-            </a:extLst>
-          </p:cNvPr>
-          <p:cNvSpPr/>
-          <p:nvPr/>
-        </p:nvSpPr>
-        <p:spPr>
-          <a:xfrm>
-            <a:off x="5374452" y="3386966"/>
-            <a:ext cx="1494503" cy="200960"/>
-          </a:xfrm>
-          <a:prstGeom prst="rect">
-            <a:avLst/>
-          </a:prstGeom>
-          <a:solidFill>
-            <a:srgbClr val="00B050"/>
-          </a:solidFill>
-        </p:spPr>
-        <p:style>
-          <a:lnRef idx="2">
-            <a:schemeClr val="accent1">
-              <a:shade val="50000"/>
-            </a:schemeClr>
-          </a:lnRef>
-          <a:fillRef idx="1">
-            <a:schemeClr val="accent1"/>
-          </a:fillRef>
-          <a:effectRef idx="0">
-            <a:schemeClr val="accent1"/>
-          </a:effectRef>
-          <a:fontRef idx="minor">
-            <a:schemeClr val="lt1"/>
-          </a:fontRef>
-        </p:style>
-        <p:txBody>
-          <a:bodyPr rtlCol="0" anchor="ctr"/>
-          <a:lstStyle/>
-          <a:p>
-            <a:pPr algn="ctr"/>
-            <a:r>
-              <a:rPr lang="en-US" dirty="0"/>
-              <a:t>Pre control</a:t>
-            </a:r>
-          </a:p>
-        </p:txBody>
-      </p:sp>
       <p:cxnSp>
         <p:nvCxnSpPr>
           <p:cNvPr id="146" name="Straight Arrow Connector 145">
@@ -6721,7 +6587,7 @@
         <p:spPr>
           <a:xfrm>
             <a:off x="6563664" y="3255848"/>
-            <a:ext cx="0" cy="138113"/>
+            <a:ext cx="0" cy="466516"/>
           </a:xfrm>
           <a:prstGeom prst="straightConnector1">
             <a:avLst/>
@@ -6762,7 +6628,7 @@
         <p:spPr>
           <a:xfrm>
             <a:off x="5690437" y="3248853"/>
-            <a:ext cx="0" cy="145108"/>
+            <a:ext cx="0" cy="473511"/>
           </a:xfrm>
           <a:prstGeom prst="straightConnector1">
             <a:avLst/>
@@ -7683,21 +7549,6 @@
 </file>
 
 <file path=customXml/item1.xml><?xml version="1.0" encoding="utf-8"?>
-<p:properties xmlns:p="http://schemas.microsoft.com/office/2006/metadata/properties" xmlns:xsi="http://www.w3.org/2001/XMLSchema-instance" xmlns:pc="http://schemas.microsoft.com/office/infopath/2007/PartnerControls">
-  <documentManagement/>
-</p:properties>
-</file>
-
-<file path=customXml/item2.xml><?xml version="1.0" encoding="utf-8"?>
-<?mso-contentType ?>
-<FormTemplates xmlns="http://schemas.microsoft.com/sharepoint/v3/contenttype/forms">
-  <Display>DocumentLibraryForm</Display>
-  <Edit>DocumentLibraryForm</Edit>
-  <New>DocumentLibraryForm</New>
-</FormTemplates>
-</file>
-
-<file path=customXml/item3.xml><?xml version="1.0" encoding="utf-8"?>
 <ct:contentTypeSchema xmlns:ct="http://schemas.microsoft.com/office/2006/metadata/contentType" xmlns:ma="http://schemas.microsoft.com/office/2006/metadata/properties/metaAttributes" ct:_="" ma:_="" ma:contentTypeName="Document" ma:contentTypeID="0x01010074D2001F796B5842ACB4675D256F8FDC" ma:contentTypeVersion="12" ma:contentTypeDescription="Create a new document." ma:contentTypeScope="" ma:versionID="c85e048fa781f40110e66b592c02dbca">
   <xsd:schema xmlns:xsd="http://www.w3.org/2001/XMLSchema" xmlns:xs="http://www.w3.org/2001/XMLSchema" xmlns:p="http://schemas.microsoft.com/office/2006/metadata/properties" xmlns:ns3="88a3e169-3f2e-4cb2-84e3-0f816f3920de" xmlns:ns4="6d44ab1e-4f7a-423e-9215-d8d8e61f56e6" targetNamespace="http://schemas.microsoft.com/office/2006/metadata/properties" ma:root="true" ma:fieldsID="6538c91a1e992d8cfb9fb30155d82126" ns3:_="" ns4:_="">
     <xsd:import namespace="88a3e169-3f2e-4cb2-84e3-0f816f3920de"/>
@@ -7914,32 +7765,22 @@
 </ct:contentTypeSchema>
 </file>
 
-<file path=customXml/itemProps1.xml><?xml version="1.0" encoding="utf-8"?>
-<ds:datastoreItem xmlns:ds="http://schemas.openxmlformats.org/officeDocument/2006/customXml" ds:itemID="{05F4B324-A6F8-4FC0-BBBB-05E2337781BA}">
-  <ds:schemaRefs>
-    <ds:schemaRef ds:uri="http://purl.org/dc/dcmitype/"/>
-    <ds:schemaRef ds:uri="http://schemas.microsoft.com/office/infopath/2007/PartnerControls"/>
-    <ds:schemaRef ds:uri="http://purl.org/dc/elements/1.1/"/>
-    <ds:schemaRef ds:uri="http://schemas.microsoft.com/office/2006/metadata/properties"/>
-    <ds:schemaRef ds:uri="http://schemas.microsoft.com/office/2006/documentManagement/types"/>
-    <ds:schemaRef ds:uri="http://purl.org/dc/terms/"/>
-    <ds:schemaRef ds:uri="http://schemas.openxmlformats.org/package/2006/metadata/core-properties"/>
-    <ds:schemaRef ds:uri="6d44ab1e-4f7a-423e-9215-d8d8e61f56e6"/>
-    <ds:schemaRef ds:uri="88a3e169-3f2e-4cb2-84e3-0f816f3920de"/>
-    <ds:schemaRef ds:uri="http://www.w3.org/XML/1998/namespace"/>
-  </ds:schemaRefs>
-</ds:datastoreItem>
+<file path=customXml/item2.xml><?xml version="1.0" encoding="utf-8"?>
+<?mso-contentType ?>
+<FormTemplates xmlns="http://schemas.microsoft.com/sharepoint/v3/contenttype/forms">
+  <Display>DocumentLibraryForm</Display>
+  <Edit>DocumentLibraryForm</Edit>
+  <New>DocumentLibraryForm</New>
+</FormTemplates>
 </file>
 
-<file path=customXml/itemProps2.xml><?xml version="1.0" encoding="utf-8"?>
-<ds:datastoreItem xmlns:ds="http://schemas.openxmlformats.org/officeDocument/2006/customXml" ds:itemID="{7F29137C-F1C0-4930-80A0-A7C0C38F3D82}">
-  <ds:schemaRefs>
-    <ds:schemaRef ds:uri="http://schemas.microsoft.com/sharepoint/v3/contenttype/forms"/>
-  </ds:schemaRefs>
-</ds:datastoreItem>
+<file path=customXml/item3.xml><?xml version="1.0" encoding="utf-8"?>
+<p:properties xmlns:p="http://schemas.microsoft.com/office/2006/metadata/properties" xmlns:xsi="http://www.w3.org/2001/XMLSchema-instance" xmlns:pc="http://schemas.microsoft.com/office/infopath/2007/PartnerControls">
+  <documentManagement/>
+</p:properties>
 </file>
 
-<file path=customXml/itemProps3.xml><?xml version="1.0" encoding="utf-8"?>
+<file path=customXml/itemProps1.xml><?xml version="1.0" encoding="utf-8"?>
 <ds:datastoreItem xmlns:ds="http://schemas.openxmlformats.org/officeDocument/2006/customXml" ds:itemID="{BE4DBC62-83C7-4C26-A85C-6023E4D35A02}">
   <ds:schemaRefs>
     <ds:schemaRef ds:uri="http://schemas.microsoft.com/office/2006/metadata/contentType"/>
@@ -7956,4 +7797,29 @@
     <ds:schemaRef ds:uri="http://schemas.microsoft.com/internal/obd"/>
   </ds:schemaRefs>
 </ds:datastoreItem>
+</file>
+
+<file path=customXml/itemProps2.xml><?xml version="1.0" encoding="utf-8"?>
+<ds:datastoreItem xmlns:ds="http://schemas.openxmlformats.org/officeDocument/2006/customXml" ds:itemID="{7F29137C-F1C0-4930-80A0-A7C0C38F3D82}">
+  <ds:schemaRefs>
+    <ds:schemaRef ds:uri="http://schemas.microsoft.com/sharepoint/v3/contenttype/forms"/>
+  </ds:schemaRefs>
+</ds:datastoreItem>
+</file>
+
+<file path=customXml/itemProps3.xml><?xml version="1.0" encoding="utf-8"?>
+<ds:datastoreItem xmlns:ds="http://schemas.openxmlformats.org/officeDocument/2006/customXml" ds:itemID="{05F4B324-A6F8-4FC0-BBBB-05E2337781BA}">
+  <ds:schemaRefs>
+    <ds:schemaRef ds:uri="http://schemas.microsoft.com/office/2006/documentManagement/types"/>
+    <ds:schemaRef ds:uri="http://purl.org/dc/terms/"/>
+    <ds:schemaRef ds:uri="http://purl.org/dc/elements/1.1/"/>
+    <ds:schemaRef ds:uri="http://www.w3.org/XML/1998/namespace"/>
+    <ds:schemaRef ds:uri="http://purl.org/dc/dcmitype/"/>
+    <ds:schemaRef ds:uri="6d44ab1e-4f7a-423e-9215-d8d8e61f56e6"/>
+    <ds:schemaRef ds:uri="88a3e169-3f2e-4cb2-84e3-0f816f3920de"/>
+    <ds:schemaRef ds:uri="http://schemas.microsoft.com/office/infopath/2007/PartnerControls"/>
+    <ds:schemaRef ds:uri="http://schemas.openxmlformats.org/package/2006/metadata/core-properties"/>
+    <ds:schemaRef ds:uri="http://schemas.microsoft.com/office/2006/metadata/properties"/>
+  </ds:schemaRefs>
+</ds:datastoreItem>
 </file>